--- a/PELATIHAN/PELATIHAN SIAPPRO.pptx
+++ b/PELATIHAN/PELATIHAN SIAPPRO.pptx
@@ -12,12 +12,12 @@
     <p:sldId id="260" r:id="rId6"/>
     <p:sldId id="261" r:id="rId7"/>
     <p:sldId id="257" r:id="rId8"/>
-    <p:sldId id="258" r:id="rId9"/>
-    <p:sldId id="263" r:id="rId10"/>
-    <p:sldId id="264" r:id="rId11"/>
-    <p:sldId id="265" r:id="rId12"/>
-    <p:sldId id="267" r:id="rId13"/>
-    <p:sldId id="268" r:id="rId14"/>
+    <p:sldId id="263" r:id="rId9"/>
+    <p:sldId id="264" r:id="rId10"/>
+    <p:sldId id="265" r:id="rId11"/>
+    <p:sldId id="267" r:id="rId12"/>
+    <p:sldId id="268" r:id="rId13"/>
+    <p:sldId id="258" r:id="rId14"/>
     <p:sldId id="262" r:id="rId15"/>
   </p:sldIdLst>
   <p:sldSz cx="9144000" cy="6858000" type="screen4x3"/>
@@ -8234,6 +8234,13 @@
         </dgm:presLayoutVars>
       </dgm:prSet>
       <dgm:spPr/>
+      <dgm:t>
+        <a:bodyPr/>
+        <a:lstStyle/>
+        <a:p>
+          <a:endParaRPr lang="en-US"/>
+        </a:p>
+      </dgm:t>
     </dgm:pt>
     <dgm:pt modelId="{F9C59EBB-CF2F-4906-91B5-065F4DFC797B}" type="pres">
       <dgm:prSet presAssocID="{41098009-6AAF-4212-AA0D-067A2FE543E5}" presName="Name1" presStyleCnt="0"/>
@@ -8250,6 +8257,13 @@
     <dgm:pt modelId="{8183ABDE-714C-4DA3-9CD4-DEC96E4D0345}" type="pres">
       <dgm:prSet presAssocID="{41098009-6AAF-4212-AA0D-067A2FE543E5}" presName="conn" presStyleLbl="parChTrans1D2" presStyleIdx="0" presStyleCnt="1"/>
       <dgm:spPr/>
+      <dgm:t>
+        <a:bodyPr/>
+        <a:lstStyle/>
+        <a:p>
+          <a:endParaRPr lang="en-US"/>
+        </a:p>
+      </dgm:t>
     </dgm:pt>
     <dgm:pt modelId="{D7D7BD95-07B6-4B09-9DA1-53323177CB1F}" type="pres">
       <dgm:prSet presAssocID="{41098009-6AAF-4212-AA0D-067A2FE543E5}" presName="extraNode" presStyleLbl="node1" presStyleIdx="0" presStyleCnt="6"/>
@@ -8266,6 +8280,13 @@
         </dgm:presLayoutVars>
       </dgm:prSet>
       <dgm:spPr/>
+      <dgm:t>
+        <a:bodyPr/>
+        <a:lstStyle/>
+        <a:p>
+          <a:endParaRPr lang="en-US"/>
+        </a:p>
+      </dgm:t>
     </dgm:pt>
     <dgm:pt modelId="{63A2FE8D-7E82-4B90-8AFC-41FDE5E1F066}" type="pres">
       <dgm:prSet presAssocID="{70D543E0-6194-4041-9209-4E296F982523}" presName="accent_1" presStyleCnt="0"/>
@@ -8282,6 +8303,13 @@
         </dgm:presLayoutVars>
       </dgm:prSet>
       <dgm:spPr/>
+      <dgm:t>
+        <a:bodyPr/>
+        <a:lstStyle/>
+        <a:p>
+          <a:endParaRPr lang="en-US"/>
+        </a:p>
+      </dgm:t>
     </dgm:pt>
     <dgm:pt modelId="{FD09CD50-469F-45EE-89C0-5991CE37F3E4}" type="pres">
       <dgm:prSet presAssocID="{AE60EABD-E9AB-44AC-A1B1-B3F65B4360BB}" presName="accent_2" presStyleCnt="0"/>
@@ -8298,6 +8326,13 @@
         </dgm:presLayoutVars>
       </dgm:prSet>
       <dgm:spPr/>
+      <dgm:t>
+        <a:bodyPr/>
+        <a:lstStyle/>
+        <a:p>
+          <a:endParaRPr lang="en-US"/>
+        </a:p>
+      </dgm:t>
     </dgm:pt>
     <dgm:pt modelId="{F840B46C-7ED9-47CE-9FDD-33EC429DCBAB}" type="pres">
       <dgm:prSet presAssocID="{F74537E6-AA44-4E9D-9B8C-5E1C401A17CD}" presName="accent_3" presStyleCnt="0"/>
@@ -8314,6 +8349,13 @@
         </dgm:presLayoutVars>
       </dgm:prSet>
       <dgm:spPr/>
+      <dgm:t>
+        <a:bodyPr/>
+        <a:lstStyle/>
+        <a:p>
+          <a:endParaRPr lang="en-US"/>
+        </a:p>
+      </dgm:t>
     </dgm:pt>
     <dgm:pt modelId="{BD996B44-ED2B-4E42-A701-B15E8DC03EEA}" type="pres">
       <dgm:prSet presAssocID="{7BD17448-2152-440F-9F8D-8C53D02E273A}" presName="accent_4" presStyleCnt="0"/>
@@ -8330,6 +8372,13 @@
         </dgm:presLayoutVars>
       </dgm:prSet>
       <dgm:spPr/>
+      <dgm:t>
+        <a:bodyPr/>
+        <a:lstStyle/>
+        <a:p>
+          <a:endParaRPr lang="en-US"/>
+        </a:p>
+      </dgm:t>
     </dgm:pt>
     <dgm:pt modelId="{538E0D08-0C17-4836-B84D-F2D6D7B5013D}" type="pres">
       <dgm:prSet presAssocID="{D1E8D6BB-1D61-48BF-8BD1-C5E1A19769CC}" presName="accent_5" presStyleCnt="0"/>
@@ -8346,6 +8395,13 @@
         </dgm:presLayoutVars>
       </dgm:prSet>
       <dgm:spPr/>
+      <dgm:t>
+        <a:bodyPr/>
+        <a:lstStyle/>
+        <a:p>
+          <a:endParaRPr lang="en-US"/>
+        </a:p>
+      </dgm:t>
     </dgm:pt>
     <dgm:pt modelId="{A1727A68-8212-46C2-9B36-661A3B3E9DC1}" type="pres">
       <dgm:prSet presAssocID="{DADF42C8-AF18-4128-A21D-B5B40CBEF5D6}" presName="accent_6" presStyleCnt="0"/>
@@ -8358,19 +8414,19 @@
   </dgm:ptLst>
   <dgm:cxnLst>
     <dgm:cxn modelId="{0113B0C9-7341-45FC-BDB5-9D037DCF0AF7}" srcId="{41098009-6AAF-4212-AA0D-067A2FE543E5}" destId="{DADF42C8-AF18-4128-A21D-B5B40CBEF5D6}" srcOrd="5" destOrd="0" parTransId="{B16F068D-270E-4AA9-AAD8-8E583F89BC71}" sibTransId="{53040CBE-ADAB-4DA9-B684-7AC9C2E2F6DD}"/>
+    <dgm:cxn modelId="{5B31EC6B-2C22-407E-84EE-6F97EA0E4D33}" srcId="{41098009-6AAF-4212-AA0D-067A2FE543E5}" destId="{7BD17448-2152-440F-9F8D-8C53D02E273A}" srcOrd="3" destOrd="0" parTransId="{02BE2917-8BFA-42B7-BD34-3A322A809831}" sibTransId="{3A180109-EA57-4FAD-B405-79FB286AA4A7}"/>
+    <dgm:cxn modelId="{EB49A678-37A2-4A27-BB24-C1E5DA859CD8}" srcId="{41098009-6AAF-4212-AA0D-067A2FE543E5}" destId="{F74537E6-AA44-4E9D-9B8C-5E1C401A17CD}" srcOrd="2" destOrd="0" parTransId="{1DCAA5B7-B14D-42C6-A5B6-CB534D6AB304}" sibTransId="{AE42BF9E-28B2-41C9-9616-D85F609A953E}"/>
+    <dgm:cxn modelId="{C8468839-8B19-433A-B396-BE9F6BCF4AD8}" type="presOf" srcId="{41098009-6AAF-4212-AA0D-067A2FE543E5}" destId="{39D65300-0B4C-48A4-8D76-9AC3709A4375}" srcOrd="0" destOrd="0" presId="urn:microsoft.com/office/officeart/2008/layout/VerticalCurvedList"/>
+    <dgm:cxn modelId="{70F49490-F113-445D-A6DA-0ED038017EAC}" srcId="{41098009-6AAF-4212-AA0D-067A2FE543E5}" destId="{AE60EABD-E9AB-44AC-A1B1-B3F65B4360BB}" srcOrd="1" destOrd="0" parTransId="{93BFE175-F63A-423C-9834-FBF87A7B1999}" sibTransId="{80F33C0E-173A-442C-ADD3-2F61CD0B5A7E}"/>
+    <dgm:cxn modelId="{26DC330D-BB4A-4BDC-A6C6-B1C6F15F114B}" type="presOf" srcId="{7BD17448-2152-440F-9F8D-8C53D02E273A}" destId="{6A6FB088-00D2-4776-8532-B79C8406EA4F}" srcOrd="0" destOrd="0" presId="urn:microsoft.com/office/officeart/2008/layout/VerticalCurvedList"/>
+    <dgm:cxn modelId="{C3E3B805-3C35-4A09-87F5-15A17B5AD5AF}" type="presOf" srcId="{70D543E0-6194-4041-9209-4E296F982523}" destId="{07EFDE0C-329D-48C8-AE87-8BBCAC204824}" srcOrd="0" destOrd="0" presId="urn:microsoft.com/office/officeart/2008/layout/VerticalCurvedList"/>
+    <dgm:cxn modelId="{1894402F-B445-4800-B4E0-21C9C50CC8F6}" type="presOf" srcId="{91610035-5784-4802-9A18-AC97949DF324}" destId="{8183ABDE-714C-4DA3-9CD4-DEC96E4D0345}" srcOrd="0" destOrd="0" presId="urn:microsoft.com/office/officeart/2008/layout/VerticalCurvedList"/>
     <dgm:cxn modelId="{E551691B-30D7-4ACA-9509-60D9998BF7FB}" type="presOf" srcId="{AE60EABD-E9AB-44AC-A1B1-B3F65B4360BB}" destId="{750B0855-7C1B-4FEE-9A76-17DD0671479E}" srcOrd="0" destOrd="0" presId="urn:microsoft.com/office/officeart/2008/layout/VerticalCurvedList"/>
-    <dgm:cxn modelId="{1894402F-B445-4800-B4E0-21C9C50CC8F6}" type="presOf" srcId="{91610035-5784-4802-9A18-AC97949DF324}" destId="{8183ABDE-714C-4DA3-9CD4-DEC96E4D0345}" srcOrd="0" destOrd="0" presId="urn:microsoft.com/office/officeart/2008/layout/VerticalCurvedList"/>
-    <dgm:cxn modelId="{C8468839-8B19-433A-B396-BE9F6BCF4AD8}" type="presOf" srcId="{41098009-6AAF-4212-AA0D-067A2FE543E5}" destId="{39D65300-0B4C-48A4-8D76-9AC3709A4375}" srcOrd="0" destOrd="0" presId="urn:microsoft.com/office/officeart/2008/layout/VerticalCurvedList"/>
-    <dgm:cxn modelId="{5B31EC6B-2C22-407E-84EE-6F97EA0E4D33}" srcId="{41098009-6AAF-4212-AA0D-067A2FE543E5}" destId="{7BD17448-2152-440F-9F8D-8C53D02E273A}" srcOrd="3" destOrd="0" parTransId="{02BE2917-8BFA-42B7-BD34-3A322A809831}" sibTransId="{3A180109-EA57-4FAD-B405-79FB286AA4A7}"/>
-    <dgm:cxn modelId="{70F49490-F113-445D-A6DA-0ED038017EAC}" srcId="{41098009-6AAF-4212-AA0D-067A2FE543E5}" destId="{AE60EABD-E9AB-44AC-A1B1-B3F65B4360BB}" srcOrd="1" destOrd="0" parTransId="{93BFE175-F63A-423C-9834-FBF87A7B1999}" sibTransId="{80F33C0E-173A-442C-ADD3-2F61CD0B5A7E}"/>
+    <dgm:cxn modelId="{ED0FC3EA-5109-4D6E-A8EC-331EDF8736DC}" srcId="{41098009-6AAF-4212-AA0D-067A2FE543E5}" destId="{D1E8D6BB-1D61-48BF-8BD1-C5E1A19769CC}" srcOrd="4" destOrd="0" parTransId="{FE3C7195-D162-439E-A47E-64A32817D69A}" sibTransId="{B62AADE9-EAC7-439F-A235-E80B5BA1BA44}"/>
+    <dgm:cxn modelId="{5AE2D8C0-D1D2-4A5C-99A4-CC35D8CE24CE}" srcId="{41098009-6AAF-4212-AA0D-067A2FE543E5}" destId="{70D543E0-6194-4041-9209-4E296F982523}" srcOrd="0" destOrd="0" parTransId="{E8A733C1-636B-4E6E-B115-D13C70BD1195}" sibTransId="{91610035-5784-4802-9A18-AC97949DF324}"/>
     <dgm:cxn modelId="{B5B5F6D7-94CB-4F7F-8563-F0EE98068FB2}" type="presOf" srcId="{DADF42C8-AF18-4128-A21D-B5B40CBEF5D6}" destId="{D138566E-A95F-4D13-8725-E244E774AE1D}" srcOrd="0" destOrd="0" presId="urn:microsoft.com/office/officeart/2008/layout/VerticalCurvedList"/>
-    <dgm:cxn modelId="{C3E3B805-3C35-4A09-87F5-15A17B5AD5AF}" type="presOf" srcId="{70D543E0-6194-4041-9209-4E296F982523}" destId="{07EFDE0C-329D-48C8-AE87-8BBCAC204824}" srcOrd="0" destOrd="0" presId="urn:microsoft.com/office/officeart/2008/layout/VerticalCurvedList"/>
-    <dgm:cxn modelId="{EB49A678-37A2-4A27-BB24-C1E5DA859CD8}" srcId="{41098009-6AAF-4212-AA0D-067A2FE543E5}" destId="{F74537E6-AA44-4E9D-9B8C-5E1C401A17CD}" srcOrd="2" destOrd="0" parTransId="{1DCAA5B7-B14D-42C6-A5B6-CB534D6AB304}" sibTransId="{AE42BF9E-28B2-41C9-9616-D85F609A953E}"/>
     <dgm:cxn modelId="{7717D2ED-EFCB-4BB4-BD35-E07070A2CB02}" type="presOf" srcId="{F74537E6-AA44-4E9D-9B8C-5E1C401A17CD}" destId="{D6C7FCA9-3609-4C95-94BA-12528DEE581B}" srcOrd="0" destOrd="0" presId="urn:microsoft.com/office/officeart/2008/layout/VerticalCurvedList"/>
     <dgm:cxn modelId="{2148E5A8-B491-4797-A32A-B9C9F9140A50}" type="presOf" srcId="{D1E8D6BB-1D61-48BF-8BD1-C5E1A19769CC}" destId="{3B8E25D2-6A9D-41E5-B518-56A381E1589E}" srcOrd="0" destOrd="0" presId="urn:microsoft.com/office/officeart/2008/layout/VerticalCurvedList"/>
-    <dgm:cxn modelId="{ED0FC3EA-5109-4D6E-A8EC-331EDF8736DC}" srcId="{41098009-6AAF-4212-AA0D-067A2FE543E5}" destId="{D1E8D6BB-1D61-48BF-8BD1-C5E1A19769CC}" srcOrd="4" destOrd="0" parTransId="{FE3C7195-D162-439E-A47E-64A32817D69A}" sibTransId="{B62AADE9-EAC7-439F-A235-E80B5BA1BA44}"/>
-    <dgm:cxn modelId="{26DC330D-BB4A-4BDC-A6C6-B1C6F15F114B}" type="presOf" srcId="{7BD17448-2152-440F-9F8D-8C53D02E273A}" destId="{6A6FB088-00D2-4776-8532-B79C8406EA4F}" srcOrd="0" destOrd="0" presId="urn:microsoft.com/office/officeart/2008/layout/VerticalCurvedList"/>
-    <dgm:cxn modelId="{5AE2D8C0-D1D2-4A5C-99A4-CC35D8CE24CE}" srcId="{41098009-6AAF-4212-AA0D-067A2FE543E5}" destId="{70D543E0-6194-4041-9209-4E296F982523}" srcOrd="0" destOrd="0" parTransId="{E8A733C1-636B-4E6E-B115-D13C70BD1195}" sibTransId="{91610035-5784-4802-9A18-AC97949DF324}"/>
     <dgm:cxn modelId="{650A6897-C269-4877-8F38-D585B24D62C7}" type="presParOf" srcId="{39D65300-0B4C-48A4-8D76-9AC3709A4375}" destId="{F9C59EBB-CF2F-4906-91B5-065F4DFC797B}" srcOrd="0" destOrd="0" presId="urn:microsoft.com/office/officeart/2008/layout/VerticalCurvedList"/>
     <dgm:cxn modelId="{23E99E97-E8B1-4A1A-8FA4-6FC44CD4C9BA}" type="presParOf" srcId="{F9C59EBB-CF2F-4906-91B5-065F4DFC797B}" destId="{2797F3AC-669D-4643-B493-60C922D9DDC3}" srcOrd="0" destOrd="0" presId="urn:microsoft.com/office/officeart/2008/layout/VerticalCurvedList"/>
     <dgm:cxn modelId="{7DFD8AD2-2EF5-4E24-BAD5-F9E465825007}" type="presParOf" srcId="{2797F3AC-669D-4643-B493-60C922D9DDC3}" destId="{A38E8244-4EEC-4306-8A65-A2F489C8E4AD}" srcOrd="0" destOrd="0" presId="urn:microsoft.com/office/officeart/2008/layout/VerticalCurvedList"/>
@@ -8409,8 +8465,8 @@
 <file path=ppt/diagrams/data10.xml><?xml version="1.0" encoding="utf-8"?>
 <dgm:dataModel xmlns:dgm="http://schemas.openxmlformats.org/drawingml/2006/diagram" xmlns:a="http://schemas.openxmlformats.org/drawingml/2006/main">
   <dgm:ptLst>
-    <dgm:pt modelId="{2E31D1B2-E27B-4445-8DA4-5761D3610640}" type="doc">
-      <dgm:prSet loTypeId="urn:microsoft.com/office/officeart/2005/8/layout/bProcess3" loCatId="process" qsTypeId="urn:microsoft.com/office/officeart/2005/8/quickstyle/simple1" qsCatId="simple" csTypeId="urn:microsoft.com/office/officeart/2005/8/colors/accent1_2" csCatId="accent1" phldr="1"/>
+    <dgm:pt modelId="{2DABD213-29ED-43E0-8B00-109EF124ADC5}" type="doc">
+      <dgm:prSet loTypeId="urn:microsoft.com/office/officeart/2011/layout/CircleProcess" loCatId="process" qsTypeId="urn:microsoft.com/office/officeart/2005/8/quickstyle/simple1" qsCatId="simple" csTypeId="urn:microsoft.com/office/officeart/2005/8/colors/accent1_2" csCatId="accent1" phldr="1"/>
       <dgm:spPr/>
       <dgm:t>
         <a:bodyPr/>
@@ -8420,7 +8476,7 @@
         </a:p>
       </dgm:t>
     </dgm:pt>
-    <dgm:pt modelId="{254C6BF9-1675-4192-9A1E-75600D2D77DC}">
+    <dgm:pt modelId="{EB3E768C-2A9B-4142-B991-D5A76EEEE9BF}">
       <dgm:prSet phldrT="[Text]"/>
       <dgm:spPr/>
       <dgm:t>
@@ -8429,17 +8485,13 @@
         <a:p>
           <a:r>
             <a:rPr lang="en-US" dirty="0" smtClean="0"/>
-            <a:t>Input </a:t>
-          </a:r>
-          <a:r>
-            <a:rPr lang="en-US" dirty="0" err="1" smtClean="0"/>
-            <a:t>Kuitansi</a:t>
+            <a:t>Isi Form PPJB</a:t>
           </a:r>
           <a:endParaRPr lang="en-US" dirty="0"/>
         </a:p>
       </dgm:t>
     </dgm:pt>
-    <dgm:pt modelId="{64EFE750-0032-465F-8A38-84DA3A11C57D}" type="parTrans" cxnId="{88B9F2CD-B51C-4A25-869D-576FB2C1A8A4}">
+    <dgm:pt modelId="{1FC45BA9-0CD6-4FAF-AE04-B721C76C3C14}" type="parTrans" cxnId="{F9E2F863-7E56-497B-8D93-DE75C5E5B9E7}">
       <dgm:prSet/>
       <dgm:spPr/>
       <dgm:t>
@@ -8450,7 +8502,7 @@
         </a:p>
       </dgm:t>
     </dgm:pt>
-    <dgm:pt modelId="{974E31FC-F88D-4636-BA1E-51E6BDF5F97A}" type="sibTrans" cxnId="{88B9F2CD-B51C-4A25-869D-576FB2C1A8A4}">
+    <dgm:pt modelId="{46D699BF-AC90-4C3D-B558-549BBCB9F420}" type="sibTrans" cxnId="{F9E2F863-7E56-497B-8D93-DE75C5E5B9E7}">
       <dgm:prSet/>
       <dgm:spPr/>
       <dgm:t>
@@ -8461,93 +8513,7 @@
         </a:p>
       </dgm:t>
     </dgm:pt>
-    <dgm:pt modelId="{735316B3-B241-4016-B6B2-955AA2B1C15A}">
-      <dgm:prSet phldrT="[Text]"/>
-      <dgm:spPr/>
-      <dgm:t>
-        <a:bodyPr/>
-        <a:lstStyle/>
-        <a:p>
-          <a:r>
-            <a:rPr lang="en-US" dirty="0" err="1" smtClean="0"/>
-            <a:t>Verifikasi</a:t>
-          </a:r>
-          <a:r>
-            <a:rPr lang="en-US" dirty="0" smtClean="0"/>
-            <a:t> </a:t>
-          </a:r>
-          <a:r>
-            <a:rPr lang="en-US" dirty="0" err="1" smtClean="0"/>
-            <a:t>Kuitansi</a:t>
-          </a:r>
-          <a:endParaRPr lang="en-US" dirty="0"/>
-        </a:p>
-      </dgm:t>
-    </dgm:pt>
-    <dgm:pt modelId="{7C3CF2D0-9360-451C-A1F3-4AE012355C58}" type="parTrans" cxnId="{965A40B7-CD27-4A2D-B3E2-5C8453EB61FE}">
-      <dgm:prSet/>
-      <dgm:spPr/>
-      <dgm:t>
-        <a:bodyPr/>
-        <a:lstStyle/>
-        <a:p>
-          <a:endParaRPr lang="en-US"/>
-        </a:p>
-      </dgm:t>
-    </dgm:pt>
-    <dgm:pt modelId="{192E502D-FFE6-4F0B-8FB2-83CA6261D556}" type="sibTrans" cxnId="{965A40B7-CD27-4A2D-B3E2-5C8453EB61FE}">
-      <dgm:prSet/>
-      <dgm:spPr/>
-      <dgm:t>
-        <a:bodyPr/>
-        <a:lstStyle/>
-        <a:p>
-          <a:endParaRPr lang="en-US"/>
-        </a:p>
-      </dgm:t>
-    </dgm:pt>
-    <dgm:pt modelId="{F318FA49-9257-49D5-A297-F8AF88E98D73}">
-      <dgm:prSet phldrT="[Text]"/>
-      <dgm:spPr/>
-      <dgm:t>
-        <a:bodyPr/>
-        <a:lstStyle/>
-        <a:p>
-          <a:r>
-            <a:rPr lang="en-US" dirty="0" err="1" smtClean="0"/>
-            <a:t>Cari</a:t>
-          </a:r>
-          <a:r>
-            <a:rPr lang="en-US" dirty="0" smtClean="0"/>
-            <a:t> Blok</a:t>
-          </a:r>
-          <a:endParaRPr lang="en-US" dirty="0"/>
-        </a:p>
-      </dgm:t>
-    </dgm:pt>
-    <dgm:pt modelId="{F7531913-4A7D-4B46-9DB2-E7BB2F368068}" type="parTrans" cxnId="{879C22D9-C319-4BBF-843A-19F72D79A713}">
-      <dgm:prSet/>
-      <dgm:spPr/>
-      <dgm:t>
-        <a:bodyPr/>
-        <a:lstStyle/>
-        <a:p>
-          <a:endParaRPr lang="en-US"/>
-        </a:p>
-      </dgm:t>
-    </dgm:pt>
-    <dgm:pt modelId="{4A51C5A6-9FC6-4912-8DFF-103380D6738F}" type="sibTrans" cxnId="{879C22D9-C319-4BBF-843A-19F72D79A713}">
-      <dgm:prSet/>
-      <dgm:spPr/>
-      <dgm:t>
-        <a:bodyPr/>
-        <a:lstStyle/>
-        <a:p>
-          <a:endParaRPr lang="en-US"/>
-        </a:p>
-      </dgm:t>
-    </dgm:pt>
-    <dgm:pt modelId="{17A28030-1250-4A8F-B228-5341DBD75EDD}">
+    <dgm:pt modelId="{A16D7CAF-C775-4403-AB85-FC693E4C4ED4}">
       <dgm:prSet phldrT="[Text]"/>
       <dgm:spPr/>
       <dgm:t>
@@ -8560,17 +8526,13 @@
           </a:r>
           <a:r>
             <a:rPr lang="en-US" dirty="0" smtClean="0"/>
-            <a:t> </a:t>
-          </a:r>
-          <a:r>
-            <a:rPr lang="en-US" dirty="0" err="1" smtClean="0"/>
-            <a:t>Kuitansi</a:t>
+            <a:t> PAIJB</a:t>
           </a:r>
           <a:endParaRPr lang="en-US" dirty="0"/>
         </a:p>
       </dgm:t>
     </dgm:pt>
-    <dgm:pt modelId="{E63F06ED-0623-4C01-91B6-1254C6210CAD}" type="parTrans" cxnId="{73C3C2D8-C7D5-4127-B020-B5E762475E36}">
+    <dgm:pt modelId="{C2923093-043F-4E21-A04E-2E3C4A580E8C}" type="parTrans" cxnId="{250AECC2-EF7D-44AB-A374-CBF1A9C12E64}">
       <dgm:prSet/>
       <dgm:spPr/>
       <dgm:t>
@@ -8581,7 +8543,7 @@
         </a:p>
       </dgm:t>
     </dgm:pt>
-    <dgm:pt modelId="{91EBBA03-AFBF-4168-994D-95A6E6AA860F}" type="sibTrans" cxnId="{73C3C2D8-C7D5-4127-B020-B5E762475E36}">
+    <dgm:pt modelId="{F3838E9F-9802-49E1-BB95-94528AC5A842}" type="sibTrans" cxnId="{250AECC2-EF7D-44AB-A374-CBF1A9C12E64}">
       <dgm:prSet/>
       <dgm:spPr/>
       <dgm:t>
@@ -8592,34 +8554,212 @@
         </a:p>
       </dgm:t>
     </dgm:pt>
-    <dgm:pt modelId="{5E4C141B-8989-45F2-A64F-63C0130EF9DB}" type="pres">
-      <dgm:prSet presAssocID="{2E31D1B2-E27B-4445-8DA4-5761D3610640}" presName="Name0" presStyleCnt="0">
+    <dgm:pt modelId="{8BFA46CF-7408-4977-8384-817FA2CE289B}">
+      <dgm:prSet phldrT="[Text]"/>
+      <dgm:spPr/>
+      <dgm:t>
+        <a:bodyPr/>
+        <a:lstStyle/>
+        <a:p>
+          <a:r>
+            <a:rPr lang="en-US" dirty="0" err="1" smtClean="0"/>
+            <a:t>Cetak</a:t>
+          </a:r>
+          <a:r>
+            <a:rPr lang="en-US" dirty="0" smtClean="0"/>
+            <a:t> PPJB</a:t>
+          </a:r>
+          <a:endParaRPr lang="en-US" dirty="0"/>
+        </a:p>
+      </dgm:t>
+    </dgm:pt>
+    <dgm:pt modelId="{43C140B7-9F3E-44E4-B4B5-34D57E42837F}" type="parTrans" cxnId="{BEC763CD-4016-4583-89F9-7FE41B5315A1}">
+      <dgm:prSet/>
+      <dgm:spPr/>
+      <dgm:t>
+        <a:bodyPr/>
+        <a:lstStyle/>
+        <a:p>
+          <a:endParaRPr lang="en-US"/>
+        </a:p>
+      </dgm:t>
+    </dgm:pt>
+    <dgm:pt modelId="{F61375EF-B12F-45EA-A16A-DD1C8141C243}" type="sibTrans" cxnId="{BEC763CD-4016-4583-89F9-7FE41B5315A1}">
+      <dgm:prSet/>
+      <dgm:spPr/>
+      <dgm:t>
+        <a:bodyPr/>
+        <a:lstStyle/>
+        <a:p>
+          <a:endParaRPr lang="en-US"/>
+        </a:p>
+      </dgm:t>
+    </dgm:pt>
+    <dgm:pt modelId="{CCDB4DD6-E987-43CD-83CD-F2861CF619AC}">
+      <dgm:prSet phldrT="[Text]"/>
+      <dgm:spPr/>
+      <dgm:t>
+        <a:bodyPr/>
+        <a:lstStyle/>
+        <a:p>
+          <a:r>
+            <a:rPr lang="en-US" dirty="0" err="1" smtClean="0"/>
+            <a:t>Pembayaran</a:t>
+          </a:r>
+          <a:r>
+            <a:rPr lang="en-US" dirty="0" smtClean="0"/>
+            <a:t> &gt; 10%</a:t>
+          </a:r>
+          <a:endParaRPr lang="en-US" dirty="0"/>
+        </a:p>
+      </dgm:t>
+    </dgm:pt>
+    <dgm:pt modelId="{B64C8DCC-B8B2-4F2D-BFB2-935A71D9D4AB}" type="parTrans" cxnId="{448BF4D5-2F0E-4991-AA0A-547FBFE41FC3}">
+      <dgm:prSet/>
+      <dgm:spPr/>
+      <dgm:t>
+        <a:bodyPr/>
+        <a:lstStyle/>
+        <a:p>
+          <a:endParaRPr lang="en-US"/>
+        </a:p>
+      </dgm:t>
+    </dgm:pt>
+    <dgm:pt modelId="{2E5B5B7D-5BC8-4E4B-A43D-B826611DE7A1}" type="sibTrans" cxnId="{448BF4D5-2F0E-4991-AA0A-547FBFE41FC3}">
+      <dgm:prSet/>
+      <dgm:spPr/>
+      <dgm:t>
+        <a:bodyPr/>
+        <a:lstStyle/>
+        <a:p>
+          <a:endParaRPr lang="en-US"/>
+        </a:p>
+      </dgm:t>
+    </dgm:pt>
+    <dgm:pt modelId="{D10B8964-CABB-411F-8711-6605A4A0FBB4}">
+      <dgm:prSet phldrT="[Text]"/>
+      <dgm:spPr/>
+      <dgm:t>
+        <a:bodyPr/>
+        <a:lstStyle/>
+        <a:p>
+          <a:r>
+            <a:rPr lang="en-US" dirty="0" err="1" smtClean="0"/>
+            <a:t>Pembayaran</a:t>
+          </a:r>
+          <a:r>
+            <a:rPr lang="en-US" dirty="0" smtClean="0"/>
+            <a:t> &gt; 20%</a:t>
+          </a:r>
+          <a:endParaRPr lang="en-US" dirty="0"/>
+        </a:p>
+      </dgm:t>
+    </dgm:pt>
+    <dgm:pt modelId="{A46EA208-2947-440D-92ED-EF08720D6D46}" type="parTrans" cxnId="{4B3D9D09-9D41-48F6-9880-AC84DEEDF01E}">
+      <dgm:prSet/>
+      <dgm:spPr/>
+      <dgm:t>
+        <a:bodyPr/>
+        <a:lstStyle/>
+        <a:p>
+          <a:endParaRPr lang="en-US"/>
+        </a:p>
+      </dgm:t>
+    </dgm:pt>
+    <dgm:pt modelId="{F1A17206-FCBC-430C-AEB2-07FDE9349CB2}" type="sibTrans" cxnId="{4B3D9D09-9D41-48F6-9880-AC84DEEDF01E}">
+      <dgm:prSet/>
+      <dgm:spPr/>
+      <dgm:t>
+        <a:bodyPr/>
+        <a:lstStyle/>
+        <a:p>
+          <a:endParaRPr lang="en-US"/>
+        </a:p>
+      </dgm:t>
+    </dgm:pt>
+    <dgm:pt modelId="{B4CE426A-3FA5-4AD9-A01F-FCCC539C0DEB}">
+      <dgm:prSet phldrT="[Text]"/>
+      <dgm:spPr/>
+      <dgm:t>
+        <a:bodyPr/>
+        <a:lstStyle/>
+        <a:p>
+          <a:r>
+            <a:rPr lang="en-US" smtClean="0"/>
+            <a:t>Verifikasi PPJB</a:t>
+          </a:r>
+          <a:endParaRPr lang="en-US" dirty="0"/>
+        </a:p>
+      </dgm:t>
+    </dgm:pt>
+    <dgm:pt modelId="{A3DCDD51-A349-404A-B54E-04EAD9B8DA26}" type="parTrans" cxnId="{97BA18E5-812E-4AF3-9B38-AC51786F2EFA}">
+      <dgm:prSet/>
+      <dgm:spPr/>
+      <dgm:t>
+        <a:bodyPr/>
+        <a:lstStyle/>
+        <a:p>
+          <a:endParaRPr lang="en-US"/>
+        </a:p>
+      </dgm:t>
+    </dgm:pt>
+    <dgm:pt modelId="{E97F6742-B00C-469B-9CE1-8A8FEF6B8A81}" type="sibTrans" cxnId="{97BA18E5-812E-4AF3-9B38-AC51786F2EFA}">
+      <dgm:prSet/>
+      <dgm:spPr/>
+      <dgm:t>
+        <a:bodyPr/>
+        <a:lstStyle/>
+        <a:p>
+          <a:endParaRPr lang="en-US"/>
+        </a:p>
+      </dgm:t>
+    </dgm:pt>
+    <dgm:pt modelId="{E2927C30-3452-4C82-A97A-F290BBFAE57D}" type="pres">
+      <dgm:prSet presAssocID="{2DABD213-29ED-43E0-8B00-109EF124ADC5}" presName="Name0" presStyleCnt="0">
         <dgm:presLayoutVars>
+          <dgm:chMax val="11"/>
+          <dgm:chPref val="11"/>
           <dgm:dir/>
-          <dgm:resizeHandles val="exact"/>
+          <dgm:resizeHandles/>
         </dgm:presLayoutVars>
       </dgm:prSet>
       <dgm:spPr/>
+      <dgm:t>
+        <a:bodyPr/>
+        <a:lstStyle/>
+        <a:p>
+          <a:endParaRPr lang="en-US"/>
+        </a:p>
+      </dgm:t>
     </dgm:pt>
-    <dgm:pt modelId="{987461ED-A9CE-421C-BCC0-0C53E62B438C}" type="pres">
-      <dgm:prSet presAssocID="{F318FA49-9257-49D5-A297-F8AF88E98D73}" presName="node" presStyleLbl="node1" presStyleIdx="0" presStyleCnt="4">
-        <dgm:presLayoutVars>
-          <dgm:bulletEnabled val="1"/>
-        </dgm:presLayoutVars>
-      </dgm:prSet>
+    <dgm:pt modelId="{78D4157D-120E-4EC0-9528-0DA4100A3C6D}" type="pres">
+      <dgm:prSet presAssocID="{8BFA46CF-7408-4977-8384-817FA2CE289B}" presName="Accent4" presStyleCnt="0"/>
       <dgm:spPr/>
     </dgm:pt>
-    <dgm:pt modelId="{E70A8F01-8710-4EB6-B5C1-C594960BC30B}" type="pres">
-      <dgm:prSet presAssocID="{4A51C5A6-9FC6-4912-8DFF-103380D6738F}" presName="sibTrans" presStyleLbl="sibTrans1D1" presStyleIdx="0" presStyleCnt="3"/>
+    <dgm:pt modelId="{55E79191-60C7-452C-AD10-C447F0B230FD}" type="pres">
+      <dgm:prSet presAssocID="{8BFA46CF-7408-4977-8384-817FA2CE289B}" presName="Accent" presStyleLbl="node1" presStyleIdx="0" presStyleCnt="4"/>
       <dgm:spPr/>
     </dgm:pt>
-    <dgm:pt modelId="{9F481C96-214B-42C8-A5A6-B68C227FE3B2}" type="pres">
-      <dgm:prSet presAssocID="{4A51C5A6-9FC6-4912-8DFF-103380D6738F}" presName="connectorText" presStyleLbl="sibTrans1D1" presStyleIdx="0" presStyleCnt="3"/>
+    <dgm:pt modelId="{35A98F3A-C103-4A5A-B3ED-E9147C449621}" type="pres">
+      <dgm:prSet presAssocID="{8BFA46CF-7408-4977-8384-817FA2CE289B}" presName="ParentBackground4" presStyleCnt="0"/>
       <dgm:spPr/>
     </dgm:pt>
-    <dgm:pt modelId="{57037447-8F68-43B5-8904-EAE1A451AC93}" type="pres">
-      <dgm:prSet presAssocID="{254C6BF9-1675-4192-9A1E-75600D2D77DC}" presName="node" presStyleLbl="node1" presStyleIdx="1" presStyleCnt="4">
+    <dgm:pt modelId="{C71FB099-691D-4B7D-AC3D-5A144E551F33}" type="pres">
+      <dgm:prSet presAssocID="{8BFA46CF-7408-4977-8384-817FA2CE289B}" presName="ParentBackground" presStyleLbl="fgAcc1" presStyleIdx="0" presStyleCnt="4"/>
+      <dgm:spPr/>
+      <dgm:t>
+        <a:bodyPr/>
+        <a:lstStyle/>
+        <a:p>
+          <a:endParaRPr lang="en-US"/>
+        </a:p>
+      </dgm:t>
+    </dgm:pt>
+    <dgm:pt modelId="{F5CFCCF6-0BB0-45EA-B901-63462770A36F}" type="pres">
+      <dgm:prSet presAssocID="{8BFA46CF-7408-4977-8384-817FA2CE289B}" presName="Child4" presStyleLbl="revTx" presStyleIdx="0" presStyleCnt="2">
         <dgm:presLayoutVars>
+          <dgm:chMax val="0"/>
+          <dgm:chPref val="0"/>
           <dgm:bulletEnabled val="1"/>
         </dgm:presLayoutVars>
       </dgm:prSet>
@@ -8632,17 +8772,11 @@
         </a:p>
       </dgm:t>
     </dgm:pt>
-    <dgm:pt modelId="{80BCA142-B675-47F0-94ED-50CA4E6F357E}" type="pres">
-      <dgm:prSet presAssocID="{974E31FC-F88D-4636-BA1E-51E6BDF5F97A}" presName="sibTrans" presStyleLbl="sibTrans1D1" presStyleIdx="1" presStyleCnt="3"/>
-      <dgm:spPr/>
-    </dgm:pt>
-    <dgm:pt modelId="{2F9FC5E6-FB7F-4A42-9306-39DC9A9E736F}" type="pres">
-      <dgm:prSet presAssocID="{974E31FC-F88D-4636-BA1E-51E6BDF5F97A}" presName="connectorText" presStyleLbl="sibTrans1D1" presStyleIdx="1" presStyleCnt="3"/>
-      <dgm:spPr/>
-    </dgm:pt>
-    <dgm:pt modelId="{7AB4113C-A067-4FED-9D98-F6C71885941F}" type="pres">
-      <dgm:prSet presAssocID="{735316B3-B241-4016-B6B2-955AA2B1C15A}" presName="node" presStyleLbl="node1" presStyleIdx="2" presStyleCnt="4">
+    <dgm:pt modelId="{14B779EE-5538-4009-93C3-146E9B1E5224}" type="pres">
+      <dgm:prSet presAssocID="{8BFA46CF-7408-4977-8384-817FA2CE289B}" presName="Parent4" presStyleLbl="revTx" presStyleIdx="0" presStyleCnt="2">
         <dgm:presLayoutVars>
+          <dgm:chMax val="1"/>
+          <dgm:chPref val="1"/>
           <dgm:bulletEnabled val="1"/>
         </dgm:presLayoutVars>
       </dgm:prSet>
@@ -8655,17 +8789,131 @@
         </a:p>
       </dgm:t>
     </dgm:pt>
-    <dgm:pt modelId="{BC03B924-F064-4428-AAB2-41734C2F6835}" type="pres">
-      <dgm:prSet presAssocID="{192E502D-FFE6-4F0B-8FB2-83CA6261D556}" presName="sibTrans" presStyleLbl="sibTrans1D1" presStyleIdx="2" presStyleCnt="3"/>
+    <dgm:pt modelId="{E72A7B05-6A96-4CF4-945B-7B7731AA4B99}" type="pres">
+      <dgm:prSet presAssocID="{A16D7CAF-C775-4403-AB85-FC693E4C4ED4}" presName="Accent3" presStyleCnt="0"/>
       <dgm:spPr/>
     </dgm:pt>
-    <dgm:pt modelId="{AF1C717D-E73C-48BB-B905-421740E894E0}" type="pres">
-      <dgm:prSet presAssocID="{192E502D-FFE6-4F0B-8FB2-83CA6261D556}" presName="connectorText" presStyleLbl="sibTrans1D1" presStyleIdx="2" presStyleCnt="3"/>
+    <dgm:pt modelId="{4C19F44E-2D28-47C0-9B86-49475952FA95}" type="pres">
+      <dgm:prSet presAssocID="{A16D7CAF-C775-4403-AB85-FC693E4C4ED4}" presName="Accent" presStyleLbl="node1" presStyleIdx="1" presStyleCnt="4"/>
       <dgm:spPr/>
     </dgm:pt>
-    <dgm:pt modelId="{BB94512D-7554-4D9D-9CC8-BC37E5E7B8A9}" type="pres">
-      <dgm:prSet presAssocID="{17A28030-1250-4A8F-B228-5341DBD75EDD}" presName="node" presStyleLbl="node1" presStyleIdx="3" presStyleCnt="4">
+    <dgm:pt modelId="{10827747-DBDC-4667-8823-E7CFFBB2B458}" type="pres">
+      <dgm:prSet presAssocID="{A16D7CAF-C775-4403-AB85-FC693E4C4ED4}" presName="ParentBackground3" presStyleCnt="0"/>
+      <dgm:spPr/>
+    </dgm:pt>
+    <dgm:pt modelId="{9A624154-BC35-4F3E-B64A-F979BD20DD21}" type="pres">
+      <dgm:prSet presAssocID="{A16D7CAF-C775-4403-AB85-FC693E4C4ED4}" presName="ParentBackground" presStyleLbl="fgAcc1" presStyleIdx="1" presStyleCnt="4"/>
+      <dgm:spPr/>
+      <dgm:t>
+        <a:bodyPr/>
+        <a:lstStyle/>
+        <a:p>
+          <a:endParaRPr lang="en-US"/>
+        </a:p>
+      </dgm:t>
+    </dgm:pt>
+    <dgm:pt modelId="{9CDDCC47-7F8E-4401-B9E9-19148D2641B7}" type="pres">
+      <dgm:prSet presAssocID="{A16D7CAF-C775-4403-AB85-FC693E4C4ED4}" presName="Child3" presStyleLbl="revTx" presStyleIdx="1" presStyleCnt="2">
         <dgm:presLayoutVars>
+          <dgm:chMax val="0"/>
+          <dgm:chPref val="0"/>
+          <dgm:bulletEnabled val="1"/>
+        </dgm:presLayoutVars>
+      </dgm:prSet>
+      <dgm:spPr/>
+      <dgm:t>
+        <a:bodyPr/>
+        <a:lstStyle/>
+        <a:p>
+          <a:endParaRPr lang="en-US"/>
+        </a:p>
+      </dgm:t>
+    </dgm:pt>
+    <dgm:pt modelId="{AEA33B14-55C3-43C8-A0D3-489F97BD29D3}" type="pres">
+      <dgm:prSet presAssocID="{A16D7CAF-C775-4403-AB85-FC693E4C4ED4}" presName="Parent3" presStyleLbl="revTx" presStyleIdx="1" presStyleCnt="2">
+        <dgm:presLayoutVars>
+          <dgm:chMax val="1"/>
+          <dgm:chPref val="1"/>
+          <dgm:bulletEnabled val="1"/>
+        </dgm:presLayoutVars>
+      </dgm:prSet>
+      <dgm:spPr/>
+      <dgm:t>
+        <a:bodyPr/>
+        <a:lstStyle/>
+        <a:p>
+          <a:endParaRPr lang="en-US"/>
+        </a:p>
+      </dgm:t>
+    </dgm:pt>
+    <dgm:pt modelId="{3EEC1BD8-4C65-4703-9F65-4CBF8CF42D78}" type="pres">
+      <dgm:prSet presAssocID="{B4CE426A-3FA5-4AD9-A01F-FCCC539C0DEB}" presName="Accent2" presStyleCnt="0"/>
+      <dgm:spPr/>
+    </dgm:pt>
+    <dgm:pt modelId="{D2F82336-5D88-42D7-A6F1-991B7C923533}" type="pres">
+      <dgm:prSet presAssocID="{B4CE426A-3FA5-4AD9-A01F-FCCC539C0DEB}" presName="Accent" presStyleLbl="node1" presStyleIdx="2" presStyleCnt="4"/>
+      <dgm:spPr/>
+    </dgm:pt>
+    <dgm:pt modelId="{A66CCF55-0167-4EE8-8285-8414A1F59C43}" type="pres">
+      <dgm:prSet presAssocID="{B4CE426A-3FA5-4AD9-A01F-FCCC539C0DEB}" presName="ParentBackground2" presStyleCnt="0"/>
+      <dgm:spPr/>
+    </dgm:pt>
+    <dgm:pt modelId="{693827E2-6919-4C6F-8605-2D2E904E15F8}" type="pres">
+      <dgm:prSet presAssocID="{B4CE426A-3FA5-4AD9-A01F-FCCC539C0DEB}" presName="ParentBackground" presStyleLbl="fgAcc1" presStyleIdx="2" presStyleCnt="4"/>
+      <dgm:spPr/>
+      <dgm:t>
+        <a:bodyPr/>
+        <a:lstStyle/>
+        <a:p>
+          <a:endParaRPr lang="en-US"/>
+        </a:p>
+      </dgm:t>
+    </dgm:pt>
+    <dgm:pt modelId="{CE1DEBDC-C7A3-49F5-8599-873B00488AE7}" type="pres">
+      <dgm:prSet presAssocID="{B4CE426A-3FA5-4AD9-A01F-FCCC539C0DEB}" presName="Parent2" presStyleLbl="revTx" presStyleIdx="1" presStyleCnt="2">
+        <dgm:presLayoutVars>
+          <dgm:chMax val="1"/>
+          <dgm:chPref val="1"/>
+          <dgm:bulletEnabled val="1"/>
+        </dgm:presLayoutVars>
+      </dgm:prSet>
+      <dgm:spPr/>
+      <dgm:t>
+        <a:bodyPr/>
+        <a:lstStyle/>
+        <a:p>
+          <a:endParaRPr lang="en-US"/>
+        </a:p>
+      </dgm:t>
+    </dgm:pt>
+    <dgm:pt modelId="{474DEB77-80A7-4190-995F-2D9AA5219A35}" type="pres">
+      <dgm:prSet presAssocID="{EB3E768C-2A9B-4142-B991-D5A76EEEE9BF}" presName="Accent1" presStyleCnt="0"/>
+      <dgm:spPr/>
+    </dgm:pt>
+    <dgm:pt modelId="{F858D9CF-E280-43C5-A36A-90E170329AB5}" type="pres">
+      <dgm:prSet presAssocID="{EB3E768C-2A9B-4142-B991-D5A76EEEE9BF}" presName="Accent" presStyleLbl="node1" presStyleIdx="3" presStyleCnt="4"/>
+      <dgm:spPr/>
+    </dgm:pt>
+    <dgm:pt modelId="{F2D204B1-3074-4FBC-AFEB-21CBEB9E2726}" type="pres">
+      <dgm:prSet presAssocID="{EB3E768C-2A9B-4142-B991-D5A76EEEE9BF}" presName="ParentBackground1" presStyleCnt="0"/>
+      <dgm:spPr/>
+    </dgm:pt>
+    <dgm:pt modelId="{D46342F4-BC75-45BE-8578-494308C3E35B}" type="pres">
+      <dgm:prSet presAssocID="{EB3E768C-2A9B-4142-B991-D5A76EEEE9BF}" presName="ParentBackground" presStyleLbl="fgAcc1" presStyleIdx="3" presStyleCnt="4"/>
+      <dgm:spPr/>
+      <dgm:t>
+        <a:bodyPr/>
+        <a:lstStyle/>
+        <a:p>
+          <a:endParaRPr lang="en-US"/>
+        </a:p>
+      </dgm:t>
+    </dgm:pt>
+    <dgm:pt modelId="{56A3CCE5-939F-40A2-9E2E-B48D5AA11E64}" type="pres">
+      <dgm:prSet presAssocID="{EB3E768C-2A9B-4142-B991-D5A76EEEE9BF}" presName="Parent1" presStyleLbl="revTx" presStyleIdx="1" presStyleCnt="2">
+        <dgm:presLayoutVars>
+          <dgm:chMax val="1"/>
+          <dgm:chPref val="1"/>
           <dgm:bulletEnabled val="1"/>
         </dgm:presLayoutVars>
       </dgm:prSet>
@@ -8680,31 +8928,45 @@
     </dgm:pt>
   </dgm:ptLst>
   <dgm:cxnLst>
-    <dgm:cxn modelId="{F84A2A7D-D9A9-44D8-9013-C33B7A699F97}" type="presOf" srcId="{2E31D1B2-E27B-4445-8DA4-5761D3610640}" destId="{5E4C141B-8989-45F2-A64F-63C0130EF9DB}" srcOrd="0" destOrd="0" presId="urn:microsoft.com/office/officeart/2005/8/layout/bProcess3"/>
-    <dgm:cxn modelId="{335BC77A-7213-44CB-BC9F-D1A9E539B373}" type="presOf" srcId="{974E31FC-F88D-4636-BA1E-51E6BDF5F97A}" destId="{80BCA142-B675-47F0-94ED-50CA4E6F357E}" srcOrd="0" destOrd="0" presId="urn:microsoft.com/office/officeart/2005/8/layout/bProcess3"/>
-    <dgm:cxn modelId="{7C303BFA-2353-4245-90BF-F65E594F2F08}" type="presOf" srcId="{F318FA49-9257-49D5-A297-F8AF88E98D73}" destId="{987461ED-A9CE-421C-BCC0-0C53E62B438C}" srcOrd="0" destOrd="0" presId="urn:microsoft.com/office/officeart/2005/8/layout/bProcess3"/>
-    <dgm:cxn modelId="{965A40B7-CD27-4A2D-B3E2-5C8453EB61FE}" srcId="{2E31D1B2-E27B-4445-8DA4-5761D3610640}" destId="{735316B3-B241-4016-B6B2-955AA2B1C15A}" srcOrd="2" destOrd="0" parTransId="{7C3CF2D0-9360-451C-A1F3-4AE012355C58}" sibTransId="{192E502D-FFE6-4F0B-8FB2-83CA6261D556}"/>
-    <dgm:cxn modelId="{05559105-20CC-4363-9E6F-578AA7B581DD}" type="presOf" srcId="{4A51C5A6-9FC6-4912-8DFF-103380D6738F}" destId="{E70A8F01-8710-4EB6-B5C1-C594960BC30B}" srcOrd="0" destOrd="0" presId="urn:microsoft.com/office/officeart/2005/8/layout/bProcess3"/>
-    <dgm:cxn modelId="{5C8DF4E0-4C92-4D58-B952-56939CA08832}" type="presOf" srcId="{4A51C5A6-9FC6-4912-8DFF-103380D6738F}" destId="{9F481C96-214B-42C8-A5A6-B68C227FE3B2}" srcOrd="1" destOrd="0" presId="urn:microsoft.com/office/officeart/2005/8/layout/bProcess3"/>
-    <dgm:cxn modelId="{CC15E385-3C5E-4726-A405-FE20A0136F02}" type="presOf" srcId="{192E502D-FFE6-4F0B-8FB2-83CA6261D556}" destId="{BC03B924-F064-4428-AAB2-41734C2F6835}" srcOrd="0" destOrd="0" presId="urn:microsoft.com/office/officeart/2005/8/layout/bProcess3"/>
-    <dgm:cxn modelId="{A7E954EF-B581-4BDC-9A6F-D9E020E82324}" type="presOf" srcId="{17A28030-1250-4A8F-B228-5341DBD75EDD}" destId="{BB94512D-7554-4D9D-9CC8-BC37E5E7B8A9}" srcOrd="0" destOrd="0" presId="urn:microsoft.com/office/officeart/2005/8/layout/bProcess3"/>
-    <dgm:cxn modelId="{A1D637A2-2995-4979-9B2D-B198D3BD32C8}" type="presOf" srcId="{254C6BF9-1675-4192-9A1E-75600D2D77DC}" destId="{57037447-8F68-43B5-8904-EAE1A451AC93}" srcOrd="0" destOrd="0" presId="urn:microsoft.com/office/officeart/2005/8/layout/bProcess3"/>
-    <dgm:cxn modelId="{879C22D9-C319-4BBF-843A-19F72D79A713}" srcId="{2E31D1B2-E27B-4445-8DA4-5761D3610640}" destId="{F318FA49-9257-49D5-A297-F8AF88E98D73}" srcOrd="0" destOrd="0" parTransId="{F7531913-4A7D-4B46-9DB2-E7BB2F368068}" sibTransId="{4A51C5A6-9FC6-4912-8DFF-103380D6738F}"/>
-    <dgm:cxn modelId="{73C3C2D8-C7D5-4127-B020-B5E762475E36}" srcId="{2E31D1B2-E27B-4445-8DA4-5761D3610640}" destId="{17A28030-1250-4A8F-B228-5341DBD75EDD}" srcOrd="3" destOrd="0" parTransId="{E63F06ED-0623-4C01-91B6-1254C6210CAD}" sibTransId="{91EBBA03-AFBF-4168-994D-95A6E6AA860F}"/>
-    <dgm:cxn modelId="{88B9F2CD-B51C-4A25-869D-576FB2C1A8A4}" srcId="{2E31D1B2-E27B-4445-8DA4-5761D3610640}" destId="{254C6BF9-1675-4192-9A1E-75600D2D77DC}" srcOrd="1" destOrd="0" parTransId="{64EFE750-0032-465F-8A38-84DA3A11C57D}" sibTransId="{974E31FC-F88D-4636-BA1E-51E6BDF5F97A}"/>
-    <dgm:cxn modelId="{B57F95B7-03E8-465A-B250-A6B4DBC6FB4F}" type="presOf" srcId="{735316B3-B241-4016-B6B2-955AA2B1C15A}" destId="{7AB4113C-A067-4FED-9D98-F6C71885941F}" srcOrd="0" destOrd="0" presId="urn:microsoft.com/office/officeart/2005/8/layout/bProcess3"/>
-    <dgm:cxn modelId="{A5700E4A-AA7C-42BE-82CE-15F971D2E7BB}" type="presOf" srcId="{192E502D-FFE6-4F0B-8FB2-83CA6261D556}" destId="{AF1C717D-E73C-48BB-B905-421740E894E0}" srcOrd="1" destOrd="0" presId="urn:microsoft.com/office/officeart/2005/8/layout/bProcess3"/>
-    <dgm:cxn modelId="{8AF7B9A9-1DD1-44FB-A1F0-DC5B33865F97}" type="presOf" srcId="{974E31FC-F88D-4636-BA1E-51E6BDF5F97A}" destId="{2F9FC5E6-FB7F-4A42-9306-39DC9A9E736F}" srcOrd="1" destOrd="0" presId="urn:microsoft.com/office/officeart/2005/8/layout/bProcess3"/>
-    <dgm:cxn modelId="{B0D66EEB-D6C0-48C9-946B-E535505EB450}" type="presParOf" srcId="{5E4C141B-8989-45F2-A64F-63C0130EF9DB}" destId="{987461ED-A9CE-421C-BCC0-0C53E62B438C}" srcOrd="0" destOrd="0" presId="urn:microsoft.com/office/officeart/2005/8/layout/bProcess3"/>
-    <dgm:cxn modelId="{D91A3B55-2154-41AB-89E6-6EB419AFAACC}" type="presParOf" srcId="{5E4C141B-8989-45F2-A64F-63C0130EF9DB}" destId="{E70A8F01-8710-4EB6-B5C1-C594960BC30B}" srcOrd="1" destOrd="0" presId="urn:microsoft.com/office/officeart/2005/8/layout/bProcess3"/>
-    <dgm:cxn modelId="{61931BA7-C541-4008-A5C6-5274F7EEAAAB}" type="presParOf" srcId="{E70A8F01-8710-4EB6-B5C1-C594960BC30B}" destId="{9F481C96-214B-42C8-A5A6-B68C227FE3B2}" srcOrd="0" destOrd="0" presId="urn:microsoft.com/office/officeart/2005/8/layout/bProcess3"/>
-    <dgm:cxn modelId="{19C3D46F-05A5-441A-96EB-2C8070CD52FF}" type="presParOf" srcId="{5E4C141B-8989-45F2-A64F-63C0130EF9DB}" destId="{57037447-8F68-43B5-8904-EAE1A451AC93}" srcOrd="2" destOrd="0" presId="urn:microsoft.com/office/officeart/2005/8/layout/bProcess3"/>
-    <dgm:cxn modelId="{CB0AF53E-0CB1-4786-918D-F4EA548F4F04}" type="presParOf" srcId="{5E4C141B-8989-45F2-A64F-63C0130EF9DB}" destId="{80BCA142-B675-47F0-94ED-50CA4E6F357E}" srcOrd="3" destOrd="0" presId="urn:microsoft.com/office/officeart/2005/8/layout/bProcess3"/>
-    <dgm:cxn modelId="{709133D1-97BD-47C3-8C31-8968618C4CD0}" type="presParOf" srcId="{80BCA142-B675-47F0-94ED-50CA4E6F357E}" destId="{2F9FC5E6-FB7F-4A42-9306-39DC9A9E736F}" srcOrd="0" destOrd="0" presId="urn:microsoft.com/office/officeart/2005/8/layout/bProcess3"/>
-    <dgm:cxn modelId="{88A80F5E-9038-4028-857F-764EDE065435}" type="presParOf" srcId="{5E4C141B-8989-45F2-A64F-63C0130EF9DB}" destId="{7AB4113C-A067-4FED-9D98-F6C71885941F}" srcOrd="4" destOrd="0" presId="urn:microsoft.com/office/officeart/2005/8/layout/bProcess3"/>
-    <dgm:cxn modelId="{8FC12B98-3A60-4A25-B4E6-3ACCAF0AFF30}" type="presParOf" srcId="{5E4C141B-8989-45F2-A64F-63C0130EF9DB}" destId="{BC03B924-F064-4428-AAB2-41734C2F6835}" srcOrd="5" destOrd="0" presId="urn:microsoft.com/office/officeart/2005/8/layout/bProcess3"/>
-    <dgm:cxn modelId="{D2FF132D-E824-4608-A777-B338559E4728}" type="presParOf" srcId="{BC03B924-F064-4428-AAB2-41734C2F6835}" destId="{AF1C717D-E73C-48BB-B905-421740E894E0}" srcOrd="0" destOrd="0" presId="urn:microsoft.com/office/officeart/2005/8/layout/bProcess3"/>
-    <dgm:cxn modelId="{7EBB3CBF-82EF-43B6-B8E3-2705D4499E1E}" type="presParOf" srcId="{5E4C141B-8989-45F2-A64F-63C0130EF9DB}" destId="{BB94512D-7554-4D9D-9CC8-BC37E5E7B8A9}" srcOrd="6" destOrd="0" presId="urn:microsoft.com/office/officeart/2005/8/layout/bProcess3"/>
+    <dgm:cxn modelId="{4B3D9D09-9D41-48F6-9880-AC84DEEDF01E}" srcId="{8BFA46CF-7408-4977-8384-817FA2CE289B}" destId="{D10B8964-CABB-411F-8711-6605A4A0FBB4}" srcOrd="0" destOrd="0" parTransId="{A46EA208-2947-440D-92ED-EF08720D6D46}" sibTransId="{F1A17206-FCBC-430C-AEB2-07FDE9349CB2}"/>
+    <dgm:cxn modelId="{96042473-B67B-49C5-9880-C88E581723EF}" type="presOf" srcId="{B4CE426A-3FA5-4AD9-A01F-FCCC539C0DEB}" destId="{693827E2-6919-4C6F-8605-2D2E904E15F8}" srcOrd="0" destOrd="0" presId="urn:microsoft.com/office/officeart/2011/layout/CircleProcess"/>
+    <dgm:cxn modelId="{1DC86E1C-8A1E-4061-84DC-4B835F2B11D3}" type="presOf" srcId="{D10B8964-CABB-411F-8711-6605A4A0FBB4}" destId="{F5CFCCF6-0BB0-45EA-B901-63462770A36F}" srcOrd="0" destOrd="0" presId="urn:microsoft.com/office/officeart/2011/layout/CircleProcess"/>
+    <dgm:cxn modelId="{448BF4D5-2F0E-4991-AA0A-547FBFE41FC3}" srcId="{A16D7CAF-C775-4403-AB85-FC693E4C4ED4}" destId="{CCDB4DD6-E987-43CD-83CD-F2861CF619AC}" srcOrd="0" destOrd="0" parTransId="{B64C8DCC-B8B2-4F2D-BFB2-935A71D9D4AB}" sibTransId="{2E5B5B7D-5BC8-4E4B-A43D-B826611DE7A1}"/>
+    <dgm:cxn modelId="{61006775-67E4-4A42-A5B6-4B5A17702E78}" type="presOf" srcId="{8BFA46CF-7408-4977-8384-817FA2CE289B}" destId="{C71FB099-691D-4B7D-AC3D-5A144E551F33}" srcOrd="0" destOrd="0" presId="urn:microsoft.com/office/officeart/2011/layout/CircleProcess"/>
+    <dgm:cxn modelId="{250AECC2-EF7D-44AB-A374-CBF1A9C12E64}" srcId="{2DABD213-29ED-43E0-8B00-109EF124ADC5}" destId="{A16D7CAF-C775-4403-AB85-FC693E4C4ED4}" srcOrd="2" destOrd="0" parTransId="{C2923093-043F-4E21-A04E-2E3C4A580E8C}" sibTransId="{F3838E9F-9802-49E1-BB95-94528AC5A842}"/>
+    <dgm:cxn modelId="{C15DD91A-0432-491C-A91A-6091D7DEEBE6}" type="presOf" srcId="{8BFA46CF-7408-4977-8384-817FA2CE289B}" destId="{14B779EE-5538-4009-93C3-146E9B1E5224}" srcOrd="1" destOrd="0" presId="urn:microsoft.com/office/officeart/2011/layout/CircleProcess"/>
+    <dgm:cxn modelId="{1EE9B4D9-9DBF-411D-AE35-2729FF178DC5}" type="presOf" srcId="{A16D7CAF-C775-4403-AB85-FC693E4C4ED4}" destId="{9A624154-BC35-4F3E-B64A-F979BD20DD21}" srcOrd="0" destOrd="0" presId="urn:microsoft.com/office/officeart/2011/layout/CircleProcess"/>
+    <dgm:cxn modelId="{685831DA-C996-45E6-91A7-0261AF080864}" type="presOf" srcId="{CCDB4DD6-E987-43CD-83CD-F2861CF619AC}" destId="{9CDDCC47-7F8E-4401-B9E9-19148D2641B7}" srcOrd="0" destOrd="0" presId="urn:microsoft.com/office/officeart/2011/layout/CircleProcess"/>
+    <dgm:cxn modelId="{BEC763CD-4016-4583-89F9-7FE41B5315A1}" srcId="{2DABD213-29ED-43E0-8B00-109EF124ADC5}" destId="{8BFA46CF-7408-4977-8384-817FA2CE289B}" srcOrd="3" destOrd="0" parTransId="{43C140B7-9F3E-44E4-B4B5-34D57E42837F}" sibTransId="{F61375EF-B12F-45EA-A16A-DD1C8141C243}"/>
+    <dgm:cxn modelId="{15DD027D-C495-466C-A1C3-2214F1CA3F6F}" type="presOf" srcId="{EB3E768C-2A9B-4142-B991-D5A76EEEE9BF}" destId="{56A3CCE5-939F-40A2-9E2E-B48D5AA11E64}" srcOrd="1" destOrd="0" presId="urn:microsoft.com/office/officeart/2011/layout/CircleProcess"/>
+    <dgm:cxn modelId="{4A918D6D-22A9-491B-8A85-D9A6377AC64D}" type="presOf" srcId="{EB3E768C-2A9B-4142-B991-D5A76EEEE9BF}" destId="{D46342F4-BC75-45BE-8578-494308C3E35B}" srcOrd="0" destOrd="0" presId="urn:microsoft.com/office/officeart/2011/layout/CircleProcess"/>
+    <dgm:cxn modelId="{F1D0607A-7E6A-40A5-9513-3CBDCE188F22}" type="presOf" srcId="{A16D7CAF-C775-4403-AB85-FC693E4C4ED4}" destId="{AEA33B14-55C3-43C8-A0D3-489F97BD29D3}" srcOrd="1" destOrd="0" presId="urn:microsoft.com/office/officeart/2011/layout/CircleProcess"/>
+    <dgm:cxn modelId="{F9E2F863-7E56-497B-8D93-DE75C5E5B9E7}" srcId="{2DABD213-29ED-43E0-8B00-109EF124ADC5}" destId="{EB3E768C-2A9B-4142-B991-D5A76EEEE9BF}" srcOrd="0" destOrd="0" parTransId="{1FC45BA9-0CD6-4FAF-AE04-B721C76C3C14}" sibTransId="{46D699BF-AC90-4C3D-B558-549BBCB9F420}"/>
+    <dgm:cxn modelId="{88CAD598-8486-4CD4-9217-FF28D3EC03EB}" type="presOf" srcId="{2DABD213-29ED-43E0-8B00-109EF124ADC5}" destId="{E2927C30-3452-4C82-A97A-F290BBFAE57D}" srcOrd="0" destOrd="0" presId="urn:microsoft.com/office/officeart/2011/layout/CircleProcess"/>
+    <dgm:cxn modelId="{85D86F45-B5B9-4DC9-B9D6-D81C5F0FA718}" type="presOf" srcId="{B4CE426A-3FA5-4AD9-A01F-FCCC539C0DEB}" destId="{CE1DEBDC-C7A3-49F5-8599-873B00488AE7}" srcOrd="1" destOrd="0" presId="urn:microsoft.com/office/officeart/2011/layout/CircleProcess"/>
+    <dgm:cxn modelId="{97BA18E5-812E-4AF3-9B38-AC51786F2EFA}" srcId="{2DABD213-29ED-43E0-8B00-109EF124ADC5}" destId="{B4CE426A-3FA5-4AD9-A01F-FCCC539C0DEB}" srcOrd="1" destOrd="0" parTransId="{A3DCDD51-A349-404A-B54E-04EAD9B8DA26}" sibTransId="{E97F6742-B00C-469B-9CE1-8A8FEF6B8A81}"/>
+    <dgm:cxn modelId="{47167C61-47FB-4329-863E-E9F88925A6C7}" type="presParOf" srcId="{E2927C30-3452-4C82-A97A-F290BBFAE57D}" destId="{78D4157D-120E-4EC0-9528-0DA4100A3C6D}" srcOrd="0" destOrd="0" presId="urn:microsoft.com/office/officeart/2011/layout/CircleProcess"/>
+    <dgm:cxn modelId="{EDCE16C1-6A25-4649-9AE5-12657BF271B6}" type="presParOf" srcId="{78D4157D-120E-4EC0-9528-0DA4100A3C6D}" destId="{55E79191-60C7-452C-AD10-C447F0B230FD}" srcOrd="0" destOrd="0" presId="urn:microsoft.com/office/officeart/2011/layout/CircleProcess"/>
+    <dgm:cxn modelId="{D5031E3F-561D-4815-A9E8-38D89BA45B48}" type="presParOf" srcId="{E2927C30-3452-4C82-A97A-F290BBFAE57D}" destId="{35A98F3A-C103-4A5A-B3ED-E9147C449621}" srcOrd="1" destOrd="0" presId="urn:microsoft.com/office/officeart/2011/layout/CircleProcess"/>
+    <dgm:cxn modelId="{5EBADA69-7FE5-4855-81FC-37B152C45AEC}" type="presParOf" srcId="{35A98F3A-C103-4A5A-B3ED-E9147C449621}" destId="{C71FB099-691D-4B7D-AC3D-5A144E551F33}" srcOrd="0" destOrd="0" presId="urn:microsoft.com/office/officeart/2011/layout/CircleProcess"/>
+    <dgm:cxn modelId="{F1112EBE-7CB6-47C1-9744-965A06827801}" type="presParOf" srcId="{E2927C30-3452-4C82-A97A-F290BBFAE57D}" destId="{F5CFCCF6-0BB0-45EA-B901-63462770A36F}" srcOrd="2" destOrd="0" presId="urn:microsoft.com/office/officeart/2011/layout/CircleProcess"/>
+    <dgm:cxn modelId="{4C613680-6119-413C-BBA3-2FD94004AE1B}" type="presParOf" srcId="{E2927C30-3452-4C82-A97A-F290BBFAE57D}" destId="{14B779EE-5538-4009-93C3-146E9B1E5224}" srcOrd="3" destOrd="0" presId="urn:microsoft.com/office/officeart/2011/layout/CircleProcess"/>
+    <dgm:cxn modelId="{18C09FAB-1FCD-4282-96E6-4BDC6E0A0C4D}" type="presParOf" srcId="{E2927C30-3452-4C82-A97A-F290BBFAE57D}" destId="{E72A7B05-6A96-4CF4-945B-7B7731AA4B99}" srcOrd="4" destOrd="0" presId="urn:microsoft.com/office/officeart/2011/layout/CircleProcess"/>
+    <dgm:cxn modelId="{7DEA97CC-1CA3-495A-B688-5A32E33A3096}" type="presParOf" srcId="{E72A7B05-6A96-4CF4-945B-7B7731AA4B99}" destId="{4C19F44E-2D28-47C0-9B86-49475952FA95}" srcOrd="0" destOrd="0" presId="urn:microsoft.com/office/officeart/2011/layout/CircleProcess"/>
+    <dgm:cxn modelId="{45FA1B1E-0DD9-4938-806B-884E26A68813}" type="presParOf" srcId="{E2927C30-3452-4C82-A97A-F290BBFAE57D}" destId="{10827747-DBDC-4667-8823-E7CFFBB2B458}" srcOrd="5" destOrd="0" presId="urn:microsoft.com/office/officeart/2011/layout/CircleProcess"/>
+    <dgm:cxn modelId="{2BB23BAA-AEF1-4C49-AC0E-343B710ED18B}" type="presParOf" srcId="{10827747-DBDC-4667-8823-E7CFFBB2B458}" destId="{9A624154-BC35-4F3E-B64A-F979BD20DD21}" srcOrd="0" destOrd="0" presId="urn:microsoft.com/office/officeart/2011/layout/CircleProcess"/>
+    <dgm:cxn modelId="{8131CFB2-D371-40B1-B190-A008B6D21FBE}" type="presParOf" srcId="{E2927C30-3452-4C82-A97A-F290BBFAE57D}" destId="{9CDDCC47-7F8E-4401-B9E9-19148D2641B7}" srcOrd="6" destOrd="0" presId="urn:microsoft.com/office/officeart/2011/layout/CircleProcess"/>
+    <dgm:cxn modelId="{3BE5775B-D68B-4681-9CE1-B237A5A01653}" type="presParOf" srcId="{E2927C30-3452-4C82-A97A-F290BBFAE57D}" destId="{AEA33B14-55C3-43C8-A0D3-489F97BD29D3}" srcOrd="7" destOrd="0" presId="urn:microsoft.com/office/officeart/2011/layout/CircleProcess"/>
+    <dgm:cxn modelId="{32FD7C48-BA19-4947-81B7-69CB8761386F}" type="presParOf" srcId="{E2927C30-3452-4C82-A97A-F290BBFAE57D}" destId="{3EEC1BD8-4C65-4703-9F65-4CBF8CF42D78}" srcOrd="8" destOrd="0" presId="urn:microsoft.com/office/officeart/2011/layout/CircleProcess"/>
+    <dgm:cxn modelId="{568385DD-986C-41F7-AD9F-D4AF062A4BDD}" type="presParOf" srcId="{3EEC1BD8-4C65-4703-9F65-4CBF8CF42D78}" destId="{D2F82336-5D88-42D7-A6F1-991B7C923533}" srcOrd="0" destOrd="0" presId="urn:microsoft.com/office/officeart/2011/layout/CircleProcess"/>
+    <dgm:cxn modelId="{419922C3-9767-4B3F-B864-111F75A58819}" type="presParOf" srcId="{E2927C30-3452-4C82-A97A-F290BBFAE57D}" destId="{A66CCF55-0167-4EE8-8285-8414A1F59C43}" srcOrd="9" destOrd="0" presId="urn:microsoft.com/office/officeart/2011/layout/CircleProcess"/>
+    <dgm:cxn modelId="{B283B6F7-7AD9-4EC6-A153-4B4F5AE7A64F}" type="presParOf" srcId="{A66CCF55-0167-4EE8-8285-8414A1F59C43}" destId="{693827E2-6919-4C6F-8605-2D2E904E15F8}" srcOrd="0" destOrd="0" presId="urn:microsoft.com/office/officeart/2011/layout/CircleProcess"/>
+    <dgm:cxn modelId="{EF553227-1F92-4E49-9C0A-8D8DA126D657}" type="presParOf" srcId="{E2927C30-3452-4C82-A97A-F290BBFAE57D}" destId="{CE1DEBDC-C7A3-49F5-8599-873B00488AE7}" srcOrd="10" destOrd="0" presId="urn:microsoft.com/office/officeart/2011/layout/CircleProcess"/>
+    <dgm:cxn modelId="{FBEA0C64-0B17-4FC1-BEDE-1FFC72F1684B}" type="presParOf" srcId="{E2927C30-3452-4C82-A97A-F290BBFAE57D}" destId="{474DEB77-80A7-4190-995F-2D9AA5219A35}" srcOrd="11" destOrd="0" presId="urn:microsoft.com/office/officeart/2011/layout/CircleProcess"/>
+    <dgm:cxn modelId="{18A01090-F124-458B-AA97-E2EF8BD1B1AA}" type="presParOf" srcId="{474DEB77-80A7-4190-995F-2D9AA5219A35}" destId="{F858D9CF-E280-43C5-A36A-90E170329AB5}" srcOrd="0" destOrd="0" presId="urn:microsoft.com/office/officeart/2011/layout/CircleProcess"/>
+    <dgm:cxn modelId="{7CC0DAB3-7B50-4B67-B1B3-A86508075A9F}" type="presParOf" srcId="{E2927C30-3452-4C82-A97A-F290BBFAE57D}" destId="{F2D204B1-3074-4FBC-AFEB-21CBEB9E2726}" srcOrd="12" destOrd="0" presId="urn:microsoft.com/office/officeart/2011/layout/CircleProcess"/>
+    <dgm:cxn modelId="{34E23CFD-81F6-42B2-A8B0-1DA2FB6CA2F6}" type="presParOf" srcId="{F2D204B1-3074-4FBC-AFEB-21CBEB9E2726}" destId="{D46342F4-BC75-45BE-8578-494308C3E35B}" srcOrd="0" destOrd="0" presId="urn:microsoft.com/office/officeart/2011/layout/CircleProcess"/>
+    <dgm:cxn modelId="{CA3AB77D-CCB9-42BC-BA51-A5130C28F5D2}" type="presParOf" srcId="{E2927C30-3452-4C82-A97A-F290BBFAE57D}" destId="{56A3CCE5-939F-40A2-9E2E-B48D5AA11E64}" srcOrd="13" destOrd="0" presId="urn:microsoft.com/office/officeart/2011/layout/CircleProcess"/>
   </dgm:cxnLst>
   <dgm:bg/>
   <dgm:whole/>
@@ -9697,10 +9959,24 @@
     <dgm:pt modelId="{2E53EE2C-B2FA-4432-8A1B-AEA28B3813FA}" type="pres">
       <dgm:prSet presAssocID="{4EEAD313-A17C-409D-93C0-F8E73E139BEC}" presName="sibTrans" presStyleLbl="sibTrans2D1" presStyleIdx="0" presStyleCnt="1"/>
       <dgm:spPr/>
+      <dgm:t>
+        <a:bodyPr/>
+        <a:lstStyle/>
+        <a:p>
+          <a:endParaRPr lang="en-US"/>
+        </a:p>
+      </dgm:t>
     </dgm:pt>
     <dgm:pt modelId="{C705259D-92FD-4A3E-B6E0-B7D192D5465C}" type="pres">
       <dgm:prSet presAssocID="{4EEAD313-A17C-409D-93C0-F8E73E139BEC}" presName="connectorText" presStyleLbl="sibTrans2D1" presStyleIdx="0" presStyleCnt="1"/>
       <dgm:spPr/>
+      <dgm:t>
+        <a:bodyPr/>
+        <a:lstStyle/>
+        <a:p>
+          <a:endParaRPr lang="en-US"/>
+        </a:p>
+      </dgm:t>
     </dgm:pt>
     <dgm:pt modelId="{C25ABDFC-A808-45BE-AAFF-F10F86F65B5B}" type="pres">
       <dgm:prSet presAssocID="{F11652B5-0A0B-482B-8912-C94573378892}" presName="node" presStyleLbl="node1" presStyleIdx="1" presStyleCnt="2">
@@ -9709,16 +9985,23 @@
         </dgm:presLayoutVars>
       </dgm:prSet>
       <dgm:spPr/>
+      <dgm:t>
+        <a:bodyPr/>
+        <a:lstStyle/>
+        <a:p>
+          <a:endParaRPr lang="en-US"/>
+        </a:p>
+      </dgm:t>
     </dgm:pt>
   </dgm:ptLst>
   <dgm:cxnLst>
-    <dgm:cxn modelId="{08B700FF-9111-439C-878C-77CE52E87BFF}" type="presOf" srcId="{4EEAD313-A17C-409D-93C0-F8E73E139BEC}" destId="{C705259D-92FD-4A3E-B6E0-B7D192D5465C}" srcOrd="1" destOrd="0" presId="urn:microsoft.com/office/officeart/2005/8/layout/process1"/>
     <dgm:cxn modelId="{43FAD7C6-E460-4BF0-A3D5-37EE5E29C487}" type="presOf" srcId="{F11652B5-0A0B-482B-8912-C94573378892}" destId="{C25ABDFC-A808-45BE-AAFF-F10F86F65B5B}" srcOrd="0" destOrd="0" presId="urn:microsoft.com/office/officeart/2005/8/layout/process1"/>
-    <dgm:cxn modelId="{DEB3BE9C-E6DB-4291-85CC-7C5E39123E8D}" type="presOf" srcId="{DF0E692D-9D63-4E1F-86C2-5864C42D33E9}" destId="{81845503-137D-41BF-9455-1C56DAC73AD1}" srcOrd="0" destOrd="0" presId="urn:microsoft.com/office/officeart/2005/8/layout/process1"/>
     <dgm:cxn modelId="{8C3C7CC0-5325-424F-A233-A0B5D5DF9F80}" type="presOf" srcId="{4EEAD313-A17C-409D-93C0-F8E73E139BEC}" destId="{2E53EE2C-B2FA-4432-8A1B-AEA28B3813FA}" srcOrd="0" destOrd="0" presId="urn:microsoft.com/office/officeart/2005/8/layout/process1"/>
     <dgm:cxn modelId="{B96EEA3E-0600-40A6-81F2-74BC33556C7B}" srcId="{DF0E692D-9D63-4E1F-86C2-5864C42D33E9}" destId="{F11652B5-0A0B-482B-8912-C94573378892}" srcOrd="1" destOrd="0" parTransId="{C2232668-8FA9-49D4-8427-0FEF823D4D8C}" sibTransId="{A600B245-738E-4D67-88C9-097168F1EC04}"/>
+    <dgm:cxn modelId="{9C3781C3-9DD1-4B50-9097-65E2D824549D}" srcId="{DF0E692D-9D63-4E1F-86C2-5864C42D33E9}" destId="{C1EAB09B-B449-45B1-8860-8354F9CE7D88}" srcOrd="0" destOrd="0" parTransId="{F04FD908-3115-4AF4-9BFC-A120A2053C56}" sibTransId="{4EEAD313-A17C-409D-93C0-F8E73E139BEC}"/>
+    <dgm:cxn modelId="{DEB3BE9C-E6DB-4291-85CC-7C5E39123E8D}" type="presOf" srcId="{DF0E692D-9D63-4E1F-86C2-5864C42D33E9}" destId="{81845503-137D-41BF-9455-1C56DAC73AD1}" srcOrd="0" destOrd="0" presId="urn:microsoft.com/office/officeart/2005/8/layout/process1"/>
     <dgm:cxn modelId="{01F0EC5C-6F5D-4CCD-AB54-44B257961372}" type="presOf" srcId="{C1EAB09B-B449-45B1-8860-8354F9CE7D88}" destId="{5BC373A7-2246-481E-8FA9-7F1F7C64E32E}" srcOrd="0" destOrd="0" presId="urn:microsoft.com/office/officeart/2005/8/layout/process1"/>
-    <dgm:cxn modelId="{9C3781C3-9DD1-4B50-9097-65E2D824549D}" srcId="{DF0E692D-9D63-4E1F-86C2-5864C42D33E9}" destId="{C1EAB09B-B449-45B1-8860-8354F9CE7D88}" srcOrd="0" destOrd="0" parTransId="{F04FD908-3115-4AF4-9BFC-A120A2053C56}" sibTransId="{4EEAD313-A17C-409D-93C0-F8E73E139BEC}"/>
+    <dgm:cxn modelId="{08B700FF-9111-439C-878C-77CE52E87BFF}" type="presOf" srcId="{4EEAD313-A17C-409D-93C0-F8E73E139BEC}" destId="{C705259D-92FD-4A3E-B6E0-B7D192D5465C}" srcOrd="1" destOrd="0" presId="urn:microsoft.com/office/officeart/2005/8/layout/process1"/>
     <dgm:cxn modelId="{B70725C9-7A80-4AAA-B5E5-CFEDC3B1DB73}" type="presParOf" srcId="{81845503-137D-41BF-9455-1C56DAC73AD1}" destId="{5BC373A7-2246-481E-8FA9-7F1F7C64E32E}" srcOrd="0" destOrd="0" presId="urn:microsoft.com/office/officeart/2005/8/layout/process1"/>
     <dgm:cxn modelId="{4941AAF7-245C-4934-8C0A-788D6B84581B}" type="presParOf" srcId="{81845503-137D-41BF-9455-1C56DAC73AD1}" destId="{2E53EE2C-B2FA-4432-8A1B-AEA28B3813FA}" srcOrd="1" destOrd="0" presId="urn:microsoft.com/office/officeart/2005/8/layout/process1"/>
     <dgm:cxn modelId="{9E99B108-23C8-4858-8CA5-3EF7B09A5814}" type="presParOf" srcId="{2E53EE2C-B2FA-4432-8A1B-AEA28B3813FA}" destId="{C705259D-92FD-4A3E-B6E0-B7D192D5465C}" srcOrd="0" destOrd="0" presId="urn:microsoft.com/office/officeart/2005/8/layout/process1"/>
@@ -10091,6 +10374,13 @@
         </dgm:presLayoutVars>
       </dgm:prSet>
       <dgm:spPr/>
+      <dgm:t>
+        <a:bodyPr/>
+        <a:lstStyle/>
+        <a:p>
+          <a:endParaRPr lang="en-US"/>
+        </a:p>
+      </dgm:t>
     </dgm:pt>
     <dgm:pt modelId="{3CAD8499-2B10-4B42-87C4-9BAB2117F663}" type="pres">
       <dgm:prSet presAssocID="{8BF7CB74-D6F3-4E8C-B065-CBE7A7DE164F}" presName="node" presStyleLbl="node1" presStyleIdx="0" presStyleCnt="7">
@@ -10110,10 +10400,24 @@
     <dgm:pt modelId="{849AE651-C7BA-4B61-845D-3E02E2635F01}" type="pres">
       <dgm:prSet presAssocID="{06D6E93B-9375-4CD7-A016-C55706572A3A}" presName="sibTrans" presStyleLbl="sibTrans2D1" presStyleIdx="0" presStyleCnt="6"/>
       <dgm:spPr/>
+      <dgm:t>
+        <a:bodyPr/>
+        <a:lstStyle/>
+        <a:p>
+          <a:endParaRPr lang="en-US"/>
+        </a:p>
+      </dgm:t>
     </dgm:pt>
     <dgm:pt modelId="{00DB81D7-147C-4CAF-AE06-9F3D36D817A6}" type="pres">
       <dgm:prSet presAssocID="{06D6E93B-9375-4CD7-A016-C55706572A3A}" presName="connectorText" presStyleLbl="sibTrans2D1" presStyleIdx="0" presStyleCnt="6"/>
       <dgm:spPr/>
+      <dgm:t>
+        <a:bodyPr/>
+        <a:lstStyle/>
+        <a:p>
+          <a:endParaRPr lang="en-US"/>
+        </a:p>
+      </dgm:t>
     </dgm:pt>
     <dgm:pt modelId="{92220E04-CF2A-4B90-B1DB-726A16D61B3B}" type="pres">
       <dgm:prSet presAssocID="{9D3A7E2B-5E76-4FAC-983A-72FBD841FB4A}" presName="node" presStyleLbl="node1" presStyleIdx="1" presStyleCnt="7">
@@ -10133,10 +10437,24 @@
     <dgm:pt modelId="{B91535BC-E550-45EC-8BF8-6BE26ED5E9D3}" type="pres">
       <dgm:prSet presAssocID="{43F9F04C-2425-4F50-B097-6A5581140504}" presName="sibTrans" presStyleLbl="sibTrans2D1" presStyleIdx="1" presStyleCnt="6"/>
       <dgm:spPr/>
+      <dgm:t>
+        <a:bodyPr/>
+        <a:lstStyle/>
+        <a:p>
+          <a:endParaRPr lang="en-US"/>
+        </a:p>
+      </dgm:t>
     </dgm:pt>
     <dgm:pt modelId="{7729834D-2B73-4F2F-BF41-D57838047BBF}" type="pres">
       <dgm:prSet presAssocID="{43F9F04C-2425-4F50-B097-6A5581140504}" presName="connectorText" presStyleLbl="sibTrans2D1" presStyleIdx="1" presStyleCnt="6"/>
       <dgm:spPr/>
+      <dgm:t>
+        <a:bodyPr/>
+        <a:lstStyle/>
+        <a:p>
+          <a:endParaRPr lang="en-US"/>
+        </a:p>
+      </dgm:t>
     </dgm:pt>
     <dgm:pt modelId="{C5F61D18-70C6-42D7-891D-9EE0D8594FE4}" type="pres">
       <dgm:prSet presAssocID="{3EAEB6E1-05CA-4D6C-88D6-75489BAAB885}" presName="node" presStyleLbl="node1" presStyleIdx="2" presStyleCnt="7">
@@ -10145,14 +10463,35 @@
         </dgm:presLayoutVars>
       </dgm:prSet>
       <dgm:spPr/>
+      <dgm:t>
+        <a:bodyPr/>
+        <a:lstStyle/>
+        <a:p>
+          <a:endParaRPr lang="en-US"/>
+        </a:p>
+      </dgm:t>
     </dgm:pt>
     <dgm:pt modelId="{6B567A61-255F-4012-9F02-8B7D35B1F32D}" type="pres">
       <dgm:prSet presAssocID="{D31B2C79-53D3-4564-99C7-07DF40131C26}" presName="sibTrans" presStyleLbl="sibTrans2D1" presStyleIdx="2" presStyleCnt="6"/>
       <dgm:spPr/>
+      <dgm:t>
+        <a:bodyPr/>
+        <a:lstStyle/>
+        <a:p>
+          <a:endParaRPr lang="en-US"/>
+        </a:p>
+      </dgm:t>
     </dgm:pt>
     <dgm:pt modelId="{E4BA06A4-9290-45E9-9C56-374D8E045716}" type="pres">
       <dgm:prSet presAssocID="{D31B2C79-53D3-4564-99C7-07DF40131C26}" presName="connectorText" presStyleLbl="sibTrans2D1" presStyleIdx="2" presStyleCnt="6"/>
       <dgm:spPr/>
+      <dgm:t>
+        <a:bodyPr/>
+        <a:lstStyle/>
+        <a:p>
+          <a:endParaRPr lang="en-US"/>
+        </a:p>
+      </dgm:t>
     </dgm:pt>
     <dgm:pt modelId="{A4974F91-59C2-4F34-BE49-241621B0B7F2}" type="pres">
       <dgm:prSet presAssocID="{FB095AF5-9BFB-42E6-81BE-7378D7DCE77D}" presName="node" presStyleLbl="node1" presStyleIdx="3" presStyleCnt="7">
@@ -10161,14 +10500,35 @@
         </dgm:presLayoutVars>
       </dgm:prSet>
       <dgm:spPr/>
+      <dgm:t>
+        <a:bodyPr/>
+        <a:lstStyle/>
+        <a:p>
+          <a:endParaRPr lang="en-US"/>
+        </a:p>
+      </dgm:t>
     </dgm:pt>
     <dgm:pt modelId="{BC74CA7E-D982-47B6-9B42-A131FDE7878C}" type="pres">
       <dgm:prSet presAssocID="{949B9948-B8AA-4921-8D4B-949BD3F7A1E1}" presName="sibTrans" presStyleLbl="sibTrans2D1" presStyleIdx="3" presStyleCnt="6"/>
       <dgm:spPr/>
+      <dgm:t>
+        <a:bodyPr/>
+        <a:lstStyle/>
+        <a:p>
+          <a:endParaRPr lang="en-US"/>
+        </a:p>
+      </dgm:t>
     </dgm:pt>
     <dgm:pt modelId="{06A8E4AA-C6D1-4ADC-A904-9A47E4629695}" type="pres">
       <dgm:prSet presAssocID="{949B9948-B8AA-4921-8D4B-949BD3F7A1E1}" presName="connectorText" presStyleLbl="sibTrans2D1" presStyleIdx="3" presStyleCnt="6"/>
       <dgm:spPr/>
+      <dgm:t>
+        <a:bodyPr/>
+        <a:lstStyle/>
+        <a:p>
+          <a:endParaRPr lang="en-US"/>
+        </a:p>
+      </dgm:t>
     </dgm:pt>
     <dgm:pt modelId="{DD865BCD-73FD-4759-B9CC-32D3DC5ACF87}" type="pres">
       <dgm:prSet presAssocID="{C0F25731-6302-4F76-BD4A-0B6A491B3C49}" presName="node" presStyleLbl="node1" presStyleIdx="4" presStyleCnt="7">
@@ -10188,10 +10548,24 @@
     <dgm:pt modelId="{CEB939D4-3CE1-447C-A952-B5C0DCA9BC6F}" type="pres">
       <dgm:prSet presAssocID="{D2C5F4B4-C105-4F1E-8B01-1A51BA2EEF3E}" presName="sibTrans" presStyleLbl="sibTrans2D1" presStyleIdx="4" presStyleCnt="6"/>
       <dgm:spPr/>
+      <dgm:t>
+        <a:bodyPr/>
+        <a:lstStyle/>
+        <a:p>
+          <a:endParaRPr lang="en-US"/>
+        </a:p>
+      </dgm:t>
     </dgm:pt>
     <dgm:pt modelId="{6F001D30-BC0A-4DF8-AEF9-B3B4A66ABF6D}" type="pres">
       <dgm:prSet presAssocID="{D2C5F4B4-C105-4F1E-8B01-1A51BA2EEF3E}" presName="connectorText" presStyleLbl="sibTrans2D1" presStyleIdx="4" presStyleCnt="6"/>
       <dgm:spPr/>
+      <dgm:t>
+        <a:bodyPr/>
+        <a:lstStyle/>
+        <a:p>
+          <a:endParaRPr lang="en-US"/>
+        </a:p>
+      </dgm:t>
     </dgm:pt>
     <dgm:pt modelId="{70C4E9D4-121C-4672-933A-1F6C891082FF}" type="pres">
       <dgm:prSet presAssocID="{D1D1F404-2D8B-49F6-BA73-10EE83010560}" presName="node" presStyleLbl="node1" presStyleIdx="5" presStyleCnt="7">
@@ -10211,10 +10585,24 @@
     <dgm:pt modelId="{B4C5DF34-0D3E-4E2D-A739-9C312B9BC278}" type="pres">
       <dgm:prSet presAssocID="{C4BD36E4-385E-4010-81CC-EF19D6C547BA}" presName="sibTrans" presStyleLbl="sibTrans2D1" presStyleIdx="5" presStyleCnt="6"/>
       <dgm:spPr/>
+      <dgm:t>
+        <a:bodyPr/>
+        <a:lstStyle/>
+        <a:p>
+          <a:endParaRPr lang="en-US"/>
+        </a:p>
+      </dgm:t>
     </dgm:pt>
     <dgm:pt modelId="{5B2A0EA1-191A-4EE4-A2CE-0107B32909EA}" type="pres">
       <dgm:prSet presAssocID="{C4BD36E4-385E-4010-81CC-EF19D6C547BA}" presName="connectorText" presStyleLbl="sibTrans2D1" presStyleIdx="5" presStyleCnt="6"/>
       <dgm:spPr/>
+      <dgm:t>
+        <a:bodyPr/>
+        <a:lstStyle/>
+        <a:p>
+          <a:endParaRPr lang="en-US"/>
+        </a:p>
+      </dgm:t>
     </dgm:pt>
     <dgm:pt modelId="{790D95BC-7342-4776-83D2-EFD8FE73B2B7}" type="pres">
       <dgm:prSet presAssocID="{CC9B3CB9-4EFB-4393-822D-13373DA53B34}" presName="node" presStyleLbl="node1" presStyleIdx="6" presStyleCnt="7">
@@ -10242,12 +10630,12 @@
     <dgm:cxn modelId="{1F84F46C-8669-49F5-B4D1-FB6874576681}" type="presOf" srcId="{D31B2C79-53D3-4564-99C7-07DF40131C26}" destId="{6B567A61-255F-4012-9F02-8B7D35B1F32D}" srcOrd="0" destOrd="0" presId="urn:microsoft.com/office/officeart/2005/8/layout/process5"/>
     <dgm:cxn modelId="{7D1ED658-1A62-4EA9-9CA6-E130822B0211}" type="presOf" srcId="{43F9F04C-2425-4F50-B097-6A5581140504}" destId="{7729834D-2B73-4F2F-BF41-D57838047BBF}" srcOrd="1" destOrd="0" presId="urn:microsoft.com/office/officeart/2005/8/layout/process5"/>
     <dgm:cxn modelId="{90A05BC5-C10B-496B-BA0D-4833268CABDB}" type="presOf" srcId="{D2C5F4B4-C105-4F1E-8B01-1A51BA2EEF3E}" destId="{CEB939D4-3CE1-447C-A952-B5C0DCA9BC6F}" srcOrd="0" destOrd="0" presId="urn:microsoft.com/office/officeart/2005/8/layout/process5"/>
+    <dgm:cxn modelId="{95098CF3-06D6-42C4-95C7-DDA765A76FD5}" type="presOf" srcId="{3EAEB6E1-05CA-4D6C-88D6-75489BAAB885}" destId="{C5F61D18-70C6-42D7-891D-9EE0D8594FE4}" srcOrd="0" destOrd="0" presId="urn:microsoft.com/office/officeart/2005/8/layout/process5"/>
     <dgm:cxn modelId="{D910B344-A098-4D62-842B-E8F4FFB27973}" srcId="{EFAA65FC-5749-42B2-B2E1-DB71D05055A1}" destId="{D1D1F404-2D8B-49F6-BA73-10EE83010560}" srcOrd="5" destOrd="0" parTransId="{3079E0A3-0734-4B2E-80DE-276DA595576E}" sibTransId="{C4BD36E4-385E-4010-81CC-EF19D6C547BA}"/>
-    <dgm:cxn modelId="{95098CF3-06D6-42C4-95C7-DDA765A76FD5}" type="presOf" srcId="{3EAEB6E1-05CA-4D6C-88D6-75489BAAB885}" destId="{C5F61D18-70C6-42D7-891D-9EE0D8594FE4}" srcOrd="0" destOrd="0" presId="urn:microsoft.com/office/officeart/2005/8/layout/process5"/>
     <dgm:cxn modelId="{D4C2F760-1ED7-4765-9D95-8AD290CD2223}" type="presOf" srcId="{43F9F04C-2425-4F50-B097-6A5581140504}" destId="{B91535BC-E550-45EC-8BF8-6BE26ED5E9D3}" srcOrd="0" destOrd="0" presId="urn:microsoft.com/office/officeart/2005/8/layout/process5"/>
     <dgm:cxn modelId="{765FE3BB-8484-4524-8C04-039479F37425}" type="presOf" srcId="{8BF7CB74-D6F3-4E8C-B065-CBE7A7DE164F}" destId="{3CAD8499-2B10-4B42-87C4-9BAB2117F663}" srcOrd="0" destOrd="0" presId="urn:microsoft.com/office/officeart/2005/8/layout/process5"/>
+    <dgm:cxn modelId="{FA12040A-DE23-4362-86BC-A084C527FD0D}" type="presOf" srcId="{D1D1F404-2D8B-49F6-BA73-10EE83010560}" destId="{70C4E9D4-121C-4672-933A-1F6C891082FF}" srcOrd="0" destOrd="0" presId="urn:microsoft.com/office/officeart/2005/8/layout/process5"/>
     <dgm:cxn modelId="{70195027-F46C-4D3B-A27A-03B8ED267096}" type="presOf" srcId="{C0F25731-6302-4F76-BD4A-0B6A491B3C49}" destId="{DD865BCD-73FD-4759-B9CC-32D3DC5ACF87}" srcOrd="0" destOrd="0" presId="urn:microsoft.com/office/officeart/2005/8/layout/process5"/>
-    <dgm:cxn modelId="{FA12040A-DE23-4362-86BC-A084C527FD0D}" type="presOf" srcId="{D1D1F404-2D8B-49F6-BA73-10EE83010560}" destId="{70C4E9D4-121C-4672-933A-1F6C891082FF}" srcOrd="0" destOrd="0" presId="urn:microsoft.com/office/officeart/2005/8/layout/process5"/>
     <dgm:cxn modelId="{84ECDDCF-458E-4645-8ED5-9842D01597E3}" srcId="{EFAA65FC-5749-42B2-B2E1-DB71D05055A1}" destId="{FB095AF5-9BFB-42E6-81BE-7378D7DCE77D}" srcOrd="3" destOrd="0" parTransId="{71C74537-7AC2-41BE-8EE0-4C84BF7D2C9A}" sibTransId="{949B9948-B8AA-4921-8D4B-949BD3F7A1E1}"/>
     <dgm:cxn modelId="{7E9393AD-2C5A-401E-91C8-388C208D3772}" type="presOf" srcId="{D2C5F4B4-C105-4F1E-8B01-1A51BA2EEF3E}" destId="{6F001D30-BC0A-4DF8-AEF9-B3B4A66ABF6D}" srcOrd="1" destOrd="0" presId="urn:microsoft.com/office/officeart/2005/8/layout/process5"/>
     <dgm:cxn modelId="{A05B8D77-A984-4D85-9482-9B3C3E30689E}" srcId="{EFAA65FC-5749-42B2-B2E1-DB71D05055A1}" destId="{CC9B3CB9-4EFB-4393-822D-13373DA53B34}" srcOrd="6" destOrd="0" parTransId="{A5E4E6D3-1C57-47BB-845C-2228DD6EA8DC}" sibTransId="{6B2C3730-412B-4308-B438-43E4CD64FBDA}"/>
@@ -11479,437 +11867,6 @@
 <file path=ppt/diagrams/data6.xml><?xml version="1.0" encoding="utf-8"?>
 <dgm:dataModel xmlns:dgm="http://schemas.openxmlformats.org/drawingml/2006/diagram" xmlns:a="http://schemas.openxmlformats.org/drawingml/2006/main">
   <dgm:ptLst>
-    <dgm:pt modelId="{2DABD213-29ED-43E0-8B00-109EF124ADC5}" type="doc">
-      <dgm:prSet loTypeId="urn:microsoft.com/office/officeart/2011/layout/CircleProcess" loCatId="process" qsTypeId="urn:microsoft.com/office/officeart/2005/8/quickstyle/simple1" qsCatId="simple" csTypeId="urn:microsoft.com/office/officeart/2005/8/colors/accent1_2" csCatId="accent1" phldr="1"/>
-      <dgm:spPr/>
-      <dgm:t>
-        <a:bodyPr/>
-        <a:lstStyle/>
-        <a:p>
-          <a:endParaRPr lang="en-US"/>
-        </a:p>
-      </dgm:t>
-    </dgm:pt>
-    <dgm:pt modelId="{EB3E768C-2A9B-4142-B991-D5A76EEEE9BF}">
-      <dgm:prSet phldrT="[Text]"/>
-      <dgm:spPr/>
-      <dgm:t>
-        <a:bodyPr/>
-        <a:lstStyle/>
-        <a:p>
-          <a:r>
-            <a:rPr lang="en-US" dirty="0" smtClean="0"/>
-            <a:t>Isi Form PPJB</a:t>
-          </a:r>
-          <a:endParaRPr lang="en-US" dirty="0"/>
-        </a:p>
-      </dgm:t>
-    </dgm:pt>
-    <dgm:pt modelId="{1FC45BA9-0CD6-4FAF-AE04-B721C76C3C14}" type="parTrans" cxnId="{F9E2F863-7E56-497B-8D93-DE75C5E5B9E7}">
-      <dgm:prSet/>
-      <dgm:spPr/>
-      <dgm:t>
-        <a:bodyPr/>
-        <a:lstStyle/>
-        <a:p>
-          <a:endParaRPr lang="en-US"/>
-        </a:p>
-      </dgm:t>
-    </dgm:pt>
-    <dgm:pt modelId="{46D699BF-AC90-4C3D-B558-549BBCB9F420}" type="sibTrans" cxnId="{F9E2F863-7E56-497B-8D93-DE75C5E5B9E7}">
-      <dgm:prSet/>
-      <dgm:spPr/>
-      <dgm:t>
-        <a:bodyPr/>
-        <a:lstStyle/>
-        <a:p>
-          <a:endParaRPr lang="en-US"/>
-        </a:p>
-      </dgm:t>
-    </dgm:pt>
-    <dgm:pt modelId="{A16D7CAF-C775-4403-AB85-FC693E4C4ED4}">
-      <dgm:prSet phldrT="[Text]"/>
-      <dgm:spPr/>
-      <dgm:t>
-        <a:bodyPr/>
-        <a:lstStyle/>
-        <a:p>
-          <a:r>
-            <a:rPr lang="en-US" dirty="0" err="1" smtClean="0"/>
-            <a:t>Cetak</a:t>
-          </a:r>
-          <a:r>
-            <a:rPr lang="en-US" dirty="0" smtClean="0"/>
-            <a:t> PAIJB</a:t>
-          </a:r>
-          <a:endParaRPr lang="en-US" dirty="0"/>
-        </a:p>
-      </dgm:t>
-    </dgm:pt>
-    <dgm:pt modelId="{C2923093-043F-4E21-A04E-2E3C4A580E8C}" type="parTrans" cxnId="{250AECC2-EF7D-44AB-A374-CBF1A9C12E64}">
-      <dgm:prSet/>
-      <dgm:spPr/>
-      <dgm:t>
-        <a:bodyPr/>
-        <a:lstStyle/>
-        <a:p>
-          <a:endParaRPr lang="en-US"/>
-        </a:p>
-      </dgm:t>
-    </dgm:pt>
-    <dgm:pt modelId="{F3838E9F-9802-49E1-BB95-94528AC5A842}" type="sibTrans" cxnId="{250AECC2-EF7D-44AB-A374-CBF1A9C12E64}">
-      <dgm:prSet/>
-      <dgm:spPr/>
-      <dgm:t>
-        <a:bodyPr/>
-        <a:lstStyle/>
-        <a:p>
-          <a:endParaRPr lang="en-US"/>
-        </a:p>
-      </dgm:t>
-    </dgm:pt>
-    <dgm:pt modelId="{8BFA46CF-7408-4977-8384-817FA2CE289B}">
-      <dgm:prSet phldrT="[Text]"/>
-      <dgm:spPr/>
-      <dgm:t>
-        <a:bodyPr/>
-        <a:lstStyle/>
-        <a:p>
-          <a:r>
-            <a:rPr lang="en-US" dirty="0" err="1" smtClean="0"/>
-            <a:t>Cetak</a:t>
-          </a:r>
-          <a:r>
-            <a:rPr lang="en-US" dirty="0" smtClean="0"/>
-            <a:t> PPJB</a:t>
-          </a:r>
-          <a:endParaRPr lang="en-US" dirty="0"/>
-        </a:p>
-      </dgm:t>
-    </dgm:pt>
-    <dgm:pt modelId="{43C140B7-9F3E-44E4-B4B5-34D57E42837F}" type="parTrans" cxnId="{BEC763CD-4016-4583-89F9-7FE41B5315A1}">
-      <dgm:prSet/>
-      <dgm:spPr/>
-      <dgm:t>
-        <a:bodyPr/>
-        <a:lstStyle/>
-        <a:p>
-          <a:endParaRPr lang="en-US"/>
-        </a:p>
-      </dgm:t>
-    </dgm:pt>
-    <dgm:pt modelId="{F61375EF-B12F-45EA-A16A-DD1C8141C243}" type="sibTrans" cxnId="{BEC763CD-4016-4583-89F9-7FE41B5315A1}">
-      <dgm:prSet/>
-      <dgm:spPr/>
-      <dgm:t>
-        <a:bodyPr/>
-        <a:lstStyle/>
-        <a:p>
-          <a:endParaRPr lang="en-US"/>
-        </a:p>
-      </dgm:t>
-    </dgm:pt>
-    <dgm:pt modelId="{CCDB4DD6-E987-43CD-83CD-F2861CF619AC}">
-      <dgm:prSet phldrT="[Text]"/>
-      <dgm:spPr/>
-      <dgm:t>
-        <a:bodyPr/>
-        <a:lstStyle/>
-        <a:p>
-          <a:r>
-            <a:rPr lang="en-US" dirty="0" err="1" smtClean="0"/>
-            <a:t>Pembayaran</a:t>
-          </a:r>
-          <a:r>
-            <a:rPr lang="en-US" dirty="0" smtClean="0"/>
-            <a:t> &gt; 10%</a:t>
-          </a:r>
-          <a:endParaRPr lang="en-US" dirty="0"/>
-        </a:p>
-      </dgm:t>
-    </dgm:pt>
-    <dgm:pt modelId="{B64C8DCC-B8B2-4F2D-BFB2-935A71D9D4AB}" type="parTrans" cxnId="{448BF4D5-2F0E-4991-AA0A-547FBFE41FC3}">
-      <dgm:prSet/>
-      <dgm:spPr/>
-      <dgm:t>
-        <a:bodyPr/>
-        <a:lstStyle/>
-        <a:p>
-          <a:endParaRPr lang="en-US"/>
-        </a:p>
-      </dgm:t>
-    </dgm:pt>
-    <dgm:pt modelId="{2E5B5B7D-5BC8-4E4B-A43D-B826611DE7A1}" type="sibTrans" cxnId="{448BF4D5-2F0E-4991-AA0A-547FBFE41FC3}">
-      <dgm:prSet/>
-      <dgm:spPr/>
-      <dgm:t>
-        <a:bodyPr/>
-        <a:lstStyle/>
-        <a:p>
-          <a:endParaRPr lang="en-US"/>
-        </a:p>
-      </dgm:t>
-    </dgm:pt>
-    <dgm:pt modelId="{D10B8964-CABB-411F-8711-6605A4A0FBB4}">
-      <dgm:prSet phldrT="[Text]"/>
-      <dgm:spPr/>
-      <dgm:t>
-        <a:bodyPr/>
-        <a:lstStyle/>
-        <a:p>
-          <a:r>
-            <a:rPr lang="en-US" dirty="0" err="1" smtClean="0"/>
-            <a:t>Pembayaran</a:t>
-          </a:r>
-          <a:r>
-            <a:rPr lang="en-US" dirty="0" smtClean="0"/>
-            <a:t> &gt; 20%</a:t>
-          </a:r>
-          <a:endParaRPr lang="en-US" dirty="0"/>
-        </a:p>
-      </dgm:t>
-    </dgm:pt>
-    <dgm:pt modelId="{A46EA208-2947-440D-92ED-EF08720D6D46}" type="parTrans" cxnId="{4B3D9D09-9D41-48F6-9880-AC84DEEDF01E}">
-      <dgm:prSet/>
-      <dgm:spPr/>
-      <dgm:t>
-        <a:bodyPr/>
-        <a:lstStyle/>
-        <a:p>
-          <a:endParaRPr lang="en-US"/>
-        </a:p>
-      </dgm:t>
-    </dgm:pt>
-    <dgm:pt modelId="{F1A17206-FCBC-430C-AEB2-07FDE9349CB2}" type="sibTrans" cxnId="{4B3D9D09-9D41-48F6-9880-AC84DEEDF01E}">
-      <dgm:prSet/>
-      <dgm:spPr/>
-      <dgm:t>
-        <a:bodyPr/>
-        <a:lstStyle/>
-        <a:p>
-          <a:endParaRPr lang="en-US"/>
-        </a:p>
-      </dgm:t>
-    </dgm:pt>
-    <dgm:pt modelId="{E2927C30-3452-4C82-A97A-F290BBFAE57D}" type="pres">
-      <dgm:prSet presAssocID="{2DABD213-29ED-43E0-8B00-109EF124ADC5}" presName="Name0" presStyleCnt="0">
-        <dgm:presLayoutVars>
-          <dgm:chMax val="11"/>
-          <dgm:chPref val="11"/>
-          <dgm:dir/>
-          <dgm:resizeHandles/>
-        </dgm:presLayoutVars>
-      </dgm:prSet>
-      <dgm:spPr/>
-      <dgm:t>
-        <a:bodyPr/>
-        <a:lstStyle/>
-        <a:p>
-          <a:endParaRPr lang="en-US"/>
-        </a:p>
-      </dgm:t>
-    </dgm:pt>
-    <dgm:pt modelId="{3748E629-7653-4E10-8367-9940EBD25B6F}" type="pres">
-      <dgm:prSet presAssocID="{8BFA46CF-7408-4977-8384-817FA2CE289B}" presName="Accent3" presStyleCnt="0"/>
-      <dgm:spPr/>
-    </dgm:pt>
-    <dgm:pt modelId="{55E79191-60C7-452C-AD10-C447F0B230FD}" type="pres">
-      <dgm:prSet presAssocID="{8BFA46CF-7408-4977-8384-817FA2CE289B}" presName="Accent" presStyleLbl="node1" presStyleIdx="0" presStyleCnt="3"/>
-      <dgm:spPr/>
-    </dgm:pt>
-    <dgm:pt modelId="{9560B608-0978-4BBF-89AE-FAB2C86AA0B5}" type="pres">
-      <dgm:prSet presAssocID="{8BFA46CF-7408-4977-8384-817FA2CE289B}" presName="ParentBackground3" presStyleCnt="0"/>
-      <dgm:spPr/>
-    </dgm:pt>
-    <dgm:pt modelId="{C71FB099-691D-4B7D-AC3D-5A144E551F33}" type="pres">
-      <dgm:prSet presAssocID="{8BFA46CF-7408-4977-8384-817FA2CE289B}" presName="ParentBackground" presStyleLbl="fgAcc1" presStyleIdx="0" presStyleCnt="3"/>
-      <dgm:spPr/>
-      <dgm:t>
-        <a:bodyPr/>
-        <a:lstStyle/>
-        <a:p>
-          <a:endParaRPr lang="en-US"/>
-        </a:p>
-      </dgm:t>
-    </dgm:pt>
-    <dgm:pt modelId="{6E7C4AC9-F22C-4208-9D09-AD66A5464D42}" type="pres">
-      <dgm:prSet presAssocID="{8BFA46CF-7408-4977-8384-817FA2CE289B}" presName="Child3" presStyleLbl="revTx" presStyleIdx="0" presStyleCnt="2">
-        <dgm:presLayoutVars>
-          <dgm:chMax val="0"/>
-          <dgm:chPref val="0"/>
-          <dgm:bulletEnabled val="1"/>
-        </dgm:presLayoutVars>
-      </dgm:prSet>
-      <dgm:spPr/>
-      <dgm:t>
-        <a:bodyPr/>
-        <a:lstStyle/>
-        <a:p>
-          <a:endParaRPr lang="en-US"/>
-        </a:p>
-      </dgm:t>
-    </dgm:pt>
-    <dgm:pt modelId="{17E0A143-D125-46DB-9C8A-6079673C86F6}" type="pres">
-      <dgm:prSet presAssocID="{8BFA46CF-7408-4977-8384-817FA2CE289B}" presName="Parent3" presStyleLbl="revTx" presStyleIdx="0" presStyleCnt="2">
-        <dgm:presLayoutVars>
-          <dgm:chMax val="1"/>
-          <dgm:chPref val="1"/>
-          <dgm:bulletEnabled val="1"/>
-        </dgm:presLayoutVars>
-      </dgm:prSet>
-      <dgm:spPr/>
-      <dgm:t>
-        <a:bodyPr/>
-        <a:lstStyle/>
-        <a:p>
-          <a:endParaRPr lang="en-US"/>
-        </a:p>
-      </dgm:t>
-    </dgm:pt>
-    <dgm:pt modelId="{0EF2C919-4C3D-4A99-920B-8F543B71AB06}" type="pres">
-      <dgm:prSet presAssocID="{A16D7CAF-C775-4403-AB85-FC693E4C4ED4}" presName="Accent2" presStyleCnt="0"/>
-      <dgm:spPr/>
-    </dgm:pt>
-    <dgm:pt modelId="{4C19F44E-2D28-47C0-9B86-49475952FA95}" type="pres">
-      <dgm:prSet presAssocID="{A16D7CAF-C775-4403-AB85-FC693E4C4ED4}" presName="Accent" presStyleLbl="node1" presStyleIdx="1" presStyleCnt="3"/>
-      <dgm:spPr/>
-    </dgm:pt>
-    <dgm:pt modelId="{7B1A2C41-00F8-4379-A466-962815A32D6E}" type="pres">
-      <dgm:prSet presAssocID="{A16D7CAF-C775-4403-AB85-FC693E4C4ED4}" presName="ParentBackground2" presStyleCnt="0"/>
-      <dgm:spPr/>
-    </dgm:pt>
-    <dgm:pt modelId="{9A624154-BC35-4F3E-B64A-F979BD20DD21}" type="pres">
-      <dgm:prSet presAssocID="{A16D7CAF-C775-4403-AB85-FC693E4C4ED4}" presName="ParentBackground" presStyleLbl="fgAcc1" presStyleIdx="1" presStyleCnt="3"/>
-      <dgm:spPr/>
-      <dgm:t>
-        <a:bodyPr/>
-        <a:lstStyle/>
-        <a:p>
-          <a:endParaRPr lang="en-US"/>
-        </a:p>
-      </dgm:t>
-    </dgm:pt>
-    <dgm:pt modelId="{35DFA761-F06B-43F2-80A6-2DB11833533A}" type="pres">
-      <dgm:prSet presAssocID="{A16D7CAF-C775-4403-AB85-FC693E4C4ED4}" presName="Child2" presStyleLbl="revTx" presStyleIdx="1" presStyleCnt="2">
-        <dgm:presLayoutVars>
-          <dgm:chMax val="0"/>
-          <dgm:chPref val="0"/>
-          <dgm:bulletEnabled val="1"/>
-        </dgm:presLayoutVars>
-      </dgm:prSet>
-      <dgm:spPr/>
-      <dgm:t>
-        <a:bodyPr/>
-        <a:lstStyle/>
-        <a:p>
-          <a:endParaRPr lang="en-US"/>
-        </a:p>
-      </dgm:t>
-    </dgm:pt>
-    <dgm:pt modelId="{F408DCFE-43F7-4E4F-88B9-BE07E5D22AF2}" type="pres">
-      <dgm:prSet presAssocID="{A16D7CAF-C775-4403-AB85-FC693E4C4ED4}" presName="Parent2" presStyleLbl="revTx" presStyleIdx="1" presStyleCnt="2">
-        <dgm:presLayoutVars>
-          <dgm:chMax val="1"/>
-          <dgm:chPref val="1"/>
-          <dgm:bulletEnabled val="1"/>
-        </dgm:presLayoutVars>
-      </dgm:prSet>
-      <dgm:spPr/>
-      <dgm:t>
-        <a:bodyPr/>
-        <a:lstStyle/>
-        <a:p>
-          <a:endParaRPr lang="en-US"/>
-        </a:p>
-      </dgm:t>
-    </dgm:pt>
-    <dgm:pt modelId="{474DEB77-80A7-4190-995F-2D9AA5219A35}" type="pres">
-      <dgm:prSet presAssocID="{EB3E768C-2A9B-4142-B991-D5A76EEEE9BF}" presName="Accent1" presStyleCnt="0"/>
-      <dgm:spPr/>
-    </dgm:pt>
-    <dgm:pt modelId="{F858D9CF-E280-43C5-A36A-90E170329AB5}" type="pres">
-      <dgm:prSet presAssocID="{EB3E768C-2A9B-4142-B991-D5A76EEEE9BF}" presName="Accent" presStyleLbl="node1" presStyleIdx="2" presStyleCnt="3"/>
-      <dgm:spPr/>
-    </dgm:pt>
-    <dgm:pt modelId="{F2D204B1-3074-4FBC-AFEB-21CBEB9E2726}" type="pres">
-      <dgm:prSet presAssocID="{EB3E768C-2A9B-4142-B991-D5A76EEEE9BF}" presName="ParentBackground1" presStyleCnt="0"/>
-      <dgm:spPr/>
-    </dgm:pt>
-    <dgm:pt modelId="{D46342F4-BC75-45BE-8578-494308C3E35B}" type="pres">
-      <dgm:prSet presAssocID="{EB3E768C-2A9B-4142-B991-D5A76EEEE9BF}" presName="ParentBackground" presStyleLbl="fgAcc1" presStyleIdx="2" presStyleCnt="3"/>
-      <dgm:spPr/>
-      <dgm:t>
-        <a:bodyPr/>
-        <a:lstStyle/>
-        <a:p>
-          <a:endParaRPr lang="en-US"/>
-        </a:p>
-      </dgm:t>
-    </dgm:pt>
-    <dgm:pt modelId="{56A3CCE5-939F-40A2-9E2E-B48D5AA11E64}" type="pres">
-      <dgm:prSet presAssocID="{EB3E768C-2A9B-4142-B991-D5A76EEEE9BF}" presName="Parent1" presStyleLbl="revTx" presStyleIdx="1" presStyleCnt="2">
-        <dgm:presLayoutVars>
-          <dgm:chMax val="1"/>
-          <dgm:chPref val="1"/>
-          <dgm:bulletEnabled val="1"/>
-        </dgm:presLayoutVars>
-      </dgm:prSet>
-      <dgm:spPr/>
-      <dgm:t>
-        <a:bodyPr/>
-        <a:lstStyle/>
-        <a:p>
-          <a:endParaRPr lang="en-US"/>
-        </a:p>
-      </dgm:t>
-    </dgm:pt>
-  </dgm:ptLst>
-  <dgm:cxnLst>
-    <dgm:cxn modelId="{74269AB5-B786-46E6-8B45-EC21999FF6BA}" type="presOf" srcId="{A16D7CAF-C775-4403-AB85-FC693E4C4ED4}" destId="{9A624154-BC35-4F3E-B64A-F979BD20DD21}" srcOrd="0" destOrd="0" presId="urn:microsoft.com/office/officeart/2011/layout/CircleProcess"/>
-    <dgm:cxn modelId="{88CAD598-8486-4CD4-9217-FF28D3EC03EB}" type="presOf" srcId="{2DABD213-29ED-43E0-8B00-109EF124ADC5}" destId="{E2927C30-3452-4C82-A97A-F290BBFAE57D}" srcOrd="0" destOrd="0" presId="urn:microsoft.com/office/officeart/2011/layout/CircleProcess"/>
-    <dgm:cxn modelId="{31AC6ADF-6DBA-42A1-8C3E-D4E3583700B2}" type="presOf" srcId="{A16D7CAF-C775-4403-AB85-FC693E4C4ED4}" destId="{F408DCFE-43F7-4E4F-88B9-BE07E5D22AF2}" srcOrd="1" destOrd="0" presId="urn:microsoft.com/office/officeart/2011/layout/CircleProcess"/>
-    <dgm:cxn modelId="{BEC763CD-4016-4583-89F9-7FE41B5315A1}" srcId="{2DABD213-29ED-43E0-8B00-109EF124ADC5}" destId="{8BFA46CF-7408-4977-8384-817FA2CE289B}" srcOrd="2" destOrd="0" parTransId="{43C140B7-9F3E-44E4-B4B5-34D57E42837F}" sibTransId="{F61375EF-B12F-45EA-A16A-DD1C8141C243}"/>
-    <dgm:cxn modelId="{559784E4-553D-4121-B6A9-F69B742D79AF}" type="presOf" srcId="{CCDB4DD6-E987-43CD-83CD-F2861CF619AC}" destId="{35DFA761-F06B-43F2-80A6-2DB11833533A}" srcOrd="0" destOrd="0" presId="urn:microsoft.com/office/officeart/2011/layout/CircleProcess"/>
-    <dgm:cxn modelId="{4F552222-29F2-4215-B97B-66B278B1169C}" type="presOf" srcId="{8BFA46CF-7408-4977-8384-817FA2CE289B}" destId="{C71FB099-691D-4B7D-AC3D-5A144E551F33}" srcOrd="0" destOrd="0" presId="urn:microsoft.com/office/officeart/2011/layout/CircleProcess"/>
-    <dgm:cxn modelId="{CF74B441-3282-4DE3-8C34-2B0AD0CD3238}" type="presOf" srcId="{8BFA46CF-7408-4977-8384-817FA2CE289B}" destId="{17E0A143-D125-46DB-9C8A-6079673C86F6}" srcOrd="1" destOrd="0" presId="urn:microsoft.com/office/officeart/2011/layout/CircleProcess"/>
-    <dgm:cxn modelId="{F9E2F863-7E56-497B-8D93-DE75C5E5B9E7}" srcId="{2DABD213-29ED-43E0-8B00-109EF124ADC5}" destId="{EB3E768C-2A9B-4142-B991-D5A76EEEE9BF}" srcOrd="0" destOrd="0" parTransId="{1FC45BA9-0CD6-4FAF-AE04-B721C76C3C14}" sibTransId="{46D699BF-AC90-4C3D-B558-549BBCB9F420}"/>
-    <dgm:cxn modelId="{15DD027D-C495-466C-A1C3-2214F1CA3F6F}" type="presOf" srcId="{EB3E768C-2A9B-4142-B991-D5A76EEEE9BF}" destId="{56A3CCE5-939F-40A2-9E2E-B48D5AA11E64}" srcOrd="1" destOrd="0" presId="urn:microsoft.com/office/officeart/2011/layout/CircleProcess"/>
-    <dgm:cxn modelId="{250AECC2-EF7D-44AB-A374-CBF1A9C12E64}" srcId="{2DABD213-29ED-43E0-8B00-109EF124ADC5}" destId="{A16D7CAF-C775-4403-AB85-FC693E4C4ED4}" srcOrd="1" destOrd="0" parTransId="{C2923093-043F-4E21-A04E-2E3C4A580E8C}" sibTransId="{F3838E9F-9802-49E1-BB95-94528AC5A842}"/>
-    <dgm:cxn modelId="{4B3D9D09-9D41-48F6-9880-AC84DEEDF01E}" srcId="{8BFA46CF-7408-4977-8384-817FA2CE289B}" destId="{D10B8964-CABB-411F-8711-6605A4A0FBB4}" srcOrd="0" destOrd="0" parTransId="{A46EA208-2947-440D-92ED-EF08720D6D46}" sibTransId="{F1A17206-FCBC-430C-AEB2-07FDE9349CB2}"/>
-    <dgm:cxn modelId="{4A918D6D-22A9-491B-8A85-D9A6377AC64D}" type="presOf" srcId="{EB3E768C-2A9B-4142-B991-D5A76EEEE9BF}" destId="{D46342F4-BC75-45BE-8578-494308C3E35B}" srcOrd="0" destOrd="0" presId="urn:microsoft.com/office/officeart/2011/layout/CircleProcess"/>
-    <dgm:cxn modelId="{82ED325E-63EF-4492-938D-0B255E879549}" type="presOf" srcId="{D10B8964-CABB-411F-8711-6605A4A0FBB4}" destId="{6E7C4AC9-F22C-4208-9D09-AD66A5464D42}" srcOrd="0" destOrd="0" presId="urn:microsoft.com/office/officeart/2011/layout/CircleProcess"/>
-    <dgm:cxn modelId="{448BF4D5-2F0E-4991-AA0A-547FBFE41FC3}" srcId="{A16D7CAF-C775-4403-AB85-FC693E4C4ED4}" destId="{CCDB4DD6-E987-43CD-83CD-F2861CF619AC}" srcOrd="0" destOrd="0" parTransId="{B64C8DCC-B8B2-4F2D-BFB2-935A71D9D4AB}" sibTransId="{2E5B5B7D-5BC8-4E4B-A43D-B826611DE7A1}"/>
-    <dgm:cxn modelId="{8689021A-E63C-4087-A9C3-0FF30403F6DD}" type="presParOf" srcId="{E2927C30-3452-4C82-A97A-F290BBFAE57D}" destId="{3748E629-7653-4E10-8367-9940EBD25B6F}" srcOrd="0" destOrd="0" presId="urn:microsoft.com/office/officeart/2011/layout/CircleProcess"/>
-    <dgm:cxn modelId="{4687B263-0FC7-4757-888B-7C4C2D05F8FC}" type="presParOf" srcId="{3748E629-7653-4E10-8367-9940EBD25B6F}" destId="{55E79191-60C7-452C-AD10-C447F0B230FD}" srcOrd="0" destOrd="0" presId="urn:microsoft.com/office/officeart/2011/layout/CircleProcess"/>
-    <dgm:cxn modelId="{292110F3-606B-4BE3-8B93-03664EDD4B16}" type="presParOf" srcId="{E2927C30-3452-4C82-A97A-F290BBFAE57D}" destId="{9560B608-0978-4BBF-89AE-FAB2C86AA0B5}" srcOrd="1" destOrd="0" presId="urn:microsoft.com/office/officeart/2011/layout/CircleProcess"/>
-    <dgm:cxn modelId="{EB11ED2C-F5AF-4A2E-9312-2DC012E47715}" type="presParOf" srcId="{9560B608-0978-4BBF-89AE-FAB2C86AA0B5}" destId="{C71FB099-691D-4B7D-AC3D-5A144E551F33}" srcOrd="0" destOrd="0" presId="urn:microsoft.com/office/officeart/2011/layout/CircleProcess"/>
-    <dgm:cxn modelId="{C3F73300-D5C9-4EA7-9EBD-A6AC2ABB3715}" type="presParOf" srcId="{E2927C30-3452-4C82-A97A-F290BBFAE57D}" destId="{6E7C4AC9-F22C-4208-9D09-AD66A5464D42}" srcOrd="2" destOrd="0" presId="urn:microsoft.com/office/officeart/2011/layout/CircleProcess"/>
-    <dgm:cxn modelId="{CE7C66E1-0182-41D5-9D6C-5FA48BE0533E}" type="presParOf" srcId="{E2927C30-3452-4C82-A97A-F290BBFAE57D}" destId="{17E0A143-D125-46DB-9C8A-6079673C86F6}" srcOrd="3" destOrd="0" presId="urn:microsoft.com/office/officeart/2011/layout/CircleProcess"/>
-    <dgm:cxn modelId="{CDEBAA8E-2A0F-42F6-B18D-9E2E3A020829}" type="presParOf" srcId="{E2927C30-3452-4C82-A97A-F290BBFAE57D}" destId="{0EF2C919-4C3D-4A99-920B-8F543B71AB06}" srcOrd="4" destOrd="0" presId="urn:microsoft.com/office/officeart/2011/layout/CircleProcess"/>
-    <dgm:cxn modelId="{A3CF22E5-FB47-4E4C-B6D8-EFDC0BF99905}" type="presParOf" srcId="{0EF2C919-4C3D-4A99-920B-8F543B71AB06}" destId="{4C19F44E-2D28-47C0-9B86-49475952FA95}" srcOrd="0" destOrd="0" presId="urn:microsoft.com/office/officeart/2011/layout/CircleProcess"/>
-    <dgm:cxn modelId="{43BE3340-967C-4EB9-9885-712C1752CD91}" type="presParOf" srcId="{E2927C30-3452-4C82-A97A-F290BBFAE57D}" destId="{7B1A2C41-00F8-4379-A466-962815A32D6E}" srcOrd="5" destOrd="0" presId="urn:microsoft.com/office/officeart/2011/layout/CircleProcess"/>
-    <dgm:cxn modelId="{16CF9BD9-BBEC-4C73-8F94-468EB38B0164}" type="presParOf" srcId="{7B1A2C41-00F8-4379-A466-962815A32D6E}" destId="{9A624154-BC35-4F3E-B64A-F979BD20DD21}" srcOrd="0" destOrd="0" presId="urn:microsoft.com/office/officeart/2011/layout/CircleProcess"/>
-    <dgm:cxn modelId="{257FEF27-4361-48D2-9BED-6AECFE1092A7}" type="presParOf" srcId="{E2927C30-3452-4C82-A97A-F290BBFAE57D}" destId="{35DFA761-F06B-43F2-80A6-2DB11833533A}" srcOrd="6" destOrd="0" presId="urn:microsoft.com/office/officeart/2011/layout/CircleProcess"/>
-    <dgm:cxn modelId="{8A90E36B-8DBA-469F-BCB0-B5914487477A}" type="presParOf" srcId="{E2927C30-3452-4C82-A97A-F290BBFAE57D}" destId="{F408DCFE-43F7-4E4F-88B9-BE07E5D22AF2}" srcOrd="7" destOrd="0" presId="urn:microsoft.com/office/officeart/2011/layout/CircleProcess"/>
-    <dgm:cxn modelId="{FBEA0C64-0B17-4FC1-BEDE-1FFC72F1684B}" type="presParOf" srcId="{E2927C30-3452-4C82-A97A-F290BBFAE57D}" destId="{474DEB77-80A7-4190-995F-2D9AA5219A35}" srcOrd="8" destOrd="0" presId="urn:microsoft.com/office/officeart/2011/layout/CircleProcess"/>
-    <dgm:cxn modelId="{18A01090-F124-458B-AA97-E2EF8BD1B1AA}" type="presParOf" srcId="{474DEB77-80A7-4190-995F-2D9AA5219A35}" destId="{F858D9CF-E280-43C5-A36A-90E170329AB5}" srcOrd="0" destOrd="0" presId="urn:microsoft.com/office/officeart/2011/layout/CircleProcess"/>
-    <dgm:cxn modelId="{7CC0DAB3-7B50-4B67-B1B3-A86508075A9F}" type="presParOf" srcId="{E2927C30-3452-4C82-A97A-F290BBFAE57D}" destId="{F2D204B1-3074-4FBC-AFEB-21CBEB9E2726}" srcOrd="9" destOrd="0" presId="urn:microsoft.com/office/officeart/2011/layout/CircleProcess"/>
-    <dgm:cxn modelId="{34E23CFD-81F6-42B2-A8B0-1DA2FB6CA2F6}" type="presParOf" srcId="{F2D204B1-3074-4FBC-AFEB-21CBEB9E2726}" destId="{D46342F4-BC75-45BE-8578-494308C3E35B}" srcOrd="0" destOrd="0" presId="urn:microsoft.com/office/officeart/2011/layout/CircleProcess"/>
-    <dgm:cxn modelId="{CA3AB77D-CCB9-42BC-BA51-A5130C28F5D2}" type="presParOf" srcId="{E2927C30-3452-4C82-A97A-F290BBFAE57D}" destId="{56A3CCE5-939F-40A2-9E2E-B48D5AA11E64}" srcOrd="10" destOrd="0" presId="urn:microsoft.com/office/officeart/2011/layout/CircleProcess"/>
-  </dgm:cxnLst>
-  <dgm:bg/>
-  <dgm:whole/>
-  <dgm:extLst>
-    <a:ext uri="http://schemas.microsoft.com/office/drawing/2008/diagram">
-      <dsp:dataModelExt xmlns:dsp="http://schemas.microsoft.com/office/drawing/2008/diagram" relId="rId6" minVer="http://schemas.openxmlformats.org/drawingml/2006/diagram"/>
-    </a:ext>
-  </dgm:extLst>
-</dgm:dataModel>
-</file>
-
-<file path=ppt/diagrams/data7.xml><?xml version="1.0" encoding="utf-8"?>
-<dgm:dataModel xmlns:dgm="http://schemas.openxmlformats.org/drawingml/2006/diagram" xmlns:a="http://schemas.openxmlformats.org/drawingml/2006/main">
-  <dgm:ptLst>
     <dgm:pt modelId="{927681B5-9EC9-4162-B48A-AD56FE340E81}" type="doc">
       <dgm:prSet loTypeId="urn:microsoft.com/office/officeart/2005/8/layout/bProcess3" loCatId="process" qsTypeId="urn:microsoft.com/office/officeart/2005/8/quickstyle/simple1" qsCatId="simple" csTypeId="urn:microsoft.com/office/officeart/2005/8/colors/accent1_2" csCatId="accent1" phldr="1"/>
       <dgm:spPr/>
@@ -12194,6 +12151,13 @@
         </dgm:presLayoutVars>
       </dgm:prSet>
       <dgm:spPr/>
+      <dgm:t>
+        <a:bodyPr/>
+        <a:lstStyle/>
+        <a:p>
+          <a:endParaRPr lang="en-US"/>
+        </a:p>
+      </dgm:t>
     </dgm:pt>
     <dgm:pt modelId="{B92DCEBF-8F80-4E1F-9E4F-9BCFC270D3E9}" type="pres">
       <dgm:prSet presAssocID="{F6190A5F-30AC-4555-AA81-716597F7BB49}" presName="node" presStyleLbl="node1" presStyleIdx="0" presStyleCnt="5">
@@ -12202,14 +12166,35 @@
         </dgm:presLayoutVars>
       </dgm:prSet>
       <dgm:spPr/>
+      <dgm:t>
+        <a:bodyPr/>
+        <a:lstStyle/>
+        <a:p>
+          <a:endParaRPr lang="en-US"/>
+        </a:p>
+      </dgm:t>
     </dgm:pt>
     <dgm:pt modelId="{0CA70962-3997-48BF-A433-5773A5119C52}" type="pres">
       <dgm:prSet presAssocID="{3F8CB776-28AE-4076-8F15-2A726C94D8A0}" presName="sibTrans" presStyleLbl="sibTrans1D1" presStyleIdx="0" presStyleCnt="4"/>
       <dgm:spPr/>
+      <dgm:t>
+        <a:bodyPr/>
+        <a:lstStyle/>
+        <a:p>
+          <a:endParaRPr lang="en-US"/>
+        </a:p>
+      </dgm:t>
     </dgm:pt>
     <dgm:pt modelId="{53A2F5A5-25E4-452B-AFBC-FE4D09F01402}" type="pres">
       <dgm:prSet presAssocID="{3F8CB776-28AE-4076-8F15-2A726C94D8A0}" presName="connectorText" presStyleLbl="sibTrans1D1" presStyleIdx="0" presStyleCnt="4"/>
       <dgm:spPr/>
+      <dgm:t>
+        <a:bodyPr/>
+        <a:lstStyle/>
+        <a:p>
+          <a:endParaRPr lang="en-US"/>
+        </a:p>
+      </dgm:t>
     </dgm:pt>
     <dgm:pt modelId="{32558971-EAC9-41A6-B3F2-166F6D8212B8}" type="pres">
       <dgm:prSet presAssocID="{1DD60FFF-E2C6-4FBE-8D76-A1E06760BC47}" presName="node" presStyleLbl="node1" presStyleIdx="1" presStyleCnt="5">
@@ -12229,10 +12214,24 @@
     <dgm:pt modelId="{F087D688-960E-4FC3-9B1A-F7424B631822}" type="pres">
       <dgm:prSet presAssocID="{66FE5622-980C-42FB-B565-C850D35E9B7D}" presName="sibTrans" presStyleLbl="sibTrans1D1" presStyleIdx="1" presStyleCnt="4"/>
       <dgm:spPr/>
+      <dgm:t>
+        <a:bodyPr/>
+        <a:lstStyle/>
+        <a:p>
+          <a:endParaRPr lang="en-US"/>
+        </a:p>
+      </dgm:t>
     </dgm:pt>
     <dgm:pt modelId="{5B601188-2B29-4FDC-861A-E4045ABA5788}" type="pres">
       <dgm:prSet presAssocID="{66FE5622-980C-42FB-B565-C850D35E9B7D}" presName="connectorText" presStyleLbl="sibTrans1D1" presStyleIdx="1" presStyleCnt="4"/>
       <dgm:spPr/>
+      <dgm:t>
+        <a:bodyPr/>
+        <a:lstStyle/>
+        <a:p>
+          <a:endParaRPr lang="en-US"/>
+        </a:p>
+      </dgm:t>
     </dgm:pt>
     <dgm:pt modelId="{2031B109-35AC-47D4-B49B-333EAEA2D425}" type="pres">
       <dgm:prSet presAssocID="{C15FD460-D11C-4D2A-A2FC-689051490049}" presName="node" presStyleLbl="node1" presStyleIdx="2" presStyleCnt="5">
@@ -12252,10 +12251,24 @@
     <dgm:pt modelId="{49C6979C-62EB-455B-99E9-60B672D1A4B7}" type="pres">
       <dgm:prSet presAssocID="{CC595FD6-E813-447E-ACAC-664A8F64AE68}" presName="sibTrans" presStyleLbl="sibTrans1D1" presStyleIdx="2" presStyleCnt="4"/>
       <dgm:spPr/>
+      <dgm:t>
+        <a:bodyPr/>
+        <a:lstStyle/>
+        <a:p>
+          <a:endParaRPr lang="en-US"/>
+        </a:p>
+      </dgm:t>
     </dgm:pt>
     <dgm:pt modelId="{3E1ECF05-8925-414B-8324-59954B6CD0DB}" type="pres">
       <dgm:prSet presAssocID="{CC595FD6-E813-447E-ACAC-664A8F64AE68}" presName="connectorText" presStyleLbl="sibTrans1D1" presStyleIdx="2" presStyleCnt="4"/>
       <dgm:spPr/>
+      <dgm:t>
+        <a:bodyPr/>
+        <a:lstStyle/>
+        <a:p>
+          <a:endParaRPr lang="en-US"/>
+        </a:p>
+      </dgm:t>
     </dgm:pt>
     <dgm:pt modelId="{93CC946F-C6B9-4E5C-9BF1-07F1FDAC13B3}" type="pres">
       <dgm:prSet presAssocID="{C7E91DF0-9555-42B9-9545-74073921E23E}" presName="node" presStyleLbl="node1" presStyleIdx="3" presStyleCnt="5">
@@ -12275,10 +12288,24 @@
     <dgm:pt modelId="{B5DD2C0F-6F9D-4DB5-AA9F-3785823E417C}" type="pres">
       <dgm:prSet presAssocID="{0D6BE6E1-1D7A-4E83-87B2-4F7B09110E4D}" presName="sibTrans" presStyleLbl="sibTrans1D1" presStyleIdx="3" presStyleCnt="4"/>
       <dgm:spPr/>
+      <dgm:t>
+        <a:bodyPr/>
+        <a:lstStyle/>
+        <a:p>
+          <a:endParaRPr lang="en-US"/>
+        </a:p>
+      </dgm:t>
     </dgm:pt>
     <dgm:pt modelId="{48E1FA3D-85A1-4205-AF4E-989D5DD2AA92}" type="pres">
       <dgm:prSet presAssocID="{0D6BE6E1-1D7A-4E83-87B2-4F7B09110E4D}" presName="connectorText" presStyleLbl="sibTrans1D1" presStyleIdx="3" presStyleCnt="4"/>
       <dgm:spPr/>
+      <dgm:t>
+        <a:bodyPr/>
+        <a:lstStyle/>
+        <a:p>
+          <a:endParaRPr lang="en-US"/>
+        </a:p>
+      </dgm:t>
     </dgm:pt>
     <dgm:pt modelId="{C05C5A6C-439F-4C11-A544-E96772071077}" type="pres">
       <dgm:prSet presAssocID="{129158B2-BD48-40B5-B8FF-80ABD2C9B5A4}" presName="node" presStyleLbl="node1" presStyleIdx="4" presStyleCnt="5">
@@ -12287,28 +12314,35 @@
         </dgm:presLayoutVars>
       </dgm:prSet>
       <dgm:spPr/>
+      <dgm:t>
+        <a:bodyPr/>
+        <a:lstStyle/>
+        <a:p>
+          <a:endParaRPr lang="en-US"/>
+        </a:p>
+      </dgm:t>
     </dgm:pt>
   </dgm:ptLst>
   <dgm:cxnLst>
+    <dgm:cxn modelId="{6F5B1994-E99F-4224-BBF2-52014229D64D}" type="presOf" srcId="{3F8CB776-28AE-4076-8F15-2A726C94D8A0}" destId="{53A2F5A5-25E4-452B-AFBC-FE4D09F01402}" srcOrd="1" destOrd="0" presId="urn:microsoft.com/office/officeart/2005/8/layout/bProcess3"/>
+    <dgm:cxn modelId="{8498F0FE-B3AB-46C8-8371-4346844C1D72}" type="presOf" srcId="{C15FD460-D11C-4D2A-A2FC-689051490049}" destId="{2031B109-35AC-47D4-B49B-333EAEA2D425}" srcOrd="0" destOrd="0" presId="urn:microsoft.com/office/officeart/2005/8/layout/bProcess3"/>
+    <dgm:cxn modelId="{C1353E89-6905-448D-A09C-2A6792779FCF}" type="presOf" srcId="{0D6BE6E1-1D7A-4E83-87B2-4F7B09110E4D}" destId="{B5DD2C0F-6F9D-4DB5-AA9F-3785823E417C}" srcOrd="0" destOrd="0" presId="urn:microsoft.com/office/officeart/2005/8/layout/bProcess3"/>
+    <dgm:cxn modelId="{C74A0C35-EA1C-4DCA-9435-01F9CCCB4925}" srcId="{927681B5-9EC9-4162-B48A-AD56FE340E81}" destId="{129158B2-BD48-40B5-B8FF-80ABD2C9B5A4}" srcOrd="4" destOrd="0" parTransId="{D3A9811B-B1BA-4C4F-9426-137B83181EE8}" sibTransId="{38350038-CAAF-44B3-9C4D-95A39EA623D0}"/>
+    <dgm:cxn modelId="{5D118FA9-EA87-4FE3-A54A-6AB4C1AA4BE8}" srcId="{927681B5-9EC9-4162-B48A-AD56FE340E81}" destId="{1DD60FFF-E2C6-4FBE-8D76-A1E06760BC47}" srcOrd="1" destOrd="0" parTransId="{E2833E54-3F52-4A86-8A18-FA4A782EA453}" sibTransId="{66FE5622-980C-42FB-B565-C850D35E9B7D}"/>
+    <dgm:cxn modelId="{46F595A2-4160-4F43-82E6-921899E4D087}" type="presOf" srcId="{C7E91DF0-9555-42B9-9545-74073921E23E}" destId="{93CC946F-C6B9-4E5C-9BF1-07F1FDAC13B3}" srcOrd="0" destOrd="0" presId="urn:microsoft.com/office/officeart/2005/8/layout/bProcess3"/>
+    <dgm:cxn modelId="{81C89DB9-8092-4495-ADA8-A23E9C85FE41}" type="presOf" srcId="{129158B2-BD48-40B5-B8FF-80ABD2C9B5A4}" destId="{C05C5A6C-439F-4C11-A544-E96772071077}" srcOrd="0" destOrd="0" presId="urn:microsoft.com/office/officeart/2005/8/layout/bProcess3"/>
     <dgm:cxn modelId="{F8CBBAEF-FB18-4EFF-AB75-CE12265134EF}" type="presOf" srcId="{927681B5-9EC9-4162-B48A-AD56FE340E81}" destId="{839B217B-D293-48D7-A128-E797A6483429}" srcOrd="0" destOrd="0" presId="urn:microsoft.com/office/officeart/2005/8/layout/bProcess3"/>
+    <dgm:cxn modelId="{356D4C7E-17DE-415F-BF72-819A05AE9076}" srcId="{927681B5-9EC9-4162-B48A-AD56FE340E81}" destId="{C15FD460-D11C-4D2A-A2FC-689051490049}" srcOrd="2" destOrd="0" parTransId="{4A895F6F-E720-4B63-8200-C7F6FAF9378A}" sibTransId="{CC595FD6-E813-447E-ACAC-664A8F64AE68}"/>
+    <dgm:cxn modelId="{3D590EBE-B530-4D7F-AFF7-F691123361E5}" type="presOf" srcId="{1DD60FFF-E2C6-4FBE-8D76-A1E06760BC47}" destId="{32558971-EAC9-41A6-B3F2-166F6D8212B8}" srcOrd="0" destOrd="0" presId="urn:microsoft.com/office/officeart/2005/8/layout/bProcess3"/>
+    <dgm:cxn modelId="{A30CFECD-57B0-4755-82D4-48784F2C491A}" type="presOf" srcId="{CC595FD6-E813-447E-ACAC-664A8F64AE68}" destId="{49C6979C-62EB-455B-99E9-60B672D1A4B7}" srcOrd="0" destOrd="0" presId="urn:microsoft.com/office/officeart/2005/8/layout/bProcess3"/>
+    <dgm:cxn modelId="{63F23BEA-40ED-40C5-82E2-66C7D054DDF7}" type="presOf" srcId="{CC595FD6-E813-447E-ACAC-664A8F64AE68}" destId="{3E1ECF05-8925-414B-8324-59954B6CD0DB}" srcOrd="1" destOrd="0" presId="urn:microsoft.com/office/officeart/2005/8/layout/bProcess3"/>
     <dgm:cxn modelId="{0CFF0AA2-95B6-42CE-9407-75F5AC8CD2E3}" type="presOf" srcId="{3F8CB776-28AE-4076-8F15-2A726C94D8A0}" destId="{0CA70962-3997-48BF-A433-5773A5119C52}" srcOrd="0" destOrd="0" presId="urn:microsoft.com/office/officeart/2005/8/layout/bProcess3"/>
-    <dgm:cxn modelId="{A30CFECD-57B0-4755-82D4-48784F2C491A}" type="presOf" srcId="{CC595FD6-E813-447E-ACAC-664A8F64AE68}" destId="{49C6979C-62EB-455B-99E9-60B672D1A4B7}" srcOrd="0" destOrd="0" presId="urn:microsoft.com/office/officeart/2005/8/layout/bProcess3"/>
-    <dgm:cxn modelId="{356D4C7E-17DE-415F-BF72-819A05AE9076}" srcId="{927681B5-9EC9-4162-B48A-AD56FE340E81}" destId="{C15FD460-D11C-4D2A-A2FC-689051490049}" srcOrd="2" destOrd="0" parTransId="{4A895F6F-E720-4B63-8200-C7F6FAF9378A}" sibTransId="{CC595FD6-E813-447E-ACAC-664A8F64AE68}"/>
+    <dgm:cxn modelId="{7B3F5099-775F-4E95-BCAC-295A191B6008}" type="presOf" srcId="{66FE5622-980C-42FB-B565-C850D35E9B7D}" destId="{F087D688-960E-4FC3-9B1A-F7424B631822}" srcOrd="0" destOrd="0" presId="urn:microsoft.com/office/officeart/2005/8/layout/bProcess3"/>
+    <dgm:cxn modelId="{0B616775-EC79-4CDF-B8CD-94D44E9A210A}" type="presOf" srcId="{66FE5622-980C-42FB-B565-C850D35E9B7D}" destId="{5B601188-2B29-4FDC-861A-E4045ABA5788}" srcOrd="1" destOrd="0" presId="urn:microsoft.com/office/officeart/2005/8/layout/bProcess3"/>
+    <dgm:cxn modelId="{7C01080B-2BFD-4F6D-B7DD-EC5B815A5EA2}" srcId="{927681B5-9EC9-4162-B48A-AD56FE340E81}" destId="{F6190A5F-30AC-4555-AA81-716597F7BB49}" srcOrd="0" destOrd="0" parTransId="{B907F163-3358-49CF-BEB1-10EF87F66802}" sibTransId="{3F8CB776-28AE-4076-8F15-2A726C94D8A0}"/>
+    <dgm:cxn modelId="{A85C4AB0-C92F-4625-ACB1-9790DDF76649}" type="presOf" srcId="{0D6BE6E1-1D7A-4E83-87B2-4F7B09110E4D}" destId="{48E1FA3D-85A1-4205-AF4E-989D5DD2AA92}" srcOrd="1" destOrd="0" presId="urn:microsoft.com/office/officeart/2005/8/layout/bProcess3"/>
+    <dgm:cxn modelId="{BEC7F911-D2BF-4243-94BF-AAF5BA47722B}" type="presOf" srcId="{F6190A5F-30AC-4555-AA81-716597F7BB49}" destId="{B92DCEBF-8F80-4E1F-9E4F-9BCFC270D3E9}" srcOrd="0" destOrd="0" presId="urn:microsoft.com/office/officeart/2005/8/layout/bProcess3"/>
     <dgm:cxn modelId="{1A52B010-1207-4B3F-8CAC-47512C25A196}" srcId="{927681B5-9EC9-4162-B48A-AD56FE340E81}" destId="{C7E91DF0-9555-42B9-9545-74073921E23E}" srcOrd="3" destOrd="0" parTransId="{49D2FB54-D443-4438-91EF-1C6B20993550}" sibTransId="{0D6BE6E1-1D7A-4E83-87B2-4F7B09110E4D}"/>
-    <dgm:cxn modelId="{81C89DB9-8092-4495-ADA8-A23E9C85FE41}" type="presOf" srcId="{129158B2-BD48-40B5-B8FF-80ABD2C9B5A4}" destId="{C05C5A6C-439F-4C11-A544-E96772071077}" srcOrd="0" destOrd="0" presId="urn:microsoft.com/office/officeart/2005/8/layout/bProcess3"/>
-    <dgm:cxn modelId="{3D590EBE-B530-4D7F-AFF7-F691123361E5}" type="presOf" srcId="{1DD60FFF-E2C6-4FBE-8D76-A1E06760BC47}" destId="{32558971-EAC9-41A6-B3F2-166F6D8212B8}" srcOrd="0" destOrd="0" presId="urn:microsoft.com/office/officeart/2005/8/layout/bProcess3"/>
-    <dgm:cxn modelId="{46F595A2-4160-4F43-82E6-921899E4D087}" type="presOf" srcId="{C7E91DF0-9555-42B9-9545-74073921E23E}" destId="{93CC946F-C6B9-4E5C-9BF1-07F1FDAC13B3}" srcOrd="0" destOrd="0" presId="urn:microsoft.com/office/officeart/2005/8/layout/bProcess3"/>
-    <dgm:cxn modelId="{C1353E89-6905-448D-A09C-2A6792779FCF}" type="presOf" srcId="{0D6BE6E1-1D7A-4E83-87B2-4F7B09110E4D}" destId="{B5DD2C0F-6F9D-4DB5-AA9F-3785823E417C}" srcOrd="0" destOrd="0" presId="urn:microsoft.com/office/officeart/2005/8/layout/bProcess3"/>
-    <dgm:cxn modelId="{63F23BEA-40ED-40C5-82E2-66C7D054DDF7}" type="presOf" srcId="{CC595FD6-E813-447E-ACAC-664A8F64AE68}" destId="{3E1ECF05-8925-414B-8324-59954B6CD0DB}" srcOrd="1" destOrd="0" presId="urn:microsoft.com/office/officeart/2005/8/layout/bProcess3"/>
-    <dgm:cxn modelId="{A85C4AB0-C92F-4625-ACB1-9790DDF76649}" type="presOf" srcId="{0D6BE6E1-1D7A-4E83-87B2-4F7B09110E4D}" destId="{48E1FA3D-85A1-4205-AF4E-989D5DD2AA92}" srcOrd="1" destOrd="0" presId="urn:microsoft.com/office/officeart/2005/8/layout/bProcess3"/>
-    <dgm:cxn modelId="{0B616775-EC79-4CDF-B8CD-94D44E9A210A}" type="presOf" srcId="{66FE5622-980C-42FB-B565-C850D35E9B7D}" destId="{5B601188-2B29-4FDC-861A-E4045ABA5788}" srcOrd="1" destOrd="0" presId="urn:microsoft.com/office/officeart/2005/8/layout/bProcess3"/>
-    <dgm:cxn modelId="{5D118FA9-EA87-4FE3-A54A-6AB4C1AA4BE8}" srcId="{927681B5-9EC9-4162-B48A-AD56FE340E81}" destId="{1DD60FFF-E2C6-4FBE-8D76-A1E06760BC47}" srcOrd="1" destOrd="0" parTransId="{E2833E54-3F52-4A86-8A18-FA4A782EA453}" sibTransId="{66FE5622-980C-42FB-B565-C850D35E9B7D}"/>
-    <dgm:cxn modelId="{8498F0FE-B3AB-46C8-8371-4346844C1D72}" type="presOf" srcId="{C15FD460-D11C-4D2A-A2FC-689051490049}" destId="{2031B109-35AC-47D4-B49B-333EAEA2D425}" srcOrd="0" destOrd="0" presId="urn:microsoft.com/office/officeart/2005/8/layout/bProcess3"/>
-    <dgm:cxn modelId="{7B3F5099-775F-4E95-BCAC-295A191B6008}" type="presOf" srcId="{66FE5622-980C-42FB-B565-C850D35E9B7D}" destId="{F087D688-960E-4FC3-9B1A-F7424B631822}" srcOrd="0" destOrd="0" presId="urn:microsoft.com/office/officeart/2005/8/layout/bProcess3"/>
-    <dgm:cxn modelId="{BEC7F911-D2BF-4243-94BF-AAF5BA47722B}" type="presOf" srcId="{F6190A5F-30AC-4555-AA81-716597F7BB49}" destId="{B92DCEBF-8F80-4E1F-9E4F-9BCFC270D3E9}" srcOrd="0" destOrd="0" presId="urn:microsoft.com/office/officeart/2005/8/layout/bProcess3"/>
-    <dgm:cxn modelId="{7C01080B-2BFD-4F6D-B7DD-EC5B815A5EA2}" srcId="{927681B5-9EC9-4162-B48A-AD56FE340E81}" destId="{F6190A5F-30AC-4555-AA81-716597F7BB49}" srcOrd="0" destOrd="0" parTransId="{B907F163-3358-49CF-BEB1-10EF87F66802}" sibTransId="{3F8CB776-28AE-4076-8F15-2A726C94D8A0}"/>
-    <dgm:cxn modelId="{6F5B1994-E99F-4224-BBF2-52014229D64D}" type="presOf" srcId="{3F8CB776-28AE-4076-8F15-2A726C94D8A0}" destId="{53A2F5A5-25E4-452B-AFBC-FE4D09F01402}" srcOrd="1" destOrd="0" presId="urn:microsoft.com/office/officeart/2005/8/layout/bProcess3"/>
-    <dgm:cxn modelId="{C74A0C35-EA1C-4DCA-9435-01F9CCCB4925}" srcId="{927681B5-9EC9-4162-B48A-AD56FE340E81}" destId="{129158B2-BD48-40B5-B8FF-80ABD2C9B5A4}" srcOrd="4" destOrd="0" parTransId="{D3A9811B-B1BA-4C4F-9426-137B83181EE8}" sibTransId="{38350038-CAAF-44B3-9C4D-95A39EA623D0}"/>
     <dgm:cxn modelId="{D271DA05-1443-4483-98BE-A9B9A7BE6D52}" type="presParOf" srcId="{839B217B-D293-48D7-A128-E797A6483429}" destId="{B92DCEBF-8F80-4E1F-9E4F-9BCFC270D3E9}" srcOrd="0" destOrd="0" presId="urn:microsoft.com/office/officeart/2005/8/layout/bProcess3"/>
     <dgm:cxn modelId="{37D50AFD-370B-473D-961F-AACCE8CF92B1}" type="presParOf" srcId="{839B217B-D293-48D7-A128-E797A6483429}" destId="{0CA70962-3997-48BF-A433-5773A5119C52}" srcOrd="1" destOrd="0" presId="urn:microsoft.com/office/officeart/2005/8/layout/bProcess3"/>
     <dgm:cxn modelId="{F5D96E26-2C87-4A86-B288-0477C09AB96E}" type="presParOf" srcId="{0CA70962-3997-48BF-A433-5773A5119C52}" destId="{53A2F5A5-25E4-452B-AFBC-FE4D09F01402}" srcOrd="0" destOrd="0" presId="urn:microsoft.com/office/officeart/2005/8/layout/bProcess3"/>
@@ -12333,7 +12367,7 @@
 </dgm:dataModel>
 </file>
 
-<file path=ppt/diagrams/data8.xml><?xml version="1.0" encoding="utf-8"?>
+<file path=ppt/diagrams/data7.xml><?xml version="1.0" encoding="utf-8"?>
 <dgm:dataModel xmlns:dgm="http://schemas.openxmlformats.org/drawingml/2006/diagram" xmlns:a="http://schemas.openxmlformats.org/drawingml/2006/main">
   <dgm:ptLst>
     <dgm:pt modelId="{232D54ED-A848-4829-B97B-E8B503F85EEA}" type="doc">
@@ -12531,6 +12565,13 @@
         </dgm:presLayoutVars>
       </dgm:prSet>
       <dgm:spPr/>
+      <dgm:t>
+        <a:bodyPr/>
+        <a:lstStyle/>
+        <a:p>
+          <a:endParaRPr lang="en-US"/>
+        </a:p>
+      </dgm:t>
     </dgm:pt>
     <dgm:pt modelId="{67A28D1D-DD28-43C3-9405-AAA0D5DA5AEF}" type="pres">
       <dgm:prSet presAssocID="{8C991539-22A6-4E70-8150-81D97A0BF303}" presName="node" presStyleLbl="node1" presStyleIdx="0" presStyleCnt="4">
@@ -12539,14 +12580,35 @@
         </dgm:presLayoutVars>
       </dgm:prSet>
       <dgm:spPr/>
+      <dgm:t>
+        <a:bodyPr/>
+        <a:lstStyle/>
+        <a:p>
+          <a:endParaRPr lang="en-US"/>
+        </a:p>
+      </dgm:t>
     </dgm:pt>
     <dgm:pt modelId="{893EA508-6DEE-463D-9CCF-78462BA9279D}" type="pres">
       <dgm:prSet presAssocID="{E603D70F-B6A6-4AB4-938A-649E7C7B7C32}" presName="sibTrans" presStyleLbl="sibTrans1D1" presStyleIdx="0" presStyleCnt="3"/>
       <dgm:spPr/>
+      <dgm:t>
+        <a:bodyPr/>
+        <a:lstStyle/>
+        <a:p>
+          <a:endParaRPr lang="en-US"/>
+        </a:p>
+      </dgm:t>
     </dgm:pt>
     <dgm:pt modelId="{851D4F4C-CCD9-4A42-9035-338EB734F600}" type="pres">
       <dgm:prSet presAssocID="{E603D70F-B6A6-4AB4-938A-649E7C7B7C32}" presName="connectorText" presStyleLbl="sibTrans1D1" presStyleIdx="0" presStyleCnt="3"/>
       <dgm:spPr/>
+      <dgm:t>
+        <a:bodyPr/>
+        <a:lstStyle/>
+        <a:p>
+          <a:endParaRPr lang="en-US"/>
+        </a:p>
+      </dgm:t>
     </dgm:pt>
     <dgm:pt modelId="{3E5A3017-7110-49CD-B2CB-3CDD4A8F08C3}" type="pres">
       <dgm:prSet presAssocID="{9ED8C33C-92CC-449F-85C0-9C92F00A7264}" presName="node" presStyleLbl="node1" presStyleIdx="1" presStyleCnt="4">
@@ -12555,14 +12617,35 @@
         </dgm:presLayoutVars>
       </dgm:prSet>
       <dgm:spPr/>
+      <dgm:t>
+        <a:bodyPr/>
+        <a:lstStyle/>
+        <a:p>
+          <a:endParaRPr lang="en-US"/>
+        </a:p>
+      </dgm:t>
     </dgm:pt>
     <dgm:pt modelId="{7FD0D58B-AA9A-4F7B-A205-DABDEABC9335}" type="pres">
       <dgm:prSet presAssocID="{521633C9-A665-4777-9475-7BD32DE02C14}" presName="sibTrans" presStyleLbl="sibTrans1D1" presStyleIdx="1" presStyleCnt="3"/>
       <dgm:spPr/>
+      <dgm:t>
+        <a:bodyPr/>
+        <a:lstStyle/>
+        <a:p>
+          <a:endParaRPr lang="en-US"/>
+        </a:p>
+      </dgm:t>
     </dgm:pt>
     <dgm:pt modelId="{FE53490A-F913-493C-A64B-C9997B123D6F}" type="pres">
       <dgm:prSet presAssocID="{521633C9-A665-4777-9475-7BD32DE02C14}" presName="connectorText" presStyleLbl="sibTrans1D1" presStyleIdx="1" presStyleCnt="3"/>
       <dgm:spPr/>
+      <dgm:t>
+        <a:bodyPr/>
+        <a:lstStyle/>
+        <a:p>
+          <a:endParaRPr lang="en-US"/>
+        </a:p>
+      </dgm:t>
     </dgm:pt>
     <dgm:pt modelId="{C38DFA08-7C83-4C7C-80AB-ADCCCE9FA531}" type="pres">
       <dgm:prSet presAssocID="{0B93CB76-0971-4217-8279-AA55D2FCCE87}" presName="node" presStyleLbl="node1" presStyleIdx="2" presStyleCnt="4">
@@ -12571,14 +12654,35 @@
         </dgm:presLayoutVars>
       </dgm:prSet>
       <dgm:spPr/>
+      <dgm:t>
+        <a:bodyPr/>
+        <a:lstStyle/>
+        <a:p>
+          <a:endParaRPr lang="en-US"/>
+        </a:p>
+      </dgm:t>
     </dgm:pt>
     <dgm:pt modelId="{C08BDD24-3B0A-4231-8F02-5C7C387FC5D0}" type="pres">
       <dgm:prSet presAssocID="{40A18417-B882-46E4-972C-22EB59E38C7F}" presName="sibTrans" presStyleLbl="sibTrans1D1" presStyleIdx="2" presStyleCnt="3"/>
       <dgm:spPr/>
+      <dgm:t>
+        <a:bodyPr/>
+        <a:lstStyle/>
+        <a:p>
+          <a:endParaRPr lang="en-US"/>
+        </a:p>
+      </dgm:t>
     </dgm:pt>
     <dgm:pt modelId="{0D156759-C3C0-4FC6-9265-A998092877D5}" type="pres">
       <dgm:prSet presAssocID="{40A18417-B882-46E4-972C-22EB59E38C7F}" presName="connectorText" presStyleLbl="sibTrans1D1" presStyleIdx="2" presStyleCnt="3"/>
       <dgm:spPr/>
+      <dgm:t>
+        <a:bodyPr/>
+        <a:lstStyle/>
+        <a:p>
+          <a:endParaRPr lang="en-US"/>
+        </a:p>
+      </dgm:t>
     </dgm:pt>
     <dgm:pt modelId="{4638FF2F-E5C5-4022-BD29-336B6976DBF0}" type="pres">
       <dgm:prSet presAssocID="{B72496E5-CD1A-4EAC-82A2-390924DA8B7F}" presName="node" presStyleLbl="node1" presStyleIdx="3" presStyleCnt="4">
@@ -12633,7 +12737,7 @@
 </dgm:dataModel>
 </file>
 
-<file path=ppt/diagrams/data9.xml><?xml version="1.0" encoding="utf-8"?>
+<file path=ppt/diagrams/data8.xml><?xml version="1.0" encoding="utf-8"?>
 <dgm:dataModel xmlns:dgm="http://schemas.openxmlformats.org/drawingml/2006/diagram" xmlns:a="http://schemas.openxmlformats.org/drawingml/2006/main">
   <dgm:ptLst>
     <dgm:pt modelId="{8B81A4F8-D662-47AF-A093-425E46513480}" type="doc">
@@ -12925,6 +13029,13 @@
         </dgm:presLayoutVars>
       </dgm:prSet>
       <dgm:spPr/>
+      <dgm:t>
+        <a:bodyPr/>
+        <a:lstStyle/>
+        <a:p>
+          <a:endParaRPr lang="en-US"/>
+        </a:p>
+      </dgm:t>
     </dgm:pt>
     <dgm:pt modelId="{973ABF10-C40A-431C-9E4B-9504D20164C6}" type="pres">
       <dgm:prSet presAssocID="{551547F0-2D59-40AF-A244-5498FBD7A0F6}" presName="node" presStyleLbl="node1" presStyleIdx="0" presStyleCnt="7">
@@ -12933,14 +13044,35 @@
         </dgm:presLayoutVars>
       </dgm:prSet>
       <dgm:spPr/>
+      <dgm:t>
+        <a:bodyPr/>
+        <a:lstStyle/>
+        <a:p>
+          <a:endParaRPr lang="en-US"/>
+        </a:p>
+      </dgm:t>
     </dgm:pt>
     <dgm:pt modelId="{D001C6A2-C96E-4F87-8BE0-84FF0BDD7E15}" type="pres">
       <dgm:prSet presAssocID="{C467C9B8-DA81-45EA-999E-859FCDE6A6DF}" presName="sibTrans" presStyleLbl="sibTrans1D1" presStyleIdx="0" presStyleCnt="6"/>
       <dgm:spPr/>
+      <dgm:t>
+        <a:bodyPr/>
+        <a:lstStyle/>
+        <a:p>
+          <a:endParaRPr lang="en-US"/>
+        </a:p>
+      </dgm:t>
     </dgm:pt>
     <dgm:pt modelId="{0FE1F75D-2C39-495E-A963-82831D18F9DE}" type="pres">
       <dgm:prSet presAssocID="{C467C9B8-DA81-45EA-999E-859FCDE6A6DF}" presName="connectorText" presStyleLbl="sibTrans1D1" presStyleIdx="0" presStyleCnt="6"/>
       <dgm:spPr/>
+      <dgm:t>
+        <a:bodyPr/>
+        <a:lstStyle/>
+        <a:p>
+          <a:endParaRPr lang="en-US"/>
+        </a:p>
+      </dgm:t>
     </dgm:pt>
     <dgm:pt modelId="{A87FBA8C-D21E-496D-8654-99422E0FE7BA}" type="pres">
       <dgm:prSet presAssocID="{1C36C8C7-73E0-4D1F-B6D5-7AE6EEB0E92A}" presName="node" presStyleLbl="node1" presStyleIdx="1" presStyleCnt="7">
@@ -12960,10 +13092,24 @@
     <dgm:pt modelId="{F1370F47-8E7B-41D2-AFDC-AAB877A35BA7}" type="pres">
       <dgm:prSet presAssocID="{D7563DF6-C398-4951-A1BD-DFF6ADA3BE43}" presName="sibTrans" presStyleLbl="sibTrans1D1" presStyleIdx="1" presStyleCnt="6"/>
       <dgm:spPr/>
+      <dgm:t>
+        <a:bodyPr/>
+        <a:lstStyle/>
+        <a:p>
+          <a:endParaRPr lang="en-US"/>
+        </a:p>
+      </dgm:t>
     </dgm:pt>
     <dgm:pt modelId="{B639E997-FF25-446D-80F6-85922FF16736}" type="pres">
       <dgm:prSet presAssocID="{D7563DF6-C398-4951-A1BD-DFF6ADA3BE43}" presName="connectorText" presStyleLbl="sibTrans1D1" presStyleIdx="1" presStyleCnt="6"/>
       <dgm:spPr/>
+      <dgm:t>
+        <a:bodyPr/>
+        <a:lstStyle/>
+        <a:p>
+          <a:endParaRPr lang="en-US"/>
+        </a:p>
+      </dgm:t>
     </dgm:pt>
     <dgm:pt modelId="{F9B58931-567A-4B56-B886-4F92163041F9}" type="pres">
       <dgm:prSet presAssocID="{87B4EAF7-1526-4EA8-B963-4E856CEF9EDF}" presName="node" presStyleLbl="node1" presStyleIdx="2" presStyleCnt="7">
@@ -12983,10 +13129,24 @@
     <dgm:pt modelId="{F2F23EE9-3D7E-4DFA-958C-B23259BA4982}" type="pres">
       <dgm:prSet presAssocID="{A4E1DCCE-8967-4384-9E2A-EA45A497830B}" presName="sibTrans" presStyleLbl="sibTrans1D1" presStyleIdx="2" presStyleCnt="6"/>
       <dgm:spPr/>
+      <dgm:t>
+        <a:bodyPr/>
+        <a:lstStyle/>
+        <a:p>
+          <a:endParaRPr lang="en-US"/>
+        </a:p>
+      </dgm:t>
     </dgm:pt>
     <dgm:pt modelId="{24954F94-2602-4676-9D99-77C887BBD1B5}" type="pres">
       <dgm:prSet presAssocID="{A4E1DCCE-8967-4384-9E2A-EA45A497830B}" presName="connectorText" presStyleLbl="sibTrans1D1" presStyleIdx="2" presStyleCnt="6"/>
       <dgm:spPr/>
+      <dgm:t>
+        <a:bodyPr/>
+        <a:lstStyle/>
+        <a:p>
+          <a:endParaRPr lang="en-US"/>
+        </a:p>
+      </dgm:t>
     </dgm:pt>
     <dgm:pt modelId="{867E3DAB-31B9-4AF9-8777-C8622B0045BC}" type="pres">
       <dgm:prSet presAssocID="{D15CDD34-631E-4FF5-905C-A9A35B1FEE8F}" presName="node" presStyleLbl="node1" presStyleIdx="3" presStyleCnt="7">
@@ -12995,14 +13155,35 @@
         </dgm:presLayoutVars>
       </dgm:prSet>
       <dgm:spPr/>
+      <dgm:t>
+        <a:bodyPr/>
+        <a:lstStyle/>
+        <a:p>
+          <a:endParaRPr lang="en-US"/>
+        </a:p>
+      </dgm:t>
     </dgm:pt>
     <dgm:pt modelId="{40AE47FD-2B33-440A-A108-A313B6926F49}" type="pres">
       <dgm:prSet presAssocID="{7C416F2E-22AA-42F2-B5AC-B90AFBBFF3F8}" presName="sibTrans" presStyleLbl="sibTrans1D1" presStyleIdx="3" presStyleCnt="6"/>
       <dgm:spPr/>
+      <dgm:t>
+        <a:bodyPr/>
+        <a:lstStyle/>
+        <a:p>
+          <a:endParaRPr lang="en-US"/>
+        </a:p>
+      </dgm:t>
     </dgm:pt>
     <dgm:pt modelId="{7FBF4FFC-770D-4854-B13F-61FAE4D13530}" type="pres">
       <dgm:prSet presAssocID="{7C416F2E-22AA-42F2-B5AC-B90AFBBFF3F8}" presName="connectorText" presStyleLbl="sibTrans1D1" presStyleIdx="3" presStyleCnt="6"/>
       <dgm:spPr/>
+      <dgm:t>
+        <a:bodyPr/>
+        <a:lstStyle/>
+        <a:p>
+          <a:endParaRPr lang="en-US"/>
+        </a:p>
+      </dgm:t>
     </dgm:pt>
     <dgm:pt modelId="{2BB162FB-9FB6-45D1-87C9-598763FFF0BB}" type="pres">
       <dgm:prSet presAssocID="{45BBEB9F-ED06-48B9-B9EF-50EAE6E17C79}" presName="node" presStyleLbl="node1" presStyleIdx="4" presStyleCnt="7">
@@ -13022,10 +13203,24 @@
     <dgm:pt modelId="{E79C5DBC-C877-4E8C-8779-751E4B6ECC17}" type="pres">
       <dgm:prSet presAssocID="{6264004E-03C0-41DB-87A5-3FB71C813530}" presName="sibTrans" presStyleLbl="sibTrans1D1" presStyleIdx="4" presStyleCnt="6"/>
       <dgm:spPr/>
+      <dgm:t>
+        <a:bodyPr/>
+        <a:lstStyle/>
+        <a:p>
+          <a:endParaRPr lang="en-US"/>
+        </a:p>
+      </dgm:t>
     </dgm:pt>
     <dgm:pt modelId="{985FCF33-46A5-46EC-B357-05311CAC05E1}" type="pres">
       <dgm:prSet presAssocID="{6264004E-03C0-41DB-87A5-3FB71C813530}" presName="connectorText" presStyleLbl="sibTrans1D1" presStyleIdx="4" presStyleCnt="6"/>
       <dgm:spPr/>
+      <dgm:t>
+        <a:bodyPr/>
+        <a:lstStyle/>
+        <a:p>
+          <a:endParaRPr lang="en-US"/>
+        </a:p>
+      </dgm:t>
     </dgm:pt>
     <dgm:pt modelId="{9FCF691E-E5E6-4C8C-B044-E1A57D6C3C18}" type="pres">
       <dgm:prSet presAssocID="{6A6090A7-1EEE-4548-91B1-A5B243626502}" presName="node" presStyleLbl="node1" presStyleIdx="5" presStyleCnt="7">
@@ -13045,10 +13240,24 @@
     <dgm:pt modelId="{E7A2B41F-DB8F-46F7-BACD-CEE74F8D3F50}" type="pres">
       <dgm:prSet presAssocID="{2A7E086E-BD32-4F8D-8B97-94F1F43DAA4E}" presName="sibTrans" presStyleLbl="sibTrans1D1" presStyleIdx="5" presStyleCnt="6"/>
       <dgm:spPr/>
+      <dgm:t>
+        <a:bodyPr/>
+        <a:lstStyle/>
+        <a:p>
+          <a:endParaRPr lang="en-US"/>
+        </a:p>
+      </dgm:t>
     </dgm:pt>
     <dgm:pt modelId="{4541492B-4FD2-40F6-8C42-86F147B929CA}" type="pres">
       <dgm:prSet presAssocID="{2A7E086E-BD32-4F8D-8B97-94F1F43DAA4E}" presName="connectorText" presStyleLbl="sibTrans1D1" presStyleIdx="5" presStyleCnt="6"/>
       <dgm:spPr/>
+      <dgm:t>
+        <a:bodyPr/>
+        <a:lstStyle/>
+        <a:p>
+          <a:endParaRPr lang="en-US"/>
+        </a:p>
+      </dgm:t>
     </dgm:pt>
     <dgm:pt modelId="{3B104966-2EFE-4244-A5EF-C264DD731FA2}" type="pres">
       <dgm:prSet presAssocID="{AAD68676-5DBC-4D6D-8004-1E932815654E}" presName="node" presStyleLbl="node1" presStyleIdx="6" presStyleCnt="7">
@@ -13057,6 +13266,13 @@
         </dgm:presLayoutVars>
       </dgm:prSet>
       <dgm:spPr/>
+      <dgm:t>
+        <a:bodyPr/>
+        <a:lstStyle/>
+        <a:p>
+          <a:endParaRPr lang="en-US"/>
+        </a:p>
+      </dgm:t>
     </dgm:pt>
   </dgm:ptLst>
   <dgm:cxnLst>
@@ -13106,6 +13322,372 @@
     <dgm:cxn modelId="{CE0860F3-14DE-40A6-8CAA-CB148B0DC9AD}" type="presParOf" srcId="{EB3ADB24-E5BE-4595-8BA0-17316E66F158}" destId="{E7A2B41F-DB8F-46F7-BACD-CEE74F8D3F50}" srcOrd="11" destOrd="0" presId="urn:microsoft.com/office/officeart/2005/8/layout/bProcess3"/>
     <dgm:cxn modelId="{C98DED05-2B55-452A-9A71-A8CDF0805024}" type="presParOf" srcId="{E7A2B41F-DB8F-46F7-BACD-CEE74F8D3F50}" destId="{4541492B-4FD2-40F6-8C42-86F147B929CA}" srcOrd="0" destOrd="0" presId="urn:microsoft.com/office/officeart/2005/8/layout/bProcess3"/>
     <dgm:cxn modelId="{A80EBDDA-637A-4903-91B4-1B3E69CC8531}" type="presParOf" srcId="{EB3ADB24-E5BE-4595-8BA0-17316E66F158}" destId="{3B104966-2EFE-4244-A5EF-C264DD731FA2}" srcOrd="12" destOrd="0" presId="urn:microsoft.com/office/officeart/2005/8/layout/bProcess3"/>
+  </dgm:cxnLst>
+  <dgm:bg/>
+  <dgm:whole/>
+  <dgm:extLst>
+    <a:ext uri="http://schemas.microsoft.com/office/drawing/2008/diagram">
+      <dsp:dataModelExt xmlns:dsp="http://schemas.microsoft.com/office/drawing/2008/diagram" relId="rId6" minVer="http://schemas.openxmlformats.org/drawingml/2006/diagram"/>
+    </a:ext>
+  </dgm:extLst>
+</dgm:dataModel>
+</file>
+
+<file path=ppt/diagrams/data9.xml><?xml version="1.0" encoding="utf-8"?>
+<dgm:dataModel xmlns:dgm="http://schemas.openxmlformats.org/drawingml/2006/diagram" xmlns:a="http://schemas.openxmlformats.org/drawingml/2006/main">
+  <dgm:ptLst>
+    <dgm:pt modelId="{2E31D1B2-E27B-4445-8DA4-5761D3610640}" type="doc">
+      <dgm:prSet loTypeId="urn:microsoft.com/office/officeart/2005/8/layout/bProcess3" loCatId="process" qsTypeId="urn:microsoft.com/office/officeart/2005/8/quickstyle/simple1" qsCatId="simple" csTypeId="urn:microsoft.com/office/officeart/2005/8/colors/accent1_2" csCatId="accent1" phldr="1"/>
+      <dgm:spPr/>
+      <dgm:t>
+        <a:bodyPr/>
+        <a:lstStyle/>
+        <a:p>
+          <a:endParaRPr lang="en-US"/>
+        </a:p>
+      </dgm:t>
+    </dgm:pt>
+    <dgm:pt modelId="{254C6BF9-1675-4192-9A1E-75600D2D77DC}">
+      <dgm:prSet phldrT="[Text]"/>
+      <dgm:spPr/>
+      <dgm:t>
+        <a:bodyPr/>
+        <a:lstStyle/>
+        <a:p>
+          <a:r>
+            <a:rPr lang="en-US" dirty="0" smtClean="0"/>
+            <a:t>Input </a:t>
+          </a:r>
+          <a:r>
+            <a:rPr lang="en-US" dirty="0" err="1" smtClean="0"/>
+            <a:t>Kuitansi</a:t>
+          </a:r>
+          <a:endParaRPr lang="en-US" dirty="0"/>
+        </a:p>
+      </dgm:t>
+    </dgm:pt>
+    <dgm:pt modelId="{64EFE750-0032-465F-8A38-84DA3A11C57D}" type="parTrans" cxnId="{88B9F2CD-B51C-4A25-869D-576FB2C1A8A4}">
+      <dgm:prSet/>
+      <dgm:spPr/>
+      <dgm:t>
+        <a:bodyPr/>
+        <a:lstStyle/>
+        <a:p>
+          <a:endParaRPr lang="en-US"/>
+        </a:p>
+      </dgm:t>
+    </dgm:pt>
+    <dgm:pt modelId="{974E31FC-F88D-4636-BA1E-51E6BDF5F97A}" type="sibTrans" cxnId="{88B9F2CD-B51C-4A25-869D-576FB2C1A8A4}">
+      <dgm:prSet/>
+      <dgm:spPr/>
+      <dgm:t>
+        <a:bodyPr/>
+        <a:lstStyle/>
+        <a:p>
+          <a:endParaRPr lang="en-US"/>
+        </a:p>
+      </dgm:t>
+    </dgm:pt>
+    <dgm:pt modelId="{735316B3-B241-4016-B6B2-955AA2B1C15A}">
+      <dgm:prSet phldrT="[Text]"/>
+      <dgm:spPr/>
+      <dgm:t>
+        <a:bodyPr/>
+        <a:lstStyle/>
+        <a:p>
+          <a:r>
+            <a:rPr lang="en-US" dirty="0" err="1" smtClean="0"/>
+            <a:t>Verifikasi</a:t>
+          </a:r>
+          <a:r>
+            <a:rPr lang="en-US" dirty="0" smtClean="0"/>
+            <a:t> </a:t>
+          </a:r>
+          <a:r>
+            <a:rPr lang="en-US" dirty="0" err="1" smtClean="0"/>
+            <a:t>Kuitansi</a:t>
+          </a:r>
+          <a:endParaRPr lang="en-US" dirty="0"/>
+        </a:p>
+      </dgm:t>
+    </dgm:pt>
+    <dgm:pt modelId="{7C3CF2D0-9360-451C-A1F3-4AE012355C58}" type="parTrans" cxnId="{965A40B7-CD27-4A2D-B3E2-5C8453EB61FE}">
+      <dgm:prSet/>
+      <dgm:spPr/>
+      <dgm:t>
+        <a:bodyPr/>
+        <a:lstStyle/>
+        <a:p>
+          <a:endParaRPr lang="en-US"/>
+        </a:p>
+      </dgm:t>
+    </dgm:pt>
+    <dgm:pt modelId="{192E502D-FFE6-4F0B-8FB2-83CA6261D556}" type="sibTrans" cxnId="{965A40B7-CD27-4A2D-B3E2-5C8453EB61FE}">
+      <dgm:prSet/>
+      <dgm:spPr/>
+      <dgm:t>
+        <a:bodyPr/>
+        <a:lstStyle/>
+        <a:p>
+          <a:endParaRPr lang="en-US"/>
+        </a:p>
+      </dgm:t>
+    </dgm:pt>
+    <dgm:pt modelId="{F318FA49-9257-49D5-A297-F8AF88E98D73}">
+      <dgm:prSet phldrT="[Text]"/>
+      <dgm:spPr/>
+      <dgm:t>
+        <a:bodyPr/>
+        <a:lstStyle/>
+        <a:p>
+          <a:r>
+            <a:rPr lang="en-US" dirty="0" err="1" smtClean="0"/>
+            <a:t>Cari</a:t>
+          </a:r>
+          <a:r>
+            <a:rPr lang="en-US" dirty="0" smtClean="0"/>
+            <a:t> Blok</a:t>
+          </a:r>
+          <a:endParaRPr lang="en-US" dirty="0"/>
+        </a:p>
+      </dgm:t>
+    </dgm:pt>
+    <dgm:pt modelId="{F7531913-4A7D-4B46-9DB2-E7BB2F368068}" type="parTrans" cxnId="{879C22D9-C319-4BBF-843A-19F72D79A713}">
+      <dgm:prSet/>
+      <dgm:spPr/>
+      <dgm:t>
+        <a:bodyPr/>
+        <a:lstStyle/>
+        <a:p>
+          <a:endParaRPr lang="en-US"/>
+        </a:p>
+      </dgm:t>
+    </dgm:pt>
+    <dgm:pt modelId="{4A51C5A6-9FC6-4912-8DFF-103380D6738F}" type="sibTrans" cxnId="{879C22D9-C319-4BBF-843A-19F72D79A713}">
+      <dgm:prSet/>
+      <dgm:spPr/>
+      <dgm:t>
+        <a:bodyPr/>
+        <a:lstStyle/>
+        <a:p>
+          <a:endParaRPr lang="en-US"/>
+        </a:p>
+      </dgm:t>
+    </dgm:pt>
+    <dgm:pt modelId="{17A28030-1250-4A8F-B228-5341DBD75EDD}">
+      <dgm:prSet phldrT="[Text]"/>
+      <dgm:spPr/>
+      <dgm:t>
+        <a:bodyPr/>
+        <a:lstStyle/>
+        <a:p>
+          <a:r>
+            <a:rPr lang="en-US" dirty="0" err="1" smtClean="0"/>
+            <a:t>Cetak</a:t>
+          </a:r>
+          <a:r>
+            <a:rPr lang="en-US" dirty="0" smtClean="0"/>
+            <a:t> </a:t>
+          </a:r>
+          <a:r>
+            <a:rPr lang="en-US" dirty="0" err="1" smtClean="0"/>
+            <a:t>Kuitansi</a:t>
+          </a:r>
+          <a:endParaRPr lang="en-US" dirty="0"/>
+        </a:p>
+      </dgm:t>
+    </dgm:pt>
+    <dgm:pt modelId="{E63F06ED-0623-4C01-91B6-1254C6210CAD}" type="parTrans" cxnId="{73C3C2D8-C7D5-4127-B020-B5E762475E36}">
+      <dgm:prSet/>
+      <dgm:spPr/>
+      <dgm:t>
+        <a:bodyPr/>
+        <a:lstStyle/>
+        <a:p>
+          <a:endParaRPr lang="en-US"/>
+        </a:p>
+      </dgm:t>
+    </dgm:pt>
+    <dgm:pt modelId="{91EBBA03-AFBF-4168-994D-95A6E6AA860F}" type="sibTrans" cxnId="{73C3C2D8-C7D5-4127-B020-B5E762475E36}">
+      <dgm:prSet/>
+      <dgm:spPr/>
+      <dgm:t>
+        <a:bodyPr/>
+        <a:lstStyle/>
+        <a:p>
+          <a:endParaRPr lang="en-US"/>
+        </a:p>
+      </dgm:t>
+    </dgm:pt>
+    <dgm:pt modelId="{5E4C141B-8989-45F2-A64F-63C0130EF9DB}" type="pres">
+      <dgm:prSet presAssocID="{2E31D1B2-E27B-4445-8DA4-5761D3610640}" presName="Name0" presStyleCnt="0">
+        <dgm:presLayoutVars>
+          <dgm:dir/>
+          <dgm:resizeHandles val="exact"/>
+        </dgm:presLayoutVars>
+      </dgm:prSet>
+      <dgm:spPr/>
+      <dgm:t>
+        <a:bodyPr/>
+        <a:lstStyle/>
+        <a:p>
+          <a:endParaRPr lang="en-US"/>
+        </a:p>
+      </dgm:t>
+    </dgm:pt>
+    <dgm:pt modelId="{987461ED-A9CE-421C-BCC0-0C53E62B438C}" type="pres">
+      <dgm:prSet presAssocID="{F318FA49-9257-49D5-A297-F8AF88E98D73}" presName="node" presStyleLbl="node1" presStyleIdx="0" presStyleCnt="4">
+        <dgm:presLayoutVars>
+          <dgm:bulletEnabled val="1"/>
+        </dgm:presLayoutVars>
+      </dgm:prSet>
+      <dgm:spPr/>
+      <dgm:t>
+        <a:bodyPr/>
+        <a:lstStyle/>
+        <a:p>
+          <a:endParaRPr lang="en-US"/>
+        </a:p>
+      </dgm:t>
+    </dgm:pt>
+    <dgm:pt modelId="{E70A8F01-8710-4EB6-B5C1-C594960BC30B}" type="pres">
+      <dgm:prSet presAssocID="{4A51C5A6-9FC6-4912-8DFF-103380D6738F}" presName="sibTrans" presStyleLbl="sibTrans1D1" presStyleIdx="0" presStyleCnt="3"/>
+      <dgm:spPr/>
+      <dgm:t>
+        <a:bodyPr/>
+        <a:lstStyle/>
+        <a:p>
+          <a:endParaRPr lang="en-US"/>
+        </a:p>
+      </dgm:t>
+    </dgm:pt>
+    <dgm:pt modelId="{9F481C96-214B-42C8-A5A6-B68C227FE3B2}" type="pres">
+      <dgm:prSet presAssocID="{4A51C5A6-9FC6-4912-8DFF-103380D6738F}" presName="connectorText" presStyleLbl="sibTrans1D1" presStyleIdx="0" presStyleCnt="3"/>
+      <dgm:spPr/>
+      <dgm:t>
+        <a:bodyPr/>
+        <a:lstStyle/>
+        <a:p>
+          <a:endParaRPr lang="en-US"/>
+        </a:p>
+      </dgm:t>
+    </dgm:pt>
+    <dgm:pt modelId="{57037447-8F68-43B5-8904-EAE1A451AC93}" type="pres">
+      <dgm:prSet presAssocID="{254C6BF9-1675-4192-9A1E-75600D2D77DC}" presName="node" presStyleLbl="node1" presStyleIdx="1" presStyleCnt="4">
+        <dgm:presLayoutVars>
+          <dgm:bulletEnabled val="1"/>
+        </dgm:presLayoutVars>
+      </dgm:prSet>
+      <dgm:spPr/>
+      <dgm:t>
+        <a:bodyPr/>
+        <a:lstStyle/>
+        <a:p>
+          <a:endParaRPr lang="en-US"/>
+        </a:p>
+      </dgm:t>
+    </dgm:pt>
+    <dgm:pt modelId="{80BCA142-B675-47F0-94ED-50CA4E6F357E}" type="pres">
+      <dgm:prSet presAssocID="{974E31FC-F88D-4636-BA1E-51E6BDF5F97A}" presName="sibTrans" presStyleLbl="sibTrans1D1" presStyleIdx="1" presStyleCnt="3"/>
+      <dgm:spPr/>
+      <dgm:t>
+        <a:bodyPr/>
+        <a:lstStyle/>
+        <a:p>
+          <a:endParaRPr lang="en-US"/>
+        </a:p>
+      </dgm:t>
+    </dgm:pt>
+    <dgm:pt modelId="{2F9FC5E6-FB7F-4A42-9306-39DC9A9E736F}" type="pres">
+      <dgm:prSet presAssocID="{974E31FC-F88D-4636-BA1E-51E6BDF5F97A}" presName="connectorText" presStyleLbl="sibTrans1D1" presStyleIdx="1" presStyleCnt="3"/>
+      <dgm:spPr/>
+      <dgm:t>
+        <a:bodyPr/>
+        <a:lstStyle/>
+        <a:p>
+          <a:endParaRPr lang="en-US"/>
+        </a:p>
+      </dgm:t>
+    </dgm:pt>
+    <dgm:pt modelId="{7AB4113C-A067-4FED-9D98-F6C71885941F}" type="pres">
+      <dgm:prSet presAssocID="{735316B3-B241-4016-B6B2-955AA2B1C15A}" presName="node" presStyleLbl="node1" presStyleIdx="2" presStyleCnt="4">
+        <dgm:presLayoutVars>
+          <dgm:bulletEnabled val="1"/>
+        </dgm:presLayoutVars>
+      </dgm:prSet>
+      <dgm:spPr/>
+      <dgm:t>
+        <a:bodyPr/>
+        <a:lstStyle/>
+        <a:p>
+          <a:endParaRPr lang="en-US"/>
+        </a:p>
+      </dgm:t>
+    </dgm:pt>
+    <dgm:pt modelId="{BC03B924-F064-4428-AAB2-41734C2F6835}" type="pres">
+      <dgm:prSet presAssocID="{192E502D-FFE6-4F0B-8FB2-83CA6261D556}" presName="sibTrans" presStyleLbl="sibTrans1D1" presStyleIdx="2" presStyleCnt="3"/>
+      <dgm:spPr/>
+      <dgm:t>
+        <a:bodyPr/>
+        <a:lstStyle/>
+        <a:p>
+          <a:endParaRPr lang="en-US"/>
+        </a:p>
+      </dgm:t>
+    </dgm:pt>
+    <dgm:pt modelId="{AF1C717D-E73C-48BB-B905-421740E894E0}" type="pres">
+      <dgm:prSet presAssocID="{192E502D-FFE6-4F0B-8FB2-83CA6261D556}" presName="connectorText" presStyleLbl="sibTrans1D1" presStyleIdx="2" presStyleCnt="3"/>
+      <dgm:spPr/>
+      <dgm:t>
+        <a:bodyPr/>
+        <a:lstStyle/>
+        <a:p>
+          <a:endParaRPr lang="en-US"/>
+        </a:p>
+      </dgm:t>
+    </dgm:pt>
+    <dgm:pt modelId="{BB94512D-7554-4D9D-9CC8-BC37E5E7B8A9}" type="pres">
+      <dgm:prSet presAssocID="{17A28030-1250-4A8F-B228-5341DBD75EDD}" presName="node" presStyleLbl="node1" presStyleIdx="3" presStyleCnt="4">
+        <dgm:presLayoutVars>
+          <dgm:bulletEnabled val="1"/>
+        </dgm:presLayoutVars>
+      </dgm:prSet>
+      <dgm:spPr/>
+      <dgm:t>
+        <a:bodyPr/>
+        <a:lstStyle/>
+        <a:p>
+          <a:endParaRPr lang="en-US"/>
+        </a:p>
+      </dgm:t>
+    </dgm:pt>
+  </dgm:ptLst>
+  <dgm:cxnLst>
+    <dgm:cxn modelId="{A1D637A2-2995-4979-9B2D-B198D3BD32C8}" type="presOf" srcId="{254C6BF9-1675-4192-9A1E-75600D2D77DC}" destId="{57037447-8F68-43B5-8904-EAE1A451AC93}" srcOrd="0" destOrd="0" presId="urn:microsoft.com/office/officeart/2005/8/layout/bProcess3"/>
+    <dgm:cxn modelId="{A7E954EF-B581-4BDC-9A6F-D9E020E82324}" type="presOf" srcId="{17A28030-1250-4A8F-B228-5341DBD75EDD}" destId="{BB94512D-7554-4D9D-9CC8-BC37E5E7B8A9}" srcOrd="0" destOrd="0" presId="urn:microsoft.com/office/officeart/2005/8/layout/bProcess3"/>
+    <dgm:cxn modelId="{05559105-20CC-4363-9E6F-578AA7B581DD}" type="presOf" srcId="{4A51C5A6-9FC6-4912-8DFF-103380D6738F}" destId="{E70A8F01-8710-4EB6-B5C1-C594960BC30B}" srcOrd="0" destOrd="0" presId="urn:microsoft.com/office/officeart/2005/8/layout/bProcess3"/>
+    <dgm:cxn modelId="{88B9F2CD-B51C-4A25-869D-576FB2C1A8A4}" srcId="{2E31D1B2-E27B-4445-8DA4-5761D3610640}" destId="{254C6BF9-1675-4192-9A1E-75600D2D77DC}" srcOrd="1" destOrd="0" parTransId="{64EFE750-0032-465F-8A38-84DA3A11C57D}" sibTransId="{974E31FC-F88D-4636-BA1E-51E6BDF5F97A}"/>
+    <dgm:cxn modelId="{7C303BFA-2353-4245-90BF-F65E594F2F08}" type="presOf" srcId="{F318FA49-9257-49D5-A297-F8AF88E98D73}" destId="{987461ED-A9CE-421C-BCC0-0C53E62B438C}" srcOrd="0" destOrd="0" presId="urn:microsoft.com/office/officeart/2005/8/layout/bProcess3"/>
+    <dgm:cxn modelId="{B57F95B7-03E8-465A-B250-A6B4DBC6FB4F}" type="presOf" srcId="{735316B3-B241-4016-B6B2-955AA2B1C15A}" destId="{7AB4113C-A067-4FED-9D98-F6C71885941F}" srcOrd="0" destOrd="0" presId="urn:microsoft.com/office/officeart/2005/8/layout/bProcess3"/>
+    <dgm:cxn modelId="{CC15E385-3C5E-4726-A405-FE20A0136F02}" type="presOf" srcId="{192E502D-FFE6-4F0B-8FB2-83CA6261D556}" destId="{BC03B924-F064-4428-AAB2-41734C2F6835}" srcOrd="0" destOrd="0" presId="urn:microsoft.com/office/officeart/2005/8/layout/bProcess3"/>
+    <dgm:cxn modelId="{335BC77A-7213-44CB-BC9F-D1A9E539B373}" type="presOf" srcId="{974E31FC-F88D-4636-BA1E-51E6BDF5F97A}" destId="{80BCA142-B675-47F0-94ED-50CA4E6F357E}" srcOrd="0" destOrd="0" presId="urn:microsoft.com/office/officeart/2005/8/layout/bProcess3"/>
+    <dgm:cxn modelId="{8AF7B9A9-1DD1-44FB-A1F0-DC5B33865F97}" type="presOf" srcId="{974E31FC-F88D-4636-BA1E-51E6BDF5F97A}" destId="{2F9FC5E6-FB7F-4A42-9306-39DC9A9E736F}" srcOrd="1" destOrd="0" presId="urn:microsoft.com/office/officeart/2005/8/layout/bProcess3"/>
+    <dgm:cxn modelId="{F84A2A7D-D9A9-44D8-9013-C33B7A699F97}" type="presOf" srcId="{2E31D1B2-E27B-4445-8DA4-5761D3610640}" destId="{5E4C141B-8989-45F2-A64F-63C0130EF9DB}" srcOrd="0" destOrd="0" presId="urn:microsoft.com/office/officeart/2005/8/layout/bProcess3"/>
+    <dgm:cxn modelId="{965A40B7-CD27-4A2D-B3E2-5C8453EB61FE}" srcId="{2E31D1B2-E27B-4445-8DA4-5761D3610640}" destId="{735316B3-B241-4016-B6B2-955AA2B1C15A}" srcOrd="2" destOrd="0" parTransId="{7C3CF2D0-9360-451C-A1F3-4AE012355C58}" sibTransId="{192E502D-FFE6-4F0B-8FB2-83CA6261D556}"/>
+    <dgm:cxn modelId="{73C3C2D8-C7D5-4127-B020-B5E762475E36}" srcId="{2E31D1B2-E27B-4445-8DA4-5761D3610640}" destId="{17A28030-1250-4A8F-B228-5341DBD75EDD}" srcOrd="3" destOrd="0" parTransId="{E63F06ED-0623-4C01-91B6-1254C6210CAD}" sibTransId="{91EBBA03-AFBF-4168-994D-95A6E6AA860F}"/>
+    <dgm:cxn modelId="{A5700E4A-AA7C-42BE-82CE-15F971D2E7BB}" type="presOf" srcId="{192E502D-FFE6-4F0B-8FB2-83CA6261D556}" destId="{AF1C717D-E73C-48BB-B905-421740E894E0}" srcOrd="1" destOrd="0" presId="urn:microsoft.com/office/officeart/2005/8/layout/bProcess3"/>
+    <dgm:cxn modelId="{879C22D9-C319-4BBF-843A-19F72D79A713}" srcId="{2E31D1B2-E27B-4445-8DA4-5761D3610640}" destId="{F318FA49-9257-49D5-A297-F8AF88E98D73}" srcOrd="0" destOrd="0" parTransId="{F7531913-4A7D-4B46-9DB2-E7BB2F368068}" sibTransId="{4A51C5A6-9FC6-4912-8DFF-103380D6738F}"/>
+    <dgm:cxn modelId="{5C8DF4E0-4C92-4D58-B952-56939CA08832}" type="presOf" srcId="{4A51C5A6-9FC6-4912-8DFF-103380D6738F}" destId="{9F481C96-214B-42C8-A5A6-B68C227FE3B2}" srcOrd="1" destOrd="0" presId="urn:microsoft.com/office/officeart/2005/8/layout/bProcess3"/>
+    <dgm:cxn modelId="{B0D66EEB-D6C0-48C9-946B-E535505EB450}" type="presParOf" srcId="{5E4C141B-8989-45F2-A64F-63C0130EF9DB}" destId="{987461ED-A9CE-421C-BCC0-0C53E62B438C}" srcOrd="0" destOrd="0" presId="urn:microsoft.com/office/officeart/2005/8/layout/bProcess3"/>
+    <dgm:cxn modelId="{D91A3B55-2154-41AB-89E6-6EB419AFAACC}" type="presParOf" srcId="{5E4C141B-8989-45F2-A64F-63C0130EF9DB}" destId="{E70A8F01-8710-4EB6-B5C1-C594960BC30B}" srcOrd="1" destOrd="0" presId="urn:microsoft.com/office/officeart/2005/8/layout/bProcess3"/>
+    <dgm:cxn modelId="{61931BA7-C541-4008-A5C6-5274F7EEAAAB}" type="presParOf" srcId="{E70A8F01-8710-4EB6-B5C1-C594960BC30B}" destId="{9F481C96-214B-42C8-A5A6-B68C227FE3B2}" srcOrd="0" destOrd="0" presId="urn:microsoft.com/office/officeart/2005/8/layout/bProcess3"/>
+    <dgm:cxn modelId="{19C3D46F-05A5-441A-96EB-2C8070CD52FF}" type="presParOf" srcId="{5E4C141B-8989-45F2-A64F-63C0130EF9DB}" destId="{57037447-8F68-43B5-8904-EAE1A451AC93}" srcOrd="2" destOrd="0" presId="urn:microsoft.com/office/officeart/2005/8/layout/bProcess3"/>
+    <dgm:cxn modelId="{CB0AF53E-0CB1-4786-918D-F4EA548F4F04}" type="presParOf" srcId="{5E4C141B-8989-45F2-A64F-63C0130EF9DB}" destId="{80BCA142-B675-47F0-94ED-50CA4E6F357E}" srcOrd="3" destOrd="0" presId="urn:microsoft.com/office/officeart/2005/8/layout/bProcess3"/>
+    <dgm:cxn modelId="{709133D1-97BD-47C3-8C31-8968618C4CD0}" type="presParOf" srcId="{80BCA142-B675-47F0-94ED-50CA4E6F357E}" destId="{2F9FC5E6-FB7F-4A42-9306-39DC9A9E736F}" srcOrd="0" destOrd="0" presId="urn:microsoft.com/office/officeart/2005/8/layout/bProcess3"/>
+    <dgm:cxn modelId="{88A80F5E-9038-4028-857F-764EDE065435}" type="presParOf" srcId="{5E4C141B-8989-45F2-A64F-63C0130EF9DB}" destId="{7AB4113C-A067-4FED-9D98-F6C71885941F}" srcOrd="4" destOrd="0" presId="urn:microsoft.com/office/officeart/2005/8/layout/bProcess3"/>
+    <dgm:cxn modelId="{8FC12B98-3A60-4A25-B4E6-3ACCAF0AFF30}" type="presParOf" srcId="{5E4C141B-8989-45F2-A64F-63C0130EF9DB}" destId="{BC03B924-F064-4428-AAB2-41734C2F6835}" srcOrd="5" destOrd="0" presId="urn:microsoft.com/office/officeart/2005/8/layout/bProcess3"/>
+    <dgm:cxn modelId="{D2FF132D-E824-4608-A777-B338559E4728}" type="presParOf" srcId="{BC03B924-F064-4428-AAB2-41734C2F6835}" destId="{AF1C717D-E73C-48BB-B905-421740E894E0}" srcOrd="0" destOrd="0" presId="urn:microsoft.com/office/officeart/2005/8/layout/bProcess3"/>
+    <dgm:cxn modelId="{7EBB3CBF-82EF-43B6-B8E3-2705D4499E1E}" type="presParOf" srcId="{5E4C141B-8989-45F2-A64F-63C0130EF9DB}" destId="{BB94512D-7554-4D9D-9CC8-BC37E5E7B8A9}" srcOrd="6" destOrd="0" presId="urn:microsoft.com/office/officeart/2005/8/layout/bProcess3"/>
   </dgm:cxnLst>
   <dgm:bg/>
   <dgm:whole/>
@@ -13926,97 +14508,17 @@
       <dsp:cNvGrpSpPr/>
     </dsp:nvGrpSpPr>
     <dsp:grpSpPr/>
-    <dsp:sp modelId="{E70A8F01-8710-4EB6-B5C1-C594960BC30B}">
+    <dsp:sp modelId="{55E79191-60C7-452C-AD10-C447F0B230FD}">
       <dsp:nvSpPr>
         <dsp:cNvPr id="0" name=""/>
         <dsp:cNvSpPr/>
       </dsp:nvSpPr>
       <dsp:spPr>
         <a:xfrm>
-          <a:off x="3591693" y="867422"/>
-          <a:ext cx="669113" cy="91440"/>
+          <a:off x="5751621" y="845018"/>
+          <a:ext cx="1715930" cy="1716018"/>
         </a:xfrm>
-        <a:custGeom>
-          <a:avLst/>
-          <a:gdLst/>
-          <a:ahLst/>
-          <a:cxnLst/>
-          <a:rect l="0" t="0" r="0" b="0"/>
-          <a:pathLst>
-            <a:path>
-              <a:moveTo>
-                <a:pt x="0" y="45720"/>
-              </a:moveTo>
-              <a:lnTo>
-                <a:pt x="669113" y="45720"/>
-              </a:lnTo>
-            </a:path>
-          </a:pathLst>
-        </a:custGeom>
-        <a:noFill/>
-        <a:ln w="6350" cap="flat" cmpd="sng" algn="ctr">
-          <a:solidFill>
-            <a:schemeClr val="accent1">
-              <a:hueOff val="0"/>
-              <a:satOff val="0"/>
-              <a:lumOff val="0"/>
-              <a:alphaOff val="0"/>
-            </a:schemeClr>
-          </a:solidFill>
-          <a:prstDash val="solid"/>
-          <a:miter lim="800000"/>
-          <a:tailEnd type="arrow"/>
-        </a:ln>
-        <a:effectLst/>
-      </dsp:spPr>
-      <dsp:style>
-        <a:lnRef idx="1">
-          <a:scrgbClr r="0" g="0" b="0"/>
-        </a:lnRef>
-        <a:fillRef idx="0">
-          <a:scrgbClr r="0" g="0" b="0"/>
-        </a:fillRef>
-        <a:effectRef idx="0">
-          <a:scrgbClr r="0" g="0" b="0"/>
-        </a:effectRef>
-        <a:fontRef idx="minor"/>
-      </dsp:style>
-      <dsp:txBody>
-        <a:bodyPr spcFirstLastPara="0" vert="horz" wrap="square" lIns="12700" tIns="0" rIns="12700" bIns="0" numCol="1" spcCol="1270" anchor="ctr" anchorCtr="0">
-          <a:noAutofit/>
-        </a:bodyPr>
-        <a:lstStyle/>
-        <a:p>
-          <a:pPr lvl="0" algn="ctr" defTabSz="222250">
-            <a:lnSpc>
-              <a:spcPct val="90000"/>
-            </a:lnSpc>
-            <a:spcBef>
-              <a:spcPct val="0"/>
-            </a:spcBef>
-            <a:spcAft>
-              <a:spcPct val="35000"/>
-            </a:spcAft>
-          </a:pPr>
-          <a:endParaRPr lang="en-US" sz="500" kern="1200"/>
-        </a:p>
-      </dsp:txBody>
-      <dsp:txXfrm>
-        <a:off x="3908757" y="909643"/>
-        <a:ext cx="34985" cy="6997"/>
-      </dsp:txXfrm>
-    </dsp:sp>
-    <dsp:sp modelId="{987461ED-A9CE-421C-BCC0-0C53E62B438C}">
-      <dsp:nvSpPr>
-        <dsp:cNvPr id="0" name=""/>
-        <dsp:cNvSpPr/>
-      </dsp:nvSpPr>
-      <dsp:spPr>
-        <a:xfrm>
-          <a:off x="551260" y="472"/>
-          <a:ext cx="3042232" cy="1825339"/>
-        </a:xfrm>
-        <a:prstGeom prst="rect">
+        <a:prstGeom prst="ellipse">
           <a:avLst/>
         </a:prstGeom>
         <a:solidFill>
@@ -14027,7 +14529,7 @@
             <a:alphaOff val="0"/>
           </a:schemeClr>
         </a:solidFill>
-        <a:ln w="12700" cap="flat" cmpd="sng" algn="ctr">
+        <a:ln w="15875" cap="flat" cmpd="sng" algn="ctr">
           <a:solidFill>
             <a:schemeClr val="lt1">
               <a:hueOff val="0"/>
@@ -14037,7 +14539,6 @@
             </a:schemeClr>
           </a:solidFill>
           <a:prstDash val="solid"/>
-          <a:miter lim="800000"/>
         </a:ln>
         <a:effectLst/>
       </dsp:spPr>
@@ -14055,13 +14556,61 @@
           <a:schemeClr val="lt1"/>
         </a:fontRef>
       </dsp:style>
+    </dsp:sp>
+    <dsp:sp modelId="{C71FB099-691D-4B7D-AC3D-5A144E551F33}">
+      <dsp:nvSpPr>
+        <dsp:cNvPr id="0" name=""/>
+        <dsp:cNvSpPr/>
+      </dsp:nvSpPr>
+      <dsp:spPr>
+        <a:xfrm>
+          <a:off x="5809015" y="902228"/>
+          <a:ext cx="1601878" cy="1601596"/>
+        </a:xfrm>
+        <a:prstGeom prst="ellipse">
+          <a:avLst/>
+        </a:prstGeom>
+        <a:solidFill>
+          <a:schemeClr val="lt1">
+            <a:alpha val="90000"/>
+            <a:hueOff val="0"/>
+            <a:satOff val="0"/>
+            <a:lumOff val="0"/>
+            <a:alphaOff val="0"/>
+          </a:schemeClr>
+        </a:solidFill>
+        <a:ln w="15875" cap="flat" cmpd="sng" algn="ctr">
+          <a:solidFill>
+            <a:schemeClr val="accent1">
+              <a:hueOff val="0"/>
+              <a:satOff val="0"/>
+              <a:lumOff val="0"/>
+              <a:alphaOff val="0"/>
+            </a:schemeClr>
+          </a:solidFill>
+          <a:prstDash val="solid"/>
+        </a:ln>
+        <a:effectLst/>
+      </dsp:spPr>
+      <dsp:style>
+        <a:lnRef idx="2">
+          <a:scrgbClr r="0" g="0" b="0"/>
+        </a:lnRef>
+        <a:fillRef idx="1">
+          <a:scrgbClr r="0" g="0" b="0"/>
+        </a:fillRef>
+        <a:effectRef idx="0">
+          <a:scrgbClr r="0" g="0" b="0"/>
+        </a:effectRef>
+        <a:fontRef idx="minor"/>
+      </dsp:style>
       <dsp:txBody>
-        <a:bodyPr spcFirstLastPara="0" vert="horz" wrap="square" lIns="305816" tIns="305816" rIns="305816" bIns="305816" numCol="1" spcCol="1270" anchor="ctr" anchorCtr="0">
+        <a:bodyPr spcFirstLastPara="0" vert="horz" wrap="square" lIns="29210" tIns="29210" rIns="29210" bIns="29210" numCol="1" spcCol="1270" anchor="ctr" anchorCtr="0">
           <a:noAutofit/>
         </a:bodyPr>
         <a:lstStyle/>
         <a:p>
-          <a:pPr lvl="0" algn="ctr" defTabSz="1911350">
+          <a:pPr lvl="0" algn="ctr" defTabSz="1022350">
             <a:lnSpc>
               <a:spcPct val="90000"/>
             </a:lnSpc>
@@ -14073,72 +14622,42 @@
             </a:spcAft>
           </a:pPr>
           <a:r>
-            <a:rPr lang="en-US" sz="4300" kern="1200" dirty="0" err="1" smtClean="0"/>
-            <a:t>Cari</a:t>
+            <a:rPr lang="en-US" sz="2300" kern="1200" dirty="0" err="1" smtClean="0"/>
+            <a:t>Cetak</a:t>
           </a:r>
           <a:r>
-            <a:rPr lang="en-US" sz="4300" kern="1200" dirty="0" smtClean="0"/>
-            <a:t> Blok</a:t>
+            <a:rPr lang="en-US" sz="2300" kern="1200" dirty="0" smtClean="0"/>
+            <a:t> PPJB</a:t>
           </a:r>
-          <a:endParaRPr lang="en-US" sz="4300" kern="1200" dirty="0"/>
+          <a:endParaRPr lang="en-US" sz="2300" kern="1200" dirty="0"/>
         </a:p>
       </dsp:txBody>
       <dsp:txXfrm>
-        <a:off x="551260" y="472"/>
-        <a:ext cx="3042232" cy="1825339"/>
+        <a:off x="6037855" y="1131071"/>
+        <a:ext cx="1144198" cy="1143911"/>
       </dsp:txXfrm>
     </dsp:sp>
-    <dsp:sp modelId="{80BCA142-B675-47F0-94ED-50CA4E6F357E}">
+    <dsp:sp modelId="{F5CFCCF6-0BB0-45EA-B901-63462770A36F}">
       <dsp:nvSpPr>
         <dsp:cNvPr id="0" name=""/>
         <dsp:cNvSpPr/>
       </dsp:nvSpPr>
       <dsp:spPr>
         <a:xfrm>
-          <a:off x="2072376" y="1824012"/>
-          <a:ext cx="3741946" cy="669113"/>
+          <a:off x="5809015" y="2592652"/>
+          <a:ext cx="1601878" cy="940663"/>
         </a:xfrm>
-        <a:custGeom>
+        <a:prstGeom prst="rect">
           <a:avLst/>
-          <a:gdLst/>
-          <a:ahLst/>
-          <a:cxnLst/>
-          <a:rect l="0" t="0" r="0" b="0"/>
-          <a:pathLst>
-            <a:path>
-              <a:moveTo>
-                <a:pt x="3741946" y="0"/>
-              </a:moveTo>
-              <a:lnTo>
-                <a:pt x="3741946" y="351656"/>
-              </a:lnTo>
-              <a:lnTo>
-                <a:pt x="0" y="351656"/>
-              </a:lnTo>
-              <a:lnTo>
-                <a:pt x="0" y="669113"/>
-              </a:lnTo>
-            </a:path>
-          </a:pathLst>
-        </a:custGeom>
+        </a:prstGeom>
         <a:noFill/>
-        <a:ln w="6350" cap="flat" cmpd="sng" algn="ctr">
-          <a:solidFill>
-            <a:schemeClr val="accent1">
-              <a:hueOff val="0"/>
-              <a:satOff val="0"/>
-              <a:lumOff val="0"/>
-              <a:alphaOff val="0"/>
-            </a:schemeClr>
-          </a:solidFill>
-          <a:prstDash val="solid"/>
-          <a:miter lim="800000"/>
-          <a:tailEnd type="arrow"/>
+        <a:ln>
+          <a:noFill/>
         </a:ln>
         <a:effectLst/>
       </dsp:spPr>
       <dsp:style>
-        <a:lnRef idx="1">
+        <a:lnRef idx="0">
           <a:scrgbClr r="0" g="0" b="0"/>
         </a:lnRef>
         <a:fillRef idx="0">
@@ -14150,12 +14669,12 @@
         <a:fontRef idx="minor"/>
       </dsp:style>
       <dsp:txBody>
-        <a:bodyPr spcFirstLastPara="0" vert="horz" wrap="square" lIns="12700" tIns="0" rIns="12700" bIns="0" numCol="1" spcCol="1270" anchor="ctr" anchorCtr="0">
+        <a:bodyPr spcFirstLastPara="0" vert="horz" wrap="square" lIns="87630" tIns="87630" rIns="87630" bIns="87630" numCol="1" spcCol="1270" anchor="t" anchorCtr="0">
           <a:noAutofit/>
         </a:bodyPr>
         <a:lstStyle/>
         <a:p>
-          <a:pPr lvl="0" algn="ctr" defTabSz="222250">
+          <a:pPr marL="171450" lvl="1" indent="-171450" algn="l" defTabSz="800100">
             <a:lnSpc>
               <a:spcPct val="90000"/>
             </a:lnSpc>
@@ -14163,29 +14682,40 @@
               <a:spcPct val="0"/>
             </a:spcBef>
             <a:spcAft>
-              <a:spcPct val="35000"/>
+              <a:spcPct val="15000"/>
             </a:spcAft>
+            <a:buChar char="••"/>
           </a:pPr>
-          <a:endParaRPr lang="en-US" sz="500" kern="1200"/>
+          <a:r>
+            <a:rPr lang="en-US" sz="1800" kern="1200" dirty="0" err="1" smtClean="0"/>
+            <a:t>Pembayaran</a:t>
+          </a:r>
+          <a:r>
+            <a:rPr lang="en-US" sz="1800" kern="1200" dirty="0" smtClean="0"/>
+            <a:t> &gt; 20%</a:t>
+          </a:r>
+          <a:endParaRPr lang="en-US" sz="1800" kern="1200" dirty="0"/>
         </a:p>
       </dsp:txBody>
       <dsp:txXfrm>
-        <a:off x="3848179" y="2155070"/>
-        <a:ext cx="190340" cy="6997"/>
+        <a:off x="5809015" y="2592652"/>
+        <a:ext cx="1601878" cy="940663"/>
       </dsp:txXfrm>
     </dsp:sp>
-    <dsp:sp modelId="{57037447-8F68-43B5-8904-EAE1A451AC93}">
+    <dsp:sp modelId="{4C19F44E-2D28-47C0-9B86-49475952FA95}">
       <dsp:nvSpPr>
         <dsp:cNvPr id="0" name=""/>
         <dsp:cNvSpPr/>
       </dsp:nvSpPr>
       <dsp:spPr>
-        <a:xfrm>
-          <a:off x="4293206" y="472"/>
-          <a:ext cx="3042232" cy="1825339"/>
+        <a:xfrm rot="2700000">
+          <a:off x="3970925" y="844897"/>
+          <a:ext cx="1715958" cy="1715958"/>
         </a:xfrm>
-        <a:prstGeom prst="rect">
-          <a:avLst/>
+        <a:prstGeom prst="teardrop">
+          <a:avLst>
+            <a:gd name="adj" fmla="val 100000"/>
+          </a:avLst>
         </a:prstGeom>
         <a:solidFill>
           <a:schemeClr val="accent1">
@@ -14195,7 +14725,7 @@
             <a:alphaOff val="0"/>
           </a:schemeClr>
         </a:solidFill>
-        <a:ln w="12700" cap="flat" cmpd="sng" algn="ctr">
+        <a:ln w="15875" cap="flat" cmpd="sng" algn="ctr">
           <a:solidFill>
             <a:schemeClr val="lt1">
               <a:hueOff val="0"/>
@@ -14205,7 +14735,6 @@
             </a:schemeClr>
           </a:solidFill>
           <a:prstDash val="solid"/>
-          <a:miter lim="800000"/>
         </a:ln>
         <a:effectLst/>
       </dsp:spPr>
@@ -14223,13 +14752,61 @@
           <a:schemeClr val="lt1"/>
         </a:fontRef>
       </dsp:style>
+    </dsp:sp>
+    <dsp:sp modelId="{9A624154-BC35-4F3E-B64A-F979BD20DD21}">
+      <dsp:nvSpPr>
+        <dsp:cNvPr id="0" name=""/>
+        <dsp:cNvSpPr/>
+      </dsp:nvSpPr>
+      <dsp:spPr>
+        <a:xfrm>
+          <a:off x="4035691" y="902228"/>
+          <a:ext cx="1601878" cy="1601596"/>
+        </a:xfrm>
+        <a:prstGeom prst="ellipse">
+          <a:avLst/>
+        </a:prstGeom>
+        <a:solidFill>
+          <a:schemeClr val="lt1">
+            <a:alpha val="90000"/>
+            <a:hueOff val="0"/>
+            <a:satOff val="0"/>
+            <a:lumOff val="0"/>
+            <a:alphaOff val="0"/>
+          </a:schemeClr>
+        </a:solidFill>
+        <a:ln w="15875" cap="flat" cmpd="sng" algn="ctr">
+          <a:solidFill>
+            <a:schemeClr val="accent1">
+              <a:hueOff val="0"/>
+              <a:satOff val="0"/>
+              <a:lumOff val="0"/>
+              <a:alphaOff val="0"/>
+            </a:schemeClr>
+          </a:solidFill>
+          <a:prstDash val="solid"/>
+        </a:ln>
+        <a:effectLst/>
+      </dsp:spPr>
+      <dsp:style>
+        <a:lnRef idx="2">
+          <a:scrgbClr r="0" g="0" b="0"/>
+        </a:lnRef>
+        <a:fillRef idx="1">
+          <a:scrgbClr r="0" g="0" b="0"/>
+        </a:fillRef>
+        <a:effectRef idx="0">
+          <a:scrgbClr r="0" g="0" b="0"/>
+        </a:effectRef>
+        <a:fontRef idx="minor"/>
+      </dsp:style>
       <dsp:txBody>
-        <a:bodyPr spcFirstLastPara="0" vert="horz" wrap="square" lIns="305816" tIns="305816" rIns="305816" bIns="305816" numCol="1" spcCol="1270" anchor="ctr" anchorCtr="0">
+        <a:bodyPr spcFirstLastPara="0" vert="horz" wrap="square" lIns="29210" tIns="29210" rIns="29210" bIns="29210" numCol="1" spcCol="1270" anchor="ctr" anchorCtr="0">
           <a:noAutofit/>
         </a:bodyPr>
         <a:lstStyle/>
         <a:p>
-          <a:pPr lvl="0" algn="ctr" defTabSz="1911350">
+          <a:pPr lvl="0" algn="ctr" defTabSz="1022350">
             <a:lnSpc>
               <a:spcPct val="90000"/>
             </a:lnSpc>
@@ -14241,66 +14818,42 @@
             </a:spcAft>
           </a:pPr>
           <a:r>
-            <a:rPr lang="en-US" sz="4300" kern="1200" dirty="0" smtClean="0"/>
-            <a:t>Input </a:t>
+            <a:rPr lang="en-US" sz="2300" kern="1200" dirty="0" err="1" smtClean="0"/>
+            <a:t>Cetak</a:t>
           </a:r>
           <a:r>
-            <a:rPr lang="en-US" sz="4300" kern="1200" dirty="0" err="1" smtClean="0"/>
-            <a:t>Kuitansi</a:t>
+            <a:rPr lang="en-US" sz="2300" kern="1200" dirty="0" smtClean="0"/>
+            <a:t> PAIJB</a:t>
           </a:r>
-          <a:endParaRPr lang="en-US" sz="4300" kern="1200" dirty="0"/>
+          <a:endParaRPr lang="en-US" sz="2300" kern="1200" dirty="0"/>
         </a:p>
       </dsp:txBody>
       <dsp:txXfrm>
-        <a:off x="4293206" y="472"/>
-        <a:ext cx="3042232" cy="1825339"/>
+        <a:off x="4264530" y="1131071"/>
+        <a:ext cx="1144198" cy="1143911"/>
       </dsp:txXfrm>
     </dsp:sp>
-    <dsp:sp modelId="{BC03B924-F064-4428-AAB2-41734C2F6835}">
+    <dsp:sp modelId="{9CDDCC47-7F8E-4401-B9E9-19148D2641B7}">
       <dsp:nvSpPr>
         <dsp:cNvPr id="0" name=""/>
         <dsp:cNvSpPr/>
       </dsp:nvSpPr>
       <dsp:spPr>
         <a:xfrm>
-          <a:off x="3591693" y="3392475"/>
-          <a:ext cx="669113" cy="91440"/>
+          <a:off x="4035691" y="2592652"/>
+          <a:ext cx="1601878" cy="940663"/>
         </a:xfrm>
-        <a:custGeom>
+        <a:prstGeom prst="rect">
           <a:avLst/>
-          <a:gdLst/>
-          <a:ahLst/>
-          <a:cxnLst/>
-          <a:rect l="0" t="0" r="0" b="0"/>
-          <a:pathLst>
-            <a:path>
-              <a:moveTo>
-                <a:pt x="0" y="45720"/>
-              </a:moveTo>
-              <a:lnTo>
-                <a:pt x="669113" y="45720"/>
-              </a:lnTo>
-            </a:path>
-          </a:pathLst>
-        </a:custGeom>
+        </a:prstGeom>
         <a:noFill/>
-        <a:ln w="6350" cap="flat" cmpd="sng" algn="ctr">
-          <a:solidFill>
-            <a:schemeClr val="accent1">
-              <a:hueOff val="0"/>
-              <a:satOff val="0"/>
-              <a:lumOff val="0"/>
-              <a:alphaOff val="0"/>
-            </a:schemeClr>
-          </a:solidFill>
-          <a:prstDash val="solid"/>
-          <a:miter lim="800000"/>
-          <a:tailEnd type="arrow"/>
+        <a:ln>
+          <a:noFill/>
         </a:ln>
         <a:effectLst/>
       </dsp:spPr>
       <dsp:style>
-        <a:lnRef idx="1">
+        <a:lnRef idx="0">
           <a:scrgbClr r="0" g="0" b="0"/>
         </a:lnRef>
         <a:fillRef idx="0">
@@ -14312,12 +14865,12 @@
         <a:fontRef idx="minor"/>
       </dsp:style>
       <dsp:txBody>
-        <a:bodyPr spcFirstLastPara="0" vert="horz" wrap="square" lIns="12700" tIns="0" rIns="12700" bIns="0" numCol="1" spcCol="1270" anchor="ctr" anchorCtr="0">
+        <a:bodyPr spcFirstLastPara="0" vert="horz" wrap="square" lIns="87630" tIns="87630" rIns="87630" bIns="87630" numCol="1" spcCol="1270" anchor="t" anchorCtr="0">
           <a:noAutofit/>
         </a:bodyPr>
         <a:lstStyle/>
         <a:p>
-          <a:pPr lvl="0" algn="ctr" defTabSz="222250">
+          <a:pPr marL="171450" lvl="1" indent="-171450" algn="l" defTabSz="800100">
             <a:lnSpc>
               <a:spcPct val="90000"/>
             </a:lnSpc>
@@ -14325,29 +14878,40 @@
               <a:spcPct val="0"/>
             </a:spcBef>
             <a:spcAft>
-              <a:spcPct val="35000"/>
+              <a:spcPct val="15000"/>
             </a:spcAft>
+            <a:buChar char="••"/>
           </a:pPr>
-          <a:endParaRPr lang="en-US" sz="500" kern="1200"/>
+          <a:r>
+            <a:rPr lang="en-US" sz="1800" kern="1200" dirty="0" err="1" smtClean="0"/>
+            <a:t>Pembayaran</a:t>
+          </a:r>
+          <a:r>
+            <a:rPr lang="en-US" sz="1800" kern="1200" dirty="0" smtClean="0"/>
+            <a:t> &gt; 10%</a:t>
+          </a:r>
+          <a:endParaRPr lang="en-US" sz="1800" kern="1200" dirty="0"/>
         </a:p>
       </dsp:txBody>
       <dsp:txXfrm>
-        <a:off x="3908757" y="3434697"/>
-        <a:ext cx="34985" cy="6997"/>
+        <a:off x="4035691" y="2592652"/>
+        <a:ext cx="1601878" cy="940663"/>
       </dsp:txXfrm>
     </dsp:sp>
-    <dsp:sp modelId="{7AB4113C-A067-4FED-9D98-F6C71885941F}">
+    <dsp:sp modelId="{D2F82336-5D88-42D7-A6F1-991B7C923533}">
       <dsp:nvSpPr>
         <dsp:cNvPr id="0" name=""/>
         <dsp:cNvSpPr/>
       </dsp:nvSpPr>
       <dsp:spPr>
-        <a:xfrm>
-          <a:off x="551260" y="2525525"/>
-          <a:ext cx="3042232" cy="1825339"/>
+        <a:xfrm rot="2700000">
+          <a:off x="2204959" y="844897"/>
+          <a:ext cx="1715958" cy="1715958"/>
         </a:xfrm>
-        <a:prstGeom prst="rect">
-          <a:avLst/>
+        <a:prstGeom prst="teardrop">
+          <a:avLst>
+            <a:gd name="adj" fmla="val 100000"/>
+          </a:avLst>
         </a:prstGeom>
         <a:solidFill>
           <a:schemeClr val="accent1">
@@ -14357,7 +14921,7 @@
             <a:alphaOff val="0"/>
           </a:schemeClr>
         </a:solidFill>
-        <a:ln w="12700" cap="flat" cmpd="sng" algn="ctr">
+        <a:ln w="15875" cap="flat" cmpd="sng" algn="ctr">
           <a:solidFill>
             <a:schemeClr val="lt1">
               <a:hueOff val="0"/>
@@ -14367,7 +14931,6 @@
             </a:schemeClr>
           </a:solidFill>
           <a:prstDash val="solid"/>
-          <a:miter lim="800000"/>
         </a:ln>
         <a:effectLst/>
       </dsp:spPr>
@@ -14385,13 +14948,61 @@
           <a:schemeClr val="lt1"/>
         </a:fontRef>
       </dsp:style>
+    </dsp:sp>
+    <dsp:sp modelId="{693827E2-6919-4C6F-8605-2D2E904E15F8}">
+      <dsp:nvSpPr>
+        <dsp:cNvPr id="0" name=""/>
+        <dsp:cNvSpPr/>
+      </dsp:nvSpPr>
+      <dsp:spPr>
+        <a:xfrm>
+          <a:off x="2262366" y="902228"/>
+          <a:ext cx="1601878" cy="1601596"/>
+        </a:xfrm>
+        <a:prstGeom prst="ellipse">
+          <a:avLst/>
+        </a:prstGeom>
+        <a:solidFill>
+          <a:schemeClr val="lt1">
+            <a:alpha val="90000"/>
+            <a:hueOff val="0"/>
+            <a:satOff val="0"/>
+            <a:lumOff val="0"/>
+            <a:alphaOff val="0"/>
+          </a:schemeClr>
+        </a:solidFill>
+        <a:ln w="15875" cap="flat" cmpd="sng" algn="ctr">
+          <a:solidFill>
+            <a:schemeClr val="accent1">
+              <a:hueOff val="0"/>
+              <a:satOff val="0"/>
+              <a:lumOff val="0"/>
+              <a:alphaOff val="0"/>
+            </a:schemeClr>
+          </a:solidFill>
+          <a:prstDash val="solid"/>
+        </a:ln>
+        <a:effectLst/>
+      </dsp:spPr>
+      <dsp:style>
+        <a:lnRef idx="2">
+          <a:scrgbClr r="0" g="0" b="0"/>
+        </a:lnRef>
+        <a:fillRef idx="1">
+          <a:scrgbClr r="0" g="0" b="0"/>
+        </a:fillRef>
+        <a:effectRef idx="0">
+          <a:scrgbClr r="0" g="0" b="0"/>
+        </a:effectRef>
+        <a:fontRef idx="minor"/>
+      </dsp:style>
       <dsp:txBody>
-        <a:bodyPr spcFirstLastPara="0" vert="horz" wrap="square" lIns="305816" tIns="305816" rIns="305816" bIns="305816" numCol="1" spcCol="1270" anchor="ctr" anchorCtr="0">
+        <a:bodyPr spcFirstLastPara="0" vert="horz" wrap="square" lIns="29210" tIns="29210" rIns="29210" bIns="29210" numCol="1" spcCol="1270" anchor="ctr" anchorCtr="0">
           <a:noAutofit/>
         </a:bodyPr>
         <a:lstStyle/>
         <a:p>
-          <a:pPr lvl="0" algn="ctr" defTabSz="1911350">
+          <a:pPr lvl="0" algn="ctr" defTabSz="1022350">
             <a:lnSpc>
               <a:spcPct val="90000"/>
             </a:lnSpc>
@@ -14403,37 +15014,31 @@
             </a:spcAft>
           </a:pPr>
           <a:r>
-            <a:rPr lang="en-US" sz="4300" kern="1200" dirty="0" err="1" smtClean="0"/>
-            <a:t>Verifikasi</a:t>
+            <a:rPr lang="en-US" sz="2300" kern="1200" smtClean="0"/>
+            <a:t>Verifikasi PPJB</a:t>
           </a:r>
-          <a:r>
-            <a:rPr lang="en-US" sz="4300" kern="1200" dirty="0" smtClean="0"/>
-            <a:t> </a:t>
-          </a:r>
-          <a:r>
-            <a:rPr lang="en-US" sz="4300" kern="1200" dirty="0" err="1" smtClean="0"/>
-            <a:t>Kuitansi</a:t>
-          </a:r>
-          <a:endParaRPr lang="en-US" sz="4300" kern="1200" dirty="0"/>
+          <a:endParaRPr lang="en-US" sz="2300" kern="1200" dirty="0"/>
         </a:p>
       </dsp:txBody>
       <dsp:txXfrm>
-        <a:off x="551260" y="2525525"/>
-        <a:ext cx="3042232" cy="1825339"/>
+        <a:off x="2491206" y="1131071"/>
+        <a:ext cx="1144198" cy="1143911"/>
       </dsp:txXfrm>
     </dsp:sp>
-    <dsp:sp modelId="{BB94512D-7554-4D9D-9CC8-BC37E5E7B8A9}">
+    <dsp:sp modelId="{F858D9CF-E280-43C5-A36A-90E170329AB5}">
       <dsp:nvSpPr>
         <dsp:cNvPr id="0" name=""/>
         <dsp:cNvSpPr/>
       </dsp:nvSpPr>
       <dsp:spPr>
-        <a:xfrm>
-          <a:off x="4293206" y="2525525"/>
-          <a:ext cx="3042232" cy="1825339"/>
+        <a:xfrm rot="2700000">
+          <a:off x="431634" y="844897"/>
+          <a:ext cx="1715958" cy="1715958"/>
         </a:xfrm>
-        <a:prstGeom prst="rect">
-          <a:avLst/>
+        <a:prstGeom prst="teardrop">
+          <a:avLst>
+            <a:gd name="adj" fmla="val 100000"/>
+          </a:avLst>
         </a:prstGeom>
         <a:solidFill>
           <a:schemeClr val="accent1">
@@ -14443,7 +15048,7 @@
             <a:alphaOff val="0"/>
           </a:schemeClr>
         </a:solidFill>
-        <a:ln w="12700" cap="flat" cmpd="sng" algn="ctr">
+        <a:ln w="15875" cap="flat" cmpd="sng" algn="ctr">
           <a:solidFill>
             <a:schemeClr val="lt1">
               <a:hueOff val="0"/>
@@ -14453,7 +15058,6 @@
             </a:schemeClr>
           </a:solidFill>
           <a:prstDash val="solid"/>
-          <a:miter lim="800000"/>
         </a:ln>
         <a:effectLst/>
       </dsp:spPr>
@@ -14471,13 +15075,61 @@
           <a:schemeClr val="lt1"/>
         </a:fontRef>
       </dsp:style>
+    </dsp:sp>
+    <dsp:sp modelId="{D46342F4-BC75-45BE-8578-494308C3E35B}">
+      <dsp:nvSpPr>
+        <dsp:cNvPr id="0" name=""/>
+        <dsp:cNvSpPr/>
+      </dsp:nvSpPr>
+      <dsp:spPr>
+        <a:xfrm>
+          <a:off x="489042" y="902228"/>
+          <a:ext cx="1601878" cy="1601596"/>
+        </a:xfrm>
+        <a:prstGeom prst="ellipse">
+          <a:avLst/>
+        </a:prstGeom>
+        <a:solidFill>
+          <a:schemeClr val="lt1">
+            <a:alpha val="90000"/>
+            <a:hueOff val="0"/>
+            <a:satOff val="0"/>
+            <a:lumOff val="0"/>
+            <a:alphaOff val="0"/>
+          </a:schemeClr>
+        </a:solidFill>
+        <a:ln w="15875" cap="flat" cmpd="sng" algn="ctr">
+          <a:solidFill>
+            <a:schemeClr val="accent1">
+              <a:hueOff val="0"/>
+              <a:satOff val="0"/>
+              <a:lumOff val="0"/>
+              <a:alphaOff val="0"/>
+            </a:schemeClr>
+          </a:solidFill>
+          <a:prstDash val="solid"/>
+        </a:ln>
+        <a:effectLst/>
+      </dsp:spPr>
+      <dsp:style>
+        <a:lnRef idx="2">
+          <a:scrgbClr r="0" g="0" b="0"/>
+        </a:lnRef>
+        <a:fillRef idx="1">
+          <a:scrgbClr r="0" g="0" b="0"/>
+        </a:fillRef>
+        <a:effectRef idx="0">
+          <a:scrgbClr r="0" g="0" b="0"/>
+        </a:effectRef>
+        <a:fontRef idx="minor"/>
+      </dsp:style>
       <dsp:txBody>
-        <a:bodyPr spcFirstLastPara="0" vert="horz" wrap="square" lIns="305816" tIns="305816" rIns="305816" bIns="305816" numCol="1" spcCol="1270" anchor="ctr" anchorCtr="0">
+        <a:bodyPr spcFirstLastPara="0" vert="horz" wrap="square" lIns="29210" tIns="29210" rIns="29210" bIns="29210" numCol="1" spcCol="1270" anchor="ctr" anchorCtr="0">
           <a:noAutofit/>
         </a:bodyPr>
         <a:lstStyle/>
         <a:p>
-          <a:pPr lvl="0" algn="ctr" defTabSz="1911350">
+          <a:pPr lvl="0" algn="ctr" defTabSz="1022350">
             <a:lnSpc>
               <a:spcPct val="90000"/>
             </a:lnSpc>
@@ -14489,23 +15141,15 @@
             </a:spcAft>
           </a:pPr>
           <a:r>
-            <a:rPr lang="en-US" sz="4300" kern="1200" dirty="0" err="1" smtClean="0"/>
-            <a:t>Cetak</a:t>
+            <a:rPr lang="en-US" sz="2300" kern="1200" dirty="0" smtClean="0"/>
+            <a:t>Isi Form PPJB</a:t>
           </a:r>
-          <a:r>
-            <a:rPr lang="en-US" sz="4300" kern="1200" dirty="0" smtClean="0"/>
-            <a:t> </a:t>
-          </a:r>
-          <a:r>
-            <a:rPr lang="en-US" sz="4300" kern="1200" dirty="0" err="1" smtClean="0"/>
-            <a:t>Kuitansi</a:t>
-          </a:r>
-          <a:endParaRPr lang="en-US" sz="4300" kern="1200" dirty="0"/>
+          <a:endParaRPr lang="en-US" sz="2300" kern="1200" dirty="0"/>
         </a:p>
       </dsp:txBody>
       <dsp:txXfrm>
-        <a:off x="4293206" y="2525525"/>
-        <a:ext cx="3042232" cy="1825339"/>
+        <a:off x="717882" y="1131071"/>
+        <a:ext cx="1144198" cy="1143911"/>
       </dsp:txXfrm>
     </dsp:sp>
   </dsp:spTree>
@@ -18542,535 +19186,6 @@
       <dsp:cNvGrpSpPr/>
     </dsp:nvGrpSpPr>
     <dsp:grpSpPr/>
-    <dsp:sp modelId="{55E79191-60C7-452C-AD10-C447F0B230FD}">
-      <dsp:nvSpPr>
-        <dsp:cNvPr id="0" name=""/>
-        <dsp:cNvSpPr/>
-      </dsp:nvSpPr>
-      <dsp:spPr>
-        <a:xfrm>
-          <a:off x="5203565" y="481641"/>
-          <a:ext cx="2250230" cy="2250647"/>
-        </a:xfrm>
-        <a:prstGeom prst="ellipse">
-          <a:avLst/>
-        </a:prstGeom>
-        <a:solidFill>
-          <a:schemeClr val="accent1">
-            <a:hueOff val="0"/>
-            <a:satOff val="0"/>
-            <a:lumOff val="0"/>
-            <a:alphaOff val="0"/>
-          </a:schemeClr>
-        </a:solidFill>
-        <a:ln w="15875" cap="flat" cmpd="sng" algn="ctr">
-          <a:solidFill>
-            <a:schemeClr val="lt1">
-              <a:hueOff val="0"/>
-              <a:satOff val="0"/>
-              <a:lumOff val="0"/>
-              <a:alphaOff val="0"/>
-            </a:schemeClr>
-          </a:solidFill>
-          <a:prstDash val="solid"/>
-        </a:ln>
-        <a:effectLst/>
-      </dsp:spPr>
-      <dsp:style>
-        <a:lnRef idx="2">
-          <a:scrgbClr r="0" g="0" b="0"/>
-        </a:lnRef>
-        <a:fillRef idx="1">
-          <a:scrgbClr r="0" g="0" b="0"/>
-        </a:fillRef>
-        <a:effectRef idx="0">
-          <a:scrgbClr r="0" g="0" b="0"/>
-        </a:effectRef>
-        <a:fontRef idx="minor">
-          <a:schemeClr val="lt1"/>
-        </a:fontRef>
-      </dsp:style>
-    </dsp:sp>
-    <dsp:sp modelId="{C71FB099-691D-4B7D-AC3D-5A144E551F33}">
-      <dsp:nvSpPr>
-        <dsp:cNvPr id="0" name=""/>
-        <dsp:cNvSpPr/>
-      </dsp:nvSpPr>
-      <dsp:spPr>
-        <a:xfrm>
-          <a:off x="5278280" y="556675"/>
-          <a:ext cx="2100801" cy="2100577"/>
-        </a:xfrm>
-        <a:prstGeom prst="ellipse">
-          <a:avLst/>
-        </a:prstGeom>
-        <a:solidFill>
-          <a:schemeClr val="lt1">
-            <a:alpha val="90000"/>
-            <a:hueOff val="0"/>
-            <a:satOff val="0"/>
-            <a:lumOff val="0"/>
-            <a:alphaOff val="0"/>
-          </a:schemeClr>
-        </a:solidFill>
-        <a:ln w="15875" cap="flat" cmpd="sng" algn="ctr">
-          <a:solidFill>
-            <a:schemeClr val="accent1">
-              <a:hueOff val="0"/>
-              <a:satOff val="0"/>
-              <a:lumOff val="0"/>
-              <a:alphaOff val="0"/>
-            </a:schemeClr>
-          </a:solidFill>
-          <a:prstDash val="solid"/>
-        </a:ln>
-        <a:effectLst/>
-      </dsp:spPr>
-      <dsp:style>
-        <a:lnRef idx="2">
-          <a:scrgbClr r="0" g="0" b="0"/>
-        </a:lnRef>
-        <a:fillRef idx="1">
-          <a:scrgbClr r="0" g="0" b="0"/>
-        </a:fillRef>
-        <a:effectRef idx="0">
-          <a:scrgbClr r="0" g="0" b="0"/>
-        </a:effectRef>
-        <a:fontRef idx="minor"/>
-      </dsp:style>
-      <dsp:txBody>
-        <a:bodyPr spcFirstLastPara="0" vert="horz" wrap="square" lIns="43180" tIns="43180" rIns="43180" bIns="43180" numCol="1" spcCol="1270" anchor="ctr" anchorCtr="0">
-          <a:noAutofit/>
-        </a:bodyPr>
-        <a:lstStyle/>
-        <a:p>
-          <a:pPr lvl="0" algn="ctr" defTabSz="1511300">
-            <a:lnSpc>
-              <a:spcPct val="90000"/>
-            </a:lnSpc>
-            <a:spcBef>
-              <a:spcPct val="0"/>
-            </a:spcBef>
-            <a:spcAft>
-              <a:spcPct val="35000"/>
-            </a:spcAft>
-          </a:pPr>
-          <a:r>
-            <a:rPr lang="en-US" sz="3400" kern="1200" dirty="0" err="1" smtClean="0"/>
-            <a:t>Cetak</a:t>
-          </a:r>
-          <a:r>
-            <a:rPr lang="en-US" sz="3400" kern="1200" dirty="0" smtClean="0"/>
-            <a:t> PPJB</a:t>
-          </a:r>
-          <a:endParaRPr lang="en-US" sz="3400" kern="1200" dirty="0"/>
-        </a:p>
-      </dsp:txBody>
-      <dsp:txXfrm>
-        <a:off x="5578603" y="856814"/>
-        <a:ext cx="1500153" cy="1500299"/>
-      </dsp:txXfrm>
-    </dsp:sp>
-    <dsp:sp modelId="{6E7C4AC9-F22C-4208-9D09-AD66A5464D42}">
-      <dsp:nvSpPr>
-        <dsp:cNvPr id="0" name=""/>
-        <dsp:cNvSpPr/>
-      </dsp:nvSpPr>
-      <dsp:spPr>
-        <a:xfrm>
-          <a:off x="5278280" y="2773754"/>
-          <a:ext cx="2100801" cy="1233728"/>
-        </a:xfrm>
-        <a:prstGeom prst="rect">
-          <a:avLst/>
-        </a:prstGeom>
-        <a:noFill/>
-        <a:ln>
-          <a:noFill/>
-        </a:ln>
-        <a:effectLst/>
-      </dsp:spPr>
-      <dsp:style>
-        <a:lnRef idx="0">
-          <a:scrgbClr r="0" g="0" b="0"/>
-        </a:lnRef>
-        <a:fillRef idx="0">
-          <a:scrgbClr r="0" g="0" b="0"/>
-        </a:fillRef>
-        <a:effectRef idx="0">
-          <a:scrgbClr r="0" g="0" b="0"/>
-        </a:effectRef>
-        <a:fontRef idx="minor"/>
-      </dsp:style>
-      <dsp:txBody>
-        <a:bodyPr spcFirstLastPara="0" vert="horz" wrap="square" lIns="121920" tIns="121920" rIns="121920" bIns="121920" numCol="1" spcCol="1270" anchor="t" anchorCtr="0">
-          <a:noAutofit/>
-        </a:bodyPr>
-        <a:lstStyle/>
-        <a:p>
-          <a:pPr marL="228600" lvl="1" indent="-228600" algn="l" defTabSz="1111250">
-            <a:lnSpc>
-              <a:spcPct val="90000"/>
-            </a:lnSpc>
-            <a:spcBef>
-              <a:spcPct val="0"/>
-            </a:spcBef>
-            <a:spcAft>
-              <a:spcPct val="15000"/>
-            </a:spcAft>
-            <a:buChar char="••"/>
-          </a:pPr>
-          <a:r>
-            <a:rPr lang="en-US" sz="2500" kern="1200" dirty="0" err="1" smtClean="0"/>
-            <a:t>Pembayaran</a:t>
-          </a:r>
-          <a:r>
-            <a:rPr lang="en-US" sz="2500" kern="1200" dirty="0" smtClean="0"/>
-            <a:t> &gt; 20%</a:t>
-          </a:r>
-          <a:endParaRPr lang="en-US" sz="2500" kern="1200" dirty="0"/>
-        </a:p>
-      </dsp:txBody>
-      <dsp:txXfrm>
-        <a:off x="5278280" y="2773754"/>
-        <a:ext cx="2100801" cy="1233728"/>
-      </dsp:txXfrm>
-    </dsp:sp>
-    <dsp:sp modelId="{4C19F44E-2D28-47C0-9B86-49475952FA95}">
-      <dsp:nvSpPr>
-        <dsp:cNvPr id="0" name=""/>
-        <dsp:cNvSpPr/>
-      </dsp:nvSpPr>
-      <dsp:spPr>
-        <a:xfrm rot="2700000">
-          <a:off x="2880597" y="484361"/>
-          <a:ext cx="2244810" cy="2244810"/>
-        </a:xfrm>
-        <a:prstGeom prst="teardrop">
-          <a:avLst>
-            <a:gd name="adj" fmla="val 100000"/>
-          </a:avLst>
-        </a:prstGeom>
-        <a:solidFill>
-          <a:schemeClr val="accent1">
-            <a:hueOff val="0"/>
-            <a:satOff val="0"/>
-            <a:lumOff val="0"/>
-            <a:alphaOff val="0"/>
-          </a:schemeClr>
-        </a:solidFill>
-        <a:ln w="15875" cap="flat" cmpd="sng" algn="ctr">
-          <a:solidFill>
-            <a:schemeClr val="lt1">
-              <a:hueOff val="0"/>
-              <a:satOff val="0"/>
-              <a:lumOff val="0"/>
-              <a:alphaOff val="0"/>
-            </a:schemeClr>
-          </a:solidFill>
-          <a:prstDash val="solid"/>
-        </a:ln>
-        <a:effectLst/>
-      </dsp:spPr>
-      <dsp:style>
-        <a:lnRef idx="2">
-          <a:scrgbClr r="0" g="0" b="0"/>
-        </a:lnRef>
-        <a:fillRef idx="1">
-          <a:scrgbClr r="0" g="0" b="0"/>
-        </a:fillRef>
-        <a:effectRef idx="0">
-          <a:scrgbClr r="0" g="0" b="0"/>
-        </a:effectRef>
-        <a:fontRef idx="minor">
-          <a:schemeClr val="lt1"/>
-        </a:fontRef>
-      </dsp:style>
-    </dsp:sp>
-    <dsp:sp modelId="{9A624154-BC35-4F3E-B64A-F979BD20DD21}">
-      <dsp:nvSpPr>
-        <dsp:cNvPr id="0" name=""/>
-        <dsp:cNvSpPr/>
-      </dsp:nvSpPr>
-      <dsp:spPr>
-        <a:xfrm>
-          <a:off x="2952602" y="556675"/>
-          <a:ext cx="2100801" cy="2100577"/>
-        </a:xfrm>
-        <a:prstGeom prst="ellipse">
-          <a:avLst/>
-        </a:prstGeom>
-        <a:solidFill>
-          <a:schemeClr val="lt1">
-            <a:alpha val="90000"/>
-            <a:hueOff val="0"/>
-            <a:satOff val="0"/>
-            <a:lumOff val="0"/>
-            <a:alphaOff val="0"/>
-          </a:schemeClr>
-        </a:solidFill>
-        <a:ln w="15875" cap="flat" cmpd="sng" algn="ctr">
-          <a:solidFill>
-            <a:schemeClr val="accent1">
-              <a:hueOff val="0"/>
-              <a:satOff val="0"/>
-              <a:lumOff val="0"/>
-              <a:alphaOff val="0"/>
-            </a:schemeClr>
-          </a:solidFill>
-          <a:prstDash val="solid"/>
-        </a:ln>
-        <a:effectLst/>
-      </dsp:spPr>
-      <dsp:style>
-        <a:lnRef idx="2">
-          <a:scrgbClr r="0" g="0" b="0"/>
-        </a:lnRef>
-        <a:fillRef idx="1">
-          <a:scrgbClr r="0" g="0" b="0"/>
-        </a:fillRef>
-        <a:effectRef idx="0">
-          <a:scrgbClr r="0" g="0" b="0"/>
-        </a:effectRef>
-        <a:fontRef idx="minor"/>
-      </dsp:style>
-      <dsp:txBody>
-        <a:bodyPr spcFirstLastPara="0" vert="horz" wrap="square" lIns="43180" tIns="43180" rIns="43180" bIns="43180" numCol="1" spcCol="1270" anchor="ctr" anchorCtr="0">
-          <a:noAutofit/>
-        </a:bodyPr>
-        <a:lstStyle/>
-        <a:p>
-          <a:pPr lvl="0" algn="ctr" defTabSz="1511300">
-            <a:lnSpc>
-              <a:spcPct val="90000"/>
-            </a:lnSpc>
-            <a:spcBef>
-              <a:spcPct val="0"/>
-            </a:spcBef>
-            <a:spcAft>
-              <a:spcPct val="35000"/>
-            </a:spcAft>
-          </a:pPr>
-          <a:r>
-            <a:rPr lang="en-US" sz="3400" kern="1200" dirty="0" err="1" smtClean="0"/>
-            <a:t>Cetak</a:t>
-          </a:r>
-          <a:r>
-            <a:rPr lang="en-US" sz="3400" kern="1200" dirty="0" smtClean="0"/>
-            <a:t> PAIJB</a:t>
-          </a:r>
-          <a:endParaRPr lang="en-US" sz="3400" kern="1200" dirty="0"/>
-        </a:p>
-      </dsp:txBody>
-      <dsp:txXfrm>
-        <a:off x="3252925" y="856814"/>
-        <a:ext cx="1500153" cy="1500299"/>
-      </dsp:txXfrm>
-    </dsp:sp>
-    <dsp:sp modelId="{35DFA761-F06B-43F2-80A6-2DB11833533A}">
-      <dsp:nvSpPr>
-        <dsp:cNvPr id="0" name=""/>
-        <dsp:cNvSpPr/>
-      </dsp:nvSpPr>
-      <dsp:spPr>
-        <a:xfrm>
-          <a:off x="2952602" y="2773754"/>
-          <a:ext cx="2100801" cy="1233728"/>
-        </a:xfrm>
-        <a:prstGeom prst="rect">
-          <a:avLst/>
-        </a:prstGeom>
-        <a:noFill/>
-        <a:ln>
-          <a:noFill/>
-        </a:ln>
-        <a:effectLst/>
-      </dsp:spPr>
-      <dsp:style>
-        <a:lnRef idx="0">
-          <a:scrgbClr r="0" g="0" b="0"/>
-        </a:lnRef>
-        <a:fillRef idx="0">
-          <a:scrgbClr r="0" g="0" b="0"/>
-        </a:fillRef>
-        <a:effectRef idx="0">
-          <a:scrgbClr r="0" g="0" b="0"/>
-        </a:effectRef>
-        <a:fontRef idx="minor"/>
-      </dsp:style>
-      <dsp:txBody>
-        <a:bodyPr spcFirstLastPara="0" vert="horz" wrap="square" lIns="121920" tIns="121920" rIns="121920" bIns="121920" numCol="1" spcCol="1270" anchor="t" anchorCtr="0">
-          <a:noAutofit/>
-        </a:bodyPr>
-        <a:lstStyle/>
-        <a:p>
-          <a:pPr marL="228600" lvl="1" indent="-228600" algn="l" defTabSz="1111250">
-            <a:lnSpc>
-              <a:spcPct val="90000"/>
-            </a:lnSpc>
-            <a:spcBef>
-              <a:spcPct val="0"/>
-            </a:spcBef>
-            <a:spcAft>
-              <a:spcPct val="15000"/>
-            </a:spcAft>
-            <a:buChar char="••"/>
-          </a:pPr>
-          <a:r>
-            <a:rPr lang="en-US" sz="2500" kern="1200" dirty="0" err="1" smtClean="0"/>
-            <a:t>Pembayaran</a:t>
-          </a:r>
-          <a:r>
-            <a:rPr lang="en-US" sz="2500" kern="1200" dirty="0" smtClean="0"/>
-            <a:t> &gt; 10%</a:t>
-          </a:r>
-          <a:endParaRPr lang="en-US" sz="2500" kern="1200" dirty="0"/>
-        </a:p>
-      </dsp:txBody>
-      <dsp:txXfrm>
-        <a:off x="2952602" y="2773754"/>
-        <a:ext cx="2100801" cy="1233728"/>
-      </dsp:txXfrm>
-    </dsp:sp>
-    <dsp:sp modelId="{F858D9CF-E280-43C5-A36A-90E170329AB5}">
-      <dsp:nvSpPr>
-        <dsp:cNvPr id="0" name=""/>
-        <dsp:cNvSpPr/>
-      </dsp:nvSpPr>
-      <dsp:spPr>
-        <a:xfrm rot="2700000">
-          <a:off x="554919" y="484361"/>
-          <a:ext cx="2244810" cy="2244810"/>
-        </a:xfrm>
-        <a:prstGeom prst="teardrop">
-          <a:avLst>
-            <a:gd name="adj" fmla="val 100000"/>
-          </a:avLst>
-        </a:prstGeom>
-        <a:solidFill>
-          <a:schemeClr val="accent1">
-            <a:hueOff val="0"/>
-            <a:satOff val="0"/>
-            <a:lumOff val="0"/>
-            <a:alphaOff val="0"/>
-          </a:schemeClr>
-        </a:solidFill>
-        <a:ln w="15875" cap="flat" cmpd="sng" algn="ctr">
-          <a:solidFill>
-            <a:schemeClr val="lt1">
-              <a:hueOff val="0"/>
-              <a:satOff val="0"/>
-              <a:lumOff val="0"/>
-              <a:alphaOff val="0"/>
-            </a:schemeClr>
-          </a:solidFill>
-          <a:prstDash val="solid"/>
-        </a:ln>
-        <a:effectLst/>
-      </dsp:spPr>
-      <dsp:style>
-        <a:lnRef idx="2">
-          <a:scrgbClr r="0" g="0" b="0"/>
-        </a:lnRef>
-        <a:fillRef idx="1">
-          <a:scrgbClr r="0" g="0" b="0"/>
-        </a:fillRef>
-        <a:effectRef idx="0">
-          <a:scrgbClr r="0" g="0" b="0"/>
-        </a:effectRef>
-        <a:fontRef idx="minor">
-          <a:schemeClr val="lt1"/>
-        </a:fontRef>
-      </dsp:style>
-    </dsp:sp>
-    <dsp:sp modelId="{D46342F4-BC75-45BE-8578-494308C3E35B}">
-      <dsp:nvSpPr>
-        <dsp:cNvPr id="0" name=""/>
-        <dsp:cNvSpPr/>
-      </dsp:nvSpPr>
-      <dsp:spPr>
-        <a:xfrm>
-          <a:off x="626924" y="556675"/>
-          <a:ext cx="2100801" cy="2100577"/>
-        </a:xfrm>
-        <a:prstGeom prst="ellipse">
-          <a:avLst/>
-        </a:prstGeom>
-        <a:solidFill>
-          <a:schemeClr val="lt1">
-            <a:alpha val="90000"/>
-            <a:hueOff val="0"/>
-            <a:satOff val="0"/>
-            <a:lumOff val="0"/>
-            <a:alphaOff val="0"/>
-          </a:schemeClr>
-        </a:solidFill>
-        <a:ln w="15875" cap="flat" cmpd="sng" algn="ctr">
-          <a:solidFill>
-            <a:schemeClr val="accent1">
-              <a:hueOff val="0"/>
-              <a:satOff val="0"/>
-              <a:lumOff val="0"/>
-              <a:alphaOff val="0"/>
-            </a:schemeClr>
-          </a:solidFill>
-          <a:prstDash val="solid"/>
-        </a:ln>
-        <a:effectLst/>
-      </dsp:spPr>
-      <dsp:style>
-        <a:lnRef idx="2">
-          <a:scrgbClr r="0" g="0" b="0"/>
-        </a:lnRef>
-        <a:fillRef idx="1">
-          <a:scrgbClr r="0" g="0" b="0"/>
-        </a:fillRef>
-        <a:effectRef idx="0">
-          <a:scrgbClr r="0" g="0" b="0"/>
-        </a:effectRef>
-        <a:fontRef idx="minor"/>
-      </dsp:style>
-      <dsp:txBody>
-        <a:bodyPr spcFirstLastPara="0" vert="horz" wrap="square" lIns="43180" tIns="43180" rIns="43180" bIns="43180" numCol="1" spcCol="1270" anchor="ctr" anchorCtr="0">
-          <a:noAutofit/>
-        </a:bodyPr>
-        <a:lstStyle/>
-        <a:p>
-          <a:pPr lvl="0" algn="ctr" defTabSz="1511300">
-            <a:lnSpc>
-              <a:spcPct val="90000"/>
-            </a:lnSpc>
-            <a:spcBef>
-              <a:spcPct val="0"/>
-            </a:spcBef>
-            <a:spcAft>
-              <a:spcPct val="35000"/>
-            </a:spcAft>
-          </a:pPr>
-          <a:r>
-            <a:rPr lang="en-US" sz="3400" kern="1200" dirty="0" smtClean="0"/>
-            <a:t>Isi Form PPJB</a:t>
-          </a:r>
-          <a:endParaRPr lang="en-US" sz="3400" kern="1200" dirty="0"/>
-        </a:p>
-      </dsp:txBody>
-      <dsp:txXfrm>
-        <a:off x="927248" y="856814"/>
-        <a:ext cx="1500153" cy="1500299"/>
-      </dsp:txXfrm>
-    </dsp:sp>
-  </dsp:spTree>
-</dsp:drawing>
-</file>
-
-<file path=ppt/diagrams/drawing7.xml><?xml version="1.0" encoding="utf-8"?>
-<dsp:drawing xmlns:dgm="http://schemas.openxmlformats.org/drawingml/2006/diagram" xmlns:dsp="http://schemas.microsoft.com/office/drawing/2008/diagram" xmlns:a="http://schemas.openxmlformats.org/drawingml/2006/main">
-  <dsp:spTree>
-    <dsp:nvGrpSpPr>
-      <dsp:cNvPr id="0" name=""/>
-      <dsp:cNvGrpSpPr/>
-    </dsp:nvGrpSpPr>
-    <dsp:grpSpPr/>
     <dsp:sp modelId="{0CA70962-3997-48BF-A433-5773A5119C52}">
       <dsp:nvSpPr>
         <dsp:cNvPr id="0" name=""/>
@@ -19862,7 +19977,7 @@
 </dsp:drawing>
 </file>
 
-<file path=ppt/diagrams/drawing8.xml><?xml version="1.0" encoding="utf-8"?>
+<file path=ppt/diagrams/drawing7.xml><?xml version="1.0" encoding="utf-8"?>
 <dsp:drawing xmlns:dgm="http://schemas.openxmlformats.org/drawingml/2006/diagram" xmlns:dsp="http://schemas.microsoft.com/office/drawing/2008/diagram" xmlns:a="http://schemas.openxmlformats.org/drawingml/2006/main">
   <dsp:spTree>
     <dsp:nvGrpSpPr>
@@ -20453,7 +20568,7 @@
 </dsp:drawing>
 </file>
 
-<file path=ppt/diagrams/drawing9.xml><?xml version="1.0" encoding="utf-8"?>
+<file path=ppt/diagrams/drawing8.xml><?xml version="1.0" encoding="utf-8"?>
 <dsp:drawing xmlns:dgm="http://schemas.openxmlformats.org/drawingml/2006/diagram" xmlns:dsp="http://schemas.microsoft.com/office/drawing/2008/diagram" xmlns:a="http://schemas.openxmlformats.org/drawingml/2006/main">
   <dsp:spTree>
     <dsp:nvGrpSpPr>
@@ -21529,6 +21644,600 @@
       <dsp:txXfrm>
         <a:off x="615628" y="3195144"/>
         <a:ext cx="1923538" cy="1154123"/>
+      </dsp:txXfrm>
+    </dsp:sp>
+  </dsp:spTree>
+</dsp:drawing>
+</file>
+
+<file path=ppt/diagrams/drawing9.xml><?xml version="1.0" encoding="utf-8"?>
+<dsp:drawing xmlns:dgm="http://schemas.openxmlformats.org/drawingml/2006/diagram" xmlns:dsp="http://schemas.microsoft.com/office/drawing/2008/diagram" xmlns:a="http://schemas.openxmlformats.org/drawingml/2006/main">
+  <dsp:spTree>
+    <dsp:nvGrpSpPr>
+      <dsp:cNvPr id="0" name=""/>
+      <dsp:cNvGrpSpPr/>
+    </dsp:nvGrpSpPr>
+    <dsp:grpSpPr/>
+    <dsp:sp modelId="{E70A8F01-8710-4EB6-B5C1-C594960BC30B}">
+      <dsp:nvSpPr>
+        <dsp:cNvPr id="0" name=""/>
+        <dsp:cNvSpPr/>
+      </dsp:nvSpPr>
+      <dsp:spPr>
+        <a:xfrm>
+          <a:off x="3591693" y="867422"/>
+          <a:ext cx="669113" cy="91440"/>
+        </a:xfrm>
+        <a:custGeom>
+          <a:avLst/>
+          <a:gdLst/>
+          <a:ahLst/>
+          <a:cxnLst/>
+          <a:rect l="0" t="0" r="0" b="0"/>
+          <a:pathLst>
+            <a:path>
+              <a:moveTo>
+                <a:pt x="0" y="45720"/>
+              </a:moveTo>
+              <a:lnTo>
+                <a:pt x="669113" y="45720"/>
+              </a:lnTo>
+            </a:path>
+          </a:pathLst>
+        </a:custGeom>
+        <a:noFill/>
+        <a:ln w="6350" cap="flat" cmpd="sng" algn="ctr">
+          <a:solidFill>
+            <a:schemeClr val="accent1">
+              <a:hueOff val="0"/>
+              <a:satOff val="0"/>
+              <a:lumOff val="0"/>
+              <a:alphaOff val="0"/>
+            </a:schemeClr>
+          </a:solidFill>
+          <a:prstDash val="solid"/>
+          <a:miter lim="800000"/>
+          <a:tailEnd type="arrow"/>
+        </a:ln>
+        <a:effectLst/>
+      </dsp:spPr>
+      <dsp:style>
+        <a:lnRef idx="1">
+          <a:scrgbClr r="0" g="0" b="0"/>
+        </a:lnRef>
+        <a:fillRef idx="0">
+          <a:scrgbClr r="0" g="0" b="0"/>
+        </a:fillRef>
+        <a:effectRef idx="0">
+          <a:scrgbClr r="0" g="0" b="0"/>
+        </a:effectRef>
+        <a:fontRef idx="minor"/>
+      </dsp:style>
+      <dsp:txBody>
+        <a:bodyPr spcFirstLastPara="0" vert="horz" wrap="square" lIns="12700" tIns="0" rIns="12700" bIns="0" numCol="1" spcCol="1270" anchor="ctr" anchorCtr="0">
+          <a:noAutofit/>
+        </a:bodyPr>
+        <a:lstStyle/>
+        <a:p>
+          <a:pPr lvl="0" algn="ctr" defTabSz="222250">
+            <a:lnSpc>
+              <a:spcPct val="90000"/>
+            </a:lnSpc>
+            <a:spcBef>
+              <a:spcPct val="0"/>
+            </a:spcBef>
+            <a:spcAft>
+              <a:spcPct val="35000"/>
+            </a:spcAft>
+          </a:pPr>
+          <a:endParaRPr lang="en-US" sz="500" kern="1200"/>
+        </a:p>
+      </dsp:txBody>
+      <dsp:txXfrm>
+        <a:off x="3908757" y="909643"/>
+        <a:ext cx="34985" cy="6997"/>
+      </dsp:txXfrm>
+    </dsp:sp>
+    <dsp:sp modelId="{987461ED-A9CE-421C-BCC0-0C53E62B438C}">
+      <dsp:nvSpPr>
+        <dsp:cNvPr id="0" name=""/>
+        <dsp:cNvSpPr/>
+      </dsp:nvSpPr>
+      <dsp:spPr>
+        <a:xfrm>
+          <a:off x="551260" y="472"/>
+          <a:ext cx="3042232" cy="1825339"/>
+        </a:xfrm>
+        <a:prstGeom prst="rect">
+          <a:avLst/>
+        </a:prstGeom>
+        <a:solidFill>
+          <a:schemeClr val="accent1">
+            <a:hueOff val="0"/>
+            <a:satOff val="0"/>
+            <a:lumOff val="0"/>
+            <a:alphaOff val="0"/>
+          </a:schemeClr>
+        </a:solidFill>
+        <a:ln w="12700" cap="flat" cmpd="sng" algn="ctr">
+          <a:solidFill>
+            <a:schemeClr val="lt1">
+              <a:hueOff val="0"/>
+              <a:satOff val="0"/>
+              <a:lumOff val="0"/>
+              <a:alphaOff val="0"/>
+            </a:schemeClr>
+          </a:solidFill>
+          <a:prstDash val="solid"/>
+          <a:miter lim="800000"/>
+        </a:ln>
+        <a:effectLst/>
+      </dsp:spPr>
+      <dsp:style>
+        <a:lnRef idx="2">
+          <a:scrgbClr r="0" g="0" b="0"/>
+        </a:lnRef>
+        <a:fillRef idx="1">
+          <a:scrgbClr r="0" g="0" b="0"/>
+        </a:fillRef>
+        <a:effectRef idx="0">
+          <a:scrgbClr r="0" g="0" b="0"/>
+        </a:effectRef>
+        <a:fontRef idx="minor">
+          <a:schemeClr val="lt1"/>
+        </a:fontRef>
+      </dsp:style>
+      <dsp:txBody>
+        <a:bodyPr spcFirstLastPara="0" vert="horz" wrap="square" lIns="305816" tIns="305816" rIns="305816" bIns="305816" numCol="1" spcCol="1270" anchor="ctr" anchorCtr="0">
+          <a:noAutofit/>
+        </a:bodyPr>
+        <a:lstStyle/>
+        <a:p>
+          <a:pPr lvl="0" algn="ctr" defTabSz="1911350">
+            <a:lnSpc>
+              <a:spcPct val="90000"/>
+            </a:lnSpc>
+            <a:spcBef>
+              <a:spcPct val="0"/>
+            </a:spcBef>
+            <a:spcAft>
+              <a:spcPct val="35000"/>
+            </a:spcAft>
+          </a:pPr>
+          <a:r>
+            <a:rPr lang="en-US" sz="4300" kern="1200" dirty="0" err="1" smtClean="0"/>
+            <a:t>Cari</a:t>
+          </a:r>
+          <a:r>
+            <a:rPr lang="en-US" sz="4300" kern="1200" dirty="0" smtClean="0"/>
+            <a:t> Blok</a:t>
+          </a:r>
+          <a:endParaRPr lang="en-US" sz="4300" kern="1200" dirty="0"/>
+        </a:p>
+      </dsp:txBody>
+      <dsp:txXfrm>
+        <a:off x="551260" y="472"/>
+        <a:ext cx="3042232" cy="1825339"/>
+      </dsp:txXfrm>
+    </dsp:sp>
+    <dsp:sp modelId="{80BCA142-B675-47F0-94ED-50CA4E6F357E}">
+      <dsp:nvSpPr>
+        <dsp:cNvPr id="0" name=""/>
+        <dsp:cNvSpPr/>
+      </dsp:nvSpPr>
+      <dsp:spPr>
+        <a:xfrm>
+          <a:off x="2072376" y="1824012"/>
+          <a:ext cx="3741946" cy="669113"/>
+        </a:xfrm>
+        <a:custGeom>
+          <a:avLst/>
+          <a:gdLst/>
+          <a:ahLst/>
+          <a:cxnLst/>
+          <a:rect l="0" t="0" r="0" b="0"/>
+          <a:pathLst>
+            <a:path>
+              <a:moveTo>
+                <a:pt x="3741946" y="0"/>
+              </a:moveTo>
+              <a:lnTo>
+                <a:pt x="3741946" y="351656"/>
+              </a:lnTo>
+              <a:lnTo>
+                <a:pt x="0" y="351656"/>
+              </a:lnTo>
+              <a:lnTo>
+                <a:pt x="0" y="669113"/>
+              </a:lnTo>
+            </a:path>
+          </a:pathLst>
+        </a:custGeom>
+        <a:noFill/>
+        <a:ln w="6350" cap="flat" cmpd="sng" algn="ctr">
+          <a:solidFill>
+            <a:schemeClr val="accent1">
+              <a:hueOff val="0"/>
+              <a:satOff val="0"/>
+              <a:lumOff val="0"/>
+              <a:alphaOff val="0"/>
+            </a:schemeClr>
+          </a:solidFill>
+          <a:prstDash val="solid"/>
+          <a:miter lim="800000"/>
+          <a:tailEnd type="arrow"/>
+        </a:ln>
+        <a:effectLst/>
+      </dsp:spPr>
+      <dsp:style>
+        <a:lnRef idx="1">
+          <a:scrgbClr r="0" g="0" b="0"/>
+        </a:lnRef>
+        <a:fillRef idx="0">
+          <a:scrgbClr r="0" g="0" b="0"/>
+        </a:fillRef>
+        <a:effectRef idx="0">
+          <a:scrgbClr r="0" g="0" b="0"/>
+        </a:effectRef>
+        <a:fontRef idx="minor"/>
+      </dsp:style>
+      <dsp:txBody>
+        <a:bodyPr spcFirstLastPara="0" vert="horz" wrap="square" lIns="12700" tIns="0" rIns="12700" bIns="0" numCol="1" spcCol="1270" anchor="ctr" anchorCtr="0">
+          <a:noAutofit/>
+        </a:bodyPr>
+        <a:lstStyle/>
+        <a:p>
+          <a:pPr lvl="0" algn="ctr" defTabSz="222250">
+            <a:lnSpc>
+              <a:spcPct val="90000"/>
+            </a:lnSpc>
+            <a:spcBef>
+              <a:spcPct val="0"/>
+            </a:spcBef>
+            <a:spcAft>
+              <a:spcPct val="35000"/>
+            </a:spcAft>
+          </a:pPr>
+          <a:endParaRPr lang="en-US" sz="500" kern="1200"/>
+        </a:p>
+      </dsp:txBody>
+      <dsp:txXfrm>
+        <a:off x="3848179" y="2155070"/>
+        <a:ext cx="190340" cy="6997"/>
+      </dsp:txXfrm>
+    </dsp:sp>
+    <dsp:sp modelId="{57037447-8F68-43B5-8904-EAE1A451AC93}">
+      <dsp:nvSpPr>
+        <dsp:cNvPr id="0" name=""/>
+        <dsp:cNvSpPr/>
+      </dsp:nvSpPr>
+      <dsp:spPr>
+        <a:xfrm>
+          <a:off x="4293206" y="472"/>
+          <a:ext cx="3042232" cy="1825339"/>
+        </a:xfrm>
+        <a:prstGeom prst="rect">
+          <a:avLst/>
+        </a:prstGeom>
+        <a:solidFill>
+          <a:schemeClr val="accent1">
+            <a:hueOff val="0"/>
+            <a:satOff val="0"/>
+            <a:lumOff val="0"/>
+            <a:alphaOff val="0"/>
+          </a:schemeClr>
+        </a:solidFill>
+        <a:ln w="12700" cap="flat" cmpd="sng" algn="ctr">
+          <a:solidFill>
+            <a:schemeClr val="lt1">
+              <a:hueOff val="0"/>
+              <a:satOff val="0"/>
+              <a:lumOff val="0"/>
+              <a:alphaOff val="0"/>
+            </a:schemeClr>
+          </a:solidFill>
+          <a:prstDash val="solid"/>
+          <a:miter lim="800000"/>
+        </a:ln>
+        <a:effectLst/>
+      </dsp:spPr>
+      <dsp:style>
+        <a:lnRef idx="2">
+          <a:scrgbClr r="0" g="0" b="0"/>
+        </a:lnRef>
+        <a:fillRef idx="1">
+          <a:scrgbClr r="0" g="0" b="0"/>
+        </a:fillRef>
+        <a:effectRef idx="0">
+          <a:scrgbClr r="0" g="0" b="0"/>
+        </a:effectRef>
+        <a:fontRef idx="minor">
+          <a:schemeClr val="lt1"/>
+        </a:fontRef>
+      </dsp:style>
+      <dsp:txBody>
+        <a:bodyPr spcFirstLastPara="0" vert="horz" wrap="square" lIns="305816" tIns="305816" rIns="305816" bIns="305816" numCol="1" spcCol="1270" anchor="ctr" anchorCtr="0">
+          <a:noAutofit/>
+        </a:bodyPr>
+        <a:lstStyle/>
+        <a:p>
+          <a:pPr lvl="0" algn="ctr" defTabSz="1911350">
+            <a:lnSpc>
+              <a:spcPct val="90000"/>
+            </a:lnSpc>
+            <a:spcBef>
+              <a:spcPct val="0"/>
+            </a:spcBef>
+            <a:spcAft>
+              <a:spcPct val="35000"/>
+            </a:spcAft>
+          </a:pPr>
+          <a:r>
+            <a:rPr lang="en-US" sz="4300" kern="1200" dirty="0" smtClean="0"/>
+            <a:t>Input </a:t>
+          </a:r>
+          <a:r>
+            <a:rPr lang="en-US" sz="4300" kern="1200" dirty="0" err="1" smtClean="0"/>
+            <a:t>Kuitansi</a:t>
+          </a:r>
+          <a:endParaRPr lang="en-US" sz="4300" kern="1200" dirty="0"/>
+        </a:p>
+      </dsp:txBody>
+      <dsp:txXfrm>
+        <a:off x="4293206" y="472"/>
+        <a:ext cx="3042232" cy="1825339"/>
+      </dsp:txXfrm>
+    </dsp:sp>
+    <dsp:sp modelId="{BC03B924-F064-4428-AAB2-41734C2F6835}">
+      <dsp:nvSpPr>
+        <dsp:cNvPr id="0" name=""/>
+        <dsp:cNvSpPr/>
+      </dsp:nvSpPr>
+      <dsp:spPr>
+        <a:xfrm>
+          <a:off x="3591693" y="3392475"/>
+          <a:ext cx="669113" cy="91440"/>
+        </a:xfrm>
+        <a:custGeom>
+          <a:avLst/>
+          <a:gdLst/>
+          <a:ahLst/>
+          <a:cxnLst/>
+          <a:rect l="0" t="0" r="0" b="0"/>
+          <a:pathLst>
+            <a:path>
+              <a:moveTo>
+                <a:pt x="0" y="45720"/>
+              </a:moveTo>
+              <a:lnTo>
+                <a:pt x="669113" y="45720"/>
+              </a:lnTo>
+            </a:path>
+          </a:pathLst>
+        </a:custGeom>
+        <a:noFill/>
+        <a:ln w="6350" cap="flat" cmpd="sng" algn="ctr">
+          <a:solidFill>
+            <a:schemeClr val="accent1">
+              <a:hueOff val="0"/>
+              <a:satOff val="0"/>
+              <a:lumOff val="0"/>
+              <a:alphaOff val="0"/>
+            </a:schemeClr>
+          </a:solidFill>
+          <a:prstDash val="solid"/>
+          <a:miter lim="800000"/>
+          <a:tailEnd type="arrow"/>
+        </a:ln>
+        <a:effectLst/>
+      </dsp:spPr>
+      <dsp:style>
+        <a:lnRef idx="1">
+          <a:scrgbClr r="0" g="0" b="0"/>
+        </a:lnRef>
+        <a:fillRef idx="0">
+          <a:scrgbClr r="0" g="0" b="0"/>
+        </a:fillRef>
+        <a:effectRef idx="0">
+          <a:scrgbClr r="0" g="0" b="0"/>
+        </a:effectRef>
+        <a:fontRef idx="minor"/>
+      </dsp:style>
+      <dsp:txBody>
+        <a:bodyPr spcFirstLastPara="0" vert="horz" wrap="square" lIns="12700" tIns="0" rIns="12700" bIns="0" numCol="1" spcCol="1270" anchor="ctr" anchorCtr="0">
+          <a:noAutofit/>
+        </a:bodyPr>
+        <a:lstStyle/>
+        <a:p>
+          <a:pPr lvl="0" algn="ctr" defTabSz="222250">
+            <a:lnSpc>
+              <a:spcPct val="90000"/>
+            </a:lnSpc>
+            <a:spcBef>
+              <a:spcPct val="0"/>
+            </a:spcBef>
+            <a:spcAft>
+              <a:spcPct val="35000"/>
+            </a:spcAft>
+          </a:pPr>
+          <a:endParaRPr lang="en-US" sz="500" kern="1200"/>
+        </a:p>
+      </dsp:txBody>
+      <dsp:txXfrm>
+        <a:off x="3908757" y="3434697"/>
+        <a:ext cx="34985" cy="6997"/>
+      </dsp:txXfrm>
+    </dsp:sp>
+    <dsp:sp modelId="{7AB4113C-A067-4FED-9D98-F6C71885941F}">
+      <dsp:nvSpPr>
+        <dsp:cNvPr id="0" name=""/>
+        <dsp:cNvSpPr/>
+      </dsp:nvSpPr>
+      <dsp:spPr>
+        <a:xfrm>
+          <a:off x="551260" y="2525525"/>
+          <a:ext cx="3042232" cy="1825339"/>
+        </a:xfrm>
+        <a:prstGeom prst="rect">
+          <a:avLst/>
+        </a:prstGeom>
+        <a:solidFill>
+          <a:schemeClr val="accent1">
+            <a:hueOff val="0"/>
+            <a:satOff val="0"/>
+            <a:lumOff val="0"/>
+            <a:alphaOff val="0"/>
+          </a:schemeClr>
+        </a:solidFill>
+        <a:ln w="12700" cap="flat" cmpd="sng" algn="ctr">
+          <a:solidFill>
+            <a:schemeClr val="lt1">
+              <a:hueOff val="0"/>
+              <a:satOff val="0"/>
+              <a:lumOff val="0"/>
+              <a:alphaOff val="0"/>
+            </a:schemeClr>
+          </a:solidFill>
+          <a:prstDash val="solid"/>
+          <a:miter lim="800000"/>
+        </a:ln>
+        <a:effectLst/>
+      </dsp:spPr>
+      <dsp:style>
+        <a:lnRef idx="2">
+          <a:scrgbClr r="0" g="0" b="0"/>
+        </a:lnRef>
+        <a:fillRef idx="1">
+          <a:scrgbClr r="0" g="0" b="0"/>
+        </a:fillRef>
+        <a:effectRef idx="0">
+          <a:scrgbClr r="0" g="0" b="0"/>
+        </a:effectRef>
+        <a:fontRef idx="minor">
+          <a:schemeClr val="lt1"/>
+        </a:fontRef>
+      </dsp:style>
+      <dsp:txBody>
+        <a:bodyPr spcFirstLastPara="0" vert="horz" wrap="square" lIns="305816" tIns="305816" rIns="305816" bIns="305816" numCol="1" spcCol="1270" anchor="ctr" anchorCtr="0">
+          <a:noAutofit/>
+        </a:bodyPr>
+        <a:lstStyle/>
+        <a:p>
+          <a:pPr lvl="0" algn="ctr" defTabSz="1911350">
+            <a:lnSpc>
+              <a:spcPct val="90000"/>
+            </a:lnSpc>
+            <a:spcBef>
+              <a:spcPct val="0"/>
+            </a:spcBef>
+            <a:spcAft>
+              <a:spcPct val="35000"/>
+            </a:spcAft>
+          </a:pPr>
+          <a:r>
+            <a:rPr lang="en-US" sz="4300" kern="1200" dirty="0" err="1" smtClean="0"/>
+            <a:t>Verifikasi</a:t>
+          </a:r>
+          <a:r>
+            <a:rPr lang="en-US" sz="4300" kern="1200" dirty="0" smtClean="0"/>
+            <a:t> </a:t>
+          </a:r>
+          <a:r>
+            <a:rPr lang="en-US" sz="4300" kern="1200" dirty="0" err="1" smtClean="0"/>
+            <a:t>Kuitansi</a:t>
+          </a:r>
+          <a:endParaRPr lang="en-US" sz="4300" kern="1200" dirty="0"/>
+        </a:p>
+      </dsp:txBody>
+      <dsp:txXfrm>
+        <a:off x="551260" y="2525525"/>
+        <a:ext cx="3042232" cy="1825339"/>
+      </dsp:txXfrm>
+    </dsp:sp>
+    <dsp:sp modelId="{BB94512D-7554-4D9D-9CC8-BC37E5E7B8A9}">
+      <dsp:nvSpPr>
+        <dsp:cNvPr id="0" name=""/>
+        <dsp:cNvSpPr/>
+      </dsp:nvSpPr>
+      <dsp:spPr>
+        <a:xfrm>
+          <a:off x="4293206" y="2525525"/>
+          <a:ext cx="3042232" cy="1825339"/>
+        </a:xfrm>
+        <a:prstGeom prst="rect">
+          <a:avLst/>
+        </a:prstGeom>
+        <a:solidFill>
+          <a:schemeClr val="accent1">
+            <a:hueOff val="0"/>
+            <a:satOff val="0"/>
+            <a:lumOff val="0"/>
+            <a:alphaOff val="0"/>
+          </a:schemeClr>
+        </a:solidFill>
+        <a:ln w="12700" cap="flat" cmpd="sng" algn="ctr">
+          <a:solidFill>
+            <a:schemeClr val="lt1">
+              <a:hueOff val="0"/>
+              <a:satOff val="0"/>
+              <a:lumOff val="0"/>
+              <a:alphaOff val="0"/>
+            </a:schemeClr>
+          </a:solidFill>
+          <a:prstDash val="solid"/>
+          <a:miter lim="800000"/>
+        </a:ln>
+        <a:effectLst/>
+      </dsp:spPr>
+      <dsp:style>
+        <a:lnRef idx="2">
+          <a:scrgbClr r="0" g="0" b="0"/>
+        </a:lnRef>
+        <a:fillRef idx="1">
+          <a:scrgbClr r="0" g="0" b="0"/>
+        </a:fillRef>
+        <a:effectRef idx="0">
+          <a:scrgbClr r="0" g="0" b="0"/>
+        </a:effectRef>
+        <a:fontRef idx="minor">
+          <a:schemeClr val="lt1"/>
+        </a:fontRef>
+      </dsp:style>
+      <dsp:txBody>
+        <a:bodyPr spcFirstLastPara="0" vert="horz" wrap="square" lIns="305816" tIns="305816" rIns="305816" bIns="305816" numCol="1" spcCol="1270" anchor="ctr" anchorCtr="0">
+          <a:noAutofit/>
+        </a:bodyPr>
+        <a:lstStyle/>
+        <a:p>
+          <a:pPr lvl="0" algn="ctr" defTabSz="1911350">
+            <a:lnSpc>
+              <a:spcPct val="90000"/>
+            </a:lnSpc>
+            <a:spcBef>
+              <a:spcPct val="0"/>
+            </a:spcBef>
+            <a:spcAft>
+              <a:spcPct val="35000"/>
+            </a:spcAft>
+          </a:pPr>
+          <a:r>
+            <a:rPr lang="en-US" sz="4300" kern="1200" dirty="0" err="1" smtClean="0"/>
+            <a:t>Cetak</a:t>
+          </a:r>
+          <a:r>
+            <a:rPr lang="en-US" sz="4300" kern="1200" dirty="0" smtClean="0"/>
+            <a:t> </a:t>
+          </a:r>
+          <a:r>
+            <a:rPr lang="en-US" sz="4300" kern="1200" dirty="0" err="1" smtClean="0"/>
+            <a:t>Kuitansi</a:t>
+          </a:r>
+          <a:endParaRPr lang="en-US" sz="4300" kern="1200" dirty="0"/>
+        </a:p>
+      </dsp:txBody>
+      <dsp:txXfrm>
+        <a:off x="4293206" y="2525525"/>
+        <a:ext cx="3042232" cy="1825339"/>
       </dsp:txXfrm>
     </dsp:sp>
   </dsp:spTree>
@@ -22814,914 +23523,6 @@
 </file>
 
 <file path=ppt/diagrams/layout10.xml><?xml version="1.0" encoding="utf-8"?>
-<dgm:layoutDef xmlns:dgm="http://schemas.openxmlformats.org/drawingml/2006/diagram" xmlns:a="http://schemas.openxmlformats.org/drawingml/2006/main" uniqueId="urn:microsoft.com/office/officeart/2005/8/layout/bProcess3">
-  <dgm:title val=""/>
-  <dgm:desc val=""/>
-  <dgm:catLst>
-    <dgm:cat type="process" pri="18000"/>
-  </dgm:catLst>
-  <dgm:sampData>
-    <dgm:dataModel>
-      <dgm:ptLst>
-        <dgm:pt modelId="0" type="doc"/>
-        <dgm:pt modelId="1">
-          <dgm:prSet phldr="1"/>
-        </dgm:pt>
-        <dgm:pt modelId="2">
-          <dgm:prSet phldr="1"/>
-        </dgm:pt>
-        <dgm:pt modelId="3">
-          <dgm:prSet phldr="1"/>
-        </dgm:pt>
-        <dgm:pt modelId="4">
-          <dgm:prSet phldr="1"/>
-        </dgm:pt>
-        <dgm:pt modelId="5">
-          <dgm:prSet phldr="1"/>
-        </dgm:pt>
-      </dgm:ptLst>
-      <dgm:cxnLst>
-        <dgm:cxn modelId="7" srcId="0" destId="1" srcOrd="0" destOrd="0"/>
-        <dgm:cxn modelId="8" srcId="0" destId="2" srcOrd="1" destOrd="0"/>
-        <dgm:cxn modelId="9" srcId="0" destId="3" srcOrd="2" destOrd="0"/>
-        <dgm:cxn modelId="10" srcId="0" destId="4" srcOrd="3" destOrd="0"/>
-        <dgm:cxn modelId="11" srcId="0" destId="5" srcOrd="4" destOrd="0"/>
-      </dgm:cxnLst>
-      <dgm:bg/>
-      <dgm:whole/>
-    </dgm:dataModel>
-  </dgm:sampData>
-  <dgm:styleData>
-    <dgm:dataModel>
-      <dgm:ptLst>
-        <dgm:pt modelId="0" type="doc"/>
-        <dgm:pt modelId="1"/>
-        <dgm:pt modelId="2"/>
-      </dgm:ptLst>
-      <dgm:cxnLst>
-        <dgm:cxn modelId="3" srcId="0" destId="1" srcOrd="0" destOrd="0"/>
-        <dgm:cxn modelId="4" srcId="0" destId="2" srcOrd="1" destOrd="0"/>
-      </dgm:cxnLst>
-      <dgm:bg/>
-      <dgm:whole/>
-    </dgm:dataModel>
-  </dgm:styleData>
-  <dgm:clrData>
-    <dgm:dataModel>
-      <dgm:ptLst>
-        <dgm:pt modelId="0" type="doc"/>
-        <dgm:pt modelId="1"/>
-        <dgm:pt modelId="2"/>
-        <dgm:pt modelId="3"/>
-        <dgm:pt modelId="4"/>
-      </dgm:ptLst>
-      <dgm:cxnLst>
-        <dgm:cxn modelId="5" srcId="0" destId="1" srcOrd="0" destOrd="0"/>
-        <dgm:cxn modelId="6" srcId="0" destId="2" srcOrd="1" destOrd="0"/>
-        <dgm:cxn modelId="7" srcId="0" destId="3" srcOrd="2" destOrd="0"/>
-        <dgm:cxn modelId="8" srcId="0" destId="4" srcOrd="3" destOrd="0"/>
-      </dgm:cxnLst>
-      <dgm:bg/>
-      <dgm:whole/>
-    </dgm:dataModel>
-  </dgm:clrData>
-  <dgm:layoutNode name="Name0">
-    <dgm:varLst>
-      <dgm:dir/>
-      <dgm:resizeHandles val="exact"/>
-    </dgm:varLst>
-    <dgm:choose name="Name1">
-      <dgm:if name="Name2" axis="self" func="var" arg="dir" op="equ" val="norm">
-        <dgm:alg type="snake">
-          <dgm:param type="grDir" val="tL"/>
-          <dgm:param type="flowDir" val="row"/>
-          <dgm:param type="contDir" val="sameDir"/>
-          <dgm:param type="bkpt" val="endCnv"/>
-        </dgm:alg>
-      </dgm:if>
-      <dgm:else name="Name3">
-        <dgm:alg type="snake">
-          <dgm:param type="grDir" val="tR"/>
-          <dgm:param type="flowDir" val="row"/>
-          <dgm:param type="contDir" val="sameDir"/>
-          <dgm:param type="bkpt" val="endCnv"/>
-        </dgm:alg>
-      </dgm:else>
-    </dgm:choose>
-    <dgm:shape xmlns:r="http://schemas.openxmlformats.org/officeDocument/2006/relationships" r:blip="">
-      <dgm:adjLst/>
-    </dgm:shape>
-    <dgm:presOf/>
-    <dgm:constrLst>
-      <dgm:constr type="w" for="ch" ptType="node" refType="w"/>
-      <dgm:constr type="w" for="ch" forName="sibTrans" refType="w" refFor="ch" refPtType="node" op="equ" fact="0.23"/>
-      <dgm:constr type="sp" refType="w" refFor="ch" refForName="sibTrans" op="equ"/>
-      <dgm:constr type="userB" for="des" forName="connectorText" refType="sp"/>
-      <dgm:constr type="primFontSz" for="ch" ptType="node" op="equ" val="65"/>
-      <dgm:constr type="h" for="ch" ptType="sibTrans" op="equ"/>
-      <dgm:constr type="primFontSz" for="des" forName="connectorText" op="equ" val="55"/>
-      <dgm:constr type="primFontSz" for="des" forName="connectorText" refType="primFontSz" refFor="ch" refPtType="node" op="lte" fact="0.8"/>
-    </dgm:constrLst>
-    <dgm:ruleLst/>
-    <dgm:forEach name="nodesForEach" axis="ch" ptType="node">
-      <dgm:layoutNode name="node">
-        <dgm:varLst>
-          <dgm:bulletEnabled val="1"/>
-        </dgm:varLst>
-        <dgm:alg type="tx"/>
-        <dgm:shape xmlns:r="http://schemas.openxmlformats.org/officeDocument/2006/relationships" type="rect" r:blip="">
-          <dgm:adjLst/>
-        </dgm:shape>
-        <dgm:presOf axis="desOrSelf" ptType="node"/>
-        <dgm:constrLst>
-          <dgm:constr type="h" refType="w" fact="0.6"/>
-        </dgm:constrLst>
-        <dgm:ruleLst>
-          <dgm:rule type="primFontSz" val="5" fact="NaN" max="NaN"/>
-        </dgm:ruleLst>
-      </dgm:layoutNode>
-      <dgm:forEach name="sibTransForEach" axis="followSib" ptType="sibTrans" cnt="1">
-        <dgm:layoutNode name="sibTrans">
-          <dgm:choose name="Name4">
-            <dgm:if name="Name5" axis="self" func="var" arg="dir" op="equ" val="norm">
-              <dgm:alg type="conn">
-                <dgm:param type="connRout" val="bend"/>
-                <dgm:param type="dim" val="1D"/>
-                <dgm:param type="begPts" val="midR bCtr"/>
-                <dgm:param type="endPts" val="midL tCtr"/>
-              </dgm:alg>
-            </dgm:if>
-            <dgm:else name="Name6">
-              <dgm:alg type="conn">
-                <dgm:param type="connRout" val="bend"/>
-                <dgm:param type="dim" val="1D"/>
-                <dgm:param type="begPts" val="midL bCtr"/>
-                <dgm:param type="endPts" val="midR tCtr"/>
-              </dgm:alg>
-            </dgm:else>
-          </dgm:choose>
-          <dgm:shape xmlns:r="http://schemas.openxmlformats.org/officeDocument/2006/relationships" type="conn" r:blip="" zOrderOff="-2">
-            <dgm:adjLst/>
-          </dgm:shape>
-          <dgm:presOf axis="self"/>
-          <dgm:constrLst>
-            <dgm:constr type="begPad" val="-0.05"/>
-            <dgm:constr type="endPad" val="0.9"/>
-            <dgm:constr type="userA" for="ch" refType="connDist"/>
-          </dgm:constrLst>
-          <dgm:ruleLst/>
-          <dgm:layoutNode name="connectorText">
-            <dgm:alg type="tx">
-              <dgm:param type="autoTxRot" val="upr"/>
-            </dgm:alg>
-            <dgm:shape xmlns:r="http://schemas.openxmlformats.org/officeDocument/2006/relationships" type="rect" r:blip="" hideGeom="1">
-              <dgm:adjLst/>
-            </dgm:shape>
-            <dgm:presOf axis="self"/>
-            <dgm:constrLst>
-              <dgm:constr type="userA"/>
-              <dgm:constr type="userB"/>
-              <dgm:constr type="w" refType="userA" fact="0.05"/>
-              <dgm:constr type="h" refType="userB" fact="0.01"/>
-              <dgm:constr type="lMarg" val="1"/>
-              <dgm:constr type="rMarg" val="1"/>
-              <dgm:constr type="tMarg"/>
-              <dgm:constr type="bMarg"/>
-            </dgm:constrLst>
-            <dgm:ruleLst>
-              <dgm:rule type="w" val="NaN" fact="0.6" max="NaN"/>
-              <dgm:rule type="h" val="NaN" fact="0.6" max="NaN"/>
-              <dgm:rule type="primFontSz" val="5" fact="NaN" max="NaN"/>
-            </dgm:ruleLst>
-          </dgm:layoutNode>
-        </dgm:layoutNode>
-      </dgm:forEach>
-    </dgm:forEach>
-  </dgm:layoutNode>
-</dgm:layoutDef>
-</file>
-
-<file path=ppt/diagrams/layout2.xml><?xml version="1.0" encoding="utf-8"?>
-<dgm:layoutDef xmlns:dgm="http://schemas.openxmlformats.org/drawingml/2006/diagram" xmlns:a="http://schemas.openxmlformats.org/drawingml/2006/main" uniqueId="urn:microsoft.com/office/officeart/2005/8/layout/bProcess4">
-  <dgm:title val=""/>
-  <dgm:desc val=""/>
-  <dgm:catLst>
-    <dgm:cat type="process" pri="19000"/>
-  </dgm:catLst>
-  <dgm:sampData>
-    <dgm:dataModel>
-      <dgm:ptLst>
-        <dgm:pt modelId="0" type="doc"/>
-        <dgm:pt modelId="1">
-          <dgm:prSet phldr="1"/>
-        </dgm:pt>
-        <dgm:pt modelId="2">
-          <dgm:prSet phldr="1"/>
-        </dgm:pt>
-        <dgm:pt modelId="3">
-          <dgm:prSet phldr="1"/>
-        </dgm:pt>
-        <dgm:pt modelId="4">
-          <dgm:prSet phldr="1"/>
-        </dgm:pt>
-        <dgm:pt modelId="5">
-          <dgm:prSet phldr="1"/>
-        </dgm:pt>
-        <dgm:pt modelId="6">
-          <dgm:prSet phldr="1"/>
-        </dgm:pt>
-        <dgm:pt modelId="7">
-          <dgm:prSet phldr="1"/>
-        </dgm:pt>
-        <dgm:pt modelId="8">
-          <dgm:prSet phldr="1"/>
-        </dgm:pt>
-        <dgm:pt modelId="9">
-          <dgm:prSet phldr="1"/>
-        </dgm:pt>
-      </dgm:ptLst>
-      <dgm:cxnLst>
-        <dgm:cxn modelId="10" srcId="0" destId="1" srcOrd="0" destOrd="0"/>
-        <dgm:cxn modelId="11" srcId="0" destId="2" srcOrd="1" destOrd="0"/>
-        <dgm:cxn modelId="12" srcId="0" destId="3" srcOrd="2" destOrd="0"/>
-        <dgm:cxn modelId="13" srcId="0" destId="4" srcOrd="3" destOrd="0"/>
-        <dgm:cxn modelId="14" srcId="0" destId="5" srcOrd="4" destOrd="0"/>
-        <dgm:cxn modelId="15" srcId="0" destId="6" srcOrd="5" destOrd="0"/>
-        <dgm:cxn modelId="16" srcId="0" destId="7" srcOrd="6" destOrd="0"/>
-        <dgm:cxn modelId="17" srcId="0" destId="8" srcOrd="7" destOrd="0"/>
-        <dgm:cxn modelId="18" srcId="0" destId="9" srcOrd="8" destOrd="0"/>
-      </dgm:cxnLst>
-      <dgm:bg/>
-      <dgm:whole/>
-    </dgm:dataModel>
-  </dgm:sampData>
-  <dgm:styleData>
-    <dgm:dataModel>
-      <dgm:ptLst>
-        <dgm:pt modelId="0" type="doc"/>
-        <dgm:pt modelId="1"/>
-        <dgm:pt modelId="2"/>
-      </dgm:ptLst>
-      <dgm:cxnLst>
-        <dgm:cxn modelId="3" srcId="0" destId="1" srcOrd="0" destOrd="0"/>
-        <dgm:cxn modelId="4" srcId="0" destId="2" srcOrd="1" destOrd="0"/>
-      </dgm:cxnLst>
-      <dgm:bg/>
-      <dgm:whole/>
-    </dgm:dataModel>
-  </dgm:styleData>
-  <dgm:clrData>
-    <dgm:dataModel>
-      <dgm:ptLst>
-        <dgm:pt modelId="0" type="doc"/>
-        <dgm:pt modelId="1"/>
-        <dgm:pt modelId="2"/>
-        <dgm:pt modelId="3"/>
-        <dgm:pt modelId="4"/>
-        <dgm:pt modelId="5"/>
-        <dgm:pt modelId="6"/>
-      </dgm:ptLst>
-      <dgm:cxnLst>
-        <dgm:cxn modelId="7" srcId="0" destId="1" srcOrd="0" destOrd="0"/>
-        <dgm:cxn modelId="8" srcId="0" destId="2" srcOrd="1" destOrd="0"/>
-        <dgm:cxn modelId="9" srcId="0" destId="3" srcOrd="2" destOrd="0"/>
-        <dgm:cxn modelId="10" srcId="0" destId="4" srcOrd="3" destOrd="0"/>
-        <dgm:cxn modelId="11" srcId="0" destId="5" srcOrd="4" destOrd="0"/>
-        <dgm:cxn modelId="12" srcId="0" destId="6" srcOrd="5" destOrd="0"/>
-      </dgm:cxnLst>
-      <dgm:bg/>
-      <dgm:whole/>
-    </dgm:dataModel>
-  </dgm:clrData>
-  <dgm:layoutNode name="Name0">
-    <dgm:varLst>
-      <dgm:dir/>
-      <dgm:resizeHandles/>
-    </dgm:varLst>
-    <dgm:choose name="Name1">
-      <dgm:if name="Name2" func="var" arg="dir" op="equ" val="norm">
-        <dgm:alg type="snake">
-          <dgm:param type="grDir" val="tL"/>
-          <dgm:param type="flowDir" val="col"/>
-          <dgm:param type="contDir" val="revDir"/>
-          <dgm:param type="bkpt" val="bal"/>
-        </dgm:alg>
-      </dgm:if>
-      <dgm:else name="Name3">
-        <dgm:alg type="snake">
-          <dgm:param type="grDir" val="tR"/>
-          <dgm:param type="flowDir" val="col"/>
-          <dgm:param type="contDir" val="revDir"/>
-          <dgm:param type="bkpt" val="bal"/>
-        </dgm:alg>
-      </dgm:else>
-    </dgm:choose>
-    <dgm:shape xmlns:r="http://schemas.openxmlformats.org/officeDocument/2006/relationships" r:blip="">
-      <dgm:adjLst/>
-    </dgm:shape>
-    <dgm:presOf/>
-    <dgm:constrLst>
-      <dgm:constr type="w" for="ch" forName="compNode" refType="w"/>
-      <dgm:constr type="h" for="ch" forName="compNode" refType="w" fact="0.6"/>
-      <dgm:constr type="h" for="ch" forName="sibTrans" refType="h" refFor="ch" refForName="compNode" op="equ" fact="0.25"/>
-      <dgm:constr type="sp" refType="w" fact="0.33"/>
-      <dgm:constr type="primFontSz" for="des" forName="node" op="equ" val="65"/>
-    </dgm:constrLst>
-    <dgm:ruleLst/>
-    <dgm:forEach name="nodesForEach" axis="ch" ptType="node">
-      <dgm:layoutNode name="compNode">
-        <dgm:alg type="composite"/>
-        <dgm:shape xmlns:r="http://schemas.openxmlformats.org/officeDocument/2006/relationships" r:blip="">
-          <dgm:adjLst/>
-        </dgm:shape>
-        <dgm:presOf/>
-        <dgm:choose name="Name4">
-          <dgm:if name="Name5" axis="self" func="var" arg="dir" op="equ" val="norm">
-            <dgm:constrLst>
-              <dgm:constr type="l" for="ch" forName="dummyConnPt" refType="w" fact="0.2"/>
-              <dgm:constr type="t" for="ch" forName="dummyConnPt" refType="w" fact="0.145"/>
-              <dgm:constr type="l" for="ch" forName="node"/>
-              <dgm:constr type="t" for="ch" forName="node"/>
-              <dgm:constr type="h" for="ch" forName="node" refType="h"/>
-              <dgm:constr type="w" for="ch" forName="node" refType="w"/>
-            </dgm:constrLst>
-          </dgm:if>
-          <dgm:else name="Name6">
-            <dgm:constrLst>
-              <dgm:constr type="l" for="ch" forName="dummyConnPt" refType="w" fact="0.8"/>
-              <dgm:constr type="t" for="ch" forName="dummyConnPt" refType="w" fact="0.145"/>
-              <dgm:constr type="l" for="ch" forName="node"/>
-              <dgm:constr type="t" for="ch" forName="node"/>
-              <dgm:constr type="h" for="ch" forName="node" refType="h"/>
-              <dgm:constr type="w" for="ch" forName="node" refType="w"/>
-            </dgm:constrLst>
-          </dgm:else>
-        </dgm:choose>
-        <dgm:ruleLst/>
-        <dgm:layoutNode name="dummyConnPt" styleLbl="node1" moveWith="node">
-          <dgm:alg type="sp"/>
-          <dgm:shape xmlns:r="http://schemas.openxmlformats.org/officeDocument/2006/relationships" r:blip="">
-            <dgm:adjLst/>
-          </dgm:shape>
-          <dgm:presOf/>
-          <dgm:constrLst>
-            <dgm:constr type="w" val="1"/>
-            <dgm:constr type="h" val="1"/>
-          </dgm:constrLst>
-          <dgm:ruleLst/>
-        </dgm:layoutNode>
-        <dgm:layoutNode name="node">
-          <dgm:varLst>
-            <dgm:bulletEnabled val="1"/>
-          </dgm:varLst>
-          <dgm:alg type="tx"/>
-          <dgm:shape xmlns:r="http://schemas.openxmlformats.org/officeDocument/2006/relationships" type="roundRect" r:blip="">
-            <dgm:adjLst>
-              <dgm:adj idx="1" val="0.1"/>
-            </dgm:adjLst>
-          </dgm:shape>
-          <dgm:presOf axis="desOrSelf" ptType="node"/>
-          <dgm:constrLst>
-            <dgm:constr type="tMarg" refType="primFontSz" fact="0.3"/>
-            <dgm:constr type="bMarg" refType="primFontSz" fact="0.3"/>
-            <dgm:constr type="lMarg" refType="primFontSz" fact="0.3"/>
-            <dgm:constr type="rMarg" refType="primFontSz" fact="0.3"/>
-            <dgm:constr type="primFontSz" val="65"/>
-          </dgm:constrLst>
-          <dgm:ruleLst>
-            <dgm:rule type="primFontSz" val="5" fact="NaN" max="NaN"/>
-          </dgm:ruleLst>
-        </dgm:layoutNode>
-      </dgm:layoutNode>
-      <dgm:forEach name="sibTransForEach" axis="followSib" cnt="1">
-        <dgm:layoutNode name="sibTrans" styleLbl="bgSibTrans2D1">
-          <dgm:choose name="Name7">
-            <dgm:if name="Name8" axis="self" func="var" arg="dir" op="equ" val="norm">
-              <dgm:alg type="conn">
-                <dgm:param type="srcNode" val="dummyConnPt"/>
-                <dgm:param type="dstNode" val="dummyConnPt"/>
-                <dgm:param type="begPts" val="bCtr, midR, tCtr"/>
-                <dgm:param type="endPts" val="tCtr, midL, bCtr"/>
-                <dgm:param type="begSty" val="noArr"/>
-                <dgm:param type="endSty" val="noArr"/>
-              </dgm:alg>
-            </dgm:if>
-            <dgm:else name="Name9">
-              <dgm:alg type="conn">
-                <dgm:param type="srcNode" val="dummyConnPt"/>
-                <dgm:param type="dstNode" val="dummyConnPt"/>
-                <dgm:param type="begPts" val="bCtr, midL, tCtr"/>
-                <dgm:param type="endPts" val="tCtr, midR, bCtr"/>
-                <dgm:param type="begSty" val="noArr"/>
-                <dgm:param type="endSty" val="noArr"/>
-              </dgm:alg>
-            </dgm:else>
-          </dgm:choose>
-          <dgm:shape xmlns:r="http://schemas.openxmlformats.org/officeDocument/2006/relationships" type="conn" r:blip="" zOrderOff="-2">
-            <dgm:adjLst/>
-          </dgm:shape>
-          <dgm:presOf axis="self"/>
-          <dgm:constrLst>
-            <dgm:constr type="begPad"/>
-            <dgm:constr type="endPad"/>
-          </dgm:constrLst>
-          <dgm:ruleLst/>
-        </dgm:layoutNode>
-      </dgm:forEach>
-    </dgm:forEach>
-  </dgm:layoutNode>
-</dgm:layoutDef>
-</file>
-
-<file path=ppt/diagrams/layout3.xml><?xml version="1.0" encoding="utf-8"?>
-<dgm:layoutDef xmlns:dgm="http://schemas.openxmlformats.org/drawingml/2006/diagram" xmlns:a="http://schemas.openxmlformats.org/drawingml/2006/main" uniqueId="urn:microsoft.com/office/officeart/2005/8/layout/process1">
-  <dgm:title val=""/>
-  <dgm:desc val=""/>
-  <dgm:catLst>
-    <dgm:cat type="process" pri="1000"/>
-    <dgm:cat type="convert" pri="15000"/>
-  </dgm:catLst>
-  <dgm:sampData useDef="1">
-    <dgm:dataModel>
-      <dgm:ptLst/>
-      <dgm:bg/>
-      <dgm:whole/>
-    </dgm:dataModel>
-  </dgm:sampData>
-  <dgm:styleData>
-    <dgm:dataModel>
-      <dgm:ptLst>
-        <dgm:pt modelId="0" type="doc"/>
-        <dgm:pt modelId="1"/>
-        <dgm:pt modelId="2"/>
-      </dgm:ptLst>
-      <dgm:cxnLst>
-        <dgm:cxn modelId="3" srcId="0" destId="1" srcOrd="0" destOrd="0"/>
-        <dgm:cxn modelId="4" srcId="0" destId="2" srcOrd="1" destOrd="0"/>
-      </dgm:cxnLst>
-      <dgm:bg/>
-      <dgm:whole/>
-    </dgm:dataModel>
-  </dgm:styleData>
-  <dgm:clrData>
-    <dgm:dataModel>
-      <dgm:ptLst>
-        <dgm:pt modelId="0" type="doc"/>
-        <dgm:pt modelId="1"/>
-        <dgm:pt modelId="2"/>
-        <dgm:pt modelId="3"/>
-        <dgm:pt modelId="4"/>
-      </dgm:ptLst>
-      <dgm:cxnLst>
-        <dgm:cxn modelId="5" srcId="0" destId="1" srcOrd="0" destOrd="0"/>
-        <dgm:cxn modelId="6" srcId="0" destId="2" srcOrd="1" destOrd="0"/>
-        <dgm:cxn modelId="7" srcId="0" destId="3" srcOrd="2" destOrd="0"/>
-        <dgm:cxn modelId="8" srcId="0" destId="4" srcOrd="3" destOrd="0"/>
-      </dgm:cxnLst>
-      <dgm:bg/>
-      <dgm:whole/>
-    </dgm:dataModel>
-  </dgm:clrData>
-  <dgm:layoutNode name="Name0">
-    <dgm:varLst>
-      <dgm:dir/>
-      <dgm:resizeHandles val="exact"/>
-    </dgm:varLst>
-    <dgm:choose name="Name1">
-      <dgm:if name="Name2" func="var" arg="dir" op="equ" val="norm">
-        <dgm:alg type="lin"/>
-      </dgm:if>
-      <dgm:else name="Name3">
-        <dgm:alg type="lin">
-          <dgm:param type="linDir" val="fromR"/>
-        </dgm:alg>
-      </dgm:else>
-    </dgm:choose>
-    <dgm:shape xmlns:r="http://schemas.openxmlformats.org/officeDocument/2006/relationships" r:blip="">
-      <dgm:adjLst/>
-    </dgm:shape>
-    <dgm:presOf/>
-    <dgm:constrLst>
-      <dgm:constr type="w" for="ch" ptType="node" refType="w"/>
-      <dgm:constr type="h" for="ch" ptType="node" op="equ"/>
-      <dgm:constr type="primFontSz" for="ch" ptType="node" op="equ" val="65"/>
-      <dgm:constr type="w" for="ch" ptType="sibTrans" refType="w" refFor="ch" refPtType="node" op="equ" fact="0.4"/>
-      <dgm:constr type="h" for="ch" ptType="sibTrans" op="equ"/>
-      <dgm:constr type="primFontSz" for="des" forName="connectorText" op="equ" val="55"/>
-      <dgm:constr type="primFontSz" for="des" forName="connectorText" refType="primFontSz" refFor="ch" refPtType="node" op="lte" fact="0.8"/>
-    </dgm:constrLst>
-    <dgm:ruleLst/>
-    <dgm:forEach name="nodesForEach" axis="ch" ptType="node">
-      <dgm:layoutNode name="node">
-        <dgm:varLst>
-          <dgm:bulletEnabled val="1"/>
-        </dgm:varLst>
-        <dgm:alg type="tx"/>
-        <dgm:shape xmlns:r="http://schemas.openxmlformats.org/officeDocument/2006/relationships" type="roundRect" r:blip="">
-          <dgm:adjLst>
-            <dgm:adj idx="1" val="0.1"/>
-          </dgm:adjLst>
-        </dgm:shape>
-        <dgm:presOf axis="desOrSelf" ptType="node"/>
-        <dgm:constrLst>
-          <dgm:constr type="h" refType="w" fact="0.6"/>
-          <dgm:constr type="tMarg" refType="primFontSz" fact="0.3"/>
-          <dgm:constr type="bMarg" refType="primFontSz" fact="0.3"/>
-          <dgm:constr type="lMarg" refType="primFontSz" fact="0.3"/>
-          <dgm:constr type="rMarg" refType="primFontSz" fact="0.3"/>
-        </dgm:constrLst>
-        <dgm:ruleLst>
-          <dgm:rule type="primFontSz" val="18" fact="NaN" max="NaN"/>
-          <dgm:rule type="h" val="NaN" fact="1.5" max="NaN"/>
-          <dgm:rule type="primFontSz" val="5" fact="NaN" max="NaN"/>
-          <dgm:rule type="h" val="INF" fact="NaN" max="NaN"/>
-        </dgm:ruleLst>
-      </dgm:layoutNode>
-      <dgm:forEach name="sibTransForEach" axis="followSib" ptType="sibTrans" cnt="1">
-        <dgm:layoutNode name="sibTrans">
-          <dgm:alg type="conn">
-            <dgm:param type="begPts" val="auto"/>
-            <dgm:param type="endPts" val="auto"/>
-          </dgm:alg>
-          <dgm:shape xmlns:r="http://schemas.openxmlformats.org/officeDocument/2006/relationships" type="conn" r:blip="">
-            <dgm:adjLst/>
-          </dgm:shape>
-          <dgm:presOf axis="self"/>
-          <dgm:constrLst>
-            <dgm:constr type="h" refType="w" fact="0.62"/>
-            <dgm:constr type="connDist"/>
-            <dgm:constr type="begPad" refType="connDist" fact="0.25"/>
-            <dgm:constr type="endPad" refType="connDist" fact="0.22"/>
-          </dgm:constrLst>
-          <dgm:ruleLst/>
-          <dgm:layoutNode name="connectorText">
-            <dgm:alg type="tx">
-              <dgm:param type="autoTxRot" val="grav"/>
-            </dgm:alg>
-            <dgm:shape xmlns:r="http://schemas.openxmlformats.org/officeDocument/2006/relationships" type="conn" r:blip="" hideGeom="1">
-              <dgm:adjLst/>
-            </dgm:shape>
-            <dgm:presOf axis="self"/>
-            <dgm:constrLst>
-              <dgm:constr type="lMarg"/>
-              <dgm:constr type="rMarg"/>
-              <dgm:constr type="tMarg"/>
-              <dgm:constr type="bMarg"/>
-            </dgm:constrLst>
-            <dgm:ruleLst>
-              <dgm:rule type="primFontSz" val="5" fact="NaN" max="NaN"/>
-            </dgm:ruleLst>
-          </dgm:layoutNode>
-        </dgm:layoutNode>
-      </dgm:forEach>
-    </dgm:forEach>
-  </dgm:layoutNode>
-</dgm:layoutDef>
-</file>
-
-<file path=ppt/diagrams/layout4.xml><?xml version="1.0" encoding="utf-8"?>
-<dgm:layoutDef xmlns:dgm="http://schemas.openxmlformats.org/drawingml/2006/diagram" xmlns:a="http://schemas.openxmlformats.org/drawingml/2006/main" uniqueId="urn:microsoft.com/office/officeart/2005/8/layout/process5">
-  <dgm:title val=""/>
-  <dgm:desc val=""/>
-  <dgm:catLst>
-    <dgm:cat type="process" pri="17000"/>
-  </dgm:catLst>
-  <dgm:sampData>
-    <dgm:dataModel>
-      <dgm:ptLst>
-        <dgm:pt modelId="0" type="doc"/>
-        <dgm:pt modelId="1">
-          <dgm:prSet phldr="1"/>
-        </dgm:pt>
-        <dgm:pt modelId="2">
-          <dgm:prSet phldr="1"/>
-        </dgm:pt>
-        <dgm:pt modelId="3">
-          <dgm:prSet phldr="1"/>
-        </dgm:pt>
-        <dgm:pt modelId="4">
-          <dgm:prSet phldr="1"/>
-        </dgm:pt>
-        <dgm:pt modelId="5">
-          <dgm:prSet phldr="1"/>
-        </dgm:pt>
-      </dgm:ptLst>
-      <dgm:cxnLst>
-        <dgm:cxn modelId="7" srcId="0" destId="1" srcOrd="0" destOrd="0"/>
-        <dgm:cxn modelId="8" srcId="0" destId="2" srcOrd="1" destOrd="0"/>
-        <dgm:cxn modelId="9" srcId="0" destId="3" srcOrd="2" destOrd="0"/>
-        <dgm:cxn modelId="10" srcId="0" destId="4" srcOrd="3" destOrd="0"/>
-        <dgm:cxn modelId="11" srcId="0" destId="5" srcOrd="4" destOrd="0"/>
-      </dgm:cxnLst>
-      <dgm:bg/>
-      <dgm:whole/>
-    </dgm:dataModel>
-  </dgm:sampData>
-  <dgm:styleData>
-    <dgm:dataModel>
-      <dgm:ptLst>
-        <dgm:pt modelId="0" type="doc"/>
-        <dgm:pt modelId="1"/>
-        <dgm:pt modelId="2"/>
-      </dgm:ptLst>
-      <dgm:cxnLst>
-        <dgm:cxn modelId="3" srcId="0" destId="1" srcOrd="0" destOrd="0"/>
-        <dgm:cxn modelId="4" srcId="0" destId="2" srcOrd="1" destOrd="0"/>
-      </dgm:cxnLst>
-      <dgm:bg/>
-      <dgm:whole/>
-    </dgm:dataModel>
-  </dgm:styleData>
-  <dgm:clrData>
-    <dgm:dataModel>
-      <dgm:ptLst>
-        <dgm:pt modelId="0" type="doc"/>
-        <dgm:pt modelId="1"/>
-        <dgm:pt modelId="2"/>
-        <dgm:pt modelId="3"/>
-        <dgm:pt modelId="4"/>
-      </dgm:ptLst>
-      <dgm:cxnLst>
-        <dgm:cxn modelId="5" srcId="0" destId="1" srcOrd="0" destOrd="0"/>
-        <dgm:cxn modelId="6" srcId="0" destId="2" srcOrd="1" destOrd="0"/>
-        <dgm:cxn modelId="7" srcId="0" destId="3" srcOrd="2" destOrd="0"/>
-        <dgm:cxn modelId="8" srcId="0" destId="4" srcOrd="3" destOrd="0"/>
-      </dgm:cxnLst>
-      <dgm:bg/>
-      <dgm:whole/>
-    </dgm:dataModel>
-  </dgm:clrData>
-  <dgm:layoutNode name="diagram">
-    <dgm:varLst>
-      <dgm:dir/>
-      <dgm:resizeHandles val="exact"/>
-    </dgm:varLst>
-    <dgm:choose name="Name0">
-      <dgm:if name="Name1" axis="self" func="var" arg="dir" op="equ" val="norm">
-        <dgm:alg type="snake">
-          <dgm:param type="grDir" val="tL"/>
-          <dgm:param type="flowDir" val="row"/>
-          <dgm:param type="contDir" val="revDir"/>
-          <dgm:param type="bkpt" val="endCnv"/>
-        </dgm:alg>
-      </dgm:if>
-      <dgm:else name="Name2">
-        <dgm:alg type="snake">
-          <dgm:param type="grDir" val="tR"/>
-          <dgm:param type="flowDir" val="row"/>
-          <dgm:param type="contDir" val="revDir"/>
-          <dgm:param type="bkpt" val="endCnv"/>
-        </dgm:alg>
-      </dgm:else>
-    </dgm:choose>
-    <dgm:shape xmlns:r="http://schemas.openxmlformats.org/officeDocument/2006/relationships" r:blip="">
-      <dgm:adjLst/>
-    </dgm:shape>
-    <dgm:presOf/>
-    <dgm:constrLst>
-      <dgm:constr type="w" for="ch" ptType="node" refType="w"/>
-      <dgm:constr type="w" for="ch" forName="sibTrans" refType="w" refFor="ch" refPtType="node" op="equ" fact="0.4"/>
-      <dgm:constr type="sp" refType="w" refFor="ch" refForName="sibTrans" op="equ"/>
-      <dgm:constr type="primFontSz" for="ch" ptType="node" op="equ" val="65"/>
-      <dgm:constr type="primFontSz" for="des" forName="connectorText" op="equ" val="55"/>
-      <dgm:constr type="primFontSz" for="des" forName="connectorText" refType="primFontSz" refFor="ch" refPtType="node" op="lte" fact="0.8"/>
-    </dgm:constrLst>
-    <dgm:ruleLst/>
-    <dgm:forEach name="nodesForEach" axis="ch" ptType="node">
-      <dgm:layoutNode name="node">
-        <dgm:varLst>
-          <dgm:bulletEnabled val="1"/>
-        </dgm:varLst>
-        <dgm:alg type="tx"/>
-        <dgm:shape xmlns:r="http://schemas.openxmlformats.org/officeDocument/2006/relationships" type="roundRect" r:blip="">
-          <dgm:adjLst>
-            <dgm:adj idx="1" val="0.1"/>
-          </dgm:adjLst>
-        </dgm:shape>
-        <dgm:presOf axis="desOrSelf" ptType="node"/>
-        <dgm:constrLst>
-          <dgm:constr type="h" refType="w" fact="0.6"/>
-          <dgm:constr type="tMarg" refType="primFontSz" fact="0.3"/>
-          <dgm:constr type="bMarg" refType="primFontSz" fact="0.3"/>
-          <dgm:constr type="lMarg" refType="primFontSz" fact="0.3"/>
-          <dgm:constr type="rMarg" refType="primFontSz" fact="0.3"/>
-        </dgm:constrLst>
-        <dgm:ruleLst>
-          <dgm:rule type="primFontSz" val="5" fact="NaN" max="NaN"/>
-        </dgm:ruleLst>
-      </dgm:layoutNode>
-      <dgm:forEach name="sibTransForEach" axis="followSib" ptType="sibTrans" cnt="1">
-        <dgm:layoutNode name="sibTrans">
-          <dgm:alg type="conn">
-            <dgm:param type="begPts" val="auto"/>
-            <dgm:param type="endPts" val="auto"/>
-          </dgm:alg>
-          <dgm:shape xmlns:r="http://schemas.openxmlformats.org/officeDocument/2006/relationships" type="conn" r:blip="">
-            <dgm:adjLst/>
-          </dgm:shape>
-          <dgm:presOf axis="self"/>
-          <dgm:constrLst>
-            <dgm:constr type="h" refType="w" fact="0.62"/>
-            <dgm:constr type="connDist"/>
-          </dgm:constrLst>
-          <dgm:ruleLst/>
-          <dgm:layoutNode name="connectorText">
-            <dgm:alg type="tx">
-              <dgm:param type="autoTxRot" val="upr"/>
-            </dgm:alg>
-            <dgm:shape xmlns:r="http://schemas.openxmlformats.org/officeDocument/2006/relationships" type="conn" r:blip="" hideGeom="1">
-              <dgm:adjLst/>
-            </dgm:shape>
-            <dgm:presOf axis="self"/>
-            <dgm:constrLst>
-              <dgm:constr type="lMarg"/>
-              <dgm:constr type="rMarg"/>
-              <dgm:constr type="tMarg"/>
-              <dgm:constr type="bMarg"/>
-            </dgm:constrLst>
-            <dgm:ruleLst>
-              <dgm:rule type="primFontSz" val="5" fact="NaN" max="NaN"/>
-            </dgm:ruleLst>
-          </dgm:layoutNode>
-        </dgm:layoutNode>
-      </dgm:forEach>
-    </dgm:forEach>
-  </dgm:layoutNode>
-</dgm:layoutDef>
-</file>
-
-<file path=ppt/diagrams/layout5.xml><?xml version="1.0" encoding="utf-8"?>
-<dgm:layoutDef xmlns:dgm="http://schemas.openxmlformats.org/drawingml/2006/diagram" xmlns:a="http://schemas.openxmlformats.org/drawingml/2006/main" uniqueId="urn:microsoft.com/office/officeart/2005/8/layout/process5">
-  <dgm:title val=""/>
-  <dgm:desc val=""/>
-  <dgm:catLst>
-    <dgm:cat type="process" pri="17000"/>
-  </dgm:catLst>
-  <dgm:sampData>
-    <dgm:dataModel>
-      <dgm:ptLst>
-        <dgm:pt modelId="0" type="doc"/>
-        <dgm:pt modelId="1">
-          <dgm:prSet phldr="1"/>
-        </dgm:pt>
-        <dgm:pt modelId="2">
-          <dgm:prSet phldr="1"/>
-        </dgm:pt>
-        <dgm:pt modelId="3">
-          <dgm:prSet phldr="1"/>
-        </dgm:pt>
-        <dgm:pt modelId="4">
-          <dgm:prSet phldr="1"/>
-        </dgm:pt>
-        <dgm:pt modelId="5">
-          <dgm:prSet phldr="1"/>
-        </dgm:pt>
-      </dgm:ptLst>
-      <dgm:cxnLst>
-        <dgm:cxn modelId="7" srcId="0" destId="1" srcOrd="0" destOrd="0"/>
-        <dgm:cxn modelId="8" srcId="0" destId="2" srcOrd="1" destOrd="0"/>
-        <dgm:cxn modelId="9" srcId="0" destId="3" srcOrd="2" destOrd="0"/>
-        <dgm:cxn modelId="10" srcId="0" destId="4" srcOrd="3" destOrd="0"/>
-        <dgm:cxn modelId="11" srcId="0" destId="5" srcOrd="4" destOrd="0"/>
-      </dgm:cxnLst>
-      <dgm:bg/>
-      <dgm:whole/>
-    </dgm:dataModel>
-  </dgm:sampData>
-  <dgm:styleData>
-    <dgm:dataModel>
-      <dgm:ptLst>
-        <dgm:pt modelId="0" type="doc"/>
-        <dgm:pt modelId="1"/>
-        <dgm:pt modelId="2"/>
-      </dgm:ptLst>
-      <dgm:cxnLst>
-        <dgm:cxn modelId="3" srcId="0" destId="1" srcOrd="0" destOrd="0"/>
-        <dgm:cxn modelId="4" srcId="0" destId="2" srcOrd="1" destOrd="0"/>
-      </dgm:cxnLst>
-      <dgm:bg/>
-      <dgm:whole/>
-    </dgm:dataModel>
-  </dgm:styleData>
-  <dgm:clrData>
-    <dgm:dataModel>
-      <dgm:ptLst>
-        <dgm:pt modelId="0" type="doc"/>
-        <dgm:pt modelId="1"/>
-        <dgm:pt modelId="2"/>
-        <dgm:pt modelId="3"/>
-        <dgm:pt modelId="4"/>
-      </dgm:ptLst>
-      <dgm:cxnLst>
-        <dgm:cxn modelId="5" srcId="0" destId="1" srcOrd="0" destOrd="0"/>
-        <dgm:cxn modelId="6" srcId="0" destId="2" srcOrd="1" destOrd="0"/>
-        <dgm:cxn modelId="7" srcId="0" destId="3" srcOrd="2" destOrd="0"/>
-        <dgm:cxn modelId="8" srcId="0" destId="4" srcOrd="3" destOrd="0"/>
-      </dgm:cxnLst>
-      <dgm:bg/>
-      <dgm:whole/>
-    </dgm:dataModel>
-  </dgm:clrData>
-  <dgm:layoutNode name="diagram">
-    <dgm:varLst>
-      <dgm:dir/>
-      <dgm:resizeHandles val="exact"/>
-    </dgm:varLst>
-    <dgm:choose name="Name0">
-      <dgm:if name="Name1" axis="self" func="var" arg="dir" op="equ" val="norm">
-        <dgm:alg type="snake">
-          <dgm:param type="grDir" val="tL"/>
-          <dgm:param type="flowDir" val="row"/>
-          <dgm:param type="contDir" val="revDir"/>
-          <dgm:param type="bkpt" val="endCnv"/>
-        </dgm:alg>
-      </dgm:if>
-      <dgm:else name="Name2">
-        <dgm:alg type="snake">
-          <dgm:param type="grDir" val="tR"/>
-          <dgm:param type="flowDir" val="row"/>
-          <dgm:param type="contDir" val="revDir"/>
-          <dgm:param type="bkpt" val="endCnv"/>
-        </dgm:alg>
-      </dgm:else>
-    </dgm:choose>
-    <dgm:shape xmlns:r="http://schemas.openxmlformats.org/officeDocument/2006/relationships" r:blip="">
-      <dgm:adjLst/>
-    </dgm:shape>
-    <dgm:presOf/>
-    <dgm:constrLst>
-      <dgm:constr type="w" for="ch" ptType="node" refType="w"/>
-      <dgm:constr type="w" for="ch" forName="sibTrans" refType="w" refFor="ch" refPtType="node" op="equ" fact="0.4"/>
-      <dgm:constr type="sp" refType="w" refFor="ch" refForName="sibTrans" op="equ"/>
-      <dgm:constr type="primFontSz" for="ch" ptType="node" op="equ" val="65"/>
-      <dgm:constr type="primFontSz" for="des" forName="connectorText" op="equ" val="55"/>
-      <dgm:constr type="primFontSz" for="des" forName="connectorText" refType="primFontSz" refFor="ch" refPtType="node" op="lte" fact="0.8"/>
-    </dgm:constrLst>
-    <dgm:ruleLst/>
-    <dgm:forEach name="nodesForEach" axis="ch" ptType="node">
-      <dgm:layoutNode name="node">
-        <dgm:varLst>
-          <dgm:bulletEnabled val="1"/>
-        </dgm:varLst>
-        <dgm:alg type="tx"/>
-        <dgm:shape xmlns:r="http://schemas.openxmlformats.org/officeDocument/2006/relationships" type="roundRect" r:blip="">
-          <dgm:adjLst>
-            <dgm:adj idx="1" val="0.1"/>
-          </dgm:adjLst>
-        </dgm:shape>
-        <dgm:presOf axis="desOrSelf" ptType="node"/>
-        <dgm:constrLst>
-          <dgm:constr type="h" refType="w" fact="0.6"/>
-          <dgm:constr type="tMarg" refType="primFontSz" fact="0.3"/>
-          <dgm:constr type="bMarg" refType="primFontSz" fact="0.3"/>
-          <dgm:constr type="lMarg" refType="primFontSz" fact="0.3"/>
-          <dgm:constr type="rMarg" refType="primFontSz" fact="0.3"/>
-        </dgm:constrLst>
-        <dgm:ruleLst>
-          <dgm:rule type="primFontSz" val="5" fact="NaN" max="NaN"/>
-        </dgm:ruleLst>
-      </dgm:layoutNode>
-      <dgm:forEach name="sibTransForEach" axis="followSib" ptType="sibTrans" cnt="1">
-        <dgm:layoutNode name="sibTrans">
-          <dgm:alg type="conn">
-            <dgm:param type="begPts" val="auto"/>
-            <dgm:param type="endPts" val="auto"/>
-          </dgm:alg>
-          <dgm:shape xmlns:r="http://schemas.openxmlformats.org/officeDocument/2006/relationships" type="conn" r:blip="">
-            <dgm:adjLst/>
-          </dgm:shape>
-          <dgm:presOf axis="self"/>
-          <dgm:constrLst>
-            <dgm:constr type="h" refType="w" fact="0.62"/>
-            <dgm:constr type="connDist"/>
-          </dgm:constrLst>
-          <dgm:ruleLst/>
-          <dgm:layoutNode name="connectorText">
-            <dgm:alg type="tx">
-              <dgm:param type="autoTxRot" val="upr"/>
-            </dgm:alg>
-            <dgm:shape xmlns:r="http://schemas.openxmlformats.org/officeDocument/2006/relationships" type="conn" r:blip="" hideGeom="1">
-              <dgm:adjLst/>
-            </dgm:shape>
-            <dgm:presOf axis="self"/>
-            <dgm:constrLst>
-              <dgm:constr type="lMarg"/>
-              <dgm:constr type="rMarg"/>
-              <dgm:constr type="tMarg"/>
-              <dgm:constr type="bMarg"/>
-            </dgm:constrLst>
-            <dgm:ruleLst>
-              <dgm:rule type="primFontSz" val="5" fact="NaN" max="NaN"/>
-            </dgm:ruleLst>
-          </dgm:layoutNode>
-        </dgm:layoutNode>
-      </dgm:forEach>
-    </dgm:forEach>
-  </dgm:layoutNode>
-</dgm:layoutDef>
-</file>
-
-<file path=ppt/diagrams/layout6.xml><?xml version="1.0" encoding="utf-8"?>
 <dgm:layoutDef xmlns:dgm="http://schemas.openxmlformats.org/drawingml/2006/diagram" xmlns:a="http://schemas.openxmlformats.org/drawingml/2006/main" uniqueId="urn:microsoft.com/office/officeart/2011/layout/CircleProcess">
   <dgm:title val="Circle Process"/>
   <dgm:desc val="Use to show sequential steps in a process. Limited to eleven Level 1 shapes with an unlimited number of Level 2 shapes. Works best with small amounts of text. Unused text does not appear, but remains available if you switch layouts."/>
@@ -28218,6 +28019,914 @@
 </dgm:layoutDef>
 </file>
 
+<file path=ppt/diagrams/layout2.xml><?xml version="1.0" encoding="utf-8"?>
+<dgm:layoutDef xmlns:dgm="http://schemas.openxmlformats.org/drawingml/2006/diagram" xmlns:a="http://schemas.openxmlformats.org/drawingml/2006/main" uniqueId="urn:microsoft.com/office/officeart/2005/8/layout/bProcess4">
+  <dgm:title val=""/>
+  <dgm:desc val=""/>
+  <dgm:catLst>
+    <dgm:cat type="process" pri="19000"/>
+  </dgm:catLst>
+  <dgm:sampData>
+    <dgm:dataModel>
+      <dgm:ptLst>
+        <dgm:pt modelId="0" type="doc"/>
+        <dgm:pt modelId="1">
+          <dgm:prSet phldr="1"/>
+        </dgm:pt>
+        <dgm:pt modelId="2">
+          <dgm:prSet phldr="1"/>
+        </dgm:pt>
+        <dgm:pt modelId="3">
+          <dgm:prSet phldr="1"/>
+        </dgm:pt>
+        <dgm:pt modelId="4">
+          <dgm:prSet phldr="1"/>
+        </dgm:pt>
+        <dgm:pt modelId="5">
+          <dgm:prSet phldr="1"/>
+        </dgm:pt>
+        <dgm:pt modelId="6">
+          <dgm:prSet phldr="1"/>
+        </dgm:pt>
+        <dgm:pt modelId="7">
+          <dgm:prSet phldr="1"/>
+        </dgm:pt>
+        <dgm:pt modelId="8">
+          <dgm:prSet phldr="1"/>
+        </dgm:pt>
+        <dgm:pt modelId="9">
+          <dgm:prSet phldr="1"/>
+        </dgm:pt>
+      </dgm:ptLst>
+      <dgm:cxnLst>
+        <dgm:cxn modelId="10" srcId="0" destId="1" srcOrd="0" destOrd="0"/>
+        <dgm:cxn modelId="11" srcId="0" destId="2" srcOrd="1" destOrd="0"/>
+        <dgm:cxn modelId="12" srcId="0" destId="3" srcOrd="2" destOrd="0"/>
+        <dgm:cxn modelId="13" srcId="0" destId="4" srcOrd="3" destOrd="0"/>
+        <dgm:cxn modelId="14" srcId="0" destId="5" srcOrd="4" destOrd="0"/>
+        <dgm:cxn modelId="15" srcId="0" destId="6" srcOrd="5" destOrd="0"/>
+        <dgm:cxn modelId="16" srcId="0" destId="7" srcOrd="6" destOrd="0"/>
+        <dgm:cxn modelId="17" srcId="0" destId="8" srcOrd="7" destOrd="0"/>
+        <dgm:cxn modelId="18" srcId="0" destId="9" srcOrd="8" destOrd="0"/>
+      </dgm:cxnLst>
+      <dgm:bg/>
+      <dgm:whole/>
+    </dgm:dataModel>
+  </dgm:sampData>
+  <dgm:styleData>
+    <dgm:dataModel>
+      <dgm:ptLst>
+        <dgm:pt modelId="0" type="doc"/>
+        <dgm:pt modelId="1"/>
+        <dgm:pt modelId="2"/>
+      </dgm:ptLst>
+      <dgm:cxnLst>
+        <dgm:cxn modelId="3" srcId="0" destId="1" srcOrd="0" destOrd="0"/>
+        <dgm:cxn modelId="4" srcId="0" destId="2" srcOrd="1" destOrd="0"/>
+      </dgm:cxnLst>
+      <dgm:bg/>
+      <dgm:whole/>
+    </dgm:dataModel>
+  </dgm:styleData>
+  <dgm:clrData>
+    <dgm:dataModel>
+      <dgm:ptLst>
+        <dgm:pt modelId="0" type="doc"/>
+        <dgm:pt modelId="1"/>
+        <dgm:pt modelId="2"/>
+        <dgm:pt modelId="3"/>
+        <dgm:pt modelId="4"/>
+        <dgm:pt modelId="5"/>
+        <dgm:pt modelId="6"/>
+      </dgm:ptLst>
+      <dgm:cxnLst>
+        <dgm:cxn modelId="7" srcId="0" destId="1" srcOrd="0" destOrd="0"/>
+        <dgm:cxn modelId="8" srcId="0" destId="2" srcOrd="1" destOrd="0"/>
+        <dgm:cxn modelId="9" srcId="0" destId="3" srcOrd="2" destOrd="0"/>
+        <dgm:cxn modelId="10" srcId="0" destId="4" srcOrd="3" destOrd="0"/>
+        <dgm:cxn modelId="11" srcId="0" destId="5" srcOrd="4" destOrd="0"/>
+        <dgm:cxn modelId="12" srcId="0" destId="6" srcOrd="5" destOrd="0"/>
+      </dgm:cxnLst>
+      <dgm:bg/>
+      <dgm:whole/>
+    </dgm:dataModel>
+  </dgm:clrData>
+  <dgm:layoutNode name="Name0">
+    <dgm:varLst>
+      <dgm:dir/>
+      <dgm:resizeHandles/>
+    </dgm:varLst>
+    <dgm:choose name="Name1">
+      <dgm:if name="Name2" func="var" arg="dir" op="equ" val="norm">
+        <dgm:alg type="snake">
+          <dgm:param type="grDir" val="tL"/>
+          <dgm:param type="flowDir" val="col"/>
+          <dgm:param type="contDir" val="revDir"/>
+          <dgm:param type="bkpt" val="bal"/>
+        </dgm:alg>
+      </dgm:if>
+      <dgm:else name="Name3">
+        <dgm:alg type="snake">
+          <dgm:param type="grDir" val="tR"/>
+          <dgm:param type="flowDir" val="col"/>
+          <dgm:param type="contDir" val="revDir"/>
+          <dgm:param type="bkpt" val="bal"/>
+        </dgm:alg>
+      </dgm:else>
+    </dgm:choose>
+    <dgm:shape xmlns:r="http://schemas.openxmlformats.org/officeDocument/2006/relationships" r:blip="">
+      <dgm:adjLst/>
+    </dgm:shape>
+    <dgm:presOf/>
+    <dgm:constrLst>
+      <dgm:constr type="w" for="ch" forName="compNode" refType="w"/>
+      <dgm:constr type="h" for="ch" forName="compNode" refType="w" fact="0.6"/>
+      <dgm:constr type="h" for="ch" forName="sibTrans" refType="h" refFor="ch" refForName="compNode" op="equ" fact="0.25"/>
+      <dgm:constr type="sp" refType="w" fact="0.33"/>
+      <dgm:constr type="primFontSz" for="des" forName="node" op="equ" val="65"/>
+    </dgm:constrLst>
+    <dgm:ruleLst/>
+    <dgm:forEach name="nodesForEach" axis="ch" ptType="node">
+      <dgm:layoutNode name="compNode">
+        <dgm:alg type="composite"/>
+        <dgm:shape xmlns:r="http://schemas.openxmlformats.org/officeDocument/2006/relationships" r:blip="">
+          <dgm:adjLst/>
+        </dgm:shape>
+        <dgm:presOf/>
+        <dgm:choose name="Name4">
+          <dgm:if name="Name5" axis="self" func="var" arg="dir" op="equ" val="norm">
+            <dgm:constrLst>
+              <dgm:constr type="l" for="ch" forName="dummyConnPt" refType="w" fact="0.2"/>
+              <dgm:constr type="t" for="ch" forName="dummyConnPt" refType="w" fact="0.145"/>
+              <dgm:constr type="l" for="ch" forName="node"/>
+              <dgm:constr type="t" for="ch" forName="node"/>
+              <dgm:constr type="h" for="ch" forName="node" refType="h"/>
+              <dgm:constr type="w" for="ch" forName="node" refType="w"/>
+            </dgm:constrLst>
+          </dgm:if>
+          <dgm:else name="Name6">
+            <dgm:constrLst>
+              <dgm:constr type="l" for="ch" forName="dummyConnPt" refType="w" fact="0.8"/>
+              <dgm:constr type="t" for="ch" forName="dummyConnPt" refType="w" fact="0.145"/>
+              <dgm:constr type="l" for="ch" forName="node"/>
+              <dgm:constr type="t" for="ch" forName="node"/>
+              <dgm:constr type="h" for="ch" forName="node" refType="h"/>
+              <dgm:constr type="w" for="ch" forName="node" refType="w"/>
+            </dgm:constrLst>
+          </dgm:else>
+        </dgm:choose>
+        <dgm:ruleLst/>
+        <dgm:layoutNode name="dummyConnPt" styleLbl="node1" moveWith="node">
+          <dgm:alg type="sp"/>
+          <dgm:shape xmlns:r="http://schemas.openxmlformats.org/officeDocument/2006/relationships" r:blip="">
+            <dgm:adjLst/>
+          </dgm:shape>
+          <dgm:presOf/>
+          <dgm:constrLst>
+            <dgm:constr type="w" val="1"/>
+            <dgm:constr type="h" val="1"/>
+          </dgm:constrLst>
+          <dgm:ruleLst/>
+        </dgm:layoutNode>
+        <dgm:layoutNode name="node">
+          <dgm:varLst>
+            <dgm:bulletEnabled val="1"/>
+          </dgm:varLst>
+          <dgm:alg type="tx"/>
+          <dgm:shape xmlns:r="http://schemas.openxmlformats.org/officeDocument/2006/relationships" type="roundRect" r:blip="">
+            <dgm:adjLst>
+              <dgm:adj idx="1" val="0.1"/>
+            </dgm:adjLst>
+          </dgm:shape>
+          <dgm:presOf axis="desOrSelf" ptType="node"/>
+          <dgm:constrLst>
+            <dgm:constr type="tMarg" refType="primFontSz" fact="0.3"/>
+            <dgm:constr type="bMarg" refType="primFontSz" fact="0.3"/>
+            <dgm:constr type="lMarg" refType="primFontSz" fact="0.3"/>
+            <dgm:constr type="rMarg" refType="primFontSz" fact="0.3"/>
+            <dgm:constr type="primFontSz" val="65"/>
+          </dgm:constrLst>
+          <dgm:ruleLst>
+            <dgm:rule type="primFontSz" val="5" fact="NaN" max="NaN"/>
+          </dgm:ruleLst>
+        </dgm:layoutNode>
+      </dgm:layoutNode>
+      <dgm:forEach name="sibTransForEach" axis="followSib" cnt="1">
+        <dgm:layoutNode name="sibTrans" styleLbl="bgSibTrans2D1">
+          <dgm:choose name="Name7">
+            <dgm:if name="Name8" axis="self" func="var" arg="dir" op="equ" val="norm">
+              <dgm:alg type="conn">
+                <dgm:param type="srcNode" val="dummyConnPt"/>
+                <dgm:param type="dstNode" val="dummyConnPt"/>
+                <dgm:param type="begPts" val="bCtr, midR, tCtr"/>
+                <dgm:param type="endPts" val="tCtr, midL, bCtr"/>
+                <dgm:param type="begSty" val="noArr"/>
+                <dgm:param type="endSty" val="noArr"/>
+              </dgm:alg>
+            </dgm:if>
+            <dgm:else name="Name9">
+              <dgm:alg type="conn">
+                <dgm:param type="srcNode" val="dummyConnPt"/>
+                <dgm:param type="dstNode" val="dummyConnPt"/>
+                <dgm:param type="begPts" val="bCtr, midL, tCtr"/>
+                <dgm:param type="endPts" val="tCtr, midR, bCtr"/>
+                <dgm:param type="begSty" val="noArr"/>
+                <dgm:param type="endSty" val="noArr"/>
+              </dgm:alg>
+            </dgm:else>
+          </dgm:choose>
+          <dgm:shape xmlns:r="http://schemas.openxmlformats.org/officeDocument/2006/relationships" type="conn" r:blip="" zOrderOff="-2">
+            <dgm:adjLst/>
+          </dgm:shape>
+          <dgm:presOf axis="self"/>
+          <dgm:constrLst>
+            <dgm:constr type="begPad"/>
+            <dgm:constr type="endPad"/>
+          </dgm:constrLst>
+          <dgm:ruleLst/>
+        </dgm:layoutNode>
+      </dgm:forEach>
+    </dgm:forEach>
+  </dgm:layoutNode>
+</dgm:layoutDef>
+</file>
+
+<file path=ppt/diagrams/layout3.xml><?xml version="1.0" encoding="utf-8"?>
+<dgm:layoutDef xmlns:dgm="http://schemas.openxmlformats.org/drawingml/2006/diagram" xmlns:a="http://schemas.openxmlformats.org/drawingml/2006/main" uniqueId="urn:microsoft.com/office/officeart/2005/8/layout/process1">
+  <dgm:title val=""/>
+  <dgm:desc val=""/>
+  <dgm:catLst>
+    <dgm:cat type="process" pri="1000"/>
+    <dgm:cat type="convert" pri="15000"/>
+  </dgm:catLst>
+  <dgm:sampData useDef="1">
+    <dgm:dataModel>
+      <dgm:ptLst/>
+      <dgm:bg/>
+      <dgm:whole/>
+    </dgm:dataModel>
+  </dgm:sampData>
+  <dgm:styleData>
+    <dgm:dataModel>
+      <dgm:ptLst>
+        <dgm:pt modelId="0" type="doc"/>
+        <dgm:pt modelId="1"/>
+        <dgm:pt modelId="2"/>
+      </dgm:ptLst>
+      <dgm:cxnLst>
+        <dgm:cxn modelId="3" srcId="0" destId="1" srcOrd="0" destOrd="0"/>
+        <dgm:cxn modelId="4" srcId="0" destId="2" srcOrd="1" destOrd="0"/>
+      </dgm:cxnLst>
+      <dgm:bg/>
+      <dgm:whole/>
+    </dgm:dataModel>
+  </dgm:styleData>
+  <dgm:clrData>
+    <dgm:dataModel>
+      <dgm:ptLst>
+        <dgm:pt modelId="0" type="doc"/>
+        <dgm:pt modelId="1"/>
+        <dgm:pt modelId="2"/>
+        <dgm:pt modelId="3"/>
+        <dgm:pt modelId="4"/>
+      </dgm:ptLst>
+      <dgm:cxnLst>
+        <dgm:cxn modelId="5" srcId="0" destId="1" srcOrd="0" destOrd="0"/>
+        <dgm:cxn modelId="6" srcId="0" destId="2" srcOrd="1" destOrd="0"/>
+        <dgm:cxn modelId="7" srcId="0" destId="3" srcOrd="2" destOrd="0"/>
+        <dgm:cxn modelId="8" srcId="0" destId="4" srcOrd="3" destOrd="0"/>
+      </dgm:cxnLst>
+      <dgm:bg/>
+      <dgm:whole/>
+    </dgm:dataModel>
+  </dgm:clrData>
+  <dgm:layoutNode name="Name0">
+    <dgm:varLst>
+      <dgm:dir/>
+      <dgm:resizeHandles val="exact"/>
+    </dgm:varLst>
+    <dgm:choose name="Name1">
+      <dgm:if name="Name2" func="var" arg="dir" op="equ" val="norm">
+        <dgm:alg type="lin"/>
+      </dgm:if>
+      <dgm:else name="Name3">
+        <dgm:alg type="lin">
+          <dgm:param type="linDir" val="fromR"/>
+        </dgm:alg>
+      </dgm:else>
+    </dgm:choose>
+    <dgm:shape xmlns:r="http://schemas.openxmlformats.org/officeDocument/2006/relationships" r:blip="">
+      <dgm:adjLst/>
+    </dgm:shape>
+    <dgm:presOf/>
+    <dgm:constrLst>
+      <dgm:constr type="w" for="ch" ptType="node" refType="w"/>
+      <dgm:constr type="h" for="ch" ptType="node" op="equ"/>
+      <dgm:constr type="primFontSz" for="ch" ptType="node" op="equ" val="65"/>
+      <dgm:constr type="w" for="ch" ptType="sibTrans" refType="w" refFor="ch" refPtType="node" op="equ" fact="0.4"/>
+      <dgm:constr type="h" for="ch" ptType="sibTrans" op="equ"/>
+      <dgm:constr type="primFontSz" for="des" forName="connectorText" op="equ" val="55"/>
+      <dgm:constr type="primFontSz" for="des" forName="connectorText" refType="primFontSz" refFor="ch" refPtType="node" op="lte" fact="0.8"/>
+    </dgm:constrLst>
+    <dgm:ruleLst/>
+    <dgm:forEach name="nodesForEach" axis="ch" ptType="node">
+      <dgm:layoutNode name="node">
+        <dgm:varLst>
+          <dgm:bulletEnabled val="1"/>
+        </dgm:varLst>
+        <dgm:alg type="tx"/>
+        <dgm:shape xmlns:r="http://schemas.openxmlformats.org/officeDocument/2006/relationships" type="roundRect" r:blip="">
+          <dgm:adjLst>
+            <dgm:adj idx="1" val="0.1"/>
+          </dgm:adjLst>
+        </dgm:shape>
+        <dgm:presOf axis="desOrSelf" ptType="node"/>
+        <dgm:constrLst>
+          <dgm:constr type="h" refType="w" fact="0.6"/>
+          <dgm:constr type="tMarg" refType="primFontSz" fact="0.3"/>
+          <dgm:constr type="bMarg" refType="primFontSz" fact="0.3"/>
+          <dgm:constr type="lMarg" refType="primFontSz" fact="0.3"/>
+          <dgm:constr type="rMarg" refType="primFontSz" fact="0.3"/>
+        </dgm:constrLst>
+        <dgm:ruleLst>
+          <dgm:rule type="primFontSz" val="18" fact="NaN" max="NaN"/>
+          <dgm:rule type="h" val="NaN" fact="1.5" max="NaN"/>
+          <dgm:rule type="primFontSz" val="5" fact="NaN" max="NaN"/>
+          <dgm:rule type="h" val="INF" fact="NaN" max="NaN"/>
+        </dgm:ruleLst>
+      </dgm:layoutNode>
+      <dgm:forEach name="sibTransForEach" axis="followSib" ptType="sibTrans" cnt="1">
+        <dgm:layoutNode name="sibTrans">
+          <dgm:alg type="conn">
+            <dgm:param type="begPts" val="auto"/>
+            <dgm:param type="endPts" val="auto"/>
+          </dgm:alg>
+          <dgm:shape xmlns:r="http://schemas.openxmlformats.org/officeDocument/2006/relationships" type="conn" r:blip="">
+            <dgm:adjLst/>
+          </dgm:shape>
+          <dgm:presOf axis="self"/>
+          <dgm:constrLst>
+            <dgm:constr type="h" refType="w" fact="0.62"/>
+            <dgm:constr type="connDist"/>
+            <dgm:constr type="begPad" refType="connDist" fact="0.25"/>
+            <dgm:constr type="endPad" refType="connDist" fact="0.22"/>
+          </dgm:constrLst>
+          <dgm:ruleLst/>
+          <dgm:layoutNode name="connectorText">
+            <dgm:alg type="tx">
+              <dgm:param type="autoTxRot" val="grav"/>
+            </dgm:alg>
+            <dgm:shape xmlns:r="http://schemas.openxmlformats.org/officeDocument/2006/relationships" type="conn" r:blip="" hideGeom="1">
+              <dgm:adjLst/>
+            </dgm:shape>
+            <dgm:presOf axis="self"/>
+            <dgm:constrLst>
+              <dgm:constr type="lMarg"/>
+              <dgm:constr type="rMarg"/>
+              <dgm:constr type="tMarg"/>
+              <dgm:constr type="bMarg"/>
+            </dgm:constrLst>
+            <dgm:ruleLst>
+              <dgm:rule type="primFontSz" val="5" fact="NaN" max="NaN"/>
+            </dgm:ruleLst>
+          </dgm:layoutNode>
+        </dgm:layoutNode>
+      </dgm:forEach>
+    </dgm:forEach>
+  </dgm:layoutNode>
+</dgm:layoutDef>
+</file>
+
+<file path=ppt/diagrams/layout4.xml><?xml version="1.0" encoding="utf-8"?>
+<dgm:layoutDef xmlns:dgm="http://schemas.openxmlformats.org/drawingml/2006/diagram" xmlns:a="http://schemas.openxmlformats.org/drawingml/2006/main" uniqueId="urn:microsoft.com/office/officeart/2005/8/layout/process5">
+  <dgm:title val=""/>
+  <dgm:desc val=""/>
+  <dgm:catLst>
+    <dgm:cat type="process" pri="17000"/>
+  </dgm:catLst>
+  <dgm:sampData>
+    <dgm:dataModel>
+      <dgm:ptLst>
+        <dgm:pt modelId="0" type="doc"/>
+        <dgm:pt modelId="1">
+          <dgm:prSet phldr="1"/>
+        </dgm:pt>
+        <dgm:pt modelId="2">
+          <dgm:prSet phldr="1"/>
+        </dgm:pt>
+        <dgm:pt modelId="3">
+          <dgm:prSet phldr="1"/>
+        </dgm:pt>
+        <dgm:pt modelId="4">
+          <dgm:prSet phldr="1"/>
+        </dgm:pt>
+        <dgm:pt modelId="5">
+          <dgm:prSet phldr="1"/>
+        </dgm:pt>
+      </dgm:ptLst>
+      <dgm:cxnLst>
+        <dgm:cxn modelId="7" srcId="0" destId="1" srcOrd="0" destOrd="0"/>
+        <dgm:cxn modelId="8" srcId="0" destId="2" srcOrd="1" destOrd="0"/>
+        <dgm:cxn modelId="9" srcId="0" destId="3" srcOrd="2" destOrd="0"/>
+        <dgm:cxn modelId="10" srcId="0" destId="4" srcOrd="3" destOrd="0"/>
+        <dgm:cxn modelId="11" srcId="0" destId="5" srcOrd="4" destOrd="0"/>
+      </dgm:cxnLst>
+      <dgm:bg/>
+      <dgm:whole/>
+    </dgm:dataModel>
+  </dgm:sampData>
+  <dgm:styleData>
+    <dgm:dataModel>
+      <dgm:ptLst>
+        <dgm:pt modelId="0" type="doc"/>
+        <dgm:pt modelId="1"/>
+        <dgm:pt modelId="2"/>
+      </dgm:ptLst>
+      <dgm:cxnLst>
+        <dgm:cxn modelId="3" srcId="0" destId="1" srcOrd="0" destOrd="0"/>
+        <dgm:cxn modelId="4" srcId="0" destId="2" srcOrd="1" destOrd="0"/>
+      </dgm:cxnLst>
+      <dgm:bg/>
+      <dgm:whole/>
+    </dgm:dataModel>
+  </dgm:styleData>
+  <dgm:clrData>
+    <dgm:dataModel>
+      <dgm:ptLst>
+        <dgm:pt modelId="0" type="doc"/>
+        <dgm:pt modelId="1"/>
+        <dgm:pt modelId="2"/>
+        <dgm:pt modelId="3"/>
+        <dgm:pt modelId="4"/>
+      </dgm:ptLst>
+      <dgm:cxnLst>
+        <dgm:cxn modelId="5" srcId="0" destId="1" srcOrd="0" destOrd="0"/>
+        <dgm:cxn modelId="6" srcId="0" destId="2" srcOrd="1" destOrd="0"/>
+        <dgm:cxn modelId="7" srcId="0" destId="3" srcOrd="2" destOrd="0"/>
+        <dgm:cxn modelId="8" srcId="0" destId="4" srcOrd="3" destOrd="0"/>
+      </dgm:cxnLst>
+      <dgm:bg/>
+      <dgm:whole/>
+    </dgm:dataModel>
+  </dgm:clrData>
+  <dgm:layoutNode name="diagram">
+    <dgm:varLst>
+      <dgm:dir/>
+      <dgm:resizeHandles val="exact"/>
+    </dgm:varLst>
+    <dgm:choose name="Name0">
+      <dgm:if name="Name1" axis="self" func="var" arg="dir" op="equ" val="norm">
+        <dgm:alg type="snake">
+          <dgm:param type="grDir" val="tL"/>
+          <dgm:param type="flowDir" val="row"/>
+          <dgm:param type="contDir" val="revDir"/>
+          <dgm:param type="bkpt" val="endCnv"/>
+        </dgm:alg>
+      </dgm:if>
+      <dgm:else name="Name2">
+        <dgm:alg type="snake">
+          <dgm:param type="grDir" val="tR"/>
+          <dgm:param type="flowDir" val="row"/>
+          <dgm:param type="contDir" val="revDir"/>
+          <dgm:param type="bkpt" val="endCnv"/>
+        </dgm:alg>
+      </dgm:else>
+    </dgm:choose>
+    <dgm:shape xmlns:r="http://schemas.openxmlformats.org/officeDocument/2006/relationships" r:blip="">
+      <dgm:adjLst/>
+    </dgm:shape>
+    <dgm:presOf/>
+    <dgm:constrLst>
+      <dgm:constr type="w" for="ch" ptType="node" refType="w"/>
+      <dgm:constr type="w" for="ch" forName="sibTrans" refType="w" refFor="ch" refPtType="node" op="equ" fact="0.4"/>
+      <dgm:constr type="sp" refType="w" refFor="ch" refForName="sibTrans" op="equ"/>
+      <dgm:constr type="primFontSz" for="ch" ptType="node" op="equ" val="65"/>
+      <dgm:constr type="primFontSz" for="des" forName="connectorText" op="equ" val="55"/>
+      <dgm:constr type="primFontSz" for="des" forName="connectorText" refType="primFontSz" refFor="ch" refPtType="node" op="lte" fact="0.8"/>
+    </dgm:constrLst>
+    <dgm:ruleLst/>
+    <dgm:forEach name="nodesForEach" axis="ch" ptType="node">
+      <dgm:layoutNode name="node">
+        <dgm:varLst>
+          <dgm:bulletEnabled val="1"/>
+        </dgm:varLst>
+        <dgm:alg type="tx"/>
+        <dgm:shape xmlns:r="http://schemas.openxmlformats.org/officeDocument/2006/relationships" type="roundRect" r:blip="">
+          <dgm:adjLst>
+            <dgm:adj idx="1" val="0.1"/>
+          </dgm:adjLst>
+        </dgm:shape>
+        <dgm:presOf axis="desOrSelf" ptType="node"/>
+        <dgm:constrLst>
+          <dgm:constr type="h" refType="w" fact="0.6"/>
+          <dgm:constr type="tMarg" refType="primFontSz" fact="0.3"/>
+          <dgm:constr type="bMarg" refType="primFontSz" fact="0.3"/>
+          <dgm:constr type="lMarg" refType="primFontSz" fact="0.3"/>
+          <dgm:constr type="rMarg" refType="primFontSz" fact="0.3"/>
+        </dgm:constrLst>
+        <dgm:ruleLst>
+          <dgm:rule type="primFontSz" val="5" fact="NaN" max="NaN"/>
+        </dgm:ruleLst>
+      </dgm:layoutNode>
+      <dgm:forEach name="sibTransForEach" axis="followSib" ptType="sibTrans" cnt="1">
+        <dgm:layoutNode name="sibTrans">
+          <dgm:alg type="conn">
+            <dgm:param type="begPts" val="auto"/>
+            <dgm:param type="endPts" val="auto"/>
+          </dgm:alg>
+          <dgm:shape xmlns:r="http://schemas.openxmlformats.org/officeDocument/2006/relationships" type="conn" r:blip="">
+            <dgm:adjLst/>
+          </dgm:shape>
+          <dgm:presOf axis="self"/>
+          <dgm:constrLst>
+            <dgm:constr type="h" refType="w" fact="0.62"/>
+            <dgm:constr type="connDist"/>
+          </dgm:constrLst>
+          <dgm:ruleLst/>
+          <dgm:layoutNode name="connectorText">
+            <dgm:alg type="tx">
+              <dgm:param type="autoTxRot" val="upr"/>
+            </dgm:alg>
+            <dgm:shape xmlns:r="http://schemas.openxmlformats.org/officeDocument/2006/relationships" type="conn" r:blip="" hideGeom="1">
+              <dgm:adjLst/>
+            </dgm:shape>
+            <dgm:presOf axis="self"/>
+            <dgm:constrLst>
+              <dgm:constr type="lMarg"/>
+              <dgm:constr type="rMarg"/>
+              <dgm:constr type="tMarg"/>
+              <dgm:constr type="bMarg"/>
+            </dgm:constrLst>
+            <dgm:ruleLst>
+              <dgm:rule type="primFontSz" val="5" fact="NaN" max="NaN"/>
+            </dgm:ruleLst>
+          </dgm:layoutNode>
+        </dgm:layoutNode>
+      </dgm:forEach>
+    </dgm:forEach>
+  </dgm:layoutNode>
+</dgm:layoutDef>
+</file>
+
+<file path=ppt/diagrams/layout5.xml><?xml version="1.0" encoding="utf-8"?>
+<dgm:layoutDef xmlns:dgm="http://schemas.openxmlformats.org/drawingml/2006/diagram" xmlns:a="http://schemas.openxmlformats.org/drawingml/2006/main" uniqueId="urn:microsoft.com/office/officeart/2005/8/layout/process5">
+  <dgm:title val=""/>
+  <dgm:desc val=""/>
+  <dgm:catLst>
+    <dgm:cat type="process" pri="17000"/>
+  </dgm:catLst>
+  <dgm:sampData>
+    <dgm:dataModel>
+      <dgm:ptLst>
+        <dgm:pt modelId="0" type="doc"/>
+        <dgm:pt modelId="1">
+          <dgm:prSet phldr="1"/>
+        </dgm:pt>
+        <dgm:pt modelId="2">
+          <dgm:prSet phldr="1"/>
+        </dgm:pt>
+        <dgm:pt modelId="3">
+          <dgm:prSet phldr="1"/>
+        </dgm:pt>
+        <dgm:pt modelId="4">
+          <dgm:prSet phldr="1"/>
+        </dgm:pt>
+        <dgm:pt modelId="5">
+          <dgm:prSet phldr="1"/>
+        </dgm:pt>
+      </dgm:ptLst>
+      <dgm:cxnLst>
+        <dgm:cxn modelId="7" srcId="0" destId="1" srcOrd="0" destOrd="0"/>
+        <dgm:cxn modelId="8" srcId="0" destId="2" srcOrd="1" destOrd="0"/>
+        <dgm:cxn modelId="9" srcId="0" destId="3" srcOrd="2" destOrd="0"/>
+        <dgm:cxn modelId="10" srcId="0" destId="4" srcOrd="3" destOrd="0"/>
+        <dgm:cxn modelId="11" srcId="0" destId="5" srcOrd="4" destOrd="0"/>
+      </dgm:cxnLst>
+      <dgm:bg/>
+      <dgm:whole/>
+    </dgm:dataModel>
+  </dgm:sampData>
+  <dgm:styleData>
+    <dgm:dataModel>
+      <dgm:ptLst>
+        <dgm:pt modelId="0" type="doc"/>
+        <dgm:pt modelId="1"/>
+        <dgm:pt modelId="2"/>
+      </dgm:ptLst>
+      <dgm:cxnLst>
+        <dgm:cxn modelId="3" srcId="0" destId="1" srcOrd="0" destOrd="0"/>
+        <dgm:cxn modelId="4" srcId="0" destId="2" srcOrd="1" destOrd="0"/>
+      </dgm:cxnLst>
+      <dgm:bg/>
+      <dgm:whole/>
+    </dgm:dataModel>
+  </dgm:styleData>
+  <dgm:clrData>
+    <dgm:dataModel>
+      <dgm:ptLst>
+        <dgm:pt modelId="0" type="doc"/>
+        <dgm:pt modelId="1"/>
+        <dgm:pt modelId="2"/>
+        <dgm:pt modelId="3"/>
+        <dgm:pt modelId="4"/>
+      </dgm:ptLst>
+      <dgm:cxnLst>
+        <dgm:cxn modelId="5" srcId="0" destId="1" srcOrd="0" destOrd="0"/>
+        <dgm:cxn modelId="6" srcId="0" destId="2" srcOrd="1" destOrd="0"/>
+        <dgm:cxn modelId="7" srcId="0" destId="3" srcOrd="2" destOrd="0"/>
+        <dgm:cxn modelId="8" srcId="0" destId="4" srcOrd="3" destOrd="0"/>
+      </dgm:cxnLst>
+      <dgm:bg/>
+      <dgm:whole/>
+    </dgm:dataModel>
+  </dgm:clrData>
+  <dgm:layoutNode name="diagram">
+    <dgm:varLst>
+      <dgm:dir/>
+      <dgm:resizeHandles val="exact"/>
+    </dgm:varLst>
+    <dgm:choose name="Name0">
+      <dgm:if name="Name1" axis="self" func="var" arg="dir" op="equ" val="norm">
+        <dgm:alg type="snake">
+          <dgm:param type="grDir" val="tL"/>
+          <dgm:param type="flowDir" val="row"/>
+          <dgm:param type="contDir" val="revDir"/>
+          <dgm:param type="bkpt" val="endCnv"/>
+        </dgm:alg>
+      </dgm:if>
+      <dgm:else name="Name2">
+        <dgm:alg type="snake">
+          <dgm:param type="grDir" val="tR"/>
+          <dgm:param type="flowDir" val="row"/>
+          <dgm:param type="contDir" val="revDir"/>
+          <dgm:param type="bkpt" val="endCnv"/>
+        </dgm:alg>
+      </dgm:else>
+    </dgm:choose>
+    <dgm:shape xmlns:r="http://schemas.openxmlformats.org/officeDocument/2006/relationships" r:blip="">
+      <dgm:adjLst/>
+    </dgm:shape>
+    <dgm:presOf/>
+    <dgm:constrLst>
+      <dgm:constr type="w" for="ch" ptType="node" refType="w"/>
+      <dgm:constr type="w" for="ch" forName="sibTrans" refType="w" refFor="ch" refPtType="node" op="equ" fact="0.4"/>
+      <dgm:constr type="sp" refType="w" refFor="ch" refForName="sibTrans" op="equ"/>
+      <dgm:constr type="primFontSz" for="ch" ptType="node" op="equ" val="65"/>
+      <dgm:constr type="primFontSz" for="des" forName="connectorText" op="equ" val="55"/>
+      <dgm:constr type="primFontSz" for="des" forName="connectorText" refType="primFontSz" refFor="ch" refPtType="node" op="lte" fact="0.8"/>
+    </dgm:constrLst>
+    <dgm:ruleLst/>
+    <dgm:forEach name="nodesForEach" axis="ch" ptType="node">
+      <dgm:layoutNode name="node">
+        <dgm:varLst>
+          <dgm:bulletEnabled val="1"/>
+        </dgm:varLst>
+        <dgm:alg type="tx"/>
+        <dgm:shape xmlns:r="http://schemas.openxmlformats.org/officeDocument/2006/relationships" type="roundRect" r:blip="">
+          <dgm:adjLst>
+            <dgm:adj idx="1" val="0.1"/>
+          </dgm:adjLst>
+        </dgm:shape>
+        <dgm:presOf axis="desOrSelf" ptType="node"/>
+        <dgm:constrLst>
+          <dgm:constr type="h" refType="w" fact="0.6"/>
+          <dgm:constr type="tMarg" refType="primFontSz" fact="0.3"/>
+          <dgm:constr type="bMarg" refType="primFontSz" fact="0.3"/>
+          <dgm:constr type="lMarg" refType="primFontSz" fact="0.3"/>
+          <dgm:constr type="rMarg" refType="primFontSz" fact="0.3"/>
+        </dgm:constrLst>
+        <dgm:ruleLst>
+          <dgm:rule type="primFontSz" val="5" fact="NaN" max="NaN"/>
+        </dgm:ruleLst>
+      </dgm:layoutNode>
+      <dgm:forEach name="sibTransForEach" axis="followSib" ptType="sibTrans" cnt="1">
+        <dgm:layoutNode name="sibTrans">
+          <dgm:alg type="conn">
+            <dgm:param type="begPts" val="auto"/>
+            <dgm:param type="endPts" val="auto"/>
+          </dgm:alg>
+          <dgm:shape xmlns:r="http://schemas.openxmlformats.org/officeDocument/2006/relationships" type="conn" r:blip="">
+            <dgm:adjLst/>
+          </dgm:shape>
+          <dgm:presOf axis="self"/>
+          <dgm:constrLst>
+            <dgm:constr type="h" refType="w" fact="0.62"/>
+            <dgm:constr type="connDist"/>
+          </dgm:constrLst>
+          <dgm:ruleLst/>
+          <dgm:layoutNode name="connectorText">
+            <dgm:alg type="tx">
+              <dgm:param type="autoTxRot" val="upr"/>
+            </dgm:alg>
+            <dgm:shape xmlns:r="http://schemas.openxmlformats.org/officeDocument/2006/relationships" type="conn" r:blip="" hideGeom="1">
+              <dgm:adjLst/>
+            </dgm:shape>
+            <dgm:presOf axis="self"/>
+            <dgm:constrLst>
+              <dgm:constr type="lMarg"/>
+              <dgm:constr type="rMarg"/>
+              <dgm:constr type="tMarg"/>
+              <dgm:constr type="bMarg"/>
+            </dgm:constrLst>
+            <dgm:ruleLst>
+              <dgm:rule type="primFontSz" val="5" fact="NaN" max="NaN"/>
+            </dgm:ruleLst>
+          </dgm:layoutNode>
+        </dgm:layoutNode>
+      </dgm:forEach>
+    </dgm:forEach>
+  </dgm:layoutNode>
+</dgm:layoutDef>
+</file>
+
+<file path=ppt/diagrams/layout6.xml><?xml version="1.0" encoding="utf-8"?>
+<dgm:layoutDef xmlns:dgm="http://schemas.openxmlformats.org/drawingml/2006/diagram" xmlns:a="http://schemas.openxmlformats.org/drawingml/2006/main" uniqueId="urn:microsoft.com/office/officeart/2005/8/layout/bProcess3">
+  <dgm:title val=""/>
+  <dgm:desc val=""/>
+  <dgm:catLst>
+    <dgm:cat type="process" pri="18000"/>
+  </dgm:catLst>
+  <dgm:sampData>
+    <dgm:dataModel>
+      <dgm:ptLst>
+        <dgm:pt modelId="0" type="doc"/>
+        <dgm:pt modelId="1">
+          <dgm:prSet phldr="1"/>
+        </dgm:pt>
+        <dgm:pt modelId="2">
+          <dgm:prSet phldr="1"/>
+        </dgm:pt>
+        <dgm:pt modelId="3">
+          <dgm:prSet phldr="1"/>
+        </dgm:pt>
+        <dgm:pt modelId="4">
+          <dgm:prSet phldr="1"/>
+        </dgm:pt>
+        <dgm:pt modelId="5">
+          <dgm:prSet phldr="1"/>
+        </dgm:pt>
+      </dgm:ptLst>
+      <dgm:cxnLst>
+        <dgm:cxn modelId="7" srcId="0" destId="1" srcOrd="0" destOrd="0"/>
+        <dgm:cxn modelId="8" srcId="0" destId="2" srcOrd="1" destOrd="0"/>
+        <dgm:cxn modelId="9" srcId="0" destId="3" srcOrd="2" destOrd="0"/>
+        <dgm:cxn modelId="10" srcId="0" destId="4" srcOrd="3" destOrd="0"/>
+        <dgm:cxn modelId="11" srcId="0" destId="5" srcOrd="4" destOrd="0"/>
+      </dgm:cxnLst>
+      <dgm:bg/>
+      <dgm:whole/>
+    </dgm:dataModel>
+  </dgm:sampData>
+  <dgm:styleData>
+    <dgm:dataModel>
+      <dgm:ptLst>
+        <dgm:pt modelId="0" type="doc"/>
+        <dgm:pt modelId="1"/>
+        <dgm:pt modelId="2"/>
+      </dgm:ptLst>
+      <dgm:cxnLst>
+        <dgm:cxn modelId="3" srcId="0" destId="1" srcOrd="0" destOrd="0"/>
+        <dgm:cxn modelId="4" srcId="0" destId="2" srcOrd="1" destOrd="0"/>
+      </dgm:cxnLst>
+      <dgm:bg/>
+      <dgm:whole/>
+    </dgm:dataModel>
+  </dgm:styleData>
+  <dgm:clrData>
+    <dgm:dataModel>
+      <dgm:ptLst>
+        <dgm:pt modelId="0" type="doc"/>
+        <dgm:pt modelId="1"/>
+        <dgm:pt modelId="2"/>
+        <dgm:pt modelId="3"/>
+        <dgm:pt modelId="4"/>
+      </dgm:ptLst>
+      <dgm:cxnLst>
+        <dgm:cxn modelId="5" srcId="0" destId="1" srcOrd="0" destOrd="0"/>
+        <dgm:cxn modelId="6" srcId="0" destId="2" srcOrd="1" destOrd="0"/>
+        <dgm:cxn modelId="7" srcId="0" destId="3" srcOrd="2" destOrd="0"/>
+        <dgm:cxn modelId="8" srcId="0" destId="4" srcOrd="3" destOrd="0"/>
+      </dgm:cxnLst>
+      <dgm:bg/>
+      <dgm:whole/>
+    </dgm:dataModel>
+  </dgm:clrData>
+  <dgm:layoutNode name="Name0">
+    <dgm:varLst>
+      <dgm:dir/>
+      <dgm:resizeHandles val="exact"/>
+    </dgm:varLst>
+    <dgm:choose name="Name1">
+      <dgm:if name="Name2" axis="self" func="var" arg="dir" op="equ" val="norm">
+        <dgm:alg type="snake">
+          <dgm:param type="grDir" val="tL"/>
+          <dgm:param type="flowDir" val="row"/>
+          <dgm:param type="contDir" val="sameDir"/>
+          <dgm:param type="bkpt" val="endCnv"/>
+        </dgm:alg>
+      </dgm:if>
+      <dgm:else name="Name3">
+        <dgm:alg type="snake">
+          <dgm:param type="grDir" val="tR"/>
+          <dgm:param type="flowDir" val="row"/>
+          <dgm:param type="contDir" val="sameDir"/>
+          <dgm:param type="bkpt" val="endCnv"/>
+        </dgm:alg>
+      </dgm:else>
+    </dgm:choose>
+    <dgm:shape xmlns:r="http://schemas.openxmlformats.org/officeDocument/2006/relationships" r:blip="">
+      <dgm:adjLst/>
+    </dgm:shape>
+    <dgm:presOf/>
+    <dgm:constrLst>
+      <dgm:constr type="w" for="ch" ptType="node" refType="w"/>
+      <dgm:constr type="w" for="ch" forName="sibTrans" refType="w" refFor="ch" refPtType="node" op="equ" fact="0.23"/>
+      <dgm:constr type="sp" refType="w" refFor="ch" refForName="sibTrans" op="equ"/>
+      <dgm:constr type="userB" for="des" forName="connectorText" refType="sp"/>
+      <dgm:constr type="primFontSz" for="ch" ptType="node" op="equ" val="65"/>
+      <dgm:constr type="h" for="ch" ptType="sibTrans" op="equ"/>
+      <dgm:constr type="primFontSz" for="des" forName="connectorText" op="equ" val="55"/>
+      <dgm:constr type="primFontSz" for="des" forName="connectorText" refType="primFontSz" refFor="ch" refPtType="node" op="lte" fact="0.8"/>
+    </dgm:constrLst>
+    <dgm:ruleLst/>
+    <dgm:forEach name="nodesForEach" axis="ch" ptType="node">
+      <dgm:layoutNode name="node">
+        <dgm:varLst>
+          <dgm:bulletEnabled val="1"/>
+        </dgm:varLst>
+        <dgm:alg type="tx"/>
+        <dgm:shape xmlns:r="http://schemas.openxmlformats.org/officeDocument/2006/relationships" type="rect" r:blip="">
+          <dgm:adjLst/>
+        </dgm:shape>
+        <dgm:presOf axis="desOrSelf" ptType="node"/>
+        <dgm:constrLst>
+          <dgm:constr type="h" refType="w" fact="0.6"/>
+        </dgm:constrLst>
+        <dgm:ruleLst>
+          <dgm:rule type="primFontSz" val="5" fact="NaN" max="NaN"/>
+        </dgm:ruleLst>
+      </dgm:layoutNode>
+      <dgm:forEach name="sibTransForEach" axis="followSib" ptType="sibTrans" cnt="1">
+        <dgm:layoutNode name="sibTrans">
+          <dgm:choose name="Name4">
+            <dgm:if name="Name5" axis="self" func="var" arg="dir" op="equ" val="norm">
+              <dgm:alg type="conn">
+                <dgm:param type="connRout" val="bend"/>
+                <dgm:param type="dim" val="1D"/>
+                <dgm:param type="begPts" val="midR bCtr"/>
+                <dgm:param type="endPts" val="midL tCtr"/>
+              </dgm:alg>
+            </dgm:if>
+            <dgm:else name="Name6">
+              <dgm:alg type="conn">
+                <dgm:param type="connRout" val="bend"/>
+                <dgm:param type="dim" val="1D"/>
+                <dgm:param type="begPts" val="midL bCtr"/>
+                <dgm:param type="endPts" val="midR tCtr"/>
+              </dgm:alg>
+            </dgm:else>
+          </dgm:choose>
+          <dgm:shape xmlns:r="http://schemas.openxmlformats.org/officeDocument/2006/relationships" type="conn" r:blip="" zOrderOff="-2">
+            <dgm:adjLst/>
+          </dgm:shape>
+          <dgm:presOf axis="self"/>
+          <dgm:constrLst>
+            <dgm:constr type="begPad" val="-0.05"/>
+            <dgm:constr type="endPad" val="0.9"/>
+            <dgm:constr type="userA" for="ch" refType="connDist"/>
+          </dgm:constrLst>
+          <dgm:ruleLst/>
+          <dgm:layoutNode name="connectorText">
+            <dgm:alg type="tx">
+              <dgm:param type="autoTxRot" val="upr"/>
+            </dgm:alg>
+            <dgm:shape xmlns:r="http://schemas.openxmlformats.org/officeDocument/2006/relationships" type="rect" r:blip="" hideGeom="1">
+              <dgm:adjLst/>
+            </dgm:shape>
+            <dgm:presOf axis="self"/>
+            <dgm:constrLst>
+              <dgm:constr type="userA"/>
+              <dgm:constr type="userB"/>
+              <dgm:constr type="w" refType="userA" fact="0.05"/>
+              <dgm:constr type="h" refType="userB" fact="0.01"/>
+              <dgm:constr type="lMarg" val="1"/>
+              <dgm:constr type="rMarg" val="1"/>
+              <dgm:constr type="tMarg"/>
+              <dgm:constr type="bMarg"/>
+            </dgm:constrLst>
+            <dgm:ruleLst>
+              <dgm:rule type="w" val="NaN" fact="0.6" max="NaN"/>
+              <dgm:rule type="h" val="NaN" fact="0.6" max="NaN"/>
+              <dgm:rule type="primFontSz" val="5" fact="NaN" max="NaN"/>
+            </dgm:ruleLst>
+          </dgm:layoutNode>
+        </dgm:layoutNode>
+      </dgm:forEach>
+    </dgm:forEach>
+  </dgm:layoutNode>
+</dgm:layoutDef>
+</file>
+
 <file path=ppt/diagrams/layout7.xml><?xml version="1.0" encoding="utf-8"?>
 <dgm:layoutDef xmlns:dgm="http://schemas.openxmlformats.org/drawingml/2006/diagram" xmlns:a="http://schemas.openxmlformats.org/drawingml/2006/main" uniqueId="urn:microsoft.com/office/officeart/2005/8/layout/bProcess3">
   <dgm:title val=""/>
@@ -39348,7 +40057,7 @@
           <a:p>
             <a:fld id="{F42248BF-20D0-4D6E-AAE4-EB834815EFEF}" type="datetimeFigureOut">
               <a:rPr lang="en-US" smtClean="0"/>
-              <a:t>11/24/2015</a:t>
+              <a:t>11/25/2015</a:t>
             </a:fld>
             <a:endParaRPr lang="en-US"/>
           </a:p>
@@ -39561,7 +40270,7 @@
           <a:p>
             <a:fld id="{F42248BF-20D0-4D6E-AAE4-EB834815EFEF}" type="datetimeFigureOut">
               <a:rPr lang="en-US" smtClean="0"/>
-              <a:t>11/24/2015</a:t>
+              <a:t>11/25/2015</a:t>
             </a:fld>
             <a:endParaRPr lang="en-US"/>
           </a:p>
@@ -39817,7 +40526,7 @@
           <a:p>
             <a:fld id="{F42248BF-20D0-4D6E-AAE4-EB834815EFEF}" type="datetimeFigureOut">
               <a:rPr lang="en-US" smtClean="0"/>
-              <a:t>11/24/2015</a:t>
+              <a:t>11/25/2015</a:t>
             </a:fld>
             <a:endParaRPr lang="en-US"/>
           </a:p>
@@ -40014,7 +40723,7 @@
           <a:p>
             <a:fld id="{F42248BF-20D0-4D6E-AAE4-EB834815EFEF}" type="datetimeFigureOut">
               <a:rPr lang="en-US" smtClean="0"/>
-              <a:t>11/24/2015</a:t>
+              <a:t>11/25/2015</a:t>
             </a:fld>
             <a:endParaRPr lang="en-US"/>
           </a:p>
@@ -40189,7 +40898,7 @@
           <a:p>
             <a:fld id="{F42248BF-20D0-4D6E-AAE4-EB834815EFEF}" type="datetimeFigureOut">
               <a:rPr lang="en-US" smtClean="0"/>
-              <a:t>11/24/2015</a:t>
+              <a:t>11/25/2015</a:t>
             </a:fld>
             <a:endParaRPr lang="en-US"/>
           </a:p>
@@ -40435,7 +41144,7 @@
           <a:p>
             <a:fld id="{F42248BF-20D0-4D6E-AAE4-EB834815EFEF}" type="datetimeFigureOut">
               <a:rPr lang="en-US" smtClean="0"/>
-              <a:t>11/24/2015</a:t>
+              <a:t>11/25/2015</a:t>
             </a:fld>
             <a:endParaRPr lang="en-US"/>
           </a:p>
@@ -40672,7 +41381,7 @@
           <a:p>
             <a:fld id="{F42248BF-20D0-4D6E-AAE4-EB834815EFEF}" type="datetimeFigureOut">
               <a:rPr lang="en-US" smtClean="0"/>
-              <a:t>11/24/2015</a:t>
+              <a:t>11/25/2015</a:t>
             </a:fld>
             <a:endParaRPr lang="en-US"/>
           </a:p>
@@ -41044,7 +41753,7 @@
           <a:p>
             <a:fld id="{F42248BF-20D0-4D6E-AAE4-EB834815EFEF}" type="datetimeFigureOut">
               <a:rPr lang="en-US" smtClean="0"/>
-              <a:t>11/24/2015</a:t>
+              <a:t>11/25/2015</a:t>
             </a:fld>
             <a:endParaRPr lang="en-US"/>
           </a:p>
@@ -41167,7 +41876,7 @@
           <a:p>
             <a:fld id="{F42248BF-20D0-4D6E-AAE4-EB834815EFEF}" type="datetimeFigureOut">
               <a:rPr lang="en-US" smtClean="0"/>
-              <a:t>11/24/2015</a:t>
+              <a:t>11/25/2015</a:t>
             </a:fld>
             <a:endParaRPr lang="en-US"/>
           </a:p>
@@ -41262,7 +41971,7 @@
           <a:p>
             <a:fld id="{F42248BF-20D0-4D6E-AAE4-EB834815EFEF}" type="datetimeFigureOut">
               <a:rPr lang="en-US" smtClean="0"/>
-              <a:t>11/24/2015</a:t>
+              <a:t>11/25/2015</a:t>
             </a:fld>
             <a:endParaRPr lang="en-US"/>
           </a:p>
@@ -41539,7 +42248,7 @@
           <a:p>
             <a:fld id="{F42248BF-20D0-4D6E-AAE4-EB834815EFEF}" type="datetimeFigureOut">
               <a:rPr lang="en-US" smtClean="0"/>
-              <a:t>11/24/2015</a:t>
+              <a:t>11/25/2015</a:t>
             </a:fld>
             <a:endParaRPr lang="en-US"/>
           </a:p>
@@ -41714,7 +42423,7 @@
           <a:p>
             <a:fld id="{F42248BF-20D0-4D6E-AAE4-EB834815EFEF}" type="datetimeFigureOut">
               <a:rPr lang="en-US" smtClean="0"/>
-              <a:t>11/24/2015</a:t>
+              <a:t>11/25/2015</a:t>
             </a:fld>
             <a:endParaRPr lang="en-US"/>
           </a:p>
@@ -41967,7 +42676,7 @@
           <a:p>
             <a:fld id="{F42248BF-20D0-4D6E-AAE4-EB834815EFEF}" type="datetimeFigureOut">
               <a:rPr lang="en-US" smtClean="0"/>
-              <a:t>11/24/2015</a:t>
+              <a:t>11/25/2015</a:t>
             </a:fld>
             <a:endParaRPr lang="en-US"/>
           </a:p>
@@ -42137,7 +42846,7 @@
           <a:p>
             <a:fld id="{F42248BF-20D0-4D6E-AAE4-EB834815EFEF}" type="datetimeFigureOut">
               <a:rPr lang="en-US" smtClean="0"/>
-              <a:t>11/24/2015</a:t>
+              <a:t>11/25/2015</a:t>
             </a:fld>
             <a:endParaRPr lang="en-US"/>
           </a:p>
@@ -42317,7 +43026,7 @@
           <a:p>
             <a:fld id="{F42248BF-20D0-4D6E-AAE4-EB834815EFEF}" type="datetimeFigureOut">
               <a:rPr lang="en-US" smtClean="0"/>
-              <a:t>11/24/2015</a:t>
+              <a:t>11/25/2015</a:t>
             </a:fld>
             <a:endParaRPr lang="en-US"/>
           </a:p>
@@ -42665,7 +43374,7 @@
           <a:p>
             <a:fld id="{F42248BF-20D0-4D6E-AAE4-EB834815EFEF}" type="datetimeFigureOut">
               <a:rPr lang="en-US" smtClean="0"/>
-              <a:t>11/24/2015</a:t>
+              <a:t>11/25/2015</a:t>
             </a:fld>
             <a:endParaRPr lang="en-US"/>
           </a:p>
@@ -42945,7 +43654,7 @@
           <a:p>
             <a:fld id="{F42248BF-20D0-4D6E-AAE4-EB834815EFEF}" type="datetimeFigureOut">
               <a:rPr lang="en-US" smtClean="0"/>
-              <a:t>11/24/2015</a:t>
+              <a:t>11/25/2015</a:t>
             </a:fld>
             <a:endParaRPr lang="en-US"/>
           </a:p>
@@ -43329,7 +44038,7 @@
           <a:p>
             <a:fld id="{F42248BF-20D0-4D6E-AAE4-EB834815EFEF}" type="datetimeFigureOut">
               <a:rPr lang="en-US" smtClean="0"/>
-              <a:t>11/24/2015</a:t>
+              <a:t>11/25/2015</a:t>
             </a:fld>
             <a:endParaRPr lang="en-US"/>
           </a:p>
@@ -43452,7 +44161,7 @@
           <a:p>
             <a:fld id="{F42248BF-20D0-4D6E-AAE4-EB834815EFEF}" type="datetimeFigureOut">
               <a:rPr lang="en-US" smtClean="0"/>
-              <a:t>11/24/2015</a:t>
+              <a:t>11/25/2015</a:t>
             </a:fld>
             <a:endParaRPr lang="en-US"/>
           </a:p>
@@ -43623,7 +44332,7 @@
           <a:p>
             <a:fld id="{F42248BF-20D0-4D6E-AAE4-EB834815EFEF}" type="datetimeFigureOut">
               <a:rPr lang="en-US" smtClean="0"/>
-              <a:t>11/24/2015</a:t>
+              <a:t>11/25/2015</a:t>
             </a:fld>
             <a:endParaRPr lang="en-US"/>
           </a:p>
@@ -43977,7 +44686,7 @@
           <a:p>
             <a:fld id="{F42248BF-20D0-4D6E-AAE4-EB834815EFEF}" type="datetimeFigureOut">
               <a:rPr lang="en-US" smtClean="0"/>
-              <a:t>11/24/2015</a:t>
+              <a:t>11/25/2015</a:t>
             </a:fld>
             <a:endParaRPr lang="en-US"/>
           </a:p>
@@ -44359,7 +45068,7 @@
           <a:p>
             <a:fld id="{F42248BF-20D0-4D6E-AAE4-EB834815EFEF}" type="datetimeFigureOut">
               <a:rPr lang="en-US" smtClean="0"/>
-              <a:t>11/24/2015</a:t>
+              <a:t>11/25/2015</a:t>
             </a:fld>
             <a:endParaRPr lang="en-US"/>
           </a:p>
@@ -44646,7 +45355,7 @@
           <a:p>
             <a:fld id="{F42248BF-20D0-4D6E-AAE4-EB834815EFEF}" type="datetimeFigureOut">
               <a:rPr lang="en-US" smtClean="0"/>
-              <a:t>11/24/2015</a:t>
+              <a:t>11/25/2015</a:t>
             </a:fld>
             <a:endParaRPr lang="en-US"/>
           </a:p>
@@ -45310,7 +46019,7 @@
           <a:p>
             <a:fld id="{F42248BF-20D0-4D6E-AAE4-EB834815EFEF}" type="datetimeFigureOut">
               <a:rPr lang="en-US" smtClean="0"/>
-              <a:t>11/24/2015</a:t>
+              <a:t>11/25/2015</a:t>
             </a:fld>
             <a:endParaRPr lang="en-US"/>
           </a:p>
@@ -45866,103 +46575,6 @@
             <p:ph type="title"/>
           </p:nvPr>
         </p:nvSpPr>
-        <p:spPr>
-          <a:xfrm>
-            <a:off x="304800" y="0"/>
-            <a:ext cx="7886700" cy="1325563"/>
-          </a:xfrm>
-        </p:spPr>
-        <p:txBody>
-          <a:bodyPr/>
-          <a:lstStyle/>
-          <a:p>
-            <a:r>
-              <a:rPr lang="en-US" dirty="0" err="1" smtClean="0"/>
-              <a:t>Alur</a:t>
-            </a:r>
-            <a:r>
-              <a:rPr lang="en-US" dirty="0" smtClean="0"/>
-              <a:t> </a:t>
-            </a:r>
-            <a:r>
-              <a:rPr lang="en-US" dirty="0" err="1" smtClean="0"/>
-              <a:t>Penagihan</a:t>
-            </a:r>
-            <a:endParaRPr lang="en-US" dirty="0"/>
-          </a:p>
-        </p:txBody>
-      </p:sp>
-      <p:pic>
-        <p:nvPicPr>
-          <p:cNvPr id="4" name="Picture 3"/>
-          <p:cNvPicPr>
-            <a:picLocks noChangeAspect="1"/>
-          </p:cNvPicPr>
-          <p:nvPr/>
-        </p:nvPicPr>
-        <p:blipFill>
-          <a:blip r:embed="rId2"/>
-          <a:stretch>
-            <a:fillRect/>
-          </a:stretch>
-        </p:blipFill>
-        <p:spPr>
-          <a:xfrm>
-            <a:off x="1981200" y="922282"/>
-            <a:ext cx="6385560" cy="5935718"/>
-          </a:xfrm>
-          <a:prstGeom prst="rect">
-            <a:avLst/>
-          </a:prstGeom>
-        </p:spPr>
-      </p:pic>
-    </p:spTree>
-    <p:extLst>
-      <p:ext uri="{BB962C8B-B14F-4D97-AF65-F5344CB8AC3E}">
-        <p14:creationId xmlns:p14="http://schemas.microsoft.com/office/powerpoint/2010/main" val="1154501119"/>
-      </p:ext>
-    </p:extLst>
-  </p:cSld>
-  <p:clrMapOvr>
-    <a:masterClrMapping/>
-  </p:clrMapOvr>
-  <p:timing>
-    <p:tnLst>
-      <p:par>
-        <p:cTn id="1" dur="indefinite" restart="never" nodeType="tmRoot"/>
-      </p:par>
-    </p:tnLst>
-  </p:timing>
-</p:sld>
-</file>
-
-<file path=ppt/slides/slide11.xml><?xml version="1.0" encoding="utf-8"?>
-<p:sld xmlns:a="http://schemas.openxmlformats.org/drawingml/2006/main" xmlns:r="http://schemas.openxmlformats.org/officeDocument/2006/relationships" xmlns:p="http://schemas.openxmlformats.org/presentationml/2006/main">
-  <p:cSld>
-    <p:spTree>
-      <p:nvGrpSpPr>
-        <p:cNvPr id="1" name=""/>
-        <p:cNvGrpSpPr/>
-        <p:nvPr/>
-      </p:nvGrpSpPr>
-      <p:grpSpPr>
-        <a:xfrm>
-          <a:off x="0" y="0"/>
-          <a:ext cx="0" cy="0"/>
-          <a:chOff x="0" y="0"/>
-          <a:chExt cx="0" cy="0"/>
-        </a:xfrm>
-      </p:grpSpPr>
-      <p:sp>
-        <p:nvSpPr>
-          <p:cNvPr id="2" name="Title 1"/>
-          <p:cNvSpPr>
-            <a:spLocks noGrp="1"/>
-          </p:cNvSpPr>
-          <p:nvPr>
-            <p:ph type="title"/>
-          </p:nvPr>
-        </p:nvSpPr>
         <p:spPr/>
         <p:txBody>
           <a:bodyPr/>
@@ -46049,7 +46661,7 @@
 </p:sld>
 </file>
 
-<file path=ppt/slides/slide12.xml><?xml version="1.0" encoding="utf-8"?>
+<file path=ppt/slides/slide11.xml><?xml version="1.0" encoding="utf-8"?>
 <p:sld xmlns:a="http://schemas.openxmlformats.org/drawingml/2006/main" xmlns:r="http://schemas.openxmlformats.org/officeDocument/2006/relationships" xmlns:p="http://schemas.openxmlformats.org/presentationml/2006/main">
   <p:cSld>
     <p:spTree>
@@ -46128,6 +46740,99 @@
   <p:clrMapOvr>
     <a:masterClrMapping/>
   </p:clrMapOvr>
+</p:sld>
+</file>
+
+<file path=ppt/slides/slide12.xml><?xml version="1.0" encoding="utf-8"?>
+<p:sld xmlns:a="http://schemas.openxmlformats.org/drawingml/2006/main" xmlns:r="http://schemas.openxmlformats.org/officeDocument/2006/relationships" xmlns:p="http://schemas.openxmlformats.org/presentationml/2006/main">
+  <p:cSld>
+    <p:spTree>
+      <p:nvGrpSpPr>
+        <p:cNvPr id="1" name=""/>
+        <p:cNvGrpSpPr/>
+        <p:nvPr/>
+      </p:nvGrpSpPr>
+      <p:grpSpPr>
+        <a:xfrm>
+          <a:off x="0" y="0"/>
+          <a:ext cx="0" cy="0"/>
+          <a:chOff x="0" y="0"/>
+          <a:chExt cx="0" cy="0"/>
+        </a:xfrm>
+      </p:grpSpPr>
+      <p:sp>
+        <p:nvSpPr>
+          <p:cNvPr id="2" name="Title 1"/>
+          <p:cNvSpPr>
+            <a:spLocks noGrp="1"/>
+          </p:cNvSpPr>
+          <p:nvPr>
+            <p:ph type="title"/>
+          </p:nvPr>
+        </p:nvSpPr>
+        <p:spPr/>
+        <p:txBody>
+          <a:bodyPr/>
+          <a:lstStyle/>
+          <a:p>
+            <a:r>
+              <a:rPr lang="en-US" dirty="0" err="1" smtClean="0"/>
+              <a:t>Alur</a:t>
+            </a:r>
+            <a:r>
+              <a:rPr lang="en-US" dirty="0" smtClean="0"/>
+              <a:t> </a:t>
+            </a:r>
+            <a:r>
+              <a:rPr lang="en-US" dirty="0" err="1" smtClean="0"/>
+              <a:t>ppjb</a:t>
+            </a:r>
+            <a:endParaRPr lang="en-US" dirty="0"/>
+          </a:p>
+        </p:txBody>
+      </p:sp>
+      <p:graphicFrame>
+        <p:nvGraphicFramePr>
+          <p:cNvPr id="4" name="Content Placeholder 3"/>
+          <p:cNvGraphicFramePr>
+            <a:graphicFrameLocks noGrp="1"/>
+          </p:cNvGraphicFramePr>
+          <p:nvPr>
+            <p:ph idx="1"/>
+            <p:extLst>
+              <p:ext uri="{D42A27DB-BD31-4B8C-83A1-F6EECF244321}">
+                <p14:modId xmlns:p14="http://schemas.microsoft.com/office/powerpoint/2010/main" val="1729271062"/>
+              </p:ext>
+            </p:extLst>
+          </p:nvPr>
+        </p:nvGraphicFramePr>
+        <p:xfrm>
+          <a:off x="822325" y="1846263"/>
+          <a:ext cx="7543800" cy="4022725"/>
+        </p:xfrm>
+        <a:graphic>
+          <a:graphicData uri="http://schemas.openxmlformats.org/drawingml/2006/diagram">
+            <dgm:relIds xmlns:dgm="http://schemas.openxmlformats.org/drawingml/2006/diagram" xmlns:r="http://schemas.openxmlformats.org/officeDocument/2006/relationships" r:dm="rId2" r:lo="rId3" r:qs="rId4" r:cs="rId5"/>
+          </a:graphicData>
+        </a:graphic>
+      </p:graphicFrame>
+    </p:spTree>
+    <p:extLst>
+      <p:ext uri="{BB962C8B-B14F-4D97-AF65-F5344CB8AC3E}">
+        <p14:creationId xmlns:p14="http://schemas.microsoft.com/office/powerpoint/2010/main" val="4154079153"/>
+      </p:ext>
+    </p:extLst>
+  </p:cSld>
+  <p:clrMapOvr>
+    <a:masterClrMapping/>
+  </p:clrMapOvr>
+  <p:timing>
+    <p:tnLst>
+      <p:par>
+        <p:cTn id="1" dur="indefinite" restart="never" nodeType="tmRoot"/>
+      </p:par>
+    </p:tnLst>
+  </p:timing>
 </p:sld>
 </file>
 
@@ -46711,99 +47416,6 @@
             </a:r>
             <a:r>
               <a:rPr lang="en-US" dirty="0" err="1" smtClean="0"/>
-              <a:t>ppjb</a:t>
-            </a:r>
-            <a:endParaRPr lang="en-US" dirty="0"/>
-          </a:p>
-        </p:txBody>
-      </p:sp>
-      <p:graphicFrame>
-        <p:nvGraphicFramePr>
-          <p:cNvPr id="4" name="Content Placeholder 3"/>
-          <p:cNvGraphicFramePr>
-            <a:graphicFrameLocks noGrp="1"/>
-          </p:cNvGraphicFramePr>
-          <p:nvPr>
-            <p:ph idx="1"/>
-            <p:extLst>
-              <p:ext uri="{D42A27DB-BD31-4B8C-83A1-F6EECF244321}">
-                <p14:modId xmlns:p14="http://schemas.microsoft.com/office/powerpoint/2010/main" val="742661916"/>
-              </p:ext>
-            </p:extLst>
-          </p:nvPr>
-        </p:nvGraphicFramePr>
-        <p:xfrm>
-          <a:off x="822325" y="1846263"/>
-          <a:ext cx="7543800" cy="4022725"/>
-        </p:xfrm>
-        <a:graphic>
-          <a:graphicData uri="http://schemas.openxmlformats.org/drawingml/2006/diagram">
-            <dgm:relIds xmlns:dgm="http://schemas.openxmlformats.org/drawingml/2006/diagram" xmlns:r="http://schemas.openxmlformats.org/officeDocument/2006/relationships" r:dm="rId2" r:lo="rId3" r:qs="rId4" r:cs="rId5"/>
-          </a:graphicData>
-        </a:graphic>
-      </p:graphicFrame>
-    </p:spTree>
-    <p:extLst>
-      <p:ext uri="{BB962C8B-B14F-4D97-AF65-F5344CB8AC3E}">
-        <p14:creationId xmlns:p14="http://schemas.microsoft.com/office/powerpoint/2010/main" val="4154079153"/>
-      </p:ext>
-    </p:extLst>
-  </p:cSld>
-  <p:clrMapOvr>
-    <a:masterClrMapping/>
-  </p:clrMapOvr>
-  <p:timing>
-    <p:tnLst>
-      <p:par>
-        <p:cTn id="1" dur="indefinite" restart="never" nodeType="tmRoot"/>
-      </p:par>
-    </p:tnLst>
-  </p:timing>
-</p:sld>
-</file>
-
-<file path=ppt/slides/slide8.xml><?xml version="1.0" encoding="utf-8"?>
-<p:sld xmlns:a="http://schemas.openxmlformats.org/drawingml/2006/main" xmlns:r="http://schemas.openxmlformats.org/officeDocument/2006/relationships" xmlns:p="http://schemas.openxmlformats.org/presentationml/2006/main">
-  <p:cSld>
-    <p:spTree>
-      <p:nvGrpSpPr>
-        <p:cNvPr id="1" name=""/>
-        <p:cNvGrpSpPr/>
-        <p:nvPr/>
-      </p:nvGrpSpPr>
-      <p:grpSpPr>
-        <a:xfrm>
-          <a:off x="0" y="0"/>
-          <a:ext cx="0" cy="0"/>
-          <a:chOff x="0" y="0"/>
-          <a:chExt cx="0" cy="0"/>
-        </a:xfrm>
-      </p:grpSpPr>
-      <p:sp>
-        <p:nvSpPr>
-          <p:cNvPr id="2" name="Title 1"/>
-          <p:cNvSpPr>
-            <a:spLocks noGrp="1"/>
-          </p:cNvSpPr>
-          <p:nvPr>
-            <p:ph type="title"/>
-          </p:nvPr>
-        </p:nvSpPr>
-        <p:spPr/>
-        <p:txBody>
-          <a:bodyPr/>
-          <a:lstStyle/>
-          <a:p>
-            <a:r>
-              <a:rPr lang="en-US" dirty="0" err="1" smtClean="0"/>
-              <a:t>Alur</a:t>
-            </a:r>
-            <a:r>
-              <a:rPr lang="en-US" dirty="0" smtClean="0"/>
-              <a:t> </a:t>
-            </a:r>
-            <a:r>
-              <a:rPr lang="en-US" dirty="0" err="1" smtClean="0"/>
               <a:t>Tanda</a:t>
             </a:r>
             <a:r>
@@ -46867,7 +47479,7 @@
 </p:sld>
 </file>
 
-<file path=ppt/slides/slide9.xml><?xml version="1.0" encoding="utf-8"?>
+<file path=ppt/slides/slide8.xml><?xml version="1.0" encoding="utf-8"?>
 <p:sld xmlns:a="http://schemas.openxmlformats.org/drawingml/2006/main" xmlns:r="http://schemas.openxmlformats.org/officeDocument/2006/relationships" xmlns:p="http://schemas.openxmlformats.org/presentationml/2006/main">
   <p:cSld>
     <p:spTree>
@@ -46944,6 +47556,103 @@
     <p:extLst>
       <p:ext uri="{BB962C8B-B14F-4D97-AF65-F5344CB8AC3E}">
         <p14:creationId xmlns:p14="http://schemas.microsoft.com/office/powerpoint/2010/main" val="891987116"/>
+      </p:ext>
+    </p:extLst>
+  </p:cSld>
+  <p:clrMapOvr>
+    <a:masterClrMapping/>
+  </p:clrMapOvr>
+  <p:timing>
+    <p:tnLst>
+      <p:par>
+        <p:cTn id="1" dur="indefinite" restart="never" nodeType="tmRoot"/>
+      </p:par>
+    </p:tnLst>
+  </p:timing>
+</p:sld>
+</file>
+
+<file path=ppt/slides/slide9.xml><?xml version="1.0" encoding="utf-8"?>
+<p:sld xmlns:a="http://schemas.openxmlformats.org/drawingml/2006/main" xmlns:r="http://schemas.openxmlformats.org/officeDocument/2006/relationships" xmlns:p="http://schemas.openxmlformats.org/presentationml/2006/main">
+  <p:cSld>
+    <p:spTree>
+      <p:nvGrpSpPr>
+        <p:cNvPr id="1" name=""/>
+        <p:cNvGrpSpPr/>
+        <p:nvPr/>
+      </p:nvGrpSpPr>
+      <p:grpSpPr>
+        <a:xfrm>
+          <a:off x="0" y="0"/>
+          <a:ext cx="0" cy="0"/>
+          <a:chOff x="0" y="0"/>
+          <a:chExt cx="0" cy="0"/>
+        </a:xfrm>
+      </p:grpSpPr>
+      <p:sp>
+        <p:nvSpPr>
+          <p:cNvPr id="2" name="Title 1"/>
+          <p:cNvSpPr>
+            <a:spLocks noGrp="1"/>
+          </p:cNvSpPr>
+          <p:nvPr>
+            <p:ph type="title"/>
+          </p:nvPr>
+        </p:nvSpPr>
+        <p:spPr>
+          <a:xfrm>
+            <a:off x="304800" y="0"/>
+            <a:ext cx="7886700" cy="1325563"/>
+          </a:xfrm>
+        </p:spPr>
+        <p:txBody>
+          <a:bodyPr/>
+          <a:lstStyle/>
+          <a:p>
+            <a:r>
+              <a:rPr lang="en-US" dirty="0" err="1" smtClean="0"/>
+              <a:t>Alur</a:t>
+            </a:r>
+            <a:r>
+              <a:rPr lang="en-US" dirty="0" smtClean="0"/>
+              <a:t> </a:t>
+            </a:r>
+            <a:r>
+              <a:rPr lang="en-US" dirty="0" err="1" smtClean="0"/>
+              <a:t>Penagihan</a:t>
+            </a:r>
+            <a:endParaRPr lang="en-US" dirty="0"/>
+          </a:p>
+        </p:txBody>
+      </p:sp>
+      <p:pic>
+        <p:nvPicPr>
+          <p:cNvPr id="4" name="Picture 3"/>
+          <p:cNvPicPr>
+            <a:picLocks noChangeAspect="1"/>
+          </p:cNvPicPr>
+          <p:nvPr/>
+        </p:nvPicPr>
+        <p:blipFill>
+          <a:blip r:embed="rId2"/>
+          <a:stretch>
+            <a:fillRect/>
+          </a:stretch>
+        </p:blipFill>
+        <p:spPr>
+          <a:xfrm>
+            <a:off x="1981200" y="922282"/>
+            <a:ext cx="6385560" cy="5935718"/>
+          </a:xfrm>
+          <a:prstGeom prst="rect">
+            <a:avLst/>
+          </a:prstGeom>
+        </p:spPr>
+      </p:pic>
+    </p:spTree>
+    <p:extLst>
+      <p:ext uri="{BB962C8B-B14F-4D97-AF65-F5344CB8AC3E}">
+        <p14:creationId xmlns:p14="http://schemas.microsoft.com/office/powerpoint/2010/main" val="1154501119"/>
       </p:ext>
     </p:extLst>
   </p:cSld>
